--- a/Activities/Activity 2/RabbitMQ – components, benefits and application.pptx
+++ b/Activities/Activity 2/RabbitMQ – components, benefits and application.pptx
@@ -5,10 +5,10 @@
     <p:sldMasterId id="2147483660" r:id="rId4"/>
   </p:sldMasterIdLst>
   <p:notesMasterIdLst>
-    <p:notesMasterId r:id="rId15"/>
+    <p:notesMasterId r:id="rId20"/>
   </p:notesMasterIdLst>
   <p:handoutMasterIdLst>
-    <p:handoutMasterId r:id="rId16"/>
+    <p:handoutMasterId r:id="rId21"/>
   </p:handoutMasterIdLst>
   <p:sldIdLst>
     <p:sldId id="257" r:id="rId5"/>
@@ -16,11 +16,16 @@
     <p:sldId id="259" r:id="rId7"/>
     <p:sldId id="260" r:id="rId8"/>
     <p:sldId id="261" r:id="rId9"/>
-    <p:sldId id="262" r:id="rId10"/>
-    <p:sldId id="263" r:id="rId11"/>
-    <p:sldId id="264" r:id="rId12"/>
-    <p:sldId id="265" r:id="rId13"/>
-    <p:sldId id="266" r:id="rId14"/>
+    <p:sldId id="267" r:id="rId10"/>
+    <p:sldId id="271" r:id="rId11"/>
+    <p:sldId id="270" r:id="rId12"/>
+    <p:sldId id="269" r:id="rId13"/>
+    <p:sldId id="268" r:id="rId14"/>
+    <p:sldId id="262" r:id="rId15"/>
+    <p:sldId id="263" r:id="rId16"/>
+    <p:sldId id="264" r:id="rId17"/>
+    <p:sldId id="265" r:id="rId18"/>
+    <p:sldId id="266" r:id="rId19"/>
   </p:sldIdLst>
   <p:sldSz cx="12188825" cy="6858000"/>
   <p:notesSz cx="6858000" cy="9144000"/>
@@ -5517,6 +5522,481 @@
           <p:cNvPr id="2" name="Title 1">
             <a:extLst>
               <a:ext uri="{FF2B5EF4-FFF2-40B4-BE49-F238E27FC236}">
+                <a16:creationId xmlns:a16="http://schemas.microsoft.com/office/drawing/2014/main" id="{B941BF1A-9C7C-B5E7-5D4A-5D18741DE45E}"/>
+              </a:ext>
+            </a:extLst>
+          </p:cNvPr>
+          <p:cNvSpPr>
+            <a:spLocks noGrp="1"/>
+          </p:cNvSpPr>
+          <p:nvPr>
+            <p:ph type="title"/>
+          </p:nvPr>
+        </p:nvSpPr>
+        <p:spPr/>
+        <p:txBody>
+          <a:bodyPr/>
+          <a:lstStyle/>
+          <a:p>
+            <a:r>
+              <a:rPr lang="en-GB" dirty="0"/>
+              <a:t>Architecture – AMQP – Virtual host</a:t>
+            </a:r>
+          </a:p>
+        </p:txBody>
+      </p:sp>
+      <p:sp>
+        <p:nvSpPr>
+          <p:cNvPr id="3" name="Content Placeholder 2">
+            <a:extLst>
+              <a:ext uri="{FF2B5EF4-FFF2-40B4-BE49-F238E27FC236}">
+                <a16:creationId xmlns:a16="http://schemas.microsoft.com/office/drawing/2014/main" id="{B620EB3B-B8E8-B29F-49DA-AA07D5139896}"/>
+              </a:ext>
+            </a:extLst>
+          </p:cNvPr>
+          <p:cNvSpPr>
+            <a:spLocks noGrp="1"/>
+          </p:cNvSpPr>
+          <p:nvPr>
+            <p:ph idx="1"/>
+          </p:nvPr>
+        </p:nvSpPr>
+        <p:spPr/>
+        <p:txBody>
+          <a:bodyPr/>
+          <a:lstStyle/>
+          <a:p>
+            <a:endParaRPr lang="en-GB" dirty="0"/>
+          </a:p>
+        </p:txBody>
+      </p:sp>
+    </p:spTree>
+    <p:extLst>
+      <p:ext uri="{BB962C8B-B14F-4D97-AF65-F5344CB8AC3E}">
+        <p14:creationId xmlns:p14="http://schemas.microsoft.com/office/powerpoint/2010/main" val="2388947289"/>
+      </p:ext>
+    </p:extLst>
+  </p:cSld>
+  <p:clrMapOvr>
+    <a:masterClrMapping/>
+  </p:clrMapOvr>
+  <mc:AlternateContent xmlns:mc="http://schemas.openxmlformats.org/markup-compatibility/2006">
+    <mc:Choice xmlns:p14="http://schemas.microsoft.com/office/powerpoint/2010/main" Requires="p14">
+      <p:transition spd="med" p14:dur="700">
+        <p:fade/>
+      </p:transition>
+    </mc:Choice>
+    <mc:Fallback>
+      <p:transition spd="med">
+        <p:fade/>
+      </p:transition>
+    </mc:Fallback>
+  </mc:AlternateContent>
+</p:sld>
+</file>
+
+<file path=ppt/slides/slide11.xml><?xml version="1.0" encoding="utf-8"?>
+<p:sld xmlns:a="http://schemas.openxmlformats.org/drawingml/2006/main" xmlns:r="http://schemas.openxmlformats.org/officeDocument/2006/relationships" xmlns:p="http://schemas.openxmlformats.org/presentationml/2006/main">
+  <p:cSld>
+    <p:spTree>
+      <p:nvGrpSpPr>
+        <p:cNvPr id="1" name=""/>
+        <p:cNvGrpSpPr/>
+        <p:nvPr/>
+      </p:nvGrpSpPr>
+      <p:grpSpPr>
+        <a:xfrm>
+          <a:off x="0" y="0"/>
+          <a:ext cx="0" cy="0"/>
+          <a:chOff x="0" y="0"/>
+          <a:chExt cx="0" cy="0"/>
+        </a:xfrm>
+      </p:grpSpPr>
+      <p:sp>
+        <p:nvSpPr>
+          <p:cNvPr id="2" name="Title 1">
+            <a:extLst>
+              <a:ext uri="{FF2B5EF4-FFF2-40B4-BE49-F238E27FC236}">
+                <a16:creationId xmlns:a16="http://schemas.microsoft.com/office/drawing/2014/main" id="{9D86AE6E-91EC-D4FD-CA19-C258F4666ECF}"/>
+              </a:ext>
+            </a:extLst>
+          </p:cNvPr>
+          <p:cNvSpPr>
+            <a:spLocks noGrp="1"/>
+          </p:cNvSpPr>
+          <p:nvPr>
+            <p:ph type="title"/>
+          </p:nvPr>
+        </p:nvSpPr>
+        <p:spPr/>
+        <p:txBody>
+          <a:bodyPr/>
+          <a:lstStyle/>
+          <a:p>
+            <a:r>
+              <a:rPr lang="en-GB" dirty="0"/>
+              <a:t>Architecture - MQTT</a:t>
+            </a:r>
+          </a:p>
+        </p:txBody>
+      </p:sp>
+      <p:sp>
+        <p:nvSpPr>
+          <p:cNvPr id="3" name="Content Placeholder 2">
+            <a:extLst>
+              <a:ext uri="{FF2B5EF4-FFF2-40B4-BE49-F238E27FC236}">
+                <a16:creationId xmlns:a16="http://schemas.microsoft.com/office/drawing/2014/main" id="{F479DA9B-BFB8-8684-92D3-30A1D8D29A01}"/>
+              </a:ext>
+            </a:extLst>
+          </p:cNvPr>
+          <p:cNvSpPr>
+            <a:spLocks noGrp="1"/>
+          </p:cNvSpPr>
+          <p:nvPr>
+            <p:ph idx="1"/>
+          </p:nvPr>
+        </p:nvSpPr>
+        <p:spPr/>
+        <p:txBody>
+          <a:bodyPr/>
+          <a:lstStyle/>
+          <a:p>
+            <a:endParaRPr lang="en-GB"/>
+          </a:p>
+        </p:txBody>
+      </p:sp>
+    </p:spTree>
+    <p:extLst>
+      <p:ext uri="{BB962C8B-B14F-4D97-AF65-F5344CB8AC3E}">
+        <p14:creationId xmlns:p14="http://schemas.microsoft.com/office/powerpoint/2010/main" val="2231865067"/>
+      </p:ext>
+    </p:extLst>
+  </p:cSld>
+  <p:clrMapOvr>
+    <a:masterClrMapping/>
+  </p:clrMapOvr>
+  <mc:AlternateContent xmlns:mc="http://schemas.openxmlformats.org/markup-compatibility/2006" xmlns:p14="http://schemas.microsoft.com/office/powerpoint/2010/main">
+    <mc:Choice Requires="p14">
+      <p:transition spd="med" p14:dur="700">
+        <p:fade/>
+      </p:transition>
+    </mc:Choice>
+    <mc:Fallback xmlns="">
+      <p:transition spd="med">
+        <p:fade/>
+      </p:transition>
+    </mc:Fallback>
+  </mc:AlternateContent>
+</p:sld>
+</file>
+
+<file path=ppt/slides/slide12.xml><?xml version="1.0" encoding="utf-8"?>
+<p:sld xmlns:a="http://schemas.openxmlformats.org/drawingml/2006/main" xmlns:r="http://schemas.openxmlformats.org/officeDocument/2006/relationships" xmlns:p="http://schemas.openxmlformats.org/presentationml/2006/main">
+  <p:cSld>
+    <p:spTree>
+      <p:nvGrpSpPr>
+        <p:cNvPr id="1" name=""/>
+        <p:cNvGrpSpPr/>
+        <p:nvPr/>
+      </p:nvGrpSpPr>
+      <p:grpSpPr>
+        <a:xfrm>
+          <a:off x="0" y="0"/>
+          <a:ext cx="0" cy="0"/>
+          <a:chOff x="0" y="0"/>
+          <a:chExt cx="0" cy="0"/>
+        </a:xfrm>
+      </p:grpSpPr>
+      <p:sp>
+        <p:nvSpPr>
+          <p:cNvPr id="2" name="Title 1">
+            <a:extLst>
+              <a:ext uri="{FF2B5EF4-FFF2-40B4-BE49-F238E27FC236}">
+                <a16:creationId xmlns:a16="http://schemas.microsoft.com/office/drawing/2014/main" id="{1DEBDA26-BB28-2C81-9E69-98BEA72C7378}"/>
+              </a:ext>
+            </a:extLst>
+          </p:cNvPr>
+          <p:cNvSpPr>
+            <a:spLocks noGrp="1"/>
+          </p:cNvSpPr>
+          <p:nvPr>
+            <p:ph type="title"/>
+          </p:nvPr>
+        </p:nvSpPr>
+        <p:spPr/>
+        <p:txBody>
+          <a:bodyPr/>
+          <a:lstStyle/>
+          <a:p>
+            <a:r>
+              <a:rPr lang="en-GB" dirty="0"/>
+              <a:t>Architecture - WebSockets</a:t>
+            </a:r>
+          </a:p>
+        </p:txBody>
+      </p:sp>
+      <p:sp>
+        <p:nvSpPr>
+          <p:cNvPr id="3" name="Content Placeholder 2">
+            <a:extLst>
+              <a:ext uri="{FF2B5EF4-FFF2-40B4-BE49-F238E27FC236}">
+                <a16:creationId xmlns:a16="http://schemas.microsoft.com/office/drawing/2014/main" id="{F8208288-45B9-5E76-C97D-8E274DC713B7}"/>
+              </a:ext>
+            </a:extLst>
+          </p:cNvPr>
+          <p:cNvSpPr>
+            <a:spLocks noGrp="1"/>
+          </p:cNvSpPr>
+          <p:nvPr>
+            <p:ph idx="1"/>
+          </p:nvPr>
+        </p:nvSpPr>
+        <p:spPr/>
+        <p:txBody>
+          <a:bodyPr/>
+          <a:lstStyle/>
+          <a:p>
+            <a:endParaRPr lang="en-GB"/>
+          </a:p>
+        </p:txBody>
+      </p:sp>
+    </p:spTree>
+    <p:extLst>
+      <p:ext uri="{BB962C8B-B14F-4D97-AF65-F5344CB8AC3E}">
+        <p14:creationId xmlns:p14="http://schemas.microsoft.com/office/powerpoint/2010/main" val="979719025"/>
+      </p:ext>
+    </p:extLst>
+  </p:cSld>
+  <p:clrMapOvr>
+    <a:masterClrMapping/>
+  </p:clrMapOvr>
+  <mc:AlternateContent xmlns:mc="http://schemas.openxmlformats.org/markup-compatibility/2006" xmlns:p14="http://schemas.microsoft.com/office/powerpoint/2010/main">
+    <mc:Choice Requires="p14">
+      <p:transition spd="med" p14:dur="700">
+        <p:fade/>
+      </p:transition>
+    </mc:Choice>
+    <mc:Fallback xmlns="">
+      <p:transition spd="med">
+        <p:fade/>
+      </p:transition>
+    </mc:Fallback>
+  </mc:AlternateContent>
+</p:sld>
+</file>
+
+<file path=ppt/slides/slide13.xml><?xml version="1.0" encoding="utf-8"?>
+<p:sld xmlns:a="http://schemas.openxmlformats.org/drawingml/2006/main" xmlns:r="http://schemas.openxmlformats.org/officeDocument/2006/relationships" xmlns:p="http://schemas.openxmlformats.org/presentationml/2006/main">
+  <p:cSld>
+    <p:spTree>
+      <p:nvGrpSpPr>
+        <p:cNvPr id="1" name=""/>
+        <p:cNvGrpSpPr/>
+        <p:nvPr/>
+      </p:nvGrpSpPr>
+      <p:grpSpPr>
+        <a:xfrm>
+          <a:off x="0" y="0"/>
+          <a:ext cx="0" cy="0"/>
+          <a:chOff x="0" y="0"/>
+          <a:chExt cx="0" cy="0"/>
+        </a:xfrm>
+      </p:grpSpPr>
+      <p:sp>
+        <p:nvSpPr>
+          <p:cNvPr id="2" name="Title 1">
+            <a:extLst>
+              <a:ext uri="{FF2B5EF4-FFF2-40B4-BE49-F238E27FC236}">
+                <a16:creationId xmlns:a16="http://schemas.microsoft.com/office/drawing/2014/main" id="{1726EA38-7D9C-AF0D-6EB3-21CDAE756CC7}"/>
+              </a:ext>
+            </a:extLst>
+          </p:cNvPr>
+          <p:cNvSpPr>
+            <a:spLocks noGrp="1"/>
+          </p:cNvSpPr>
+          <p:nvPr>
+            <p:ph type="title"/>
+          </p:nvPr>
+        </p:nvSpPr>
+        <p:spPr/>
+        <p:txBody>
+          <a:bodyPr/>
+          <a:lstStyle/>
+          <a:p>
+            <a:r>
+              <a:rPr lang="en-GB" dirty="0"/>
+              <a:t>Architecture – RabbitMQ streams</a:t>
+            </a:r>
+          </a:p>
+        </p:txBody>
+      </p:sp>
+      <p:sp>
+        <p:nvSpPr>
+          <p:cNvPr id="3" name="Content Placeholder 2">
+            <a:extLst>
+              <a:ext uri="{FF2B5EF4-FFF2-40B4-BE49-F238E27FC236}">
+                <a16:creationId xmlns:a16="http://schemas.microsoft.com/office/drawing/2014/main" id="{B480717C-3FD1-4FFE-0C71-BF7378423A11}"/>
+              </a:ext>
+            </a:extLst>
+          </p:cNvPr>
+          <p:cNvSpPr>
+            <a:spLocks noGrp="1"/>
+          </p:cNvSpPr>
+          <p:nvPr>
+            <p:ph idx="1"/>
+          </p:nvPr>
+        </p:nvSpPr>
+        <p:spPr/>
+        <p:txBody>
+          <a:bodyPr/>
+          <a:lstStyle/>
+          <a:p>
+            <a:endParaRPr lang="en-GB" dirty="0"/>
+          </a:p>
+        </p:txBody>
+      </p:sp>
+    </p:spTree>
+    <p:extLst>
+      <p:ext uri="{BB962C8B-B14F-4D97-AF65-F5344CB8AC3E}">
+        <p14:creationId xmlns:p14="http://schemas.microsoft.com/office/powerpoint/2010/main" val="3635077201"/>
+      </p:ext>
+    </p:extLst>
+  </p:cSld>
+  <p:clrMapOvr>
+    <a:masterClrMapping/>
+  </p:clrMapOvr>
+  <mc:AlternateContent xmlns:mc="http://schemas.openxmlformats.org/markup-compatibility/2006" xmlns:p14="http://schemas.microsoft.com/office/powerpoint/2010/main">
+    <mc:Choice Requires="p14">
+      <p:transition spd="med" p14:dur="700">
+        <p:fade/>
+      </p:transition>
+    </mc:Choice>
+    <mc:Fallback xmlns="">
+      <p:transition spd="med">
+        <p:fade/>
+      </p:transition>
+    </mc:Fallback>
+  </mc:AlternateContent>
+</p:sld>
+</file>
+
+<file path=ppt/slides/slide14.xml><?xml version="1.0" encoding="utf-8"?>
+<p:sld xmlns:a="http://schemas.openxmlformats.org/drawingml/2006/main" xmlns:r="http://schemas.openxmlformats.org/officeDocument/2006/relationships" xmlns:p="http://schemas.openxmlformats.org/presentationml/2006/main">
+  <p:cSld>
+    <p:spTree>
+      <p:nvGrpSpPr>
+        <p:cNvPr id="1" name=""/>
+        <p:cNvGrpSpPr/>
+        <p:nvPr/>
+      </p:nvGrpSpPr>
+      <p:grpSpPr>
+        <a:xfrm>
+          <a:off x="0" y="0"/>
+          <a:ext cx="0" cy="0"/>
+          <a:chOff x="0" y="0"/>
+          <a:chExt cx="0" cy="0"/>
+        </a:xfrm>
+      </p:grpSpPr>
+      <p:sp>
+        <p:nvSpPr>
+          <p:cNvPr id="2" name="Title 1">
+            <a:extLst>
+              <a:ext uri="{FF2B5EF4-FFF2-40B4-BE49-F238E27FC236}">
+                <a16:creationId xmlns:a16="http://schemas.microsoft.com/office/drawing/2014/main" id="{145E301B-6D96-9144-D2BF-7522B727220D}"/>
+              </a:ext>
+            </a:extLst>
+          </p:cNvPr>
+          <p:cNvSpPr>
+            <a:spLocks noGrp="1"/>
+          </p:cNvSpPr>
+          <p:nvPr>
+            <p:ph type="title"/>
+          </p:nvPr>
+        </p:nvSpPr>
+        <p:spPr/>
+        <p:txBody>
+          <a:bodyPr/>
+          <a:lstStyle/>
+          <a:p>
+            <a:r>
+              <a:rPr lang="en-GB" dirty="0"/>
+              <a:t>RabbitMQ vs. Market</a:t>
+            </a:r>
+          </a:p>
+        </p:txBody>
+      </p:sp>
+      <p:sp>
+        <p:nvSpPr>
+          <p:cNvPr id="3" name="Content Placeholder 2">
+            <a:extLst>
+              <a:ext uri="{FF2B5EF4-FFF2-40B4-BE49-F238E27FC236}">
+                <a16:creationId xmlns:a16="http://schemas.microsoft.com/office/drawing/2014/main" id="{6FD866B5-A502-116F-A0FE-87652ED1A362}"/>
+              </a:ext>
+            </a:extLst>
+          </p:cNvPr>
+          <p:cNvSpPr>
+            <a:spLocks noGrp="1"/>
+          </p:cNvSpPr>
+          <p:nvPr>
+            <p:ph idx="1"/>
+          </p:nvPr>
+        </p:nvSpPr>
+        <p:spPr/>
+        <p:txBody>
+          <a:bodyPr/>
+          <a:lstStyle/>
+          <a:p>
+            <a:endParaRPr lang="en-GB"/>
+          </a:p>
+        </p:txBody>
+      </p:sp>
+    </p:spTree>
+    <p:extLst>
+      <p:ext uri="{BB962C8B-B14F-4D97-AF65-F5344CB8AC3E}">
+        <p14:creationId xmlns:p14="http://schemas.microsoft.com/office/powerpoint/2010/main" val="2489310908"/>
+      </p:ext>
+    </p:extLst>
+  </p:cSld>
+  <p:clrMapOvr>
+    <a:masterClrMapping/>
+  </p:clrMapOvr>
+  <mc:AlternateContent xmlns:mc="http://schemas.openxmlformats.org/markup-compatibility/2006" xmlns:p14="http://schemas.microsoft.com/office/powerpoint/2010/main">
+    <mc:Choice Requires="p14">
+      <p:transition spd="med" p14:dur="700">
+        <p:fade/>
+      </p:transition>
+    </mc:Choice>
+    <mc:Fallback xmlns="">
+      <p:transition spd="med">
+        <p:fade/>
+      </p:transition>
+    </mc:Fallback>
+  </mc:AlternateContent>
+</p:sld>
+</file>
+
+<file path=ppt/slides/slide15.xml><?xml version="1.0" encoding="utf-8"?>
+<p:sld xmlns:a="http://schemas.openxmlformats.org/drawingml/2006/main" xmlns:r="http://schemas.openxmlformats.org/officeDocument/2006/relationships" xmlns:p="http://schemas.openxmlformats.org/presentationml/2006/main">
+  <p:cSld>
+    <p:spTree>
+      <p:nvGrpSpPr>
+        <p:cNvPr id="1" name=""/>
+        <p:cNvGrpSpPr/>
+        <p:nvPr/>
+      </p:nvGrpSpPr>
+      <p:grpSpPr>
+        <a:xfrm>
+          <a:off x="0" y="0"/>
+          <a:ext cx="0" cy="0"/>
+          <a:chOff x="0" y="0"/>
+          <a:chExt cx="0" cy="0"/>
+        </a:xfrm>
+      </p:grpSpPr>
+      <p:sp>
+        <p:nvSpPr>
+          <p:cNvPr id="2" name="Title 1">
+            <a:extLst>
+              <a:ext uri="{FF2B5EF4-FFF2-40B4-BE49-F238E27FC236}">
                 <a16:creationId xmlns:a16="http://schemas.microsoft.com/office/drawing/2014/main" id="{E993B2CD-C015-92D7-5BC5-2CC994173D3A}"/>
               </a:ext>
             </a:extLst>
@@ -6067,7 +6547,7 @@
           <p:cNvPr id="2" name="Title 1">
             <a:extLst>
               <a:ext uri="{FF2B5EF4-FFF2-40B4-BE49-F238E27FC236}">
-                <a16:creationId xmlns:a16="http://schemas.microsoft.com/office/drawing/2014/main" id="{9D86AE6E-91EC-D4FD-CA19-C258F4666ECF}"/>
+                <a16:creationId xmlns:a16="http://schemas.microsoft.com/office/drawing/2014/main" id="{B941BF1A-9C7C-B5E7-5D4A-5D18741DE45E}"/>
               </a:ext>
             </a:extLst>
           </p:cNvPr>
@@ -6085,7 +6565,7 @@
           <a:p>
             <a:r>
               <a:rPr lang="en-GB" dirty="0"/>
-              <a:t>Architecture - MQTT</a:t>
+              <a:t>Architecture – AMQP – Exchange</a:t>
             </a:r>
           </a:p>
         </p:txBody>
@@ -6095,7 +6575,7 @@
           <p:cNvPr id="3" name="Content Placeholder 2">
             <a:extLst>
               <a:ext uri="{FF2B5EF4-FFF2-40B4-BE49-F238E27FC236}">
-                <a16:creationId xmlns:a16="http://schemas.microsoft.com/office/drawing/2014/main" id="{F479DA9B-BFB8-8684-92D3-30A1D8D29A01}"/>
+                <a16:creationId xmlns:a16="http://schemas.microsoft.com/office/drawing/2014/main" id="{B620EB3B-B8E8-B29F-49DA-AA07D5139896}"/>
               </a:ext>
             </a:extLst>
           </p:cNvPr>
@@ -6111,27 +6591,27 @@
           <a:bodyPr/>
           <a:lstStyle/>
           <a:p>
-            <a:endParaRPr lang="en-GB"/>
+            <a:endParaRPr lang="en-GB" dirty="0"/>
           </a:p>
         </p:txBody>
       </p:sp>
     </p:spTree>
     <p:extLst>
       <p:ext uri="{BB962C8B-B14F-4D97-AF65-F5344CB8AC3E}">
-        <p14:creationId xmlns:p14="http://schemas.microsoft.com/office/powerpoint/2010/main" val="2231865067"/>
+        <p14:creationId xmlns:p14="http://schemas.microsoft.com/office/powerpoint/2010/main" val="2359273382"/>
       </p:ext>
     </p:extLst>
   </p:cSld>
   <p:clrMapOvr>
     <a:masterClrMapping/>
   </p:clrMapOvr>
-  <mc:AlternateContent xmlns:mc="http://schemas.openxmlformats.org/markup-compatibility/2006" xmlns:p14="http://schemas.microsoft.com/office/powerpoint/2010/main">
-    <mc:Choice Requires="p14">
+  <mc:AlternateContent xmlns:mc="http://schemas.openxmlformats.org/markup-compatibility/2006">
+    <mc:Choice xmlns:p14="http://schemas.microsoft.com/office/powerpoint/2010/main" Requires="p14">
       <p:transition spd="med" p14:dur="700">
         <p:fade/>
       </p:transition>
     </mc:Choice>
-    <mc:Fallback xmlns="">
+    <mc:Fallback>
       <p:transition spd="med">
         <p:fade/>
       </p:transition>
@@ -6162,7 +6642,7 @@
           <p:cNvPr id="2" name="Title 1">
             <a:extLst>
               <a:ext uri="{FF2B5EF4-FFF2-40B4-BE49-F238E27FC236}">
-                <a16:creationId xmlns:a16="http://schemas.microsoft.com/office/drawing/2014/main" id="{1DEBDA26-BB28-2C81-9E69-98BEA72C7378}"/>
+                <a16:creationId xmlns:a16="http://schemas.microsoft.com/office/drawing/2014/main" id="{B941BF1A-9C7C-B5E7-5D4A-5D18741DE45E}"/>
               </a:ext>
             </a:extLst>
           </p:cNvPr>
@@ -6180,7 +6660,7 @@
           <a:p>
             <a:r>
               <a:rPr lang="en-GB" dirty="0"/>
-              <a:t>Architecture - WebSockets</a:t>
+              <a:t>Architecture – AMQP – Routing key</a:t>
             </a:r>
           </a:p>
         </p:txBody>
@@ -6190,7 +6670,7 @@
           <p:cNvPr id="3" name="Content Placeholder 2">
             <a:extLst>
               <a:ext uri="{FF2B5EF4-FFF2-40B4-BE49-F238E27FC236}">
-                <a16:creationId xmlns:a16="http://schemas.microsoft.com/office/drawing/2014/main" id="{F8208288-45B9-5E76-C97D-8E274DC713B7}"/>
+                <a16:creationId xmlns:a16="http://schemas.microsoft.com/office/drawing/2014/main" id="{B620EB3B-B8E8-B29F-49DA-AA07D5139896}"/>
               </a:ext>
             </a:extLst>
           </p:cNvPr>
@@ -6206,27 +6686,27 @@
           <a:bodyPr/>
           <a:lstStyle/>
           <a:p>
-            <a:endParaRPr lang="en-GB"/>
+            <a:endParaRPr lang="en-GB" dirty="0"/>
           </a:p>
         </p:txBody>
       </p:sp>
     </p:spTree>
     <p:extLst>
       <p:ext uri="{BB962C8B-B14F-4D97-AF65-F5344CB8AC3E}">
-        <p14:creationId xmlns:p14="http://schemas.microsoft.com/office/powerpoint/2010/main" val="979719025"/>
+        <p14:creationId xmlns:p14="http://schemas.microsoft.com/office/powerpoint/2010/main" val="1709830881"/>
       </p:ext>
     </p:extLst>
   </p:cSld>
   <p:clrMapOvr>
     <a:masterClrMapping/>
   </p:clrMapOvr>
-  <mc:AlternateContent xmlns:mc="http://schemas.openxmlformats.org/markup-compatibility/2006" xmlns:p14="http://schemas.microsoft.com/office/powerpoint/2010/main">
-    <mc:Choice Requires="p14">
+  <mc:AlternateContent xmlns:mc="http://schemas.openxmlformats.org/markup-compatibility/2006">
+    <mc:Choice xmlns:p14="http://schemas.microsoft.com/office/powerpoint/2010/main" Requires="p14">
       <p:transition spd="med" p14:dur="700">
         <p:fade/>
       </p:transition>
     </mc:Choice>
-    <mc:Fallback xmlns="">
+    <mc:Fallback>
       <p:transition spd="med">
         <p:fade/>
       </p:transition>
@@ -6257,7 +6737,7 @@
           <p:cNvPr id="2" name="Title 1">
             <a:extLst>
               <a:ext uri="{FF2B5EF4-FFF2-40B4-BE49-F238E27FC236}">
-                <a16:creationId xmlns:a16="http://schemas.microsoft.com/office/drawing/2014/main" id="{1726EA38-7D9C-AF0D-6EB3-21CDAE756CC7}"/>
+                <a16:creationId xmlns:a16="http://schemas.microsoft.com/office/drawing/2014/main" id="{B941BF1A-9C7C-B5E7-5D4A-5D18741DE45E}"/>
               </a:ext>
             </a:extLst>
           </p:cNvPr>
@@ -6275,7 +6755,7 @@
           <a:p>
             <a:r>
               <a:rPr lang="en-GB" dirty="0"/>
-              <a:t>Architecture – RabbitMQ streams</a:t>
+              <a:t>Architecture – AMQP – Queue</a:t>
             </a:r>
           </a:p>
         </p:txBody>
@@ -6285,7 +6765,7 @@
           <p:cNvPr id="3" name="Content Placeholder 2">
             <a:extLst>
               <a:ext uri="{FF2B5EF4-FFF2-40B4-BE49-F238E27FC236}">
-                <a16:creationId xmlns:a16="http://schemas.microsoft.com/office/drawing/2014/main" id="{B480717C-3FD1-4FFE-0C71-BF7378423A11}"/>
+                <a16:creationId xmlns:a16="http://schemas.microsoft.com/office/drawing/2014/main" id="{B620EB3B-B8E8-B29F-49DA-AA07D5139896}"/>
               </a:ext>
             </a:extLst>
           </p:cNvPr>
@@ -6308,20 +6788,20 @@
     </p:spTree>
     <p:extLst>
       <p:ext uri="{BB962C8B-B14F-4D97-AF65-F5344CB8AC3E}">
-        <p14:creationId xmlns:p14="http://schemas.microsoft.com/office/powerpoint/2010/main" val="3635077201"/>
+        <p14:creationId xmlns:p14="http://schemas.microsoft.com/office/powerpoint/2010/main" val="3529036614"/>
       </p:ext>
     </p:extLst>
   </p:cSld>
   <p:clrMapOvr>
     <a:masterClrMapping/>
   </p:clrMapOvr>
-  <mc:AlternateContent xmlns:mc="http://schemas.openxmlformats.org/markup-compatibility/2006" xmlns:p14="http://schemas.microsoft.com/office/powerpoint/2010/main">
-    <mc:Choice Requires="p14">
+  <mc:AlternateContent xmlns:mc="http://schemas.openxmlformats.org/markup-compatibility/2006">
+    <mc:Choice xmlns:p14="http://schemas.microsoft.com/office/powerpoint/2010/main" Requires="p14">
       <p:transition spd="med" p14:dur="700">
         <p:fade/>
       </p:transition>
     </mc:Choice>
-    <mc:Fallback xmlns="">
+    <mc:Fallback>
       <p:transition spd="med">
         <p:fade/>
       </p:transition>
@@ -6352,7 +6832,7 @@
           <p:cNvPr id="2" name="Title 1">
             <a:extLst>
               <a:ext uri="{FF2B5EF4-FFF2-40B4-BE49-F238E27FC236}">
-                <a16:creationId xmlns:a16="http://schemas.microsoft.com/office/drawing/2014/main" id="{145E301B-6D96-9144-D2BF-7522B727220D}"/>
+                <a16:creationId xmlns:a16="http://schemas.microsoft.com/office/drawing/2014/main" id="{B941BF1A-9C7C-B5E7-5D4A-5D18741DE45E}"/>
               </a:ext>
             </a:extLst>
           </p:cNvPr>
@@ -6370,7 +6850,7 @@
           <a:p>
             <a:r>
               <a:rPr lang="en-GB" dirty="0"/>
-              <a:t>RabbitMQ vs. Market</a:t>
+              <a:t>Architecture – AMQP – Binding</a:t>
             </a:r>
           </a:p>
         </p:txBody>
@@ -6380,7 +6860,7 @@
           <p:cNvPr id="3" name="Content Placeholder 2">
             <a:extLst>
               <a:ext uri="{FF2B5EF4-FFF2-40B4-BE49-F238E27FC236}">
-                <a16:creationId xmlns:a16="http://schemas.microsoft.com/office/drawing/2014/main" id="{6FD866B5-A502-116F-A0FE-87652ED1A362}"/>
+                <a16:creationId xmlns:a16="http://schemas.microsoft.com/office/drawing/2014/main" id="{B620EB3B-B8E8-B29F-49DA-AA07D5139896}"/>
               </a:ext>
             </a:extLst>
           </p:cNvPr>
@@ -6396,27 +6876,27 @@
           <a:bodyPr/>
           <a:lstStyle/>
           <a:p>
-            <a:endParaRPr lang="en-GB"/>
+            <a:endParaRPr lang="en-GB" dirty="0"/>
           </a:p>
         </p:txBody>
       </p:sp>
     </p:spTree>
     <p:extLst>
       <p:ext uri="{BB962C8B-B14F-4D97-AF65-F5344CB8AC3E}">
-        <p14:creationId xmlns:p14="http://schemas.microsoft.com/office/powerpoint/2010/main" val="2489310908"/>
+        <p14:creationId xmlns:p14="http://schemas.microsoft.com/office/powerpoint/2010/main" val="696055666"/>
       </p:ext>
     </p:extLst>
   </p:cSld>
   <p:clrMapOvr>
     <a:masterClrMapping/>
   </p:clrMapOvr>
-  <mc:AlternateContent xmlns:mc="http://schemas.openxmlformats.org/markup-compatibility/2006" xmlns:p14="http://schemas.microsoft.com/office/powerpoint/2010/main">
-    <mc:Choice Requires="p14">
+  <mc:AlternateContent xmlns:mc="http://schemas.openxmlformats.org/markup-compatibility/2006">
+    <mc:Choice xmlns:p14="http://schemas.microsoft.com/office/powerpoint/2010/main" Requires="p14">
       <p:transition spd="med" p14:dur="700">
         <p:fade/>
       </p:transition>
     </mc:Choice>
-    <mc:Fallback xmlns="">
+    <mc:Fallback>
       <p:transition spd="med">
         <p:fade/>
       </p:transition>
@@ -7376,6 +7856,1046 @@
 </file>
 
 <file path=customXml/item1.xml><?xml version="1.0" encoding="utf-8"?>
+<ct:contentTypeSchema xmlns:ct="http://schemas.microsoft.com/office/2006/metadata/contentType" xmlns:ma="http://schemas.microsoft.com/office/2006/metadata/properties/metaAttributes" ct:_="" ma:_="" ma:contentTypeName="TemplateFile" ma:contentTypeID="0x0101006EDDDB5EE6D98C44930B742096920B300400F5B6D36B3EF94B4E9A635CDF2A18F5B8" ma:contentTypeVersion="72" ma:contentTypeDescription="Create a new document." ma:contentTypeScope="" ma:versionID="a23e56308344d904b51738559c3d67c9">
+  <xsd:schema xmlns:xsd="http://www.w3.org/2001/XMLSchema" xmlns:xs="http://www.w3.org/2001/XMLSchema" xmlns:p="http://schemas.microsoft.com/office/2006/metadata/properties" xmlns:ns2="4873beb7-5857-4685-be1f-d57550cc96cc" targetNamespace="http://schemas.microsoft.com/office/2006/metadata/properties" ma:root="true" ma:fieldsID="cd0908cc4600e77bf5da051303e00c8d" ns2:_="">
+    <xsd:import namespace="4873beb7-5857-4685-be1f-d57550cc96cc"/>
+    <xsd:element name="properties">
+      <xsd:complexType>
+        <xsd:sequence>
+          <xsd:element name="documentManagement">
+            <xsd:complexType>
+              <xsd:all>
+                <xsd:element ref="ns2:AcquiredFrom" minOccurs="0"/>
+                <xsd:element ref="ns2:UACurrentWords" minOccurs="0"/>
+                <xsd:element ref="ns2:TPApplication" minOccurs="0"/>
+                <xsd:element ref="ns2:ApprovalLog" minOccurs="0"/>
+                <xsd:element ref="ns2:ApprovalStatus" minOccurs="0"/>
+                <xsd:element ref="ns2:AssetStart" minOccurs="0"/>
+                <xsd:element ref="ns2:AssetExpire" minOccurs="0"/>
+                <xsd:element ref="ns2:AssetId" minOccurs="0"/>
+                <xsd:element ref="ns2:IsSearchable" minOccurs="0"/>
+                <xsd:element ref="ns2:AssetType" minOccurs="0"/>
+                <xsd:element ref="ns2:APAuthor" minOccurs="0"/>
+                <xsd:element ref="ns2:AverageRating" minOccurs="0"/>
+                <xsd:element ref="ns2:BlockPublish" minOccurs="0"/>
+                <xsd:element ref="ns2:BugNumber" minOccurs="0"/>
+                <xsd:element ref="ns2:CampaignTagsTaxHTField0" minOccurs="0"/>
+                <xsd:element ref="ns2:TPClientViewer" minOccurs="0"/>
+                <xsd:element ref="ns2:ClipArtFilename" minOccurs="0"/>
+                <xsd:element ref="ns2:TPCommandLine" minOccurs="0"/>
+                <xsd:element ref="ns2:TPComponent" minOccurs="0"/>
+                <xsd:element ref="ns2:ContentItem" minOccurs="0"/>
+                <xsd:element ref="ns2:CrawlForDependencies" minOccurs="0"/>
+                <xsd:element ref="ns2:CSXHash" minOccurs="0"/>
+                <xsd:element ref="ns2:CSXSubmissionMarket" minOccurs="0"/>
+                <xsd:element ref="ns2:CSXUpdate" minOccurs="0"/>
+                <xsd:element ref="ns2:IntlLangReviewDate" minOccurs="0"/>
+                <xsd:element ref="ns2:IsDeleted" minOccurs="0"/>
+                <xsd:element ref="ns2:APDescription" minOccurs="0"/>
+                <xsd:element ref="ns2:DirectSourceMarket" minOccurs="0"/>
+                <xsd:element ref="ns2:Downloads" minOccurs="0"/>
+                <xsd:element ref="ns2:DSATActionTaken" minOccurs="0"/>
+                <xsd:element ref="ns2:APEditor" minOccurs="0"/>
+                <xsd:element ref="ns2:EditorialStatus" minOccurs="0"/>
+                <xsd:element ref="ns2:EditorialTags" minOccurs="0"/>
+                <xsd:element ref="ns2:TPExecutable" minOccurs="0"/>
+                <xsd:element ref="ns2:FeatureTagsTaxHTField0" minOccurs="0"/>
+                <xsd:element ref="ns2:TPFriendlyName" minOccurs="0"/>
+                <xsd:element ref="ns2:FriendlyTitle" minOccurs="0"/>
+                <xsd:element ref="ns2:PrimaryImageGen" minOccurs="0"/>
+                <xsd:element ref="ns2:HandoffToMSDN" minOccurs="0"/>
+                <xsd:element ref="ns2:InProjectListLookup" minOccurs="0"/>
+                <xsd:element ref="ns2:TPInstallLocation" minOccurs="0"/>
+                <xsd:element ref="ns2:InternalTagsTaxHTField0" minOccurs="0"/>
+                <xsd:element ref="ns2:IntlLangReview" minOccurs="0"/>
+                <xsd:element ref="ns2:IntlLangReviewer" minOccurs="0"/>
+                <xsd:element ref="ns2:MarketSpecific" minOccurs="0"/>
+                <xsd:element ref="ns2:LastCompleteVersionLookup" minOccurs="0"/>
+                <xsd:element ref="ns2:LastHandOff" minOccurs="0"/>
+                <xsd:element ref="ns2:LastModifiedDateTime" minOccurs="0"/>
+                <xsd:element ref="ns2:LastPreviewErrorLookup" minOccurs="0"/>
+                <xsd:element ref="ns2:LastPreviewResultLookup" minOccurs="0"/>
+                <xsd:element ref="ns2:LastPreviewAttemptDateLookup" minOccurs="0"/>
+                <xsd:element ref="ns2:LastPreviewedByLookup" minOccurs="0"/>
+                <xsd:element ref="ns2:LastPreviewTimeLookup" minOccurs="0"/>
+                <xsd:element ref="ns2:LastPreviewVersionLookup" minOccurs="0"/>
+                <xsd:element ref="ns2:LastPublishErrorLookup" minOccurs="0"/>
+                <xsd:element ref="ns2:LastPublishResultLookup" minOccurs="0"/>
+                <xsd:element ref="ns2:LastPublishAttemptDateLookup" minOccurs="0"/>
+                <xsd:element ref="ns2:LastPublishedByLookup" minOccurs="0"/>
+                <xsd:element ref="ns2:LastPublishTimeLookup" minOccurs="0"/>
+                <xsd:element ref="ns2:LastPublishVersionLookup" minOccurs="0"/>
+                <xsd:element ref="ns2:TPLaunchHelpLinkType" minOccurs="0"/>
+                <xsd:element ref="ns2:LegacyData" minOccurs="0"/>
+                <xsd:element ref="ns2:TPLaunchHelpLink" minOccurs="0"/>
+                <xsd:element ref="ns2:LocComments" minOccurs="0"/>
+                <xsd:element ref="ns2:LocLastLocAttemptVersionLookup" minOccurs="0"/>
+                <xsd:element ref="ns2:LocLastLocAttemptVersionTypeLookup" minOccurs="0"/>
+                <xsd:element ref="ns2:LocManualTestRequired" minOccurs="0"/>
+                <xsd:element ref="ns2:LocMarketGroupTiers2" minOccurs="0"/>
+                <xsd:element ref="ns2:LocNewPublishedVersionLookup" minOccurs="0"/>
+                <xsd:element ref="ns2:LocOverallHandbackStatusLookup" minOccurs="0"/>
+                <xsd:element ref="ns2:LocOverallLocStatusLookup" minOccurs="0"/>
+                <xsd:element ref="ns2:LocOverallPreviewStatusLookup" minOccurs="0"/>
+                <xsd:element ref="ns2:LocOverallPublishStatusLookup" minOccurs="0"/>
+                <xsd:element ref="ns2:IntlLocPriority" minOccurs="0"/>
+                <xsd:element ref="ns2:LocProcessedForHandoffsLookup" minOccurs="0"/>
+                <xsd:element ref="ns2:LocProcessedForMarketsLookup" minOccurs="0"/>
+                <xsd:element ref="ns2:LocPublishedDependentAssetsLookup" minOccurs="0"/>
+                <xsd:element ref="ns2:LocPublishedLinkedAssetsLookup" minOccurs="0"/>
+                <xsd:element ref="ns2:LocRecommendedHandoff" minOccurs="0"/>
+                <xsd:element ref="ns2:LocalizationTagsTaxHTField0" minOccurs="0"/>
+                <xsd:element ref="ns2:MachineTranslated" minOccurs="0"/>
+                <xsd:element ref="ns2:Manager" minOccurs="0"/>
+                <xsd:element ref="ns2:Markets" minOccurs="0"/>
+                <xsd:element ref="ns2:Milestone" minOccurs="0"/>
+                <xsd:element ref="ns2:TPNamespace" minOccurs="0"/>
+                <xsd:element ref="ns2:NumericId" minOccurs="0"/>
+                <xsd:element ref="ns2:NumOfRatingsLookup" minOccurs="0"/>
+                <xsd:element ref="ns2:OOCacheId" minOccurs="0"/>
+                <xsd:element ref="ns2:OpenTemplate" minOccurs="0"/>
+                <xsd:element ref="ns2:OriginAsset" minOccurs="0"/>
+                <xsd:element ref="ns2:OriginalRelease" minOccurs="0"/>
+                <xsd:element ref="ns2:OriginalSourceMarket" minOccurs="0"/>
+                <xsd:element ref="ns2:OutputCachingOn" minOccurs="0"/>
+                <xsd:element ref="ns2:ParentAssetId" minOccurs="0"/>
+                <xsd:element ref="ns2:PlannedPubDate" minOccurs="0"/>
+                <xsd:element ref="ns2:PolicheckWords" minOccurs="0"/>
+                <xsd:element ref="ns2:BusinessGroup" minOccurs="0"/>
+                <xsd:element ref="ns2:UAProjectedTotalWords" minOccurs="0"/>
+                <xsd:element ref="ns2:Provider" minOccurs="0"/>
+                <xsd:element ref="ns2:Providers" minOccurs="0"/>
+                <xsd:element ref="ns2:PublishStatusLookup" minOccurs="0"/>
+                <xsd:element ref="ns2:PublishTargets" minOccurs="0"/>
+                <xsd:element ref="ns2:RecommendationsModifier" minOccurs="0"/>
+                <xsd:element ref="ns2:ArtSampleDocs" minOccurs="0"/>
+                <xsd:element ref="ns2:ScenarioTagsTaxHTField0" minOccurs="0"/>
+                <xsd:element ref="ns2:ShowIn" minOccurs="0"/>
+                <xsd:element ref="ns2:SourceTitle" minOccurs="0"/>
+                <xsd:element ref="ns2:CSXSubmissionDate" minOccurs="0"/>
+                <xsd:element ref="ns2:SubmitterId" minOccurs="0"/>
+                <xsd:element ref="ns2:TaxCatchAll" minOccurs="0"/>
+                <xsd:element ref="ns2:TaxCatchAllLabel" minOccurs="0"/>
+                <xsd:element ref="ns2:TemplateStatus" minOccurs="0"/>
+                <xsd:element ref="ns2:TemplateTemplateType" minOccurs="0"/>
+                <xsd:element ref="ns2:ThumbnailAssetId" minOccurs="0"/>
+                <xsd:element ref="ns2:TimesCloned" minOccurs="0"/>
+                <xsd:element ref="ns2:TrustLevel" minOccurs="0"/>
+                <xsd:element ref="ns2:UALocComments" minOccurs="0"/>
+                <xsd:element ref="ns2:UALocRecommendation" minOccurs="0"/>
+                <xsd:element ref="ns2:UANotes" minOccurs="0"/>
+                <xsd:element ref="ns2:TPAppVersion" minOccurs="0"/>
+                <xsd:element ref="ns2:VoteCount" minOccurs="0"/>
+              </xsd:all>
+            </xsd:complexType>
+          </xsd:element>
+        </xsd:sequence>
+      </xsd:complexType>
+    </xsd:element>
+  </xsd:schema>
+  <xsd:schema xmlns:xsd="http://www.w3.org/2001/XMLSchema" xmlns:xs="http://www.w3.org/2001/XMLSchema" xmlns:dms="http://schemas.microsoft.com/office/2006/documentManagement/types" xmlns:pc="http://schemas.microsoft.com/office/infopath/2007/PartnerControls" targetNamespace="4873beb7-5857-4685-be1f-d57550cc96cc" elementFormDefault="qualified">
+    <xsd:import namespace="http://schemas.microsoft.com/office/2006/documentManagement/types"/>
+    <xsd:import namespace="http://schemas.microsoft.com/office/infopath/2007/PartnerControls"/>
+    <xsd:element name="AcquiredFrom" ma:index="1" nillable="true" ma:displayName="Acquired From" ma:default="Internal MS" ma:internalName="AcquiredFrom" ma:readOnly="false">
+      <xsd:simpleType>
+        <xsd:restriction base="dms:Choice">
+          <xsd:enumeration value="Internal MS"/>
+          <xsd:enumeration value="Community"/>
+          <xsd:enumeration value="MVP"/>
+          <xsd:enumeration value="Publisher"/>
+          <xsd:enumeration value="Partner"/>
+          <xsd:enumeration value="None"/>
+        </xsd:restriction>
+      </xsd:simpleType>
+    </xsd:element>
+    <xsd:element name="UACurrentWords" ma:index="2" nillable="true" ma:displayName="Actual Word Count" ma:default="" ma:internalName="UACurrentWords" ma:readOnly="false">
+      <xsd:simpleType>
+        <xsd:restriction base="dms:Unknown"/>
+      </xsd:simpleType>
+    </xsd:element>
+    <xsd:element name="TPApplication" ma:index="3" nillable="true" ma:displayName="Application to Open Template With" ma:default="" ma:internalName="TPApplication">
+      <xsd:simpleType>
+        <xsd:restriction base="dms:Text"/>
+      </xsd:simpleType>
+    </xsd:element>
+    <xsd:element name="ApprovalLog" ma:index="4" nillable="true" ma:displayName="Approval Log" ma:default="" ma:hidden="true" ma:internalName="ApprovalLog" ma:readOnly="false">
+      <xsd:simpleType>
+        <xsd:restriction base="dms:Note"/>
+      </xsd:simpleType>
+    </xsd:element>
+    <xsd:element name="ApprovalStatus" ma:index="5" nillable="true" ma:displayName="Approval Status" ma:default="InProgress" ma:internalName="ApprovalStatus" ma:readOnly="false">
+      <xsd:simpleType>
+        <xsd:restriction base="dms:Choice">
+          <xsd:enumeration value="InProgress"/>
+          <xsd:enumeration value="Rejected"/>
+          <xsd:enumeration value="Questionable"/>
+          <xsd:enumeration value="ApprovedAutomatic"/>
+          <xsd:enumeration value="ApprovedManual"/>
+          <xsd:enumeration value="On Hold"/>
+          <xsd:enumeration value="Needs Review"/>
+          <xsd:enumeration value="A Violation"/>
+          <xsd:enumeration value="Unpublished Violation"/>
+        </xsd:restriction>
+      </xsd:simpleType>
+    </xsd:element>
+    <xsd:element name="AssetStart" ma:index="6" nillable="true" ma:displayName="Asset Begin Date" ma:default="[Today]" ma:internalName="AssetStart" ma:readOnly="false">
+      <xsd:simpleType>
+        <xsd:restriction base="dms:DateTime"/>
+      </xsd:simpleType>
+    </xsd:element>
+    <xsd:element name="AssetExpire" ma:index="7" nillable="true" ma:displayName="Asset End Date" ma:default="2029-01-01T08:00:00Z" ma:format="DateTime" ma:internalName="AssetExpire" ma:readOnly="false">
+      <xsd:simpleType>
+        <xsd:restriction base="dms:DateTime"/>
+      </xsd:simpleType>
+    </xsd:element>
+    <xsd:element name="AssetId" ma:index="8" nillable="true" ma:displayName="Asset ID" ma:default="" ma:indexed="true" ma:internalName="AssetId" ma:readOnly="false">
+      <xsd:simpleType>
+        <xsd:restriction base="dms:Text">
+          <xsd:maxLength value="255"/>
+        </xsd:restriction>
+      </xsd:simpleType>
+    </xsd:element>
+    <xsd:element name="IsSearchable" ma:index="9" nillable="true" ma:displayName="Asset Searchable?" ma:default="true" ma:internalName="IsSearchable" ma:readOnly="false">
+      <xsd:simpleType>
+        <xsd:restriction base="dms:Boolean"/>
+      </xsd:simpleType>
+    </xsd:element>
+    <xsd:element name="AssetType" ma:index="10" nillable="true" ma:displayName="Asset Type" ma:default="" ma:internalName="AssetType" ma:readOnly="false">
+      <xsd:simpleType>
+        <xsd:restriction base="dms:Unknown"/>
+      </xsd:simpleType>
+    </xsd:element>
+    <xsd:element name="APAuthor" ma:index="11" nillable="true" ma:displayName="Author" ma:default="" ma:list="UserInfo" ma:internalName="APAuthor" ma:readOnly="false">
+      <xsd:complexType>
+        <xsd:complexContent>
+          <xsd:extension base="dms:User">
+            <xsd:sequence>
+              <xsd:element name="UserInfo" minOccurs="0" maxOccurs="unbounded">
+                <xsd:complexType>
+                  <xsd:sequence>
+                    <xsd:element name="DisplayName" type="xsd:string" minOccurs="0"/>
+                    <xsd:element name="AccountId" type="dms:UserId" minOccurs="0" nillable="true"/>
+                    <xsd:element name="AccountType" type="xsd:string" minOccurs="0"/>
+                  </xsd:sequence>
+                </xsd:complexType>
+              </xsd:element>
+            </xsd:sequence>
+          </xsd:extension>
+        </xsd:complexContent>
+      </xsd:complexType>
+    </xsd:element>
+    <xsd:element name="AverageRating" ma:index="12" nillable="true" ma:displayName="Average Rating" ma:internalName="AverageRating" ma:readOnly="false">
+      <xsd:simpleType>
+        <xsd:restriction base="dms:Text"/>
+      </xsd:simpleType>
+    </xsd:element>
+    <xsd:element name="BlockPublish" ma:index="13" nillable="true" ma:displayName="Block from Publishing?" ma:default="" ma:internalName="BlockPublish" ma:readOnly="false">
+      <xsd:simpleType>
+        <xsd:restriction base="dms:Boolean"/>
+      </xsd:simpleType>
+    </xsd:element>
+    <xsd:element name="BugNumber" ma:index="14" nillable="true" ma:displayName="Bug Number" ma:default="" ma:internalName="BugNumber" ma:readOnly="false">
+      <xsd:simpleType>
+        <xsd:restriction base="dms:Text"/>
+      </xsd:simpleType>
+    </xsd:element>
+    <xsd:element name="CampaignTagsTaxHTField0" ma:index="16" nillable="true" ma:taxonomy="true" ma:internalName="CampaignTagsTaxHTField0" ma:taxonomyFieldName="CampaignTags" ma:displayName="Campaigns" ma:readOnly="false" ma:default="" ma:fieldId="{1df42cc3-2301-4f11-a52a-6ead923c29ed}" ma:taxonomyMulti="true" ma:sspId="8f79753a-75d3-41f5-8ca3-40b843941b4f" ma:termSetId="ca0e50d4-faa1-44ce-961e-bb1441c60e66" ma:anchorId="00000000-0000-0000-0000-000000000000" ma:open="false" ma:isKeyword="false">
+      <xsd:complexType>
+        <xsd:sequence>
+          <xsd:element ref="pc:Terms" minOccurs="0" maxOccurs="1"/>
+        </xsd:sequence>
+      </xsd:complexType>
+    </xsd:element>
+    <xsd:element name="TPClientViewer" ma:index="17" nillable="true" ma:displayName="Client Viewer" ma:default="" ma:internalName="TPClientViewer">
+      <xsd:simpleType>
+        <xsd:restriction base="dms:Text"/>
+      </xsd:simpleType>
+    </xsd:element>
+    <xsd:element name="ClipArtFilename" ma:index="18" nillable="true" ma:displayName="Clip Art Name" ma:default="" ma:internalName="ClipArtFilename" ma:readOnly="false">
+      <xsd:simpleType>
+        <xsd:restriction base="dms:Text"/>
+      </xsd:simpleType>
+    </xsd:element>
+    <xsd:element name="TPCommandLine" ma:index="19" nillable="true" ma:displayName="Command Line" ma:default="" ma:internalName="TPCommandLine">
+      <xsd:simpleType>
+        <xsd:restriction base="dms:Text"/>
+      </xsd:simpleType>
+    </xsd:element>
+    <xsd:element name="TPComponent" ma:index="20" nillable="true" ma:displayName="Component" ma:default="" ma:internalName="TPComponent">
+      <xsd:simpleType>
+        <xsd:restriction base="dms:Text"/>
+      </xsd:simpleType>
+    </xsd:element>
+    <xsd:element name="ContentItem" ma:index="21" nillable="true" ma:displayName="Content Item" ma:default="" ma:hidden="true" ma:internalName="ContentItem" ma:readOnly="false">
+      <xsd:simpleType>
+        <xsd:restriction base="dms:Unknown"/>
+      </xsd:simpleType>
+    </xsd:element>
+    <xsd:element name="CrawlForDependencies" ma:index="23" nillable="true" ma:displayName="Crawl for Dependencies?" ma:default="true" ma:internalName="CrawlForDependencies" ma:readOnly="false">
+      <xsd:simpleType>
+        <xsd:restriction base="dms:Boolean"/>
+      </xsd:simpleType>
+    </xsd:element>
+    <xsd:element name="CSXHash" ma:index="26" nillable="true" ma:displayName="CSX Hash" ma:default="" ma:indexed="true" ma:internalName="CSXHash" ma:readOnly="false">
+      <xsd:simpleType>
+        <xsd:restriction base="dms:Text"/>
+      </xsd:simpleType>
+    </xsd:element>
+    <xsd:element name="CSXSubmissionMarket" ma:index="27" nillable="true" ma:displayName="CSX Submission Market" ma:default="" ma:list="{2FBD1B11-2ACE-4FDC-B5A3-635D4ADF6F1B}" ma:internalName="CSXSubmissionMarket" ma:readOnly="false" ma:showField="MarketName" ma:web="4873beb7-5857-4685-be1f-d57550cc96cc">
+      <xsd:simpleType>
+        <xsd:restriction base="dms:Lookup"/>
+      </xsd:simpleType>
+    </xsd:element>
+    <xsd:element name="CSXUpdate" ma:index="28" nillable="true" ma:displayName="CSX Updated?" ma:default="false" ma:internalName="CSXUpdate" ma:readOnly="false">
+      <xsd:simpleType>
+        <xsd:restriction base="dms:Boolean"/>
+      </xsd:simpleType>
+    </xsd:element>
+    <xsd:element name="IntlLangReviewDate" ma:index="29" nillable="true" ma:displayName="Date to Complete Intl QA" ma:default="" ma:internalName="IntlLangReviewDate" ma:readOnly="false">
+      <xsd:simpleType>
+        <xsd:restriction base="dms:DateTime"/>
+      </xsd:simpleType>
+    </xsd:element>
+    <xsd:element name="IsDeleted" ma:index="30" nillable="true" ma:displayName="Deleted?" ma:default="" ma:internalName="IsDeleted" ma:readOnly="false">
+      <xsd:simpleType>
+        <xsd:restriction base="dms:Boolean"/>
+      </xsd:simpleType>
+    </xsd:element>
+    <xsd:element name="APDescription" ma:index="31" nillable="true" ma:displayName="Description" ma:default="" ma:internalName="APDescription" ma:readOnly="false">
+      <xsd:simpleType>
+        <xsd:restriction base="dms:Note"/>
+      </xsd:simpleType>
+    </xsd:element>
+    <xsd:element name="DirectSourceMarket" ma:index="32" nillable="true" ma:displayName="Direct Source Market Group" ma:default="" ma:internalName="DirectSourceMarket" ma:readOnly="false">
+      <xsd:simpleType>
+        <xsd:restriction base="dms:Text"/>
+      </xsd:simpleType>
+    </xsd:element>
+    <xsd:element name="Downloads" ma:index="33" nillable="true" ma:displayName="Downloads" ma:default="0" ma:hidden="true" ma:internalName="Downloads" ma:readOnly="false">
+      <xsd:simpleType>
+        <xsd:restriction base="dms:Unknown"/>
+      </xsd:simpleType>
+    </xsd:element>
+    <xsd:element name="DSATActionTaken" ma:index="34" nillable="true" ma:displayName="DSAT Action Taken" ma:default="" ma:internalName="DSATActionTaken" ma:readOnly="false">
+      <xsd:simpleType>
+        <xsd:restriction base="dms:Choice">
+          <xsd:enumeration value="Best Bets"/>
+          <xsd:enumeration value="Expire"/>
+          <xsd:enumeration value="Hide"/>
+          <xsd:enumeration value="None"/>
+        </xsd:restriction>
+      </xsd:simpleType>
+    </xsd:element>
+    <xsd:element name="APEditor" ma:index="35" nillable="true" ma:displayName="Editor" ma:default="" ma:list="UserInfo" ma:internalName="APEditor" ma:readOnly="false">
+      <xsd:complexType>
+        <xsd:complexContent>
+          <xsd:extension base="dms:User">
+            <xsd:sequence>
+              <xsd:element name="UserInfo" minOccurs="0" maxOccurs="unbounded">
+                <xsd:complexType>
+                  <xsd:sequence>
+                    <xsd:element name="DisplayName" type="xsd:string" minOccurs="0"/>
+                    <xsd:element name="AccountId" type="dms:UserId" minOccurs="0" nillable="true"/>
+                    <xsd:element name="AccountType" type="xsd:string" minOccurs="0"/>
+                  </xsd:sequence>
+                </xsd:complexType>
+              </xsd:element>
+            </xsd:sequence>
+          </xsd:extension>
+        </xsd:complexContent>
+      </xsd:complexType>
+    </xsd:element>
+    <xsd:element name="EditorialStatus" ma:index="36" nillable="true" ma:displayName="Editorial Status" ma:default="" ma:internalName="EditorialStatus" ma:readOnly="false">
+      <xsd:simpleType>
+        <xsd:restriction base="dms:Unknown"/>
+      </xsd:simpleType>
+    </xsd:element>
+    <xsd:element name="EditorialTags" ma:index="37" nillable="true" ma:displayName="Editorial Tags" ma:default="" ma:internalName="EditorialTags">
+      <xsd:simpleType>
+        <xsd:restriction base="dms:Unknown"/>
+      </xsd:simpleType>
+    </xsd:element>
+    <xsd:element name="TPExecutable" ma:index="38" nillable="true" ma:displayName="Executable" ma:default="" ma:internalName="TPExecutable">
+      <xsd:simpleType>
+        <xsd:restriction base="dms:Text"/>
+      </xsd:simpleType>
+    </xsd:element>
+    <xsd:element name="FeatureTagsTaxHTField0" ma:index="40" nillable="true" ma:taxonomy="true" ma:internalName="FeatureTagsTaxHTField0" ma:taxonomyFieldName="FeatureTags" ma:displayName="Features" ma:readOnly="false" ma:default="" ma:fieldId="{7fc0d542-15c6-4882-a8e3-13bca44403fb}" ma:taxonomyMulti="true" ma:sspId="8f79753a-75d3-41f5-8ca3-40b843941b4f" ma:termSetId="f1ab6845-967d-4854-a0ba-4ec07f0f8113" ma:anchorId="00000000-0000-0000-0000-000000000000" ma:open="false" ma:isKeyword="false">
+      <xsd:complexType>
+        <xsd:sequence>
+          <xsd:element ref="pc:Terms" minOccurs="0" maxOccurs="1"/>
+        </xsd:sequence>
+      </xsd:complexType>
+    </xsd:element>
+    <xsd:element name="TPFriendlyName" ma:index="41" nillable="true" ma:displayName="Friendly Name" ma:default="" ma:internalName="TPFriendlyName">
+      <xsd:simpleType>
+        <xsd:restriction base="dms:Text"/>
+      </xsd:simpleType>
+    </xsd:element>
+    <xsd:element name="FriendlyTitle" ma:index="42" nillable="true" ma:displayName="Friendly Title" ma:default="" ma:description="Shorter title to be used when displaying search results" ma:internalName="FriendlyTitle" ma:readOnly="false">
+      <xsd:simpleType>
+        <xsd:restriction base="dms:Text"/>
+      </xsd:simpleType>
+    </xsd:element>
+    <xsd:element name="PrimaryImageGen" ma:index="43" nillable="true" ma:displayName="Generate Images?" ma:default="true" ma:internalName="PrimaryImageGen">
+      <xsd:simpleType>
+        <xsd:restriction base="dms:Boolean"/>
+      </xsd:simpleType>
+    </xsd:element>
+    <xsd:element name="HandoffToMSDN" ma:index="44" nillable="true" ma:displayName="Handoff To MSDN Date" ma:default="" ma:internalName="HandoffToMSDN" ma:readOnly="false">
+      <xsd:simpleType>
+        <xsd:restriction base="dms:DateTime"/>
+      </xsd:simpleType>
+    </xsd:element>
+    <xsd:element name="InProjectListLookup" ma:index="45" nillable="true" ma:displayName="InProjectListLookup" ma:list="{9E343742-310B-4684-A24C-1D137CB4B230}" ma:internalName="InProjectListLookup" ma:readOnly="true" ma:showField="InProjectList" ma:web="4873beb7-5857-4685-be1f-d57550cc96cc">
+      <xsd:complexType>
+        <xsd:complexContent>
+          <xsd:extension base="dms:MultiChoiceLookup">
+            <xsd:sequence>
+              <xsd:element name="Value" type="dms:Lookup" maxOccurs="unbounded" minOccurs="0" nillable="true"/>
+            </xsd:sequence>
+          </xsd:extension>
+        </xsd:complexContent>
+      </xsd:complexType>
+    </xsd:element>
+    <xsd:element name="TPInstallLocation" ma:index="46" nillable="true" ma:displayName="Install Location" ma:default="" ma:internalName="TPInstallLocation">
+      <xsd:simpleType>
+        <xsd:restriction base="dms:Text"/>
+      </xsd:simpleType>
+    </xsd:element>
+    <xsd:element name="InternalTagsTaxHTField0" ma:index="48" nillable="true" ma:taxonomy="true" ma:internalName="InternalTagsTaxHTField0" ma:taxonomyFieldName="InternalTags" ma:displayName="Internal Tags" ma:readOnly="false" ma:default="" ma:fieldId="{1490b8a4-2706-41ec-b5e3-73176dccf34e}" ma:taxonomyMulti="true" ma:sspId="8f79753a-75d3-41f5-8ca3-40b843941b4f" ma:termSetId="82b6639e-f7fc-4c18-ad2d-003a6e707765" ma:anchorId="00000000-0000-0000-0000-000000000000" ma:open="false" ma:isKeyword="false">
+      <xsd:complexType>
+        <xsd:sequence>
+          <xsd:element ref="pc:Terms" minOccurs="0" maxOccurs="1"/>
+        </xsd:sequence>
+      </xsd:complexType>
+    </xsd:element>
+    <xsd:element name="IntlLangReview" ma:index="49" nillable="true" ma:displayName="Intl Lang QA Review Required?" ma:default="" ma:internalName="IntlLangReview" ma:readOnly="false">
+      <xsd:simpleType>
+        <xsd:restriction base="dms:Boolean"/>
+      </xsd:simpleType>
+    </xsd:element>
+    <xsd:element name="IntlLangReviewer" ma:index="50" nillable="true" ma:displayName="Intl Lang QA Reviewer" ma:default="" ma:internalName="IntlLangReviewer" ma:readOnly="false">
+      <xsd:simpleType>
+        <xsd:restriction base="dms:Text"/>
+      </xsd:simpleType>
+    </xsd:element>
+    <xsd:element name="MarketSpecific" ma:index="51" nillable="true" ma:displayName="Is Market Specific?" ma:default="" ma:internalName="MarketSpecific" ma:readOnly="false">
+      <xsd:simpleType>
+        <xsd:restriction base="dms:Boolean"/>
+      </xsd:simpleType>
+    </xsd:element>
+    <xsd:element name="LastCompleteVersionLookup" ma:index="52" nillable="true" ma:displayName="Last Complete Version Lookup" ma:default="" ma:list="{9E343742-310B-4684-A24C-1D137CB4B230}" ma:internalName="LastCompleteVersionLookup" ma:readOnly="true" ma:showField="LastCompleteVersion" ma:web="4873beb7-5857-4685-be1f-d57550cc96cc">
+      <xsd:complexType>
+        <xsd:complexContent>
+          <xsd:extension base="dms:MultiChoiceLookup">
+            <xsd:sequence>
+              <xsd:element name="Value" type="dms:Lookup" maxOccurs="unbounded" minOccurs="0" nillable="true"/>
+            </xsd:sequence>
+          </xsd:extension>
+        </xsd:complexContent>
+      </xsd:complexType>
+    </xsd:element>
+    <xsd:element name="LastHandOff" ma:index="53" nillable="true" ma:displayName="Last Hand-off" ma:default="" ma:internalName="LastHandOff" ma:readOnly="false">
+      <xsd:simpleType>
+        <xsd:restriction base="dms:DateTime"/>
+      </xsd:simpleType>
+    </xsd:element>
+    <xsd:element name="LastModifiedDateTime" ma:index="54" nillable="true" ma:displayName="Last Modified Date" ma:default="" ma:internalName="LastModifiedDateTime" ma:readOnly="false">
+      <xsd:simpleType>
+        <xsd:restriction base="dms:DateTime"/>
+      </xsd:simpleType>
+    </xsd:element>
+    <xsd:element name="LastPreviewErrorLookup" ma:index="55" nillable="true" ma:displayName="Last Preview Attempt Error" ma:default="" ma:list="{9E343742-310B-4684-A24C-1D137CB4B230}" ma:internalName="LastPreviewErrorLookup" ma:readOnly="true" ma:showField="LastPreviewError" ma:web="4873beb7-5857-4685-be1f-d57550cc96cc">
+      <xsd:complexType>
+        <xsd:complexContent>
+          <xsd:extension base="dms:MultiChoiceLookup">
+            <xsd:sequence>
+              <xsd:element name="Value" type="dms:Lookup" maxOccurs="unbounded" minOccurs="0" nillable="true"/>
+            </xsd:sequence>
+          </xsd:extension>
+        </xsd:complexContent>
+      </xsd:complexType>
+    </xsd:element>
+    <xsd:element name="LastPreviewResultLookup" ma:index="56" nillable="true" ma:displayName="Last Preview Attempt Result" ma:default="" ma:list="{9E343742-310B-4684-A24C-1D137CB4B230}" ma:internalName="LastPreviewResultLookup" ma:readOnly="true" ma:showField="LastPreviewResult" ma:web="4873beb7-5857-4685-be1f-d57550cc96cc">
+      <xsd:complexType>
+        <xsd:complexContent>
+          <xsd:extension base="dms:MultiChoiceLookup">
+            <xsd:sequence>
+              <xsd:element name="Value" type="dms:Lookup" maxOccurs="unbounded" minOccurs="0" nillable="true"/>
+            </xsd:sequence>
+          </xsd:extension>
+        </xsd:complexContent>
+      </xsd:complexType>
+    </xsd:element>
+    <xsd:element name="LastPreviewAttemptDateLookup" ma:index="57" nillable="true" ma:displayName="Last Preview Attempted On" ma:default="" ma:list="{9E343742-310B-4684-A24C-1D137CB4B230}" ma:internalName="LastPreviewAttemptDateLookup" ma:readOnly="true" ma:showField="LastPreviewAttemptDate" ma:web="4873beb7-5857-4685-be1f-d57550cc96cc">
+      <xsd:complexType>
+        <xsd:complexContent>
+          <xsd:extension base="dms:MultiChoiceLookup">
+            <xsd:sequence>
+              <xsd:element name="Value" type="dms:Lookup" maxOccurs="unbounded" minOccurs="0" nillable="true"/>
+            </xsd:sequence>
+          </xsd:extension>
+        </xsd:complexContent>
+      </xsd:complexType>
+    </xsd:element>
+    <xsd:element name="LastPreviewedByLookup" ma:index="58" nillable="true" ma:displayName="Last Previewed By" ma:default="" ma:list="{9E343742-310B-4684-A24C-1D137CB4B230}" ma:internalName="LastPreviewedByLookup" ma:readOnly="true" ma:showField="LastPreviewedBy" ma:web="4873beb7-5857-4685-be1f-d57550cc96cc">
+      <xsd:complexType>
+        <xsd:complexContent>
+          <xsd:extension base="dms:MultiChoiceLookup">
+            <xsd:sequence>
+              <xsd:element name="Value" type="dms:Lookup" maxOccurs="unbounded" minOccurs="0" nillable="true"/>
+            </xsd:sequence>
+          </xsd:extension>
+        </xsd:complexContent>
+      </xsd:complexType>
+    </xsd:element>
+    <xsd:element name="LastPreviewTimeLookup" ma:index="59" nillable="true" ma:displayName="Last Previewed Date" ma:default="" ma:list="{9E343742-310B-4684-A24C-1D137CB4B230}" ma:internalName="LastPreviewTimeLookup" ma:readOnly="true" ma:showField="LastPreviewTime" ma:web="4873beb7-5857-4685-be1f-d57550cc96cc">
+      <xsd:complexType>
+        <xsd:complexContent>
+          <xsd:extension base="dms:MultiChoiceLookup">
+            <xsd:sequence>
+              <xsd:element name="Value" type="dms:Lookup" maxOccurs="unbounded" minOccurs="0" nillable="true"/>
+            </xsd:sequence>
+          </xsd:extension>
+        </xsd:complexContent>
+      </xsd:complexType>
+    </xsd:element>
+    <xsd:element name="LastPreviewVersionLookup" ma:index="60" nillable="true" ma:displayName="Last Previewed Version" ma:default="" ma:list="{9E343742-310B-4684-A24C-1D137CB4B230}" ma:internalName="LastPreviewVersionLookup" ma:readOnly="true" ma:showField="LastPreviewVersion" ma:web="4873beb7-5857-4685-be1f-d57550cc96cc">
+      <xsd:complexType>
+        <xsd:complexContent>
+          <xsd:extension base="dms:MultiChoiceLookup">
+            <xsd:sequence>
+              <xsd:element name="Value" type="dms:Lookup" maxOccurs="unbounded" minOccurs="0" nillable="true"/>
+            </xsd:sequence>
+          </xsd:extension>
+        </xsd:complexContent>
+      </xsd:complexType>
+    </xsd:element>
+    <xsd:element name="LastPublishErrorLookup" ma:index="61" nillable="true" ma:displayName="Last Publish Attempt Error" ma:default="" ma:list="{9E343742-310B-4684-A24C-1D137CB4B230}" ma:internalName="LastPublishErrorLookup" ma:readOnly="true" ma:showField="LastPublishError" ma:web="4873beb7-5857-4685-be1f-d57550cc96cc">
+      <xsd:complexType>
+        <xsd:complexContent>
+          <xsd:extension base="dms:MultiChoiceLookup">
+            <xsd:sequence>
+              <xsd:element name="Value" type="dms:Lookup" maxOccurs="unbounded" minOccurs="0" nillable="true"/>
+            </xsd:sequence>
+          </xsd:extension>
+        </xsd:complexContent>
+      </xsd:complexType>
+    </xsd:element>
+    <xsd:element name="LastPublishResultLookup" ma:index="62" nillable="true" ma:displayName="Last Publish Attempt Result" ma:default="" ma:list="{9E343742-310B-4684-A24C-1D137CB4B230}" ma:internalName="LastPublishResultLookup" ma:readOnly="true" ma:showField="LastPublishResult" ma:web="4873beb7-5857-4685-be1f-d57550cc96cc">
+      <xsd:complexType>
+        <xsd:complexContent>
+          <xsd:extension base="dms:MultiChoiceLookup">
+            <xsd:sequence>
+              <xsd:element name="Value" type="dms:Lookup" maxOccurs="unbounded" minOccurs="0" nillable="true"/>
+            </xsd:sequence>
+          </xsd:extension>
+        </xsd:complexContent>
+      </xsd:complexType>
+    </xsd:element>
+    <xsd:element name="LastPublishAttemptDateLookup" ma:index="63" nillable="true" ma:displayName="Last Publish Attempted On" ma:default="" ma:list="{9E343742-310B-4684-A24C-1D137CB4B230}" ma:internalName="LastPublishAttemptDateLookup" ma:readOnly="true" ma:showField="LastPublishAttemptDate" ma:web="4873beb7-5857-4685-be1f-d57550cc96cc">
+      <xsd:complexType>
+        <xsd:complexContent>
+          <xsd:extension base="dms:MultiChoiceLookup">
+            <xsd:sequence>
+              <xsd:element name="Value" type="dms:Lookup" maxOccurs="unbounded" minOccurs="0" nillable="true"/>
+            </xsd:sequence>
+          </xsd:extension>
+        </xsd:complexContent>
+      </xsd:complexType>
+    </xsd:element>
+    <xsd:element name="LastPublishedByLookup" ma:index="64" nillable="true" ma:displayName="Last Published By" ma:default="" ma:list="{9E343742-310B-4684-A24C-1D137CB4B230}" ma:internalName="LastPublishedByLookup" ma:readOnly="true" ma:showField="LastPublishedBy" ma:web="4873beb7-5857-4685-be1f-d57550cc96cc">
+      <xsd:complexType>
+        <xsd:complexContent>
+          <xsd:extension base="dms:MultiChoiceLookup">
+            <xsd:sequence>
+              <xsd:element name="Value" type="dms:Lookup" maxOccurs="unbounded" minOccurs="0" nillable="true"/>
+            </xsd:sequence>
+          </xsd:extension>
+        </xsd:complexContent>
+      </xsd:complexType>
+    </xsd:element>
+    <xsd:element name="LastPublishTimeLookup" ma:index="65" nillable="true" ma:displayName="Last Published Date" ma:default="" ma:list="{9E343742-310B-4684-A24C-1D137CB4B230}" ma:internalName="LastPublishTimeLookup" ma:readOnly="true" ma:showField="LastPublishTime" ma:web="4873beb7-5857-4685-be1f-d57550cc96cc">
+      <xsd:complexType>
+        <xsd:complexContent>
+          <xsd:extension base="dms:MultiChoiceLookup">
+            <xsd:sequence>
+              <xsd:element name="Value" type="dms:Lookup" maxOccurs="unbounded" minOccurs="0" nillable="true"/>
+            </xsd:sequence>
+          </xsd:extension>
+        </xsd:complexContent>
+      </xsd:complexType>
+    </xsd:element>
+    <xsd:element name="LastPublishVersionLookup" ma:index="66" nillable="true" ma:displayName="Last Published Version" ma:default="" ma:list="{9E343742-310B-4684-A24C-1D137CB4B230}" ma:internalName="LastPublishVersionLookup" ma:readOnly="true" ma:showField="LastPublishVersion" ma:web="4873beb7-5857-4685-be1f-d57550cc96cc">
+      <xsd:complexType>
+        <xsd:complexContent>
+          <xsd:extension base="dms:MultiChoiceLookup">
+            <xsd:sequence>
+              <xsd:element name="Value" type="dms:Lookup" maxOccurs="unbounded" minOccurs="0" nillable="true"/>
+            </xsd:sequence>
+          </xsd:extension>
+        </xsd:complexContent>
+      </xsd:complexType>
+    </xsd:element>
+    <xsd:element name="TPLaunchHelpLinkType" ma:index="67" nillable="true" ma:displayName="Launch Help Link Type" ma:default="Template" ma:internalName="TPLaunchHelpLinkType">
+      <xsd:simpleType>
+        <xsd:restriction base="dms:Choice">
+          <xsd:enumeration value="Template"/>
+          <xsd:enumeration value="Training"/>
+          <xsd:enumeration value="URL"/>
+          <xsd:enumeration value="None"/>
+        </xsd:restriction>
+      </xsd:simpleType>
+    </xsd:element>
+    <xsd:element name="LegacyData" ma:index="68" nillable="true" ma:displayName="Legacy Data" ma:default="" ma:internalName="LegacyData" ma:readOnly="false">
+      <xsd:simpleType>
+        <xsd:restriction base="dms:Note"/>
+      </xsd:simpleType>
+    </xsd:element>
+    <xsd:element name="TPLaunchHelpLink" ma:index="69" nillable="true" ma:displayName="Link to Launch Help Topic" ma:default="" ma:internalName="TPLaunchHelpLink">
+      <xsd:simpleType>
+        <xsd:restriction base="dms:Text"/>
+      </xsd:simpleType>
+    </xsd:element>
+    <xsd:element name="LocComments" ma:index="70" nillable="true" ma:displayName="Loc Approval Comments" ma:default="" ma:internalName="LocComments" ma:readOnly="false">
+      <xsd:simpleType>
+        <xsd:restriction base="dms:Note"/>
+      </xsd:simpleType>
+    </xsd:element>
+    <xsd:element name="LocLastLocAttemptVersionLookup" ma:index="71" nillable="true" ma:displayName="Loc Last Loc Attempt Version" ma:default="" ma:list="{7DD1DCEC-E449-43D3-891F-7DC62F62AD21}" ma:internalName="LocLastLocAttemptVersionLookup" ma:readOnly="false" ma:showField="LastLocAttemptVersion" ma:web="4873beb7-5857-4685-be1f-d57550cc96cc">
+      <xsd:simpleType>
+        <xsd:restriction base="dms:Lookup"/>
+      </xsd:simpleType>
+    </xsd:element>
+    <xsd:element name="LocLastLocAttemptVersionTypeLookup" ma:index="72" nillable="true" ma:displayName="Loc Last Loc Attempt Version Type" ma:default="" ma:list="{7DD1DCEC-E449-43D3-891F-7DC62F62AD21}" ma:internalName="LocLastLocAttemptVersionTypeLookup" ma:readOnly="true" ma:showField="LastLocAttemptVersionType" ma:web="4873beb7-5857-4685-be1f-d57550cc96cc">
+      <xsd:simpleType>
+        <xsd:restriction base="dms:Lookup"/>
+      </xsd:simpleType>
+    </xsd:element>
+    <xsd:element name="LocManualTestRequired" ma:index="73" nillable="true" ma:displayName="Loc Manual Test Required" ma:default="" ma:internalName="LocManualTestRequired" ma:readOnly="false">
+      <xsd:simpleType>
+        <xsd:restriction base="dms:Boolean"/>
+      </xsd:simpleType>
+    </xsd:element>
+    <xsd:element name="LocMarketGroupTiers2" ma:index="74" nillable="true" ma:displayName="Loc Market Group Tiers" ma:internalName="LocMarketGroupTiers2" ma:readOnly="false">
+      <xsd:simpleType>
+        <xsd:restriction base="dms:Unknown"/>
+      </xsd:simpleType>
+    </xsd:element>
+    <xsd:element name="LocNewPublishedVersionLookup" ma:index="75" nillable="true" ma:displayName="Loc New Published Version Lookup" ma:default="" ma:list="{7DD1DCEC-E449-43D3-891F-7DC62F62AD21}" ma:internalName="LocNewPublishedVersionLookup" ma:readOnly="true" ma:showField="NewPublishedVersion" ma:web="4873beb7-5857-4685-be1f-d57550cc96cc">
+      <xsd:simpleType>
+        <xsd:restriction base="dms:Lookup"/>
+      </xsd:simpleType>
+    </xsd:element>
+    <xsd:element name="LocOverallHandbackStatusLookup" ma:index="76" nillable="true" ma:displayName="Loc Overall Handback Status" ma:default="" ma:list="{7DD1DCEC-E449-43D3-891F-7DC62F62AD21}" ma:internalName="LocOverallHandbackStatusLookup" ma:readOnly="true" ma:showField="OverallHandbackStatus" ma:web="4873beb7-5857-4685-be1f-d57550cc96cc">
+      <xsd:simpleType>
+        <xsd:restriction base="dms:Lookup"/>
+      </xsd:simpleType>
+    </xsd:element>
+    <xsd:element name="LocOverallLocStatusLookup" ma:index="77" nillable="true" ma:displayName="Loc Overall Localize Status" ma:default="" ma:list="{7DD1DCEC-E449-43D3-891F-7DC62F62AD21}" ma:internalName="LocOverallLocStatusLookup" ma:readOnly="true" ma:showField="OverallLocStatus" ma:web="4873beb7-5857-4685-be1f-d57550cc96cc">
+      <xsd:simpleType>
+        <xsd:restriction base="dms:Lookup"/>
+      </xsd:simpleType>
+    </xsd:element>
+    <xsd:element name="LocOverallPreviewStatusLookup" ma:index="78" nillable="true" ma:displayName="Loc Overall Preview Status" ma:default="" ma:list="{7DD1DCEC-E449-43D3-891F-7DC62F62AD21}" ma:internalName="LocOverallPreviewStatusLookup" ma:readOnly="true" ma:showField="OverallPreviewStatus" ma:web="4873beb7-5857-4685-be1f-d57550cc96cc">
+      <xsd:simpleType>
+        <xsd:restriction base="dms:Lookup"/>
+      </xsd:simpleType>
+    </xsd:element>
+    <xsd:element name="LocOverallPublishStatusLookup" ma:index="79" nillable="true" ma:displayName="Loc Overall Publish Status" ma:default="" ma:list="{7DD1DCEC-E449-43D3-891F-7DC62F62AD21}" ma:internalName="LocOverallPublishStatusLookup" ma:readOnly="true" ma:showField="OverallPublishStatus" ma:web="4873beb7-5857-4685-be1f-d57550cc96cc">
+      <xsd:simpleType>
+        <xsd:restriction base="dms:Lookup"/>
+      </xsd:simpleType>
+    </xsd:element>
+    <xsd:element name="IntlLocPriority" ma:index="80" nillable="true" ma:displayName="Loc Priority" ma:default="" ma:internalName="IntlLocPriority" ma:readOnly="false">
+      <xsd:simpleType>
+        <xsd:restriction base="dms:Unknown"/>
+      </xsd:simpleType>
+    </xsd:element>
+    <xsd:element name="LocProcessedForHandoffsLookup" ma:index="81" nillable="true" ma:displayName="Loc Processed For Handoffs" ma:default="" ma:list="{7DD1DCEC-E449-43D3-891F-7DC62F62AD21}" ma:internalName="LocProcessedForHandoffsLookup" ma:readOnly="true" ma:showField="ProcessedForHandoffs" ma:web="4873beb7-5857-4685-be1f-d57550cc96cc">
+      <xsd:simpleType>
+        <xsd:restriction base="dms:Lookup"/>
+      </xsd:simpleType>
+    </xsd:element>
+    <xsd:element name="LocProcessedForMarketsLookup" ma:index="82" nillable="true" ma:displayName="Loc Processed For Markets" ma:default="" ma:list="{7DD1DCEC-E449-43D3-891F-7DC62F62AD21}" ma:internalName="LocProcessedForMarketsLookup" ma:readOnly="true" ma:showField="ProcessedForMarkets" ma:web="4873beb7-5857-4685-be1f-d57550cc96cc">
+      <xsd:simpleType>
+        <xsd:restriction base="dms:Lookup"/>
+      </xsd:simpleType>
+    </xsd:element>
+    <xsd:element name="LocPublishedDependentAssetsLookup" ma:index="83" nillable="true" ma:displayName="Loc Published Dependent Assets" ma:default="" ma:list="{7DD1DCEC-E449-43D3-891F-7DC62F62AD21}" ma:internalName="LocPublishedDependentAssetsLookup" ma:readOnly="true" ma:showField="PublishedDependentAssets" ma:web="4873beb7-5857-4685-be1f-d57550cc96cc">
+      <xsd:simpleType>
+        <xsd:restriction base="dms:Lookup"/>
+      </xsd:simpleType>
+    </xsd:element>
+    <xsd:element name="LocPublishedLinkedAssetsLookup" ma:index="84" nillable="true" ma:displayName="Loc Published Linked Assets" ma:default="" ma:list="{7DD1DCEC-E449-43D3-891F-7DC62F62AD21}" ma:internalName="LocPublishedLinkedAssetsLookup" ma:readOnly="true" ma:showField="PublishedLinkedAssets" ma:web="4873beb7-5857-4685-be1f-d57550cc96cc">
+      <xsd:simpleType>
+        <xsd:restriction base="dms:Lookup"/>
+      </xsd:simpleType>
+    </xsd:element>
+    <xsd:element name="LocRecommendedHandoff" ma:index="85" nillable="true" ma:displayName="Loc Recommended Handoff" ma:default="" ma:indexed="true" ma:internalName="LocRecommendedHandoff" ma:readOnly="false">
+      <xsd:simpleType>
+        <xsd:restriction base="dms:Text"/>
+      </xsd:simpleType>
+    </xsd:element>
+    <xsd:element name="LocalizationTagsTaxHTField0" ma:index="87" nillable="true" ma:taxonomy="true" ma:internalName="LocalizationTagsTaxHTField0" ma:taxonomyFieldName="LocalizationTags" ma:displayName="Localization Tags" ma:readOnly="false" ma:default="" ma:fieldId="{00f02cb3-2c7c-424a-9c61-10e9b6878429}" ma:taxonomyMulti="true" ma:sspId="8f79753a-75d3-41f5-8ca3-40b843941b4f" ma:termSetId="5b7703a5-8e8b-4b58-8b31-1cea35331da3" ma:anchorId="00000000-0000-0000-0000-000000000000" ma:open="false" ma:isKeyword="false">
+      <xsd:complexType>
+        <xsd:sequence>
+          <xsd:element ref="pc:Terms" minOccurs="0" maxOccurs="1"/>
+        </xsd:sequence>
+      </xsd:complexType>
+    </xsd:element>
+    <xsd:element name="MachineTranslated" ma:index="88" nillable="true" ma:displayName="Machine Translated" ma:default="" ma:internalName="MachineTranslated" ma:readOnly="false">
+      <xsd:simpleType>
+        <xsd:restriction base="dms:Boolean"/>
+      </xsd:simpleType>
+    </xsd:element>
+    <xsd:element name="Manager" ma:index="89" nillable="true" ma:displayName="Manager" ma:hidden="true" ma:internalName="Manager" ma:readOnly="false">
+      <xsd:simpleType>
+        <xsd:restriction base="dms:Text"/>
+      </xsd:simpleType>
+    </xsd:element>
+    <xsd:element name="Markets" ma:index="90" nillable="true" ma:displayName="Markets" ma:default="" ma:description="Leave blank to show in all markets" ma:list="{2FBD1B11-2ACE-4FDC-B5A3-635D4ADF6F1B}" ma:internalName="Markets" ma:readOnly="false" ma:showField="MarketName" ma:web="4873beb7-5857-4685-be1f-d57550cc96cc">
+      <xsd:complexType>
+        <xsd:complexContent>
+          <xsd:extension base="dms:MultiChoiceLookup">
+            <xsd:sequence>
+              <xsd:element name="Value" type="dms:Lookup" maxOccurs="unbounded" minOccurs="0" nillable="true"/>
+            </xsd:sequence>
+          </xsd:extension>
+        </xsd:complexContent>
+      </xsd:complexType>
+    </xsd:element>
+    <xsd:element name="Milestone" ma:index="91" nillable="true" ma:displayName="Milestone" ma:default="" ma:internalName="Milestone" ma:readOnly="false">
+      <xsd:simpleType>
+        <xsd:restriction base="dms:Unknown"/>
+      </xsd:simpleType>
+    </xsd:element>
+    <xsd:element name="TPNamespace" ma:index="94" nillable="true" ma:displayName="Namespace" ma:default="" ma:internalName="TPNamespace">
+      <xsd:simpleType>
+        <xsd:restriction base="dms:Text"/>
+      </xsd:simpleType>
+    </xsd:element>
+    <xsd:element name="NumericId" ma:index="95" nillable="true" ma:displayName="Numeric ID" ma:default="" ma:indexed="true" ma:internalName="NumericId" ma:readOnly="false">
+      <xsd:simpleType>
+        <xsd:restriction base="dms:Number"/>
+      </xsd:simpleType>
+    </xsd:element>
+    <xsd:element name="NumOfRatingsLookup" ma:index="96" nillable="true" ma:displayName="NumOfRatings" ma:default="" ma:list="{9E343742-310B-4684-A24C-1D137CB4B230}" ma:internalName="NumOfRatingsLookup" ma:readOnly="true" ma:showField="NumOfRatings" ma:web="4873beb7-5857-4685-be1f-d57550cc96cc">
+      <xsd:complexType>
+        <xsd:complexContent>
+          <xsd:extension base="dms:MultiChoiceLookup">
+            <xsd:sequence>
+              <xsd:element name="Value" type="dms:Lookup" maxOccurs="unbounded" minOccurs="0" nillable="true"/>
+            </xsd:sequence>
+          </xsd:extension>
+        </xsd:complexContent>
+      </xsd:complexType>
+    </xsd:element>
+    <xsd:element name="OOCacheId" ma:index="97" nillable="true" ma:displayName="OOCacheId" ma:internalName="OOCacheId" ma:readOnly="false">
+      <xsd:simpleType>
+        <xsd:restriction base="dms:Text"/>
+      </xsd:simpleType>
+    </xsd:element>
+    <xsd:element name="OpenTemplate" ma:index="98" nillable="true" ma:displayName="Open Template" ma:default="true" ma:internalName="OpenTemplate">
+      <xsd:simpleType>
+        <xsd:restriction base="dms:Boolean"/>
+      </xsd:simpleType>
+    </xsd:element>
+    <xsd:element name="OriginAsset" ma:index="99" nillable="true" ma:displayName="Origin Asset" ma:default="" ma:internalName="OriginAsset" ma:readOnly="false">
+      <xsd:simpleType>
+        <xsd:restriction base="dms:Text"/>
+      </xsd:simpleType>
+    </xsd:element>
+    <xsd:element name="OriginalRelease" ma:index="100" nillable="true" ma:displayName="Original Release" ma:default="15" ma:internalName="OriginalRelease" ma:readOnly="false">
+      <xsd:simpleType>
+        <xsd:restriction base="dms:Choice">
+          <xsd:enumeration value="14"/>
+          <xsd:enumeration value="15"/>
+          <xsd:enumeration value="16"/>
+        </xsd:restriction>
+      </xsd:simpleType>
+    </xsd:element>
+    <xsd:element name="OriginalSourceMarket" ma:index="101" nillable="true" ma:displayName="Original Source Market Group" ma:default="" ma:internalName="OriginalSourceMarket" ma:readOnly="false">
+      <xsd:simpleType>
+        <xsd:restriction base="dms:Text"/>
+      </xsd:simpleType>
+    </xsd:element>
+    <xsd:element name="OutputCachingOn" ma:index="102" nillable="true" ma:displayName="Output Caching" ma:default="true" ma:hidden="true" ma:internalName="OutputCachingOn" ma:readOnly="false">
+      <xsd:simpleType>
+        <xsd:restriction base="dms:Boolean"/>
+      </xsd:simpleType>
+    </xsd:element>
+    <xsd:element name="ParentAssetId" ma:index="103" nillable="true" ma:displayName="Parent Asset Id" ma:default="" ma:internalName="ParentAssetId" ma:readOnly="false">
+      <xsd:simpleType>
+        <xsd:restriction base="dms:Text"/>
+      </xsd:simpleType>
+    </xsd:element>
+    <xsd:element name="PlannedPubDate" ma:index="104" nillable="true" ma:displayName="Planned Publish Date" ma:default="" ma:indexed="true" ma:internalName="PlannedPubDate" ma:readOnly="false">
+      <xsd:simpleType>
+        <xsd:restriction base="dms:DateTime"/>
+      </xsd:simpleType>
+    </xsd:element>
+    <xsd:element name="PolicheckWords" ma:index="105" nillable="true" ma:displayName="Policheck Words" ma:default="" ma:internalName="PolicheckWords" ma:readOnly="false">
+      <xsd:simpleType>
+        <xsd:restriction base="dms:Text"/>
+      </xsd:simpleType>
+    </xsd:element>
+    <xsd:element name="BusinessGroup" ma:index="106" nillable="true" ma:displayName="Product Division Owner" ma:default="" ma:internalName="BusinessGroup" ma:readOnly="false">
+      <xsd:simpleType>
+        <xsd:restriction base="dms:Unknown"/>
+      </xsd:simpleType>
+    </xsd:element>
+    <xsd:element name="UAProjectedTotalWords" ma:index="107" nillable="true" ma:displayName="Projected Word Count" ma:default="" ma:internalName="UAProjectedTotalWords" ma:readOnly="false">
+      <xsd:simpleType>
+        <xsd:restriction base="dms:Unknown"/>
+      </xsd:simpleType>
+    </xsd:element>
+    <xsd:element name="Provider" ma:index="108" nillable="true" ma:displayName="Provider" ma:default="" ma:internalName="Provider" ma:readOnly="false">
+      <xsd:simpleType>
+        <xsd:restriction base="dms:Unknown"/>
+      </xsd:simpleType>
+    </xsd:element>
+    <xsd:element name="Providers" ma:index="109" nillable="true" ma:displayName="Providers" ma:default="" ma:internalName="Providers">
+      <xsd:simpleType>
+        <xsd:restriction base="dms:Unknown"/>
+      </xsd:simpleType>
+    </xsd:element>
+    <xsd:element name="PublishStatusLookup" ma:index="110" nillable="true" ma:displayName="Publish Status" ma:default="" ma:list="{9E343742-310B-4684-A24C-1D137CB4B230}" ma:internalName="PublishStatusLookup" ma:readOnly="false" ma:showField="PublishStatus" ma:web="4873beb7-5857-4685-be1f-d57550cc96cc">
+      <xsd:complexType>
+        <xsd:complexContent>
+          <xsd:extension base="dms:MultiChoiceLookup">
+            <xsd:sequence>
+              <xsd:element name="Value" type="dms:Lookup" maxOccurs="unbounded" minOccurs="0" nillable="true"/>
+            </xsd:sequence>
+          </xsd:extension>
+        </xsd:complexContent>
+      </xsd:complexType>
+    </xsd:element>
+    <xsd:element name="PublishTargets" ma:index="111" nillable="true" ma:displayName="Publish Target" ma:default="OfficeOnlineVNext" ma:internalName="PublishTargets" ma:readOnly="false">
+      <xsd:simpleType>
+        <xsd:restriction base="dms:Unknown"/>
+      </xsd:simpleType>
+    </xsd:element>
+    <xsd:element name="RecommendationsModifier" ma:index="112" nillable="true" ma:displayName="Recommendations Modifier" ma:default="" ma:internalName="RecommendationsModifier" ma:readOnly="false">
+      <xsd:simpleType>
+        <xsd:restriction base="dms:Number"/>
+      </xsd:simpleType>
+    </xsd:element>
+    <xsd:element name="ArtSampleDocs" ma:index="113" nillable="true" ma:displayName="Sample Docs" ma:default="" ma:hidden="true" ma:internalName="ArtSampleDocs" ma:readOnly="false">
+      <xsd:simpleType>
+        <xsd:restriction base="dms:Text"/>
+      </xsd:simpleType>
+    </xsd:element>
+    <xsd:element name="ScenarioTagsTaxHTField0" ma:index="115" nillable="true" ma:taxonomy="true" ma:internalName="ScenarioTagsTaxHTField0" ma:taxonomyFieldName="ScenarioTags" ma:displayName="Scenarios" ma:readOnly="false" ma:default="" ma:fieldId="{93aef74d-6c78-4815-8310-51477dceeccc}" ma:taxonomyMulti="true" ma:sspId="8f79753a-75d3-41f5-8ca3-40b843941b4f" ma:termSetId="4b7d5f16-e2f2-4fc0-bab3-6e8b931e57d6" ma:anchorId="00000000-0000-0000-0000-000000000000" ma:open="false" ma:isKeyword="false">
+      <xsd:complexType>
+        <xsd:sequence>
+          <xsd:element ref="pc:Terms" minOccurs="0" maxOccurs="1"/>
+        </xsd:sequence>
+      </xsd:complexType>
+    </xsd:element>
+    <xsd:element name="ShowIn" ma:index="117" nillable="true" ma:displayName="Show In" ma:default="Show everywhere" ma:internalName="ShowIn" ma:readOnly="false">
+      <xsd:simpleType>
+        <xsd:restriction base="dms:Choice">
+          <xsd:enumeration value="Hide on web"/>
+          <xsd:enumeration value="On Web no search"/>
+          <xsd:enumeration value="Show everywhere"/>
+          <xsd:enumeration value="Special use only"/>
+        </xsd:restriction>
+      </xsd:simpleType>
+    </xsd:element>
+    <xsd:element name="SourceTitle" ma:index="118" nillable="true" ma:displayName="Source Title" ma:default="" ma:indexed="true" ma:internalName="SourceTitle" ma:readOnly="false">
+      <xsd:simpleType>
+        <xsd:restriction base="dms:Text"/>
+      </xsd:simpleType>
+    </xsd:element>
+    <xsd:element name="CSXSubmissionDate" ma:index="119" nillable="true" ma:displayName="Submission Date" ma:default="" ma:internalName="CSXSubmissionDate" ma:readOnly="false">
+      <xsd:simpleType>
+        <xsd:restriction base="dms:DateTime"/>
+      </xsd:simpleType>
+    </xsd:element>
+    <xsd:element name="SubmitterId" ma:index="120" nillable="true" ma:displayName="Submitter ID" ma:default="" ma:internalName="SubmitterId" ma:readOnly="false">
+      <xsd:simpleType>
+        <xsd:restriction base="dms:Text"/>
+      </xsd:simpleType>
+    </xsd:element>
+    <xsd:element name="TaxCatchAll" ma:index="121" nillable="true" ma:displayName="Taxonomy Catch All Column" ma:hidden="true" ma:list="{530f955b-6704-4601-bd83-f81d87f1e440}" ma:internalName="TaxCatchAll" ma:showField="CatchAllData" ma:web="4873beb7-5857-4685-be1f-d57550cc96cc">
+      <xsd:complexType>
+        <xsd:complexContent>
+          <xsd:extension base="dms:MultiChoiceLookup">
+            <xsd:sequence>
+              <xsd:element name="Value" type="dms:Lookup" maxOccurs="unbounded" minOccurs="0" nillable="true"/>
+            </xsd:sequence>
+          </xsd:extension>
+        </xsd:complexContent>
+      </xsd:complexType>
+    </xsd:element>
+    <xsd:element name="TaxCatchAllLabel" ma:index="122" nillable="true" ma:displayName="Taxonomy Catch All Column1" ma:hidden="true" ma:list="{530f955b-6704-4601-bd83-f81d87f1e440}" ma:internalName="TaxCatchAllLabel" ma:readOnly="true" ma:showField="CatchAllDataLabel" ma:web="4873beb7-5857-4685-be1f-d57550cc96cc">
+      <xsd:complexType>
+        <xsd:complexContent>
+          <xsd:extension base="dms:MultiChoiceLookup">
+            <xsd:sequence>
+              <xsd:element name="Value" type="dms:Lookup" maxOccurs="unbounded" minOccurs="0" nillable="true"/>
+            </xsd:sequence>
+          </xsd:extension>
+        </xsd:complexContent>
+      </xsd:complexType>
+    </xsd:element>
+    <xsd:element name="TemplateStatus" ma:index="123" nillable="true" ma:displayName="Template Status" ma:default="" ma:internalName="TemplateStatus">
+      <xsd:simpleType>
+        <xsd:restriction base="dms:Unknown"/>
+      </xsd:simpleType>
+    </xsd:element>
+    <xsd:element name="TemplateTemplateType" ma:index="124" nillable="true" ma:displayName="Template Type" ma:default="" ma:internalName="TemplateTemplateType">
+      <xsd:simpleType>
+        <xsd:restriction base="dms:Unknown"/>
+      </xsd:simpleType>
+    </xsd:element>
+    <xsd:element name="ThumbnailAssetId" ma:index="125" nillable="true" ma:displayName="Thumbnail Image Asset" ma:default="" ma:internalName="ThumbnailAssetId" ma:readOnly="false">
+      <xsd:simpleType>
+        <xsd:restriction base="dms:Text"/>
+      </xsd:simpleType>
+    </xsd:element>
+    <xsd:element name="TimesCloned" ma:index="126" nillable="true" ma:displayName="Times Cloned" ma:default="" ma:internalName="TimesCloned" ma:readOnly="false">
+      <xsd:simpleType>
+        <xsd:restriction base="dms:Number"/>
+      </xsd:simpleType>
+    </xsd:element>
+    <xsd:element name="TrustLevel" ma:index="128" nillable="true" ma:displayName="Trust Level" ma:default="1 Microsoft Managed Content" ma:internalName="TrustLevel" ma:readOnly="false">
+      <xsd:simpleType>
+        <xsd:restriction base="dms:Unknown"/>
+      </xsd:simpleType>
+    </xsd:element>
+    <xsd:element name="UALocComments" ma:index="129" nillable="true" ma:displayName="UA Loc Comments" ma:default="" ma:internalName="UALocComments" ma:readOnly="false">
+      <xsd:simpleType>
+        <xsd:restriction base="dms:Note"/>
+      </xsd:simpleType>
+    </xsd:element>
+    <xsd:element name="UALocRecommendation" ma:index="130" nillable="true" ma:displayName="UA Loc Recommendation" ma:default="Localize" ma:internalName="UALocRecommendation" ma:readOnly="false">
+      <xsd:simpleType>
+        <xsd:restriction base="dms:Choice">
+          <xsd:enumeration value="Localize"/>
+          <xsd:enumeration value="Never Localize"/>
+          <xsd:enumeration value="Priority Localize"/>
+        </xsd:restriction>
+      </xsd:simpleType>
+    </xsd:element>
+    <xsd:element name="UANotes" ma:index="131" nillable="true" ma:displayName="UA Notes" ma:default="" ma:internalName="UANotes" ma:readOnly="false">
+      <xsd:simpleType>
+        <xsd:restriction base="dms:Note"/>
+      </xsd:simpleType>
+    </xsd:element>
+    <xsd:element name="TPAppVersion" ma:index="132" nillable="true" ma:displayName="Version" ma:default="" ma:internalName="TPAppVersion">
+      <xsd:simpleType>
+        <xsd:restriction base="dms:Text"/>
+      </xsd:simpleType>
+    </xsd:element>
+    <xsd:element name="VoteCount" ma:index="133" nillable="true" ma:displayName="Vote Count" ma:default="" ma:internalName="VoteCount" ma:readOnly="false">
+      <xsd:simpleType>
+        <xsd:restriction base="dms:Unknown"/>
+      </xsd:simpleType>
+    </xsd:element>
+  </xsd:schema>
+  <xsd:schema xmlns="http://schemas.openxmlformats.org/package/2006/metadata/core-properties" xmlns:xsd="http://www.w3.org/2001/XMLSchema" xmlns:xsi="http://www.w3.org/2001/XMLSchema-instance" xmlns:dc="http://purl.org/dc/elements/1.1/" xmlns:dcterms="http://purl.org/dc/terms/" xmlns:odoc="http://schemas.microsoft.com/internal/obd" targetNamespace="http://schemas.openxmlformats.org/package/2006/metadata/core-properties" elementFormDefault="qualified" attributeFormDefault="unqualified" blockDefault="#all">
+    <xsd:import namespace="http://purl.org/dc/elements/1.1/" schemaLocation="http://dublincore.org/schemas/xmls/qdc/2003/04/02/dc.xsd"/>
+    <xsd:import namespace="http://purl.org/dc/terms/" schemaLocation="http://dublincore.org/schemas/xmls/qdc/2003/04/02/dcterms.xsd"/>
+    <xsd:element name="coreProperties" type="CT_coreProperties"/>
+    <xsd:complexType name="CT_coreProperties">
+      <xsd:all>
+        <xsd:element ref="dc:creator" minOccurs="0" maxOccurs="1"/>
+        <xsd:element ref="dcterms:created" minOccurs="0" maxOccurs="1"/>
+        <xsd:element ref="dc:identifier" minOccurs="0" maxOccurs="1"/>
+        <xsd:element name="contentType" minOccurs="0" maxOccurs="1" type="xsd:string" ma:index="22" ma:displayName="Content Type"/>
+        <xsd:element ref="dc:title" minOccurs="0" maxOccurs="1" ma:index="127" ma:displayName="Title"/>
+        <xsd:element ref="dc:subject" minOccurs="0" maxOccurs="1"/>
+        <xsd:element ref="dc:description" minOccurs="0" maxOccurs="1"/>
+        <xsd:element name="keywords" minOccurs="0" maxOccurs="1" type="xsd:string"/>
+        <xsd:element ref="dc:language" minOccurs="0" maxOccurs="1"/>
+        <xsd:element name="category" minOccurs="0" maxOccurs="1" type="xsd:string"/>
+        <xsd:element name="version" minOccurs="0" maxOccurs="1" type="xsd:string"/>
+        <xsd:element name="revision" minOccurs="0" maxOccurs="1" type="xsd:string">
+          <xsd:annotation>
+            <xsd:documentation>
+                        This value indicates the number of saves or revisions. The application is responsible for updating this value after each revision.
+                    </xsd:documentation>
+          </xsd:annotation>
+        </xsd:element>
+        <xsd:element name="lastModifiedBy" minOccurs="0" maxOccurs="1" type="xsd:string"/>
+        <xsd:element ref="dcterms:modified" minOccurs="0" maxOccurs="1"/>
+        <xsd:element name="contentStatus" minOccurs="0" maxOccurs="1" type="xsd:string"/>
+      </xsd:all>
+    </xsd:complexType>
+  </xsd:schema>
+  <xs:schema xmlns:pc="http://schemas.microsoft.com/office/infopath/2007/PartnerControls" xmlns:xs="http://www.w3.org/2001/XMLSchema" targetNamespace="http://schemas.microsoft.com/office/infopath/2007/PartnerControls" elementFormDefault="qualified" attributeFormDefault="unqualified">
+    <xs:element name="Person">
+      <xs:complexType>
+        <xs:sequence>
+          <xs:element ref="pc:DisplayName" minOccurs="0"/>
+          <xs:element ref="pc:AccountId" minOccurs="0"/>
+          <xs:element ref="pc:AccountType" minOccurs="0"/>
+        </xs:sequence>
+      </xs:complexType>
+    </xs:element>
+    <xs:element name="DisplayName" type="xs:string"/>
+    <xs:element name="AccountId" type="xs:string"/>
+    <xs:element name="AccountType" type="xs:string"/>
+    <xs:element name="BDCAssociatedEntity">
+      <xs:complexType>
+        <xs:sequence>
+          <xs:element ref="pc:BDCEntity" minOccurs="0" maxOccurs="unbounded"/>
+        </xs:sequence>
+        <xs:attribute ref="pc:EntityNamespace"/>
+        <xs:attribute ref="pc:EntityName"/>
+        <xs:attribute ref="pc:SystemInstanceName"/>
+        <xs:attribute ref="pc:AssociationName"/>
+      </xs:complexType>
+    </xs:element>
+    <xs:attribute name="EntityNamespace" type="xs:string"/>
+    <xs:attribute name="EntityName" type="xs:string"/>
+    <xs:attribute name="SystemInstanceName" type="xs:string"/>
+    <xs:attribute name="AssociationName" type="xs:string"/>
+    <xs:element name="BDCEntity">
+      <xs:complexType>
+        <xs:sequence>
+          <xs:element ref="pc:EntityDisplayName" minOccurs="0"/>
+          <xs:element ref="pc:EntityInstanceReference" minOccurs="0"/>
+          <xs:element ref="pc:EntityId1" minOccurs="0"/>
+          <xs:element ref="pc:EntityId2" minOccurs="0"/>
+          <xs:element ref="pc:EntityId3" minOccurs="0"/>
+          <xs:element ref="pc:EntityId4" minOccurs="0"/>
+          <xs:element ref="pc:EntityId5" minOccurs="0"/>
+        </xs:sequence>
+      </xs:complexType>
+    </xs:element>
+    <xs:element name="EntityDisplayName" type="xs:string"/>
+    <xs:element name="EntityInstanceReference" type="xs:string"/>
+    <xs:element name="EntityId1" type="xs:string"/>
+    <xs:element name="EntityId2" type="xs:string"/>
+    <xs:element name="EntityId3" type="xs:string"/>
+    <xs:element name="EntityId4" type="xs:string"/>
+    <xs:element name="EntityId5" type="xs:string"/>
+    <xs:element name="Terms">
+      <xs:complexType>
+        <xs:sequence>
+          <xs:element ref="pc:TermInfo" minOccurs="0" maxOccurs="unbounded"/>
+        </xs:sequence>
+      </xs:complexType>
+    </xs:element>
+    <xs:element name="TermInfo">
+      <xs:complexType>
+        <xs:sequence>
+          <xs:element ref="pc:TermName" minOccurs="0"/>
+          <xs:element ref="pc:TermId" minOccurs="0"/>
+        </xs:sequence>
+      </xs:complexType>
+    </xs:element>
+    <xs:element name="TermName" type="xs:string"/>
+    <xs:element name="TermId" type="xs:string"/>
+  </xs:schema>
+</ct:contentTypeSchema>
+</file>
+
+<file path=customXml/item2.xml><?xml version="1.0" encoding="utf-8"?>
 <p:properties xmlns:p="http://schemas.microsoft.com/office/2006/metadata/properties" xmlns:xsi="http://www.w3.org/2001/XMLSchema-instance" xmlns:pc="http://schemas.microsoft.com/office/infopath/2007/PartnerControls">
   <documentManagement>
     <LocPublishedLinkedAssetsLookup xmlns="4873beb7-5857-4685-be1f-d57550cc96cc" xsi:nil="true"/>
@@ -7511,1046 +9031,6 @@
 </p:properties>
 </file>
 
-<file path=customXml/item2.xml><?xml version="1.0" encoding="utf-8"?>
-<ct:contentTypeSchema xmlns:ct="http://schemas.microsoft.com/office/2006/metadata/contentType" xmlns:ma="http://schemas.microsoft.com/office/2006/metadata/properties/metaAttributes" ct:_="" ma:_="" ma:contentTypeName="TemplateFile" ma:contentTypeID="0x0101006EDDDB5EE6D98C44930B742096920B300400F5B6D36B3EF94B4E9A635CDF2A18F5B8" ma:contentTypeVersion="72" ma:contentTypeDescription="Create a new document." ma:contentTypeScope="" ma:versionID="a23e56308344d904b51738559c3d67c9">
-  <xsd:schema xmlns:xsd="http://www.w3.org/2001/XMLSchema" xmlns:xs="http://www.w3.org/2001/XMLSchema" xmlns:p="http://schemas.microsoft.com/office/2006/metadata/properties" xmlns:ns2="4873beb7-5857-4685-be1f-d57550cc96cc" targetNamespace="http://schemas.microsoft.com/office/2006/metadata/properties" ma:root="true" ma:fieldsID="cd0908cc4600e77bf5da051303e00c8d" ns2:_="">
-    <xsd:import namespace="4873beb7-5857-4685-be1f-d57550cc96cc"/>
-    <xsd:element name="properties">
-      <xsd:complexType>
-        <xsd:sequence>
-          <xsd:element name="documentManagement">
-            <xsd:complexType>
-              <xsd:all>
-                <xsd:element ref="ns2:AcquiredFrom" minOccurs="0"/>
-                <xsd:element ref="ns2:UACurrentWords" minOccurs="0"/>
-                <xsd:element ref="ns2:TPApplication" minOccurs="0"/>
-                <xsd:element ref="ns2:ApprovalLog" minOccurs="0"/>
-                <xsd:element ref="ns2:ApprovalStatus" minOccurs="0"/>
-                <xsd:element ref="ns2:AssetStart" minOccurs="0"/>
-                <xsd:element ref="ns2:AssetExpire" minOccurs="0"/>
-                <xsd:element ref="ns2:AssetId" minOccurs="0"/>
-                <xsd:element ref="ns2:IsSearchable" minOccurs="0"/>
-                <xsd:element ref="ns2:AssetType" minOccurs="0"/>
-                <xsd:element ref="ns2:APAuthor" minOccurs="0"/>
-                <xsd:element ref="ns2:AverageRating" minOccurs="0"/>
-                <xsd:element ref="ns2:BlockPublish" minOccurs="0"/>
-                <xsd:element ref="ns2:BugNumber" minOccurs="0"/>
-                <xsd:element ref="ns2:CampaignTagsTaxHTField0" minOccurs="0"/>
-                <xsd:element ref="ns2:TPClientViewer" minOccurs="0"/>
-                <xsd:element ref="ns2:ClipArtFilename" minOccurs="0"/>
-                <xsd:element ref="ns2:TPCommandLine" minOccurs="0"/>
-                <xsd:element ref="ns2:TPComponent" minOccurs="0"/>
-                <xsd:element ref="ns2:ContentItem" minOccurs="0"/>
-                <xsd:element ref="ns2:CrawlForDependencies" minOccurs="0"/>
-                <xsd:element ref="ns2:CSXHash" minOccurs="0"/>
-                <xsd:element ref="ns2:CSXSubmissionMarket" minOccurs="0"/>
-                <xsd:element ref="ns2:CSXUpdate" minOccurs="0"/>
-                <xsd:element ref="ns2:IntlLangReviewDate" minOccurs="0"/>
-                <xsd:element ref="ns2:IsDeleted" minOccurs="0"/>
-                <xsd:element ref="ns2:APDescription" minOccurs="0"/>
-                <xsd:element ref="ns2:DirectSourceMarket" minOccurs="0"/>
-                <xsd:element ref="ns2:Downloads" minOccurs="0"/>
-                <xsd:element ref="ns2:DSATActionTaken" minOccurs="0"/>
-                <xsd:element ref="ns2:APEditor" minOccurs="0"/>
-                <xsd:element ref="ns2:EditorialStatus" minOccurs="0"/>
-                <xsd:element ref="ns2:EditorialTags" minOccurs="0"/>
-                <xsd:element ref="ns2:TPExecutable" minOccurs="0"/>
-                <xsd:element ref="ns2:FeatureTagsTaxHTField0" minOccurs="0"/>
-                <xsd:element ref="ns2:TPFriendlyName" minOccurs="0"/>
-                <xsd:element ref="ns2:FriendlyTitle" minOccurs="0"/>
-                <xsd:element ref="ns2:PrimaryImageGen" minOccurs="0"/>
-                <xsd:element ref="ns2:HandoffToMSDN" minOccurs="0"/>
-                <xsd:element ref="ns2:InProjectListLookup" minOccurs="0"/>
-                <xsd:element ref="ns2:TPInstallLocation" minOccurs="0"/>
-                <xsd:element ref="ns2:InternalTagsTaxHTField0" minOccurs="0"/>
-                <xsd:element ref="ns2:IntlLangReview" minOccurs="0"/>
-                <xsd:element ref="ns2:IntlLangReviewer" minOccurs="0"/>
-                <xsd:element ref="ns2:MarketSpecific" minOccurs="0"/>
-                <xsd:element ref="ns2:LastCompleteVersionLookup" minOccurs="0"/>
-                <xsd:element ref="ns2:LastHandOff" minOccurs="0"/>
-                <xsd:element ref="ns2:LastModifiedDateTime" minOccurs="0"/>
-                <xsd:element ref="ns2:LastPreviewErrorLookup" minOccurs="0"/>
-                <xsd:element ref="ns2:LastPreviewResultLookup" minOccurs="0"/>
-                <xsd:element ref="ns2:LastPreviewAttemptDateLookup" minOccurs="0"/>
-                <xsd:element ref="ns2:LastPreviewedByLookup" minOccurs="0"/>
-                <xsd:element ref="ns2:LastPreviewTimeLookup" minOccurs="0"/>
-                <xsd:element ref="ns2:LastPreviewVersionLookup" minOccurs="0"/>
-                <xsd:element ref="ns2:LastPublishErrorLookup" minOccurs="0"/>
-                <xsd:element ref="ns2:LastPublishResultLookup" minOccurs="0"/>
-                <xsd:element ref="ns2:LastPublishAttemptDateLookup" minOccurs="0"/>
-                <xsd:element ref="ns2:LastPublishedByLookup" minOccurs="0"/>
-                <xsd:element ref="ns2:LastPublishTimeLookup" minOccurs="0"/>
-                <xsd:element ref="ns2:LastPublishVersionLookup" minOccurs="0"/>
-                <xsd:element ref="ns2:TPLaunchHelpLinkType" minOccurs="0"/>
-                <xsd:element ref="ns2:LegacyData" minOccurs="0"/>
-                <xsd:element ref="ns2:TPLaunchHelpLink" minOccurs="0"/>
-                <xsd:element ref="ns2:LocComments" minOccurs="0"/>
-                <xsd:element ref="ns2:LocLastLocAttemptVersionLookup" minOccurs="0"/>
-                <xsd:element ref="ns2:LocLastLocAttemptVersionTypeLookup" minOccurs="0"/>
-                <xsd:element ref="ns2:LocManualTestRequired" minOccurs="0"/>
-                <xsd:element ref="ns2:LocMarketGroupTiers2" minOccurs="0"/>
-                <xsd:element ref="ns2:LocNewPublishedVersionLookup" minOccurs="0"/>
-                <xsd:element ref="ns2:LocOverallHandbackStatusLookup" minOccurs="0"/>
-                <xsd:element ref="ns2:LocOverallLocStatusLookup" minOccurs="0"/>
-                <xsd:element ref="ns2:LocOverallPreviewStatusLookup" minOccurs="0"/>
-                <xsd:element ref="ns2:LocOverallPublishStatusLookup" minOccurs="0"/>
-                <xsd:element ref="ns2:IntlLocPriority" minOccurs="0"/>
-                <xsd:element ref="ns2:LocProcessedForHandoffsLookup" minOccurs="0"/>
-                <xsd:element ref="ns2:LocProcessedForMarketsLookup" minOccurs="0"/>
-                <xsd:element ref="ns2:LocPublishedDependentAssetsLookup" minOccurs="0"/>
-                <xsd:element ref="ns2:LocPublishedLinkedAssetsLookup" minOccurs="0"/>
-                <xsd:element ref="ns2:LocRecommendedHandoff" minOccurs="0"/>
-                <xsd:element ref="ns2:LocalizationTagsTaxHTField0" minOccurs="0"/>
-                <xsd:element ref="ns2:MachineTranslated" minOccurs="0"/>
-                <xsd:element ref="ns2:Manager" minOccurs="0"/>
-                <xsd:element ref="ns2:Markets" minOccurs="0"/>
-                <xsd:element ref="ns2:Milestone" minOccurs="0"/>
-                <xsd:element ref="ns2:TPNamespace" minOccurs="0"/>
-                <xsd:element ref="ns2:NumericId" minOccurs="0"/>
-                <xsd:element ref="ns2:NumOfRatingsLookup" minOccurs="0"/>
-                <xsd:element ref="ns2:OOCacheId" minOccurs="0"/>
-                <xsd:element ref="ns2:OpenTemplate" minOccurs="0"/>
-                <xsd:element ref="ns2:OriginAsset" minOccurs="0"/>
-                <xsd:element ref="ns2:OriginalRelease" minOccurs="0"/>
-                <xsd:element ref="ns2:OriginalSourceMarket" minOccurs="0"/>
-                <xsd:element ref="ns2:OutputCachingOn" minOccurs="0"/>
-                <xsd:element ref="ns2:ParentAssetId" minOccurs="0"/>
-                <xsd:element ref="ns2:PlannedPubDate" minOccurs="0"/>
-                <xsd:element ref="ns2:PolicheckWords" minOccurs="0"/>
-                <xsd:element ref="ns2:BusinessGroup" minOccurs="0"/>
-                <xsd:element ref="ns2:UAProjectedTotalWords" minOccurs="0"/>
-                <xsd:element ref="ns2:Provider" minOccurs="0"/>
-                <xsd:element ref="ns2:Providers" minOccurs="0"/>
-                <xsd:element ref="ns2:PublishStatusLookup" minOccurs="0"/>
-                <xsd:element ref="ns2:PublishTargets" minOccurs="0"/>
-                <xsd:element ref="ns2:RecommendationsModifier" minOccurs="0"/>
-                <xsd:element ref="ns2:ArtSampleDocs" minOccurs="0"/>
-                <xsd:element ref="ns2:ScenarioTagsTaxHTField0" minOccurs="0"/>
-                <xsd:element ref="ns2:ShowIn" minOccurs="0"/>
-                <xsd:element ref="ns2:SourceTitle" minOccurs="0"/>
-                <xsd:element ref="ns2:CSXSubmissionDate" minOccurs="0"/>
-                <xsd:element ref="ns2:SubmitterId" minOccurs="0"/>
-                <xsd:element ref="ns2:TaxCatchAll" minOccurs="0"/>
-                <xsd:element ref="ns2:TaxCatchAllLabel" minOccurs="0"/>
-                <xsd:element ref="ns2:TemplateStatus" minOccurs="0"/>
-                <xsd:element ref="ns2:TemplateTemplateType" minOccurs="0"/>
-                <xsd:element ref="ns2:ThumbnailAssetId" minOccurs="0"/>
-                <xsd:element ref="ns2:TimesCloned" minOccurs="0"/>
-                <xsd:element ref="ns2:TrustLevel" minOccurs="0"/>
-                <xsd:element ref="ns2:UALocComments" minOccurs="0"/>
-                <xsd:element ref="ns2:UALocRecommendation" minOccurs="0"/>
-                <xsd:element ref="ns2:UANotes" minOccurs="0"/>
-                <xsd:element ref="ns2:TPAppVersion" minOccurs="0"/>
-                <xsd:element ref="ns2:VoteCount" minOccurs="0"/>
-              </xsd:all>
-            </xsd:complexType>
-          </xsd:element>
-        </xsd:sequence>
-      </xsd:complexType>
-    </xsd:element>
-  </xsd:schema>
-  <xsd:schema xmlns:xsd="http://www.w3.org/2001/XMLSchema" xmlns:xs="http://www.w3.org/2001/XMLSchema" xmlns:dms="http://schemas.microsoft.com/office/2006/documentManagement/types" xmlns:pc="http://schemas.microsoft.com/office/infopath/2007/PartnerControls" targetNamespace="4873beb7-5857-4685-be1f-d57550cc96cc" elementFormDefault="qualified">
-    <xsd:import namespace="http://schemas.microsoft.com/office/2006/documentManagement/types"/>
-    <xsd:import namespace="http://schemas.microsoft.com/office/infopath/2007/PartnerControls"/>
-    <xsd:element name="AcquiredFrom" ma:index="1" nillable="true" ma:displayName="Acquired From" ma:default="Internal MS" ma:internalName="AcquiredFrom" ma:readOnly="false">
-      <xsd:simpleType>
-        <xsd:restriction base="dms:Choice">
-          <xsd:enumeration value="Internal MS"/>
-          <xsd:enumeration value="Community"/>
-          <xsd:enumeration value="MVP"/>
-          <xsd:enumeration value="Publisher"/>
-          <xsd:enumeration value="Partner"/>
-          <xsd:enumeration value="None"/>
-        </xsd:restriction>
-      </xsd:simpleType>
-    </xsd:element>
-    <xsd:element name="UACurrentWords" ma:index="2" nillable="true" ma:displayName="Actual Word Count" ma:default="" ma:internalName="UACurrentWords" ma:readOnly="false">
-      <xsd:simpleType>
-        <xsd:restriction base="dms:Unknown"/>
-      </xsd:simpleType>
-    </xsd:element>
-    <xsd:element name="TPApplication" ma:index="3" nillable="true" ma:displayName="Application to Open Template With" ma:default="" ma:internalName="TPApplication">
-      <xsd:simpleType>
-        <xsd:restriction base="dms:Text"/>
-      </xsd:simpleType>
-    </xsd:element>
-    <xsd:element name="ApprovalLog" ma:index="4" nillable="true" ma:displayName="Approval Log" ma:default="" ma:hidden="true" ma:internalName="ApprovalLog" ma:readOnly="false">
-      <xsd:simpleType>
-        <xsd:restriction base="dms:Note"/>
-      </xsd:simpleType>
-    </xsd:element>
-    <xsd:element name="ApprovalStatus" ma:index="5" nillable="true" ma:displayName="Approval Status" ma:default="InProgress" ma:internalName="ApprovalStatus" ma:readOnly="false">
-      <xsd:simpleType>
-        <xsd:restriction base="dms:Choice">
-          <xsd:enumeration value="InProgress"/>
-          <xsd:enumeration value="Rejected"/>
-          <xsd:enumeration value="Questionable"/>
-          <xsd:enumeration value="ApprovedAutomatic"/>
-          <xsd:enumeration value="ApprovedManual"/>
-          <xsd:enumeration value="On Hold"/>
-          <xsd:enumeration value="Needs Review"/>
-          <xsd:enumeration value="A Violation"/>
-          <xsd:enumeration value="Unpublished Violation"/>
-        </xsd:restriction>
-      </xsd:simpleType>
-    </xsd:element>
-    <xsd:element name="AssetStart" ma:index="6" nillable="true" ma:displayName="Asset Begin Date" ma:default="[Today]" ma:internalName="AssetStart" ma:readOnly="false">
-      <xsd:simpleType>
-        <xsd:restriction base="dms:DateTime"/>
-      </xsd:simpleType>
-    </xsd:element>
-    <xsd:element name="AssetExpire" ma:index="7" nillable="true" ma:displayName="Asset End Date" ma:default="2029-01-01T08:00:00Z" ma:format="DateTime" ma:internalName="AssetExpire" ma:readOnly="false">
-      <xsd:simpleType>
-        <xsd:restriction base="dms:DateTime"/>
-      </xsd:simpleType>
-    </xsd:element>
-    <xsd:element name="AssetId" ma:index="8" nillable="true" ma:displayName="Asset ID" ma:default="" ma:indexed="true" ma:internalName="AssetId" ma:readOnly="false">
-      <xsd:simpleType>
-        <xsd:restriction base="dms:Text">
-          <xsd:maxLength value="255"/>
-        </xsd:restriction>
-      </xsd:simpleType>
-    </xsd:element>
-    <xsd:element name="IsSearchable" ma:index="9" nillable="true" ma:displayName="Asset Searchable?" ma:default="true" ma:internalName="IsSearchable" ma:readOnly="false">
-      <xsd:simpleType>
-        <xsd:restriction base="dms:Boolean"/>
-      </xsd:simpleType>
-    </xsd:element>
-    <xsd:element name="AssetType" ma:index="10" nillable="true" ma:displayName="Asset Type" ma:default="" ma:internalName="AssetType" ma:readOnly="false">
-      <xsd:simpleType>
-        <xsd:restriction base="dms:Unknown"/>
-      </xsd:simpleType>
-    </xsd:element>
-    <xsd:element name="APAuthor" ma:index="11" nillable="true" ma:displayName="Author" ma:default="" ma:list="UserInfo" ma:internalName="APAuthor" ma:readOnly="false">
-      <xsd:complexType>
-        <xsd:complexContent>
-          <xsd:extension base="dms:User">
-            <xsd:sequence>
-              <xsd:element name="UserInfo" minOccurs="0" maxOccurs="unbounded">
-                <xsd:complexType>
-                  <xsd:sequence>
-                    <xsd:element name="DisplayName" type="xsd:string" minOccurs="0"/>
-                    <xsd:element name="AccountId" type="dms:UserId" minOccurs="0" nillable="true"/>
-                    <xsd:element name="AccountType" type="xsd:string" minOccurs="0"/>
-                  </xsd:sequence>
-                </xsd:complexType>
-              </xsd:element>
-            </xsd:sequence>
-          </xsd:extension>
-        </xsd:complexContent>
-      </xsd:complexType>
-    </xsd:element>
-    <xsd:element name="AverageRating" ma:index="12" nillable="true" ma:displayName="Average Rating" ma:internalName="AverageRating" ma:readOnly="false">
-      <xsd:simpleType>
-        <xsd:restriction base="dms:Text"/>
-      </xsd:simpleType>
-    </xsd:element>
-    <xsd:element name="BlockPublish" ma:index="13" nillable="true" ma:displayName="Block from Publishing?" ma:default="" ma:internalName="BlockPublish" ma:readOnly="false">
-      <xsd:simpleType>
-        <xsd:restriction base="dms:Boolean"/>
-      </xsd:simpleType>
-    </xsd:element>
-    <xsd:element name="BugNumber" ma:index="14" nillable="true" ma:displayName="Bug Number" ma:default="" ma:internalName="BugNumber" ma:readOnly="false">
-      <xsd:simpleType>
-        <xsd:restriction base="dms:Text"/>
-      </xsd:simpleType>
-    </xsd:element>
-    <xsd:element name="CampaignTagsTaxHTField0" ma:index="16" nillable="true" ma:taxonomy="true" ma:internalName="CampaignTagsTaxHTField0" ma:taxonomyFieldName="CampaignTags" ma:displayName="Campaigns" ma:readOnly="false" ma:default="" ma:fieldId="{1df42cc3-2301-4f11-a52a-6ead923c29ed}" ma:taxonomyMulti="true" ma:sspId="8f79753a-75d3-41f5-8ca3-40b843941b4f" ma:termSetId="ca0e50d4-faa1-44ce-961e-bb1441c60e66" ma:anchorId="00000000-0000-0000-0000-000000000000" ma:open="false" ma:isKeyword="false">
-      <xsd:complexType>
-        <xsd:sequence>
-          <xsd:element ref="pc:Terms" minOccurs="0" maxOccurs="1"/>
-        </xsd:sequence>
-      </xsd:complexType>
-    </xsd:element>
-    <xsd:element name="TPClientViewer" ma:index="17" nillable="true" ma:displayName="Client Viewer" ma:default="" ma:internalName="TPClientViewer">
-      <xsd:simpleType>
-        <xsd:restriction base="dms:Text"/>
-      </xsd:simpleType>
-    </xsd:element>
-    <xsd:element name="ClipArtFilename" ma:index="18" nillable="true" ma:displayName="Clip Art Name" ma:default="" ma:internalName="ClipArtFilename" ma:readOnly="false">
-      <xsd:simpleType>
-        <xsd:restriction base="dms:Text"/>
-      </xsd:simpleType>
-    </xsd:element>
-    <xsd:element name="TPCommandLine" ma:index="19" nillable="true" ma:displayName="Command Line" ma:default="" ma:internalName="TPCommandLine">
-      <xsd:simpleType>
-        <xsd:restriction base="dms:Text"/>
-      </xsd:simpleType>
-    </xsd:element>
-    <xsd:element name="TPComponent" ma:index="20" nillable="true" ma:displayName="Component" ma:default="" ma:internalName="TPComponent">
-      <xsd:simpleType>
-        <xsd:restriction base="dms:Text"/>
-      </xsd:simpleType>
-    </xsd:element>
-    <xsd:element name="ContentItem" ma:index="21" nillable="true" ma:displayName="Content Item" ma:default="" ma:hidden="true" ma:internalName="ContentItem" ma:readOnly="false">
-      <xsd:simpleType>
-        <xsd:restriction base="dms:Unknown"/>
-      </xsd:simpleType>
-    </xsd:element>
-    <xsd:element name="CrawlForDependencies" ma:index="23" nillable="true" ma:displayName="Crawl for Dependencies?" ma:default="true" ma:internalName="CrawlForDependencies" ma:readOnly="false">
-      <xsd:simpleType>
-        <xsd:restriction base="dms:Boolean"/>
-      </xsd:simpleType>
-    </xsd:element>
-    <xsd:element name="CSXHash" ma:index="26" nillable="true" ma:displayName="CSX Hash" ma:default="" ma:indexed="true" ma:internalName="CSXHash" ma:readOnly="false">
-      <xsd:simpleType>
-        <xsd:restriction base="dms:Text"/>
-      </xsd:simpleType>
-    </xsd:element>
-    <xsd:element name="CSXSubmissionMarket" ma:index="27" nillable="true" ma:displayName="CSX Submission Market" ma:default="" ma:list="{2FBD1B11-2ACE-4FDC-B5A3-635D4ADF6F1B}" ma:internalName="CSXSubmissionMarket" ma:readOnly="false" ma:showField="MarketName" ma:web="4873beb7-5857-4685-be1f-d57550cc96cc">
-      <xsd:simpleType>
-        <xsd:restriction base="dms:Lookup"/>
-      </xsd:simpleType>
-    </xsd:element>
-    <xsd:element name="CSXUpdate" ma:index="28" nillable="true" ma:displayName="CSX Updated?" ma:default="false" ma:internalName="CSXUpdate" ma:readOnly="false">
-      <xsd:simpleType>
-        <xsd:restriction base="dms:Boolean"/>
-      </xsd:simpleType>
-    </xsd:element>
-    <xsd:element name="IntlLangReviewDate" ma:index="29" nillable="true" ma:displayName="Date to Complete Intl QA" ma:default="" ma:internalName="IntlLangReviewDate" ma:readOnly="false">
-      <xsd:simpleType>
-        <xsd:restriction base="dms:DateTime"/>
-      </xsd:simpleType>
-    </xsd:element>
-    <xsd:element name="IsDeleted" ma:index="30" nillable="true" ma:displayName="Deleted?" ma:default="" ma:internalName="IsDeleted" ma:readOnly="false">
-      <xsd:simpleType>
-        <xsd:restriction base="dms:Boolean"/>
-      </xsd:simpleType>
-    </xsd:element>
-    <xsd:element name="APDescription" ma:index="31" nillable="true" ma:displayName="Description" ma:default="" ma:internalName="APDescription" ma:readOnly="false">
-      <xsd:simpleType>
-        <xsd:restriction base="dms:Note"/>
-      </xsd:simpleType>
-    </xsd:element>
-    <xsd:element name="DirectSourceMarket" ma:index="32" nillable="true" ma:displayName="Direct Source Market Group" ma:default="" ma:internalName="DirectSourceMarket" ma:readOnly="false">
-      <xsd:simpleType>
-        <xsd:restriction base="dms:Text"/>
-      </xsd:simpleType>
-    </xsd:element>
-    <xsd:element name="Downloads" ma:index="33" nillable="true" ma:displayName="Downloads" ma:default="0" ma:hidden="true" ma:internalName="Downloads" ma:readOnly="false">
-      <xsd:simpleType>
-        <xsd:restriction base="dms:Unknown"/>
-      </xsd:simpleType>
-    </xsd:element>
-    <xsd:element name="DSATActionTaken" ma:index="34" nillable="true" ma:displayName="DSAT Action Taken" ma:default="" ma:internalName="DSATActionTaken" ma:readOnly="false">
-      <xsd:simpleType>
-        <xsd:restriction base="dms:Choice">
-          <xsd:enumeration value="Best Bets"/>
-          <xsd:enumeration value="Expire"/>
-          <xsd:enumeration value="Hide"/>
-          <xsd:enumeration value="None"/>
-        </xsd:restriction>
-      </xsd:simpleType>
-    </xsd:element>
-    <xsd:element name="APEditor" ma:index="35" nillable="true" ma:displayName="Editor" ma:default="" ma:list="UserInfo" ma:internalName="APEditor" ma:readOnly="false">
-      <xsd:complexType>
-        <xsd:complexContent>
-          <xsd:extension base="dms:User">
-            <xsd:sequence>
-              <xsd:element name="UserInfo" minOccurs="0" maxOccurs="unbounded">
-                <xsd:complexType>
-                  <xsd:sequence>
-                    <xsd:element name="DisplayName" type="xsd:string" minOccurs="0"/>
-                    <xsd:element name="AccountId" type="dms:UserId" minOccurs="0" nillable="true"/>
-                    <xsd:element name="AccountType" type="xsd:string" minOccurs="0"/>
-                  </xsd:sequence>
-                </xsd:complexType>
-              </xsd:element>
-            </xsd:sequence>
-          </xsd:extension>
-        </xsd:complexContent>
-      </xsd:complexType>
-    </xsd:element>
-    <xsd:element name="EditorialStatus" ma:index="36" nillable="true" ma:displayName="Editorial Status" ma:default="" ma:internalName="EditorialStatus" ma:readOnly="false">
-      <xsd:simpleType>
-        <xsd:restriction base="dms:Unknown"/>
-      </xsd:simpleType>
-    </xsd:element>
-    <xsd:element name="EditorialTags" ma:index="37" nillable="true" ma:displayName="Editorial Tags" ma:default="" ma:internalName="EditorialTags">
-      <xsd:simpleType>
-        <xsd:restriction base="dms:Unknown"/>
-      </xsd:simpleType>
-    </xsd:element>
-    <xsd:element name="TPExecutable" ma:index="38" nillable="true" ma:displayName="Executable" ma:default="" ma:internalName="TPExecutable">
-      <xsd:simpleType>
-        <xsd:restriction base="dms:Text"/>
-      </xsd:simpleType>
-    </xsd:element>
-    <xsd:element name="FeatureTagsTaxHTField0" ma:index="40" nillable="true" ma:taxonomy="true" ma:internalName="FeatureTagsTaxHTField0" ma:taxonomyFieldName="FeatureTags" ma:displayName="Features" ma:readOnly="false" ma:default="" ma:fieldId="{7fc0d542-15c6-4882-a8e3-13bca44403fb}" ma:taxonomyMulti="true" ma:sspId="8f79753a-75d3-41f5-8ca3-40b843941b4f" ma:termSetId="f1ab6845-967d-4854-a0ba-4ec07f0f8113" ma:anchorId="00000000-0000-0000-0000-000000000000" ma:open="false" ma:isKeyword="false">
-      <xsd:complexType>
-        <xsd:sequence>
-          <xsd:element ref="pc:Terms" minOccurs="0" maxOccurs="1"/>
-        </xsd:sequence>
-      </xsd:complexType>
-    </xsd:element>
-    <xsd:element name="TPFriendlyName" ma:index="41" nillable="true" ma:displayName="Friendly Name" ma:default="" ma:internalName="TPFriendlyName">
-      <xsd:simpleType>
-        <xsd:restriction base="dms:Text"/>
-      </xsd:simpleType>
-    </xsd:element>
-    <xsd:element name="FriendlyTitle" ma:index="42" nillable="true" ma:displayName="Friendly Title" ma:default="" ma:description="Shorter title to be used when displaying search results" ma:internalName="FriendlyTitle" ma:readOnly="false">
-      <xsd:simpleType>
-        <xsd:restriction base="dms:Text"/>
-      </xsd:simpleType>
-    </xsd:element>
-    <xsd:element name="PrimaryImageGen" ma:index="43" nillable="true" ma:displayName="Generate Images?" ma:default="true" ma:internalName="PrimaryImageGen">
-      <xsd:simpleType>
-        <xsd:restriction base="dms:Boolean"/>
-      </xsd:simpleType>
-    </xsd:element>
-    <xsd:element name="HandoffToMSDN" ma:index="44" nillable="true" ma:displayName="Handoff To MSDN Date" ma:default="" ma:internalName="HandoffToMSDN" ma:readOnly="false">
-      <xsd:simpleType>
-        <xsd:restriction base="dms:DateTime"/>
-      </xsd:simpleType>
-    </xsd:element>
-    <xsd:element name="InProjectListLookup" ma:index="45" nillable="true" ma:displayName="InProjectListLookup" ma:list="{9E343742-310B-4684-A24C-1D137CB4B230}" ma:internalName="InProjectListLookup" ma:readOnly="true" ma:showField="InProjectList" ma:web="4873beb7-5857-4685-be1f-d57550cc96cc">
-      <xsd:complexType>
-        <xsd:complexContent>
-          <xsd:extension base="dms:MultiChoiceLookup">
-            <xsd:sequence>
-              <xsd:element name="Value" type="dms:Lookup" maxOccurs="unbounded" minOccurs="0" nillable="true"/>
-            </xsd:sequence>
-          </xsd:extension>
-        </xsd:complexContent>
-      </xsd:complexType>
-    </xsd:element>
-    <xsd:element name="TPInstallLocation" ma:index="46" nillable="true" ma:displayName="Install Location" ma:default="" ma:internalName="TPInstallLocation">
-      <xsd:simpleType>
-        <xsd:restriction base="dms:Text"/>
-      </xsd:simpleType>
-    </xsd:element>
-    <xsd:element name="InternalTagsTaxHTField0" ma:index="48" nillable="true" ma:taxonomy="true" ma:internalName="InternalTagsTaxHTField0" ma:taxonomyFieldName="InternalTags" ma:displayName="Internal Tags" ma:readOnly="false" ma:default="" ma:fieldId="{1490b8a4-2706-41ec-b5e3-73176dccf34e}" ma:taxonomyMulti="true" ma:sspId="8f79753a-75d3-41f5-8ca3-40b843941b4f" ma:termSetId="82b6639e-f7fc-4c18-ad2d-003a6e707765" ma:anchorId="00000000-0000-0000-0000-000000000000" ma:open="false" ma:isKeyword="false">
-      <xsd:complexType>
-        <xsd:sequence>
-          <xsd:element ref="pc:Terms" minOccurs="0" maxOccurs="1"/>
-        </xsd:sequence>
-      </xsd:complexType>
-    </xsd:element>
-    <xsd:element name="IntlLangReview" ma:index="49" nillable="true" ma:displayName="Intl Lang QA Review Required?" ma:default="" ma:internalName="IntlLangReview" ma:readOnly="false">
-      <xsd:simpleType>
-        <xsd:restriction base="dms:Boolean"/>
-      </xsd:simpleType>
-    </xsd:element>
-    <xsd:element name="IntlLangReviewer" ma:index="50" nillable="true" ma:displayName="Intl Lang QA Reviewer" ma:default="" ma:internalName="IntlLangReviewer" ma:readOnly="false">
-      <xsd:simpleType>
-        <xsd:restriction base="dms:Text"/>
-      </xsd:simpleType>
-    </xsd:element>
-    <xsd:element name="MarketSpecific" ma:index="51" nillable="true" ma:displayName="Is Market Specific?" ma:default="" ma:internalName="MarketSpecific" ma:readOnly="false">
-      <xsd:simpleType>
-        <xsd:restriction base="dms:Boolean"/>
-      </xsd:simpleType>
-    </xsd:element>
-    <xsd:element name="LastCompleteVersionLookup" ma:index="52" nillable="true" ma:displayName="Last Complete Version Lookup" ma:default="" ma:list="{9E343742-310B-4684-A24C-1D137CB4B230}" ma:internalName="LastCompleteVersionLookup" ma:readOnly="true" ma:showField="LastCompleteVersion" ma:web="4873beb7-5857-4685-be1f-d57550cc96cc">
-      <xsd:complexType>
-        <xsd:complexContent>
-          <xsd:extension base="dms:MultiChoiceLookup">
-            <xsd:sequence>
-              <xsd:element name="Value" type="dms:Lookup" maxOccurs="unbounded" minOccurs="0" nillable="true"/>
-            </xsd:sequence>
-          </xsd:extension>
-        </xsd:complexContent>
-      </xsd:complexType>
-    </xsd:element>
-    <xsd:element name="LastHandOff" ma:index="53" nillable="true" ma:displayName="Last Hand-off" ma:default="" ma:internalName="LastHandOff" ma:readOnly="false">
-      <xsd:simpleType>
-        <xsd:restriction base="dms:DateTime"/>
-      </xsd:simpleType>
-    </xsd:element>
-    <xsd:element name="LastModifiedDateTime" ma:index="54" nillable="true" ma:displayName="Last Modified Date" ma:default="" ma:internalName="LastModifiedDateTime" ma:readOnly="false">
-      <xsd:simpleType>
-        <xsd:restriction base="dms:DateTime"/>
-      </xsd:simpleType>
-    </xsd:element>
-    <xsd:element name="LastPreviewErrorLookup" ma:index="55" nillable="true" ma:displayName="Last Preview Attempt Error" ma:default="" ma:list="{9E343742-310B-4684-A24C-1D137CB4B230}" ma:internalName="LastPreviewErrorLookup" ma:readOnly="true" ma:showField="LastPreviewError" ma:web="4873beb7-5857-4685-be1f-d57550cc96cc">
-      <xsd:complexType>
-        <xsd:complexContent>
-          <xsd:extension base="dms:MultiChoiceLookup">
-            <xsd:sequence>
-              <xsd:element name="Value" type="dms:Lookup" maxOccurs="unbounded" minOccurs="0" nillable="true"/>
-            </xsd:sequence>
-          </xsd:extension>
-        </xsd:complexContent>
-      </xsd:complexType>
-    </xsd:element>
-    <xsd:element name="LastPreviewResultLookup" ma:index="56" nillable="true" ma:displayName="Last Preview Attempt Result" ma:default="" ma:list="{9E343742-310B-4684-A24C-1D137CB4B230}" ma:internalName="LastPreviewResultLookup" ma:readOnly="true" ma:showField="LastPreviewResult" ma:web="4873beb7-5857-4685-be1f-d57550cc96cc">
-      <xsd:complexType>
-        <xsd:complexContent>
-          <xsd:extension base="dms:MultiChoiceLookup">
-            <xsd:sequence>
-              <xsd:element name="Value" type="dms:Lookup" maxOccurs="unbounded" minOccurs="0" nillable="true"/>
-            </xsd:sequence>
-          </xsd:extension>
-        </xsd:complexContent>
-      </xsd:complexType>
-    </xsd:element>
-    <xsd:element name="LastPreviewAttemptDateLookup" ma:index="57" nillable="true" ma:displayName="Last Preview Attempted On" ma:default="" ma:list="{9E343742-310B-4684-A24C-1D137CB4B230}" ma:internalName="LastPreviewAttemptDateLookup" ma:readOnly="true" ma:showField="LastPreviewAttemptDate" ma:web="4873beb7-5857-4685-be1f-d57550cc96cc">
-      <xsd:complexType>
-        <xsd:complexContent>
-          <xsd:extension base="dms:MultiChoiceLookup">
-            <xsd:sequence>
-              <xsd:element name="Value" type="dms:Lookup" maxOccurs="unbounded" minOccurs="0" nillable="true"/>
-            </xsd:sequence>
-          </xsd:extension>
-        </xsd:complexContent>
-      </xsd:complexType>
-    </xsd:element>
-    <xsd:element name="LastPreviewedByLookup" ma:index="58" nillable="true" ma:displayName="Last Previewed By" ma:default="" ma:list="{9E343742-310B-4684-A24C-1D137CB4B230}" ma:internalName="LastPreviewedByLookup" ma:readOnly="true" ma:showField="LastPreviewedBy" ma:web="4873beb7-5857-4685-be1f-d57550cc96cc">
-      <xsd:complexType>
-        <xsd:complexContent>
-          <xsd:extension base="dms:MultiChoiceLookup">
-            <xsd:sequence>
-              <xsd:element name="Value" type="dms:Lookup" maxOccurs="unbounded" minOccurs="0" nillable="true"/>
-            </xsd:sequence>
-          </xsd:extension>
-        </xsd:complexContent>
-      </xsd:complexType>
-    </xsd:element>
-    <xsd:element name="LastPreviewTimeLookup" ma:index="59" nillable="true" ma:displayName="Last Previewed Date" ma:default="" ma:list="{9E343742-310B-4684-A24C-1D137CB4B230}" ma:internalName="LastPreviewTimeLookup" ma:readOnly="true" ma:showField="LastPreviewTime" ma:web="4873beb7-5857-4685-be1f-d57550cc96cc">
-      <xsd:complexType>
-        <xsd:complexContent>
-          <xsd:extension base="dms:MultiChoiceLookup">
-            <xsd:sequence>
-              <xsd:element name="Value" type="dms:Lookup" maxOccurs="unbounded" minOccurs="0" nillable="true"/>
-            </xsd:sequence>
-          </xsd:extension>
-        </xsd:complexContent>
-      </xsd:complexType>
-    </xsd:element>
-    <xsd:element name="LastPreviewVersionLookup" ma:index="60" nillable="true" ma:displayName="Last Previewed Version" ma:default="" ma:list="{9E343742-310B-4684-A24C-1D137CB4B230}" ma:internalName="LastPreviewVersionLookup" ma:readOnly="true" ma:showField="LastPreviewVersion" ma:web="4873beb7-5857-4685-be1f-d57550cc96cc">
-      <xsd:complexType>
-        <xsd:complexContent>
-          <xsd:extension base="dms:MultiChoiceLookup">
-            <xsd:sequence>
-              <xsd:element name="Value" type="dms:Lookup" maxOccurs="unbounded" minOccurs="0" nillable="true"/>
-            </xsd:sequence>
-          </xsd:extension>
-        </xsd:complexContent>
-      </xsd:complexType>
-    </xsd:element>
-    <xsd:element name="LastPublishErrorLookup" ma:index="61" nillable="true" ma:displayName="Last Publish Attempt Error" ma:default="" ma:list="{9E343742-310B-4684-A24C-1D137CB4B230}" ma:internalName="LastPublishErrorLookup" ma:readOnly="true" ma:showField="LastPublishError" ma:web="4873beb7-5857-4685-be1f-d57550cc96cc">
-      <xsd:complexType>
-        <xsd:complexContent>
-          <xsd:extension base="dms:MultiChoiceLookup">
-            <xsd:sequence>
-              <xsd:element name="Value" type="dms:Lookup" maxOccurs="unbounded" minOccurs="0" nillable="true"/>
-            </xsd:sequence>
-          </xsd:extension>
-        </xsd:complexContent>
-      </xsd:complexType>
-    </xsd:element>
-    <xsd:element name="LastPublishResultLookup" ma:index="62" nillable="true" ma:displayName="Last Publish Attempt Result" ma:default="" ma:list="{9E343742-310B-4684-A24C-1D137CB4B230}" ma:internalName="LastPublishResultLookup" ma:readOnly="true" ma:showField="LastPublishResult" ma:web="4873beb7-5857-4685-be1f-d57550cc96cc">
-      <xsd:complexType>
-        <xsd:complexContent>
-          <xsd:extension base="dms:MultiChoiceLookup">
-            <xsd:sequence>
-              <xsd:element name="Value" type="dms:Lookup" maxOccurs="unbounded" minOccurs="0" nillable="true"/>
-            </xsd:sequence>
-          </xsd:extension>
-        </xsd:complexContent>
-      </xsd:complexType>
-    </xsd:element>
-    <xsd:element name="LastPublishAttemptDateLookup" ma:index="63" nillable="true" ma:displayName="Last Publish Attempted On" ma:default="" ma:list="{9E343742-310B-4684-A24C-1D137CB4B230}" ma:internalName="LastPublishAttemptDateLookup" ma:readOnly="true" ma:showField="LastPublishAttemptDate" ma:web="4873beb7-5857-4685-be1f-d57550cc96cc">
-      <xsd:complexType>
-        <xsd:complexContent>
-          <xsd:extension base="dms:MultiChoiceLookup">
-            <xsd:sequence>
-              <xsd:element name="Value" type="dms:Lookup" maxOccurs="unbounded" minOccurs="0" nillable="true"/>
-            </xsd:sequence>
-          </xsd:extension>
-        </xsd:complexContent>
-      </xsd:complexType>
-    </xsd:element>
-    <xsd:element name="LastPublishedByLookup" ma:index="64" nillable="true" ma:displayName="Last Published By" ma:default="" ma:list="{9E343742-310B-4684-A24C-1D137CB4B230}" ma:internalName="LastPublishedByLookup" ma:readOnly="true" ma:showField="LastPublishedBy" ma:web="4873beb7-5857-4685-be1f-d57550cc96cc">
-      <xsd:complexType>
-        <xsd:complexContent>
-          <xsd:extension base="dms:MultiChoiceLookup">
-            <xsd:sequence>
-              <xsd:element name="Value" type="dms:Lookup" maxOccurs="unbounded" minOccurs="0" nillable="true"/>
-            </xsd:sequence>
-          </xsd:extension>
-        </xsd:complexContent>
-      </xsd:complexType>
-    </xsd:element>
-    <xsd:element name="LastPublishTimeLookup" ma:index="65" nillable="true" ma:displayName="Last Published Date" ma:default="" ma:list="{9E343742-310B-4684-A24C-1D137CB4B230}" ma:internalName="LastPublishTimeLookup" ma:readOnly="true" ma:showField="LastPublishTime" ma:web="4873beb7-5857-4685-be1f-d57550cc96cc">
-      <xsd:complexType>
-        <xsd:complexContent>
-          <xsd:extension base="dms:MultiChoiceLookup">
-            <xsd:sequence>
-              <xsd:element name="Value" type="dms:Lookup" maxOccurs="unbounded" minOccurs="0" nillable="true"/>
-            </xsd:sequence>
-          </xsd:extension>
-        </xsd:complexContent>
-      </xsd:complexType>
-    </xsd:element>
-    <xsd:element name="LastPublishVersionLookup" ma:index="66" nillable="true" ma:displayName="Last Published Version" ma:default="" ma:list="{9E343742-310B-4684-A24C-1D137CB4B230}" ma:internalName="LastPublishVersionLookup" ma:readOnly="true" ma:showField="LastPublishVersion" ma:web="4873beb7-5857-4685-be1f-d57550cc96cc">
-      <xsd:complexType>
-        <xsd:complexContent>
-          <xsd:extension base="dms:MultiChoiceLookup">
-            <xsd:sequence>
-              <xsd:element name="Value" type="dms:Lookup" maxOccurs="unbounded" minOccurs="0" nillable="true"/>
-            </xsd:sequence>
-          </xsd:extension>
-        </xsd:complexContent>
-      </xsd:complexType>
-    </xsd:element>
-    <xsd:element name="TPLaunchHelpLinkType" ma:index="67" nillable="true" ma:displayName="Launch Help Link Type" ma:default="Template" ma:internalName="TPLaunchHelpLinkType">
-      <xsd:simpleType>
-        <xsd:restriction base="dms:Choice">
-          <xsd:enumeration value="Template"/>
-          <xsd:enumeration value="Training"/>
-          <xsd:enumeration value="URL"/>
-          <xsd:enumeration value="None"/>
-        </xsd:restriction>
-      </xsd:simpleType>
-    </xsd:element>
-    <xsd:element name="LegacyData" ma:index="68" nillable="true" ma:displayName="Legacy Data" ma:default="" ma:internalName="LegacyData" ma:readOnly="false">
-      <xsd:simpleType>
-        <xsd:restriction base="dms:Note"/>
-      </xsd:simpleType>
-    </xsd:element>
-    <xsd:element name="TPLaunchHelpLink" ma:index="69" nillable="true" ma:displayName="Link to Launch Help Topic" ma:default="" ma:internalName="TPLaunchHelpLink">
-      <xsd:simpleType>
-        <xsd:restriction base="dms:Text"/>
-      </xsd:simpleType>
-    </xsd:element>
-    <xsd:element name="LocComments" ma:index="70" nillable="true" ma:displayName="Loc Approval Comments" ma:default="" ma:internalName="LocComments" ma:readOnly="false">
-      <xsd:simpleType>
-        <xsd:restriction base="dms:Note"/>
-      </xsd:simpleType>
-    </xsd:element>
-    <xsd:element name="LocLastLocAttemptVersionLookup" ma:index="71" nillable="true" ma:displayName="Loc Last Loc Attempt Version" ma:default="" ma:list="{7DD1DCEC-E449-43D3-891F-7DC62F62AD21}" ma:internalName="LocLastLocAttemptVersionLookup" ma:readOnly="false" ma:showField="LastLocAttemptVersion" ma:web="4873beb7-5857-4685-be1f-d57550cc96cc">
-      <xsd:simpleType>
-        <xsd:restriction base="dms:Lookup"/>
-      </xsd:simpleType>
-    </xsd:element>
-    <xsd:element name="LocLastLocAttemptVersionTypeLookup" ma:index="72" nillable="true" ma:displayName="Loc Last Loc Attempt Version Type" ma:default="" ma:list="{7DD1DCEC-E449-43D3-891F-7DC62F62AD21}" ma:internalName="LocLastLocAttemptVersionTypeLookup" ma:readOnly="true" ma:showField="LastLocAttemptVersionType" ma:web="4873beb7-5857-4685-be1f-d57550cc96cc">
-      <xsd:simpleType>
-        <xsd:restriction base="dms:Lookup"/>
-      </xsd:simpleType>
-    </xsd:element>
-    <xsd:element name="LocManualTestRequired" ma:index="73" nillable="true" ma:displayName="Loc Manual Test Required" ma:default="" ma:internalName="LocManualTestRequired" ma:readOnly="false">
-      <xsd:simpleType>
-        <xsd:restriction base="dms:Boolean"/>
-      </xsd:simpleType>
-    </xsd:element>
-    <xsd:element name="LocMarketGroupTiers2" ma:index="74" nillable="true" ma:displayName="Loc Market Group Tiers" ma:internalName="LocMarketGroupTiers2" ma:readOnly="false">
-      <xsd:simpleType>
-        <xsd:restriction base="dms:Unknown"/>
-      </xsd:simpleType>
-    </xsd:element>
-    <xsd:element name="LocNewPublishedVersionLookup" ma:index="75" nillable="true" ma:displayName="Loc New Published Version Lookup" ma:default="" ma:list="{7DD1DCEC-E449-43D3-891F-7DC62F62AD21}" ma:internalName="LocNewPublishedVersionLookup" ma:readOnly="true" ma:showField="NewPublishedVersion" ma:web="4873beb7-5857-4685-be1f-d57550cc96cc">
-      <xsd:simpleType>
-        <xsd:restriction base="dms:Lookup"/>
-      </xsd:simpleType>
-    </xsd:element>
-    <xsd:element name="LocOverallHandbackStatusLookup" ma:index="76" nillable="true" ma:displayName="Loc Overall Handback Status" ma:default="" ma:list="{7DD1DCEC-E449-43D3-891F-7DC62F62AD21}" ma:internalName="LocOverallHandbackStatusLookup" ma:readOnly="true" ma:showField="OverallHandbackStatus" ma:web="4873beb7-5857-4685-be1f-d57550cc96cc">
-      <xsd:simpleType>
-        <xsd:restriction base="dms:Lookup"/>
-      </xsd:simpleType>
-    </xsd:element>
-    <xsd:element name="LocOverallLocStatusLookup" ma:index="77" nillable="true" ma:displayName="Loc Overall Localize Status" ma:default="" ma:list="{7DD1DCEC-E449-43D3-891F-7DC62F62AD21}" ma:internalName="LocOverallLocStatusLookup" ma:readOnly="true" ma:showField="OverallLocStatus" ma:web="4873beb7-5857-4685-be1f-d57550cc96cc">
-      <xsd:simpleType>
-        <xsd:restriction base="dms:Lookup"/>
-      </xsd:simpleType>
-    </xsd:element>
-    <xsd:element name="LocOverallPreviewStatusLookup" ma:index="78" nillable="true" ma:displayName="Loc Overall Preview Status" ma:default="" ma:list="{7DD1DCEC-E449-43D3-891F-7DC62F62AD21}" ma:internalName="LocOverallPreviewStatusLookup" ma:readOnly="true" ma:showField="OverallPreviewStatus" ma:web="4873beb7-5857-4685-be1f-d57550cc96cc">
-      <xsd:simpleType>
-        <xsd:restriction base="dms:Lookup"/>
-      </xsd:simpleType>
-    </xsd:element>
-    <xsd:element name="LocOverallPublishStatusLookup" ma:index="79" nillable="true" ma:displayName="Loc Overall Publish Status" ma:default="" ma:list="{7DD1DCEC-E449-43D3-891F-7DC62F62AD21}" ma:internalName="LocOverallPublishStatusLookup" ma:readOnly="true" ma:showField="OverallPublishStatus" ma:web="4873beb7-5857-4685-be1f-d57550cc96cc">
-      <xsd:simpleType>
-        <xsd:restriction base="dms:Lookup"/>
-      </xsd:simpleType>
-    </xsd:element>
-    <xsd:element name="IntlLocPriority" ma:index="80" nillable="true" ma:displayName="Loc Priority" ma:default="" ma:internalName="IntlLocPriority" ma:readOnly="false">
-      <xsd:simpleType>
-        <xsd:restriction base="dms:Unknown"/>
-      </xsd:simpleType>
-    </xsd:element>
-    <xsd:element name="LocProcessedForHandoffsLookup" ma:index="81" nillable="true" ma:displayName="Loc Processed For Handoffs" ma:default="" ma:list="{7DD1DCEC-E449-43D3-891F-7DC62F62AD21}" ma:internalName="LocProcessedForHandoffsLookup" ma:readOnly="true" ma:showField="ProcessedForHandoffs" ma:web="4873beb7-5857-4685-be1f-d57550cc96cc">
-      <xsd:simpleType>
-        <xsd:restriction base="dms:Lookup"/>
-      </xsd:simpleType>
-    </xsd:element>
-    <xsd:element name="LocProcessedForMarketsLookup" ma:index="82" nillable="true" ma:displayName="Loc Processed For Markets" ma:default="" ma:list="{7DD1DCEC-E449-43D3-891F-7DC62F62AD21}" ma:internalName="LocProcessedForMarketsLookup" ma:readOnly="true" ma:showField="ProcessedForMarkets" ma:web="4873beb7-5857-4685-be1f-d57550cc96cc">
-      <xsd:simpleType>
-        <xsd:restriction base="dms:Lookup"/>
-      </xsd:simpleType>
-    </xsd:element>
-    <xsd:element name="LocPublishedDependentAssetsLookup" ma:index="83" nillable="true" ma:displayName="Loc Published Dependent Assets" ma:default="" ma:list="{7DD1DCEC-E449-43D3-891F-7DC62F62AD21}" ma:internalName="LocPublishedDependentAssetsLookup" ma:readOnly="true" ma:showField="PublishedDependentAssets" ma:web="4873beb7-5857-4685-be1f-d57550cc96cc">
-      <xsd:simpleType>
-        <xsd:restriction base="dms:Lookup"/>
-      </xsd:simpleType>
-    </xsd:element>
-    <xsd:element name="LocPublishedLinkedAssetsLookup" ma:index="84" nillable="true" ma:displayName="Loc Published Linked Assets" ma:default="" ma:list="{7DD1DCEC-E449-43D3-891F-7DC62F62AD21}" ma:internalName="LocPublishedLinkedAssetsLookup" ma:readOnly="true" ma:showField="PublishedLinkedAssets" ma:web="4873beb7-5857-4685-be1f-d57550cc96cc">
-      <xsd:simpleType>
-        <xsd:restriction base="dms:Lookup"/>
-      </xsd:simpleType>
-    </xsd:element>
-    <xsd:element name="LocRecommendedHandoff" ma:index="85" nillable="true" ma:displayName="Loc Recommended Handoff" ma:default="" ma:indexed="true" ma:internalName="LocRecommendedHandoff" ma:readOnly="false">
-      <xsd:simpleType>
-        <xsd:restriction base="dms:Text"/>
-      </xsd:simpleType>
-    </xsd:element>
-    <xsd:element name="LocalizationTagsTaxHTField0" ma:index="87" nillable="true" ma:taxonomy="true" ma:internalName="LocalizationTagsTaxHTField0" ma:taxonomyFieldName="LocalizationTags" ma:displayName="Localization Tags" ma:readOnly="false" ma:default="" ma:fieldId="{00f02cb3-2c7c-424a-9c61-10e9b6878429}" ma:taxonomyMulti="true" ma:sspId="8f79753a-75d3-41f5-8ca3-40b843941b4f" ma:termSetId="5b7703a5-8e8b-4b58-8b31-1cea35331da3" ma:anchorId="00000000-0000-0000-0000-000000000000" ma:open="false" ma:isKeyword="false">
-      <xsd:complexType>
-        <xsd:sequence>
-          <xsd:element ref="pc:Terms" minOccurs="0" maxOccurs="1"/>
-        </xsd:sequence>
-      </xsd:complexType>
-    </xsd:element>
-    <xsd:element name="MachineTranslated" ma:index="88" nillable="true" ma:displayName="Machine Translated" ma:default="" ma:internalName="MachineTranslated" ma:readOnly="false">
-      <xsd:simpleType>
-        <xsd:restriction base="dms:Boolean"/>
-      </xsd:simpleType>
-    </xsd:element>
-    <xsd:element name="Manager" ma:index="89" nillable="true" ma:displayName="Manager" ma:hidden="true" ma:internalName="Manager" ma:readOnly="false">
-      <xsd:simpleType>
-        <xsd:restriction base="dms:Text"/>
-      </xsd:simpleType>
-    </xsd:element>
-    <xsd:element name="Markets" ma:index="90" nillable="true" ma:displayName="Markets" ma:default="" ma:description="Leave blank to show in all markets" ma:list="{2FBD1B11-2ACE-4FDC-B5A3-635D4ADF6F1B}" ma:internalName="Markets" ma:readOnly="false" ma:showField="MarketName" ma:web="4873beb7-5857-4685-be1f-d57550cc96cc">
-      <xsd:complexType>
-        <xsd:complexContent>
-          <xsd:extension base="dms:MultiChoiceLookup">
-            <xsd:sequence>
-              <xsd:element name="Value" type="dms:Lookup" maxOccurs="unbounded" minOccurs="0" nillable="true"/>
-            </xsd:sequence>
-          </xsd:extension>
-        </xsd:complexContent>
-      </xsd:complexType>
-    </xsd:element>
-    <xsd:element name="Milestone" ma:index="91" nillable="true" ma:displayName="Milestone" ma:default="" ma:internalName="Milestone" ma:readOnly="false">
-      <xsd:simpleType>
-        <xsd:restriction base="dms:Unknown"/>
-      </xsd:simpleType>
-    </xsd:element>
-    <xsd:element name="TPNamespace" ma:index="94" nillable="true" ma:displayName="Namespace" ma:default="" ma:internalName="TPNamespace">
-      <xsd:simpleType>
-        <xsd:restriction base="dms:Text"/>
-      </xsd:simpleType>
-    </xsd:element>
-    <xsd:element name="NumericId" ma:index="95" nillable="true" ma:displayName="Numeric ID" ma:default="" ma:indexed="true" ma:internalName="NumericId" ma:readOnly="false">
-      <xsd:simpleType>
-        <xsd:restriction base="dms:Number"/>
-      </xsd:simpleType>
-    </xsd:element>
-    <xsd:element name="NumOfRatingsLookup" ma:index="96" nillable="true" ma:displayName="NumOfRatings" ma:default="" ma:list="{9E343742-310B-4684-A24C-1D137CB4B230}" ma:internalName="NumOfRatingsLookup" ma:readOnly="true" ma:showField="NumOfRatings" ma:web="4873beb7-5857-4685-be1f-d57550cc96cc">
-      <xsd:complexType>
-        <xsd:complexContent>
-          <xsd:extension base="dms:MultiChoiceLookup">
-            <xsd:sequence>
-              <xsd:element name="Value" type="dms:Lookup" maxOccurs="unbounded" minOccurs="0" nillable="true"/>
-            </xsd:sequence>
-          </xsd:extension>
-        </xsd:complexContent>
-      </xsd:complexType>
-    </xsd:element>
-    <xsd:element name="OOCacheId" ma:index="97" nillable="true" ma:displayName="OOCacheId" ma:internalName="OOCacheId" ma:readOnly="false">
-      <xsd:simpleType>
-        <xsd:restriction base="dms:Text"/>
-      </xsd:simpleType>
-    </xsd:element>
-    <xsd:element name="OpenTemplate" ma:index="98" nillable="true" ma:displayName="Open Template" ma:default="true" ma:internalName="OpenTemplate">
-      <xsd:simpleType>
-        <xsd:restriction base="dms:Boolean"/>
-      </xsd:simpleType>
-    </xsd:element>
-    <xsd:element name="OriginAsset" ma:index="99" nillable="true" ma:displayName="Origin Asset" ma:default="" ma:internalName="OriginAsset" ma:readOnly="false">
-      <xsd:simpleType>
-        <xsd:restriction base="dms:Text"/>
-      </xsd:simpleType>
-    </xsd:element>
-    <xsd:element name="OriginalRelease" ma:index="100" nillable="true" ma:displayName="Original Release" ma:default="15" ma:internalName="OriginalRelease" ma:readOnly="false">
-      <xsd:simpleType>
-        <xsd:restriction base="dms:Choice">
-          <xsd:enumeration value="14"/>
-          <xsd:enumeration value="15"/>
-          <xsd:enumeration value="16"/>
-        </xsd:restriction>
-      </xsd:simpleType>
-    </xsd:element>
-    <xsd:element name="OriginalSourceMarket" ma:index="101" nillable="true" ma:displayName="Original Source Market Group" ma:default="" ma:internalName="OriginalSourceMarket" ma:readOnly="false">
-      <xsd:simpleType>
-        <xsd:restriction base="dms:Text"/>
-      </xsd:simpleType>
-    </xsd:element>
-    <xsd:element name="OutputCachingOn" ma:index="102" nillable="true" ma:displayName="Output Caching" ma:default="true" ma:hidden="true" ma:internalName="OutputCachingOn" ma:readOnly="false">
-      <xsd:simpleType>
-        <xsd:restriction base="dms:Boolean"/>
-      </xsd:simpleType>
-    </xsd:element>
-    <xsd:element name="ParentAssetId" ma:index="103" nillable="true" ma:displayName="Parent Asset Id" ma:default="" ma:internalName="ParentAssetId" ma:readOnly="false">
-      <xsd:simpleType>
-        <xsd:restriction base="dms:Text"/>
-      </xsd:simpleType>
-    </xsd:element>
-    <xsd:element name="PlannedPubDate" ma:index="104" nillable="true" ma:displayName="Planned Publish Date" ma:default="" ma:indexed="true" ma:internalName="PlannedPubDate" ma:readOnly="false">
-      <xsd:simpleType>
-        <xsd:restriction base="dms:DateTime"/>
-      </xsd:simpleType>
-    </xsd:element>
-    <xsd:element name="PolicheckWords" ma:index="105" nillable="true" ma:displayName="Policheck Words" ma:default="" ma:internalName="PolicheckWords" ma:readOnly="false">
-      <xsd:simpleType>
-        <xsd:restriction base="dms:Text"/>
-      </xsd:simpleType>
-    </xsd:element>
-    <xsd:element name="BusinessGroup" ma:index="106" nillable="true" ma:displayName="Product Division Owner" ma:default="" ma:internalName="BusinessGroup" ma:readOnly="false">
-      <xsd:simpleType>
-        <xsd:restriction base="dms:Unknown"/>
-      </xsd:simpleType>
-    </xsd:element>
-    <xsd:element name="UAProjectedTotalWords" ma:index="107" nillable="true" ma:displayName="Projected Word Count" ma:default="" ma:internalName="UAProjectedTotalWords" ma:readOnly="false">
-      <xsd:simpleType>
-        <xsd:restriction base="dms:Unknown"/>
-      </xsd:simpleType>
-    </xsd:element>
-    <xsd:element name="Provider" ma:index="108" nillable="true" ma:displayName="Provider" ma:default="" ma:internalName="Provider" ma:readOnly="false">
-      <xsd:simpleType>
-        <xsd:restriction base="dms:Unknown"/>
-      </xsd:simpleType>
-    </xsd:element>
-    <xsd:element name="Providers" ma:index="109" nillable="true" ma:displayName="Providers" ma:default="" ma:internalName="Providers">
-      <xsd:simpleType>
-        <xsd:restriction base="dms:Unknown"/>
-      </xsd:simpleType>
-    </xsd:element>
-    <xsd:element name="PublishStatusLookup" ma:index="110" nillable="true" ma:displayName="Publish Status" ma:default="" ma:list="{9E343742-310B-4684-A24C-1D137CB4B230}" ma:internalName="PublishStatusLookup" ma:readOnly="false" ma:showField="PublishStatus" ma:web="4873beb7-5857-4685-be1f-d57550cc96cc">
-      <xsd:complexType>
-        <xsd:complexContent>
-          <xsd:extension base="dms:MultiChoiceLookup">
-            <xsd:sequence>
-              <xsd:element name="Value" type="dms:Lookup" maxOccurs="unbounded" minOccurs="0" nillable="true"/>
-            </xsd:sequence>
-          </xsd:extension>
-        </xsd:complexContent>
-      </xsd:complexType>
-    </xsd:element>
-    <xsd:element name="PublishTargets" ma:index="111" nillable="true" ma:displayName="Publish Target" ma:default="OfficeOnlineVNext" ma:internalName="PublishTargets" ma:readOnly="false">
-      <xsd:simpleType>
-        <xsd:restriction base="dms:Unknown"/>
-      </xsd:simpleType>
-    </xsd:element>
-    <xsd:element name="RecommendationsModifier" ma:index="112" nillable="true" ma:displayName="Recommendations Modifier" ma:default="" ma:internalName="RecommendationsModifier" ma:readOnly="false">
-      <xsd:simpleType>
-        <xsd:restriction base="dms:Number"/>
-      </xsd:simpleType>
-    </xsd:element>
-    <xsd:element name="ArtSampleDocs" ma:index="113" nillable="true" ma:displayName="Sample Docs" ma:default="" ma:hidden="true" ma:internalName="ArtSampleDocs" ma:readOnly="false">
-      <xsd:simpleType>
-        <xsd:restriction base="dms:Text"/>
-      </xsd:simpleType>
-    </xsd:element>
-    <xsd:element name="ScenarioTagsTaxHTField0" ma:index="115" nillable="true" ma:taxonomy="true" ma:internalName="ScenarioTagsTaxHTField0" ma:taxonomyFieldName="ScenarioTags" ma:displayName="Scenarios" ma:readOnly="false" ma:default="" ma:fieldId="{93aef74d-6c78-4815-8310-51477dceeccc}" ma:taxonomyMulti="true" ma:sspId="8f79753a-75d3-41f5-8ca3-40b843941b4f" ma:termSetId="4b7d5f16-e2f2-4fc0-bab3-6e8b931e57d6" ma:anchorId="00000000-0000-0000-0000-000000000000" ma:open="false" ma:isKeyword="false">
-      <xsd:complexType>
-        <xsd:sequence>
-          <xsd:element ref="pc:Terms" minOccurs="0" maxOccurs="1"/>
-        </xsd:sequence>
-      </xsd:complexType>
-    </xsd:element>
-    <xsd:element name="ShowIn" ma:index="117" nillable="true" ma:displayName="Show In" ma:default="Show everywhere" ma:internalName="ShowIn" ma:readOnly="false">
-      <xsd:simpleType>
-        <xsd:restriction base="dms:Choice">
-          <xsd:enumeration value="Hide on web"/>
-          <xsd:enumeration value="On Web no search"/>
-          <xsd:enumeration value="Show everywhere"/>
-          <xsd:enumeration value="Special use only"/>
-        </xsd:restriction>
-      </xsd:simpleType>
-    </xsd:element>
-    <xsd:element name="SourceTitle" ma:index="118" nillable="true" ma:displayName="Source Title" ma:default="" ma:indexed="true" ma:internalName="SourceTitle" ma:readOnly="false">
-      <xsd:simpleType>
-        <xsd:restriction base="dms:Text"/>
-      </xsd:simpleType>
-    </xsd:element>
-    <xsd:element name="CSXSubmissionDate" ma:index="119" nillable="true" ma:displayName="Submission Date" ma:default="" ma:internalName="CSXSubmissionDate" ma:readOnly="false">
-      <xsd:simpleType>
-        <xsd:restriction base="dms:DateTime"/>
-      </xsd:simpleType>
-    </xsd:element>
-    <xsd:element name="SubmitterId" ma:index="120" nillable="true" ma:displayName="Submitter ID" ma:default="" ma:internalName="SubmitterId" ma:readOnly="false">
-      <xsd:simpleType>
-        <xsd:restriction base="dms:Text"/>
-      </xsd:simpleType>
-    </xsd:element>
-    <xsd:element name="TaxCatchAll" ma:index="121" nillable="true" ma:displayName="Taxonomy Catch All Column" ma:hidden="true" ma:list="{530f955b-6704-4601-bd83-f81d87f1e440}" ma:internalName="TaxCatchAll" ma:showField="CatchAllData" ma:web="4873beb7-5857-4685-be1f-d57550cc96cc">
-      <xsd:complexType>
-        <xsd:complexContent>
-          <xsd:extension base="dms:MultiChoiceLookup">
-            <xsd:sequence>
-              <xsd:element name="Value" type="dms:Lookup" maxOccurs="unbounded" minOccurs="0" nillable="true"/>
-            </xsd:sequence>
-          </xsd:extension>
-        </xsd:complexContent>
-      </xsd:complexType>
-    </xsd:element>
-    <xsd:element name="TaxCatchAllLabel" ma:index="122" nillable="true" ma:displayName="Taxonomy Catch All Column1" ma:hidden="true" ma:list="{530f955b-6704-4601-bd83-f81d87f1e440}" ma:internalName="TaxCatchAllLabel" ma:readOnly="true" ma:showField="CatchAllDataLabel" ma:web="4873beb7-5857-4685-be1f-d57550cc96cc">
-      <xsd:complexType>
-        <xsd:complexContent>
-          <xsd:extension base="dms:MultiChoiceLookup">
-            <xsd:sequence>
-              <xsd:element name="Value" type="dms:Lookup" maxOccurs="unbounded" minOccurs="0" nillable="true"/>
-            </xsd:sequence>
-          </xsd:extension>
-        </xsd:complexContent>
-      </xsd:complexType>
-    </xsd:element>
-    <xsd:element name="TemplateStatus" ma:index="123" nillable="true" ma:displayName="Template Status" ma:default="" ma:internalName="TemplateStatus">
-      <xsd:simpleType>
-        <xsd:restriction base="dms:Unknown"/>
-      </xsd:simpleType>
-    </xsd:element>
-    <xsd:element name="TemplateTemplateType" ma:index="124" nillable="true" ma:displayName="Template Type" ma:default="" ma:internalName="TemplateTemplateType">
-      <xsd:simpleType>
-        <xsd:restriction base="dms:Unknown"/>
-      </xsd:simpleType>
-    </xsd:element>
-    <xsd:element name="ThumbnailAssetId" ma:index="125" nillable="true" ma:displayName="Thumbnail Image Asset" ma:default="" ma:internalName="ThumbnailAssetId" ma:readOnly="false">
-      <xsd:simpleType>
-        <xsd:restriction base="dms:Text"/>
-      </xsd:simpleType>
-    </xsd:element>
-    <xsd:element name="TimesCloned" ma:index="126" nillable="true" ma:displayName="Times Cloned" ma:default="" ma:internalName="TimesCloned" ma:readOnly="false">
-      <xsd:simpleType>
-        <xsd:restriction base="dms:Number"/>
-      </xsd:simpleType>
-    </xsd:element>
-    <xsd:element name="TrustLevel" ma:index="128" nillable="true" ma:displayName="Trust Level" ma:default="1 Microsoft Managed Content" ma:internalName="TrustLevel" ma:readOnly="false">
-      <xsd:simpleType>
-        <xsd:restriction base="dms:Unknown"/>
-      </xsd:simpleType>
-    </xsd:element>
-    <xsd:element name="UALocComments" ma:index="129" nillable="true" ma:displayName="UA Loc Comments" ma:default="" ma:internalName="UALocComments" ma:readOnly="false">
-      <xsd:simpleType>
-        <xsd:restriction base="dms:Note"/>
-      </xsd:simpleType>
-    </xsd:element>
-    <xsd:element name="UALocRecommendation" ma:index="130" nillable="true" ma:displayName="UA Loc Recommendation" ma:default="Localize" ma:internalName="UALocRecommendation" ma:readOnly="false">
-      <xsd:simpleType>
-        <xsd:restriction base="dms:Choice">
-          <xsd:enumeration value="Localize"/>
-          <xsd:enumeration value="Never Localize"/>
-          <xsd:enumeration value="Priority Localize"/>
-        </xsd:restriction>
-      </xsd:simpleType>
-    </xsd:element>
-    <xsd:element name="UANotes" ma:index="131" nillable="true" ma:displayName="UA Notes" ma:default="" ma:internalName="UANotes" ma:readOnly="false">
-      <xsd:simpleType>
-        <xsd:restriction base="dms:Note"/>
-      </xsd:simpleType>
-    </xsd:element>
-    <xsd:element name="TPAppVersion" ma:index="132" nillable="true" ma:displayName="Version" ma:default="" ma:internalName="TPAppVersion">
-      <xsd:simpleType>
-        <xsd:restriction base="dms:Text"/>
-      </xsd:simpleType>
-    </xsd:element>
-    <xsd:element name="VoteCount" ma:index="133" nillable="true" ma:displayName="Vote Count" ma:default="" ma:internalName="VoteCount" ma:readOnly="false">
-      <xsd:simpleType>
-        <xsd:restriction base="dms:Unknown"/>
-      </xsd:simpleType>
-    </xsd:element>
-  </xsd:schema>
-  <xsd:schema xmlns="http://schemas.openxmlformats.org/package/2006/metadata/core-properties" xmlns:xsd="http://www.w3.org/2001/XMLSchema" xmlns:xsi="http://www.w3.org/2001/XMLSchema-instance" xmlns:dc="http://purl.org/dc/elements/1.1/" xmlns:dcterms="http://purl.org/dc/terms/" xmlns:odoc="http://schemas.microsoft.com/internal/obd" targetNamespace="http://schemas.openxmlformats.org/package/2006/metadata/core-properties" elementFormDefault="qualified" attributeFormDefault="unqualified" blockDefault="#all">
-    <xsd:import namespace="http://purl.org/dc/elements/1.1/" schemaLocation="http://dublincore.org/schemas/xmls/qdc/2003/04/02/dc.xsd"/>
-    <xsd:import namespace="http://purl.org/dc/terms/" schemaLocation="http://dublincore.org/schemas/xmls/qdc/2003/04/02/dcterms.xsd"/>
-    <xsd:element name="coreProperties" type="CT_coreProperties"/>
-    <xsd:complexType name="CT_coreProperties">
-      <xsd:all>
-        <xsd:element ref="dc:creator" minOccurs="0" maxOccurs="1"/>
-        <xsd:element ref="dcterms:created" minOccurs="0" maxOccurs="1"/>
-        <xsd:element ref="dc:identifier" minOccurs="0" maxOccurs="1"/>
-        <xsd:element name="contentType" minOccurs="0" maxOccurs="1" type="xsd:string" ma:index="22" ma:displayName="Content Type"/>
-        <xsd:element ref="dc:title" minOccurs="0" maxOccurs="1" ma:index="127" ma:displayName="Title"/>
-        <xsd:element ref="dc:subject" minOccurs="0" maxOccurs="1"/>
-        <xsd:element ref="dc:description" minOccurs="0" maxOccurs="1"/>
-        <xsd:element name="keywords" minOccurs="0" maxOccurs="1" type="xsd:string"/>
-        <xsd:element ref="dc:language" minOccurs="0" maxOccurs="1"/>
-        <xsd:element name="category" minOccurs="0" maxOccurs="1" type="xsd:string"/>
-        <xsd:element name="version" minOccurs="0" maxOccurs="1" type="xsd:string"/>
-        <xsd:element name="revision" minOccurs="0" maxOccurs="1" type="xsd:string">
-          <xsd:annotation>
-            <xsd:documentation>
-                        This value indicates the number of saves or revisions. The application is responsible for updating this value after each revision.
-                    </xsd:documentation>
-          </xsd:annotation>
-        </xsd:element>
-        <xsd:element name="lastModifiedBy" minOccurs="0" maxOccurs="1" type="xsd:string"/>
-        <xsd:element ref="dcterms:modified" minOccurs="0" maxOccurs="1"/>
-        <xsd:element name="contentStatus" minOccurs="0" maxOccurs="1" type="xsd:string"/>
-      </xsd:all>
-    </xsd:complexType>
-  </xsd:schema>
-  <xs:schema xmlns:pc="http://schemas.microsoft.com/office/infopath/2007/PartnerControls" xmlns:xs="http://www.w3.org/2001/XMLSchema" targetNamespace="http://schemas.microsoft.com/office/infopath/2007/PartnerControls" elementFormDefault="qualified" attributeFormDefault="unqualified">
-    <xs:element name="Person">
-      <xs:complexType>
-        <xs:sequence>
-          <xs:element ref="pc:DisplayName" minOccurs="0"/>
-          <xs:element ref="pc:AccountId" minOccurs="0"/>
-          <xs:element ref="pc:AccountType" minOccurs="0"/>
-        </xs:sequence>
-      </xs:complexType>
-    </xs:element>
-    <xs:element name="DisplayName" type="xs:string"/>
-    <xs:element name="AccountId" type="xs:string"/>
-    <xs:element name="AccountType" type="xs:string"/>
-    <xs:element name="BDCAssociatedEntity">
-      <xs:complexType>
-        <xs:sequence>
-          <xs:element ref="pc:BDCEntity" minOccurs="0" maxOccurs="unbounded"/>
-        </xs:sequence>
-        <xs:attribute ref="pc:EntityNamespace"/>
-        <xs:attribute ref="pc:EntityName"/>
-        <xs:attribute ref="pc:SystemInstanceName"/>
-        <xs:attribute ref="pc:AssociationName"/>
-      </xs:complexType>
-    </xs:element>
-    <xs:attribute name="EntityNamespace" type="xs:string"/>
-    <xs:attribute name="EntityName" type="xs:string"/>
-    <xs:attribute name="SystemInstanceName" type="xs:string"/>
-    <xs:attribute name="AssociationName" type="xs:string"/>
-    <xs:element name="BDCEntity">
-      <xs:complexType>
-        <xs:sequence>
-          <xs:element ref="pc:EntityDisplayName" minOccurs="0"/>
-          <xs:element ref="pc:EntityInstanceReference" minOccurs="0"/>
-          <xs:element ref="pc:EntityId1" minOccurs="0"/>
-          <xs:element ref="pc:EntityId2" minOccurs="0"/>
-          <xs:element ref="pc:EntityId3" minOccurs="0"/>
-          <xs:element ref="pc:EntityId4" minOccurs="0"/>
-          <xs:element ref="pc:EntityId5" minOccurs="0"/>
-        </xs:sequence>
-      </xs:complexType>
-    </xs:element>
-    <xs:element name="EntityDisplayName" type="xs:string"/>
-    <xs:element name="EntityInstanceReference" type="xs:string"/>
-    <xs:element name="EntityId1" type="xs:string"/>
-    <xs:element name="EntityId2" type="xs:string"/>
-    <xs:element name="EntityId3" type="xs:string"/>
-    <xs:element name="EntityId4" type="xs:string"/>
-    <xs:element name="EntityId5" type="xs:string"/>
-    <xs:element name="Terms">
-      <xs:complexType>
-        <xs:sequence>
-          <xs:element ref="pc:TermInfo" minOccurs="0" maxOccurs="unbounded"/>
-        </xs:sequence>
-      </xs:complexType>
-    </xs:element>
-    <xs:element name="TermInfo">
-      <xs:complexType>
-        <xs:sequence>
-          <xs:element ref="pc:TermName" minOccurs="0"/>
-          <xs:element ref="pc:TermId" minOccurs="0"/>
-        </xs:sequence>
-      </xs:complexType>
-    </xs:element>
-    <xs:element name="TermName" type="xs:string"/>
-    <xs:element name="TermId" type="xs:string"/>
-  </xs:schema>
-</ct:contentTypeSchema>
-</file>
-
 <file path=customXml/item3.xml><?xml version="1.0" encoding="utf-8"?>
 <?mso-contentType ?>
 <FormTemplates xmlns="http://schemas.microsoft.com/sharepoint/v3/contenttype/forms">
@@ -8561,22 +9041,6 @@
 </file>
 
 <file path=customXml/itemProps1.xml><?xml version="1.0" encoding="utf-8"?>
-<ds:datastoreItem xmlns:ds="http://schemas.openxmlformats.org/officeDocument/2006/customXml" ds:itemID="{60C67BEE-D13F-4BD2-98A5-34D8A0977F68}">
-  <ds:schemaRefs>
-    <ds:schemaRef ds:uri="4873beb7-5857-4685-be1f-d57550cc96cc"/>
-    <ds:schemaRef ds:uri="http://schemas.openxmlformats.org/package/2006/metadata/core-properties"/>
-    <ds:schemaRef ds:uri="http://purl.org/dc/terms/"/>
-    <ds:schemaRef ds:uri="http://schemas.microsoft.com/office/2006/documentManagement/types"/>
-    <ds:schemaRef ds:uri="http://purl.org/dc/elements/1.1/"/>
-    <ds:schemaRef ds:uri="http://schemas.microsoft.com/office/2006/metadata/properties"/>
-    <ds:schemaRef ds:uri="http://schemas.microsoft.com/office/infopath/2007/PartnerControls"/>
-    <ds:schemaRef ds:uri="http://www.w3.org/XML/1998/namespace"/>
-    <ds:schemaRef ds:uri="http://purl.org/dc/dcmitype/"/>
-  </ds:schemaRefs>
-</ds:datastoreItem>
-</file>
-
-<file path=customXml/itemProps2.xml><?xml version="1.0" encoding="utf-8"?>
 <ds:datastoreItem xmlns:ds="http://schemas.openxmlformats.org/officeDocument/2006/customXml" ds:itemID="{A09BF4D4-EF60-4196-BFC3-9462D607978C}">
   <ds:schemaRefs>
     <ds:schemaRef ds:uri="http://schemas.microsoft.com/office/2006/metadata/contentType"/>
@@ -8594,6 +9058,22 @@
 </ds:datastoreItem>
 </file>
 
+<file path=customXml/itemProps2.xml><?xml version="1.0" encoding="utf-8"?>
+<ds:datastoreItem xmlns:ds="http://schemas.openxmlformats.org/officeDocument/2006/customXml" ds:itemID="{60C67BEE-D13F-4BD2-98A5-34D8A0977F68}">
+  <ds:schemaRefs>
+    <ds:schemaRef ds:uri="4873beb7-5857-4685-be1f-d57550cc96cc"/>
+    <ds:schemaRef ds:uri="http://schemas.openxmlformats.org/package/2006/metadata/core-properties"/>
+    <ds:schemaRef ds:uri="http://purl.org/dc/terms/"/>
+    <ds:schemaRef ds:uri="http://schemas.microsoft.com/office/2006/documentManagement/types"/>
+    <ds:schemaRef ds:uri="http://purl.org/dc/elements/1.1/"/>
+    <ds:schemaRef ds:uri="http://schemas.microsoft.com/office/2006/metadata/properties"/>
+    <ds:schemaRef ds:uri="http://schemas.microsoft.com/office/infopath/2007/PartnerControls"/>
+    <ds:schemaRef ds:uri="http://www.w3.org/XML/1998/namespace"/>
+    <ds:schemaRef ds:uri="http://purl.org/dc/dcmitype/"/>
+  </ds:schemaRefs>
+</ds:datastoreItem>
+</file>
+
 <file path=customXml/itemProps3.xml><?xml version="1.0" encoding="utf-8"?>
 <ds:datastoreItem xmlns:ds="http://schemas.openxmlformats.org/officeDocument/2006/customXml" ds:itemID="{3836F65B-1B07-41EE-A0E8-BC6EF3855225}">
   <ds:schemaRefs>

--- a/Activities/Activity 2/RabbitMQ – components, benefits and application.pptx
+++ b/Activities/Activity 2/RabbitMQ – components, benefits and application.pptx
@@ -5,10 +5,10 @@
     <p:sldMasterId id="2147483660" r:id="rId4"/>
   </p:sldMasterIdLst>
   <p:notesMasterIdLst>
-    <p:notesMasterId r:id="rId20"/>
+    <p:notesMasterId r:id="rId30"/>
   </p:notesMasterIdLst>
   <p:handoutMasterIdLst>
-    <p:handoutMasterId r:id="rId21"/>
+    <p:handoutMasterId r:id="rId31"/>
   </p:handoutMasterIdLst>
   <p:sldIdLst>
     <p:sldId id="257" r:id="rId5"/>
@@ -16,16 +16,26 @@
     <p:sldId id="259" r:id="rId7"/>
     <p:sldId id="260" r:id="rId8"/>
     <p:sldId id="261" r:id="rId9"/>
-    <p:sldId id="267" r:id="rId10"/>
-    <p:sldId id="271" r:id="rId11"/>
-    <p:sldId id="270" r:id="rId12"/>
-    <p:sldId id="269" r:id="rId13"/>
-    <p:sldId id="268" r:id="rId14"/>
-    <p:sldId id="262" r:id="rId15"/>
-    <p:sldId id="263" r:id="rId16"/>
-    <p:sldId id="264" r:id="rId17"/>
-    <p:sldId id="265" r:id="rId18"/>
-    <p:sldId id="266" r:id="rId19"/>
+    <p:sldId id="278" r:id="rId10"/>
+    <p:sldId id="267" r:id="rId11"/>
+    <p:sldId id="279" r:id="rId12"/>
+    <p:sldId id="280" r:id="rId13"/>
+    <p:sldId id="281" r:id="rId14"/>
+    <p:sldId id="271" r:id="rId15"/>
+    <p:sldId id="270" r:id="rId16"/>
+    <p:sldId id="269" r:id="rId17"/>
+    <p:sldId id="268" r:id="rId18"/>
+    <p:sldId id="273" r:id="rId19"/>
+    <p:sldId id="262" r:id="rId20"/>
+    <p:sldId id="274" r:id="rId21"/>
+    <p:sldId id="263" r:id="rId22"/>
+    <p:sldId id="264" r:id="rId23"/>
+    <p:sldId id="265" r:id="rId24"/>
+    <p:sldId id="275" r:id="rId25"/>
+    <p:sldId id="276" r:id="rId26"/>
+    <p:sldId id="277" r:id="rId27"/>
+    <p:sldId id="272" r:id="rId28"/>
+    <p:sldId id="266" r:id="rId29"/>
   </p:sldIdLst>
   <p:sldSz cx="12188825" cy="6858000"/>
   <p:notesSz cx="6858000" cy="9144000"/>
@@ -239,7 +249,7 @@
           <a:p>
             <a:fld id="{FE5B4EDC-59C0-49C7-8ADA-5A781B329E02}" type="datetimeFigureOut">
               <a:rPr lang="en-US"/>
-              <a:t>10/12/2022</a:t>
+              <a:t>10/25/2022</a:t>
             </a:fld>
             <a:endParaRPr/>
           </a:p>
@@ -404,7 +414,7 @@
           <a:p>
             <a:fld id="{F2D8D46A-B586-417D-BFBD-8C8FE0AAF762}" type="datetimeFigureOut">
               <a:rPr lang="en-US"/>
-              <a:t>10/12/2022</a:t>
+              <a:t>10/25/2022</a:t>
             </a:fld>
             <a:endParaRPr/>
           </a:p>
@@ -664,6 +674,1758 @@
     </a:lvl9pPr>
   </p:notesStyle>
 </p:notesMaster>
+</file>
+
+<file path=ppt/notesSlides/notesSlide1.xml><?xml version="1.0" encoding="utf-8"?>
+<p:notes xmlns:a="http://schemas.openxmlformats.org/drawingml/2006/main" xmlns:r="http://schemas.openxmlformats.org/officeDocument/2006/relationships" xmlns:p="http://schemas.openxmlformats.org/presentationml/2006/main">
+  <p:cSld>
+    <p:spTree>
+      <p:nvGrpSpPr>
+        <p:cNvPr id="1" name=""/>
+        <p:cNvGrpSpPr/>
+        <p:nvPr/>
+      </p:nvGrpSpPr>
+      <p:grpSpPr>
+        <a:xfrm>
+          <a:off x="0" y="0"/>
+          <a:ext cx="0" cy="0"/>
+          <a:chOff x="0" y="0"/>
+          <a:chExt cx="0" cy="0"/>
+        </a:xfrm>
+      </p:grpSpPr>
+      <p:sp>
+        <p:nvSpPr>
+          <p:cNvPr id="2" name="Slide Image Placeholder 1"/>
+          <p:cNvSpPr>
+            <a:spLocks noGrp="1" noRot="1" noChangeAspect="1"/>
+          </p:cNvSpPr>
+          <p:nvPr>
+            <p:ph type="sldImg"/>
+          </p:nvPr>
+        </p:nvSpPr>
+        <p:spPr/>
+      </p:sp>
+      <p:sp>
+        <p:nvSpPr>
+          <p:cNvPr id="3" name="Notes Placeholder 2"/>
+          <p:cNvSpPr>
+            <a:spLocks noGrp="1"/>
+          </p:cNvSpPr>
+          <p:nvPr>
+            <p:ph type="body" idx="1"/>
+          </p:nvPr>
+        </p:nvSpPr>
+        <p:spPr/>
+        <p:txBody>
+          <a:bodyPr/>
+          <a:lstStyle/>
+          <a:p>
+            <a:pPr marL="285750" indent="-285750">
+              <a:buFont typeface="Arial" panose="020B0604020202020204" pitchFamily="34" charset="0"/>
+              <a:buChar char="•"/>
+            </a:pPr>
+            <a:r>
+              <a:rPr lang="en-GB" dirty="0"/>
+              <a:t>The last thing we think about when we say "RabbitMQ" is in a messaging broker</a:t>
+            </a:r>
+          </a:p>
+        </p:txBody>
+      </p:sp>
+      <p:sp>
+        <p:nvSpPr>
+          <p:cNvPr id="4" name="Slide Number Placeholder 3"/>
+          <p:cNvSpPr>
+            <a:spLocks noGrp="1"/>
+          </p:cNvSpPr>
+          <p:nvPr>
+            <p:ph type="sldNum" sz="quarter" idx="5"/>
+          </p:nvPr>
+        </p:nvSpPr>
+        <p:spPr/>
+        <p:txBody>
+          <a:bodyPr/>
+          <a:lstStyle/>
+          <a:p>
+            <a:fld id="{3EBA5BD7-F043-4D1B-AA17-CD412FC534DE}" type="slidenum">
+              <a:rPr lang="en-GB" smtClean="0"/>
+              <a:t>1</a:t>
+            </a:fld>
+            <a:endParaRPr lang="en-GB"/>
+          </a:p>
+        </p:txBody>
+      </p:sp>
+    </p:spTree>
+    <p:extLst>
+      <p:ext uri="{BB962C8B-B14F-4D97-AF65-F5344CB8AC3E}">
+        <p14:creationId xmlns:p14="http://schemas.microsoft.com/office/powerpoint/2010/main" val="2712951581"/>
+      </p:ext>
+    </p:extLst>
+  </p:cSld>
+  <p:clrMapOvr>
+    <a:masterClrMapping/>
+  </p:clrMapOvr>
+</p:notes>
+</file>
+
+<file path=ppt/notesSlides/notesSlide10.xml><?xml version="1.0" encoding="utf-8"?>
+<p:notes xmlns:a="http://schemas.openxmlformats.org/drawingml/2006/main" xmlns:r="http://schemas.openxmlformats.org/officeDocument/2006/relationships" xmlns:p="http://schemas.openxmlformats.org/presentationml/2006/main">
+  <p:cSld>
+    <p:spTree>
+      <p:nvGrpSpPr>
+        <p:cNvPr id="1" name=""/>
+        <p:cNvGrpSpPr/>
+        <p:nvPr/>
+      </p:nvGrpSpPr>
+      <p:grpSpPr>
+        <a:xfrm>
+          <a:off x="0" y="0"/>
+          <a:ext cx="0" cy="0"/>
+          <a:chOff x="0" y="0"/>
+          <a:chExt cx="0" cy="0"/>
+        </a:xfrm>
+      </p:grpSpPr>
+      <p:sp>
+        <p:nvSpPr>
+          <p:cNvPr id="2" name="Slide Image Placeholder 1"/>
+          <p:cNvSpPr>
+            <a:spLocks noGrp="1" noRot="1" noChangeAspect="1"/>
+          </p:cNvSpPr>
+          <p:nvPr>
+            <p:ph type="sldImg"/>
+          </p:nvPr>
+        </p:nvSpPr>
+        <p:spPr/>
+      </p:sp>
+      <p:sp>
+        <p:nvSpPr>
+          <p:cNvPr id="3" name="Notes Placeholder 2"/>
+          <p:cNvSpPr>
+            <a:spLocks noGrp="1"/>
+          </p:cNvSpPr>
+          <p:nvPr>
+            <p:ph type="body" idx="1"/>
+          </p:nvPr>
+        </p:nvSpPr>
+        <p:spPr/>
+        <p:txBody>
+          <a:bodyPr/>
+          <a:lstStyle/>
+          <a:p>
+            <a:pPr marL="285750" indent="-285750">
+              <a:buFont typeface="Arial" panose="020B0604020202020204" pitchFamily="34" charset="0"/>
+              <a:buChar char="•"/>
+            </a:pPr>
+            <a:r>
+              <a:rPr lang="en-GB" dirty="0"/>
+              <a:t>A bind is from which exchange messages a queue is interested.</a:t>
+            </a:r>
+          </a:p>
+          <a:p>
+            <a:pPr marL="285750" indent="-285750">
+              <a:buFont typeface="Arial" panose="020B0604020202020204" pitchFamily="34" charset="0"/>
+              <a:buChar char="•"/>
+            </a:pPr>
+            <a:r>
+              <a:rPr lang="en-GB" dirty="0"/>
+              <a:t>The code is Pika python client.</a:t>
+            </a:r>
+          </a:p>
+        </p:txBody>
+      </p:sp>
+      <p:sp>
+        <p:nvSpPr>
+          <p:cNvPr id="4" name="Slide Number Placeholder 3"/>
+          <p:cNvSpPr>
+            <a:spLocks noGrp="1"/>
+          </p:cNvSpPr>
+          <p:nvPr>
+            <p:ph type="sldNum" sz="quarter" idx="5"/>
+          </p:nvPr>
+        </p:nvSpPr>
+        <p:spPr/>
+        <p:txBody>
+          <a:bodyPr/>
+          <a:lstStyle/>
+          <a:p>
+            <a:fld id="{3EBA5BD7-F043-4D1B-AA17-CD412FC534DE}" type="slidenum">
+              <a:rPr lang="en-GB" smtClean="0"/>
+              <a:t>13</a:t>
+            </a:fld>
+            <a:endParaRPr lang="en-GB"/>
+          </a:p>
+        </p:txBody>
+      </p:sp>
+    </p:spTree>
+    <p:extLst>
+      <p:ext uri="{BB962C8B-B14F-4D97-AF65-F5344CB8AC3E}">
+        <p14:creationId xmlns:p14="http://schemas.microsoft.com/office/powerpoint/2010/main" val="3310578570"/>
+      </p:ext>
+    </p:extLst>
+  </p:cSld>
+  <p:clrMapOvr>
+    <a:masterClrMapping/>
+  </p:clrMapOvr>
+</p:notes>
+</file>
+
+<file path=ppt/notesSlides/notesSlide11.xml><?xml version="1.0" encoding="utf-8"?>
+<p:notes xmlns:a="http://schemas.openxmlformats.org/drawingml/2006/main" xmlns:r="http://schemas.openxmlformats.org/officeDocument/2006/relationships" xmlns:p="http://schemas.openxmlformats.org/presentationml/2006/main">
+  <p:cSld>
+    <p:spTree>
+      <p:nvGrpSpPr>
+        <p:cNvPr id="1" name=""/>
+        <p:cNvGrpSpPr/>
+        <p:nvPr/>
+      </p:nvGrpSpPr>
+      <p:grpSpPr>
+        <a:xfrm>
+          <a:off x="0" y="0"/>
+          <a:ext cx="0" cy="0"/>
+          <a:chOff x="0" y="0"/>
+          <a:chExt cx="0" cy="0"/>
+        </a:xfrm>
+      </p:grpSpPr>
+      <p:sp>
+        <p:nvSpPr>
+          <p:cNvPr id="2" name="Slide Image Placeholder 1"/>
+          <p:cNvSpPr>
+            <a:spLocks noGrp="1" noRot="1" noChangeAspect="1"/>
+          </p:cNvSpPr>
+          <p:nvPr>
+            <p:ph type="sldImg"/>
+          </p:nvPr>
+        </p:nvSpPr>
+        <p:spPr/>
+      </p:sp>
+      <p:sp>
+        <p:nvSpPr>
+          <p:cNvPr id="3" name="Notes Placeholder 2"/>
+          <p:cNvSpPr>
+            <a:spLocks noGrp="1"/>
+          </p:cNvSpPr>
+          <p:nvPr>
+            <p:ph type="body" idx="1"/>
+          </p:nvPr>
+        </p:nvSpPr>
+        <p:spPr/>
+        <p:txBody>
+          <a:bodyPr/>
+          <a:lstStyle/>
+          <a:p>
+            <a:r>
+              <a:rPr lang="en-GB" dirty="0"/>
+              <a:t>VH is a practice of running more than 1 website in a single machine.</a:t>
+            </a:r>
+          </a:p>
+          <a:p>
+            <a:r>
+              <a:rPr lang="en-GB" dirty="0"/>
+              <a:t>In </a:t>
+            </a:r>
+            <a:r>
+              <a:rPr lang="en-GB" dirty="0" err="1"/>
+              <a:t>apache</a:t>
+            </a:r>
+            <a:r>
+              <a:rPr lang="en-GB" dirty="0"/>
+              <a:t> VH are defined in the config’s file. In RabbitMQ we use </a:t>
+            </a:r>
+            <a:r>
+              <a:rPr lang="en-GB" dirty="0" err="1"/>
+              <a:t>rabbitmqctl</a:t>
+            </a:r>
+            <a:r>
+              <a:rPr lang="en-GB" dirty="0"/>
+              <a:t> or an HTTP API.</a:t>
+            </a:r>
+          </a:p>
+          <a:p>
+            <a:r>
+              <a:rPr lang="en-GB" dirty="0"/>
+              <a:t>When an AMQP client connects to RabbitMQ specifies a VH name to connect to. If the user does not have </a:t>
+            </a:r>
+            <a:r>
+              <a:rPr lang="en-GB" dirty="0" err="1"/>
+              <a:t>permisions</a:t>
+            </a:r>
+            <a:r>
+              <a:rPr lang="en-GB" dirty="0"/>
+              <a:t>, the connexion is refused.</a:t>
+            </a:r>
+          </a:p>
+        </p:txBody>
+      </p:sp>
+      <p:sp>
+        <p:nvSpPr>
+          <p:cNvPr id="4" name="Slide Number Placeholder 3"/>
+          <p:cNvSpPr>
+            <a:spLocks noGrp="1"/>
+          </p:cNvSpPr>
+          <p:nvPr>
+            <p:ph type="sldNum" sz="quarter" idx="5"/>
+          </p:nvPr>
+        </p:nvSpPr>
+        <p:spPr/>
+        <p:txBody>
+          <a:bodyPr/>
+          <a:lstStyle/>
+          <a:p>
+            <a:fld id="{3EBA5BD7-F043-4D1B-AA17-CD412FC534DE}" type="slidenum">
+              <a:rPr lang="en-GB" smtClean="0"/>
+              <a:t>14</a:t>
+            </a:fld>
+            <a:endParaRPr lang="en-GB"/>
+          </a:p>
+        </p:txBody>
+      </p:sp>
+    </p:spTree>
+    <p:extLst>
+      <p:ext uri="{BB962C8B-B14F-4D97-AF65-F5344CB8AC3E}">
+        <p14:creationId xmlns:p14="http://schemas.microsoft.com/office/powerpoint/2010/main" val="872694076"/>
+      </p:ext>
+    </p:extLst>
+  </p:cSld>
+  <p:clrMapOvr>
+    <a:masterClrMapping/>
+  </p:clrMapOvr>
+</p:notes>
+</file>
+
+<file path=ppt/notesSlides/notesSlide12.xml><?xml version="1.0" encoding="utf-8"?>
+<p:notes xmlns:a="http://schemas.openxmlformats.org/drawingml/2006/main" xmlns:r="http://schemas.openxmlformats.org/officeDocument/2006/relationships" xmlns:p="http://schemas.openxmlformats.org/presentationml/2006/main">
+  <p:cSld>
+    <p:spTree>
+      <p:nvGrpSpPr>
+        <p:cNvPr id="1" name=""/>
+        <p:cNvGrpSpPr/>
+        <p:nvPr/>
+      </p:nvGrpSpPr>
+      <p:grpSpPr>
+        <a:xfrm>
+          <a:off x="0" y="0"/>
+          <a:ext cx="0" cy="0"/>
+          <a:chOff x="0" y="0"/>
+          <a:chExt cx="0" cy="0"/>
+        </a:xfrm>
+      </p:grpSpPr>
+      <p:sp>
+        <p:nvSpPr>
+          <p:cNvPr id="2" name="Slide Image Placeholder 1"/>
+          <p:cNvSpPr>
+            <a:spLocks noGrp="1" noRot="1" noChangeAspect="1"/>
+          </p:cNvSpPr>
+          <p:nvPr>
+            <p:ph type="sldImg"/>
+          </p:nvPr>
+        </p:nvSpPr>
+        <p:spPr/>
+      </p:sp>
+      <p:sp>
+        <p:nvSpPr>
+          <p:cNvPr id="3" name="Notes Placeholder 2"/>
+          <p:cNvSpPr>
+            <a:spLocks noGrp="1"/>
+          </p:cNvSpPr>
+          <p:nvPr>
+            <p:ph type="body" idx="1"/>
+          </p:nvPr>
+        </p:nvSpPr>
+        <p:spPr/>
+        <p:txBody>
+          <a:bodyPr/>
+          <a:lstStyle/>
+          <a:p>
+            <a:pPr marL="285750" indent="-285750">
+              <a:buFont typeface="Arial" panose="020B0604020202020204" pitchFamily="34" charset="0"/>
+              <a:buChar char="•"/>
+            </a:pPr>
+            <a:r>
+              <a:rPr lang="en-GB" dirty="0"/>
+              <a:t>RabbitMQ can work properly without this set of protocols and if it can work means that  are not mandatory, nevertheless, RabbitMQ cannot run without AMQP.</a:t>
+            </a:r>
+          </a:p>
+        </p:txBody>
+      </p:sp>
+      <p:sp>
+        <p:nvSpPr>
+          <p:cNvPr id="4" name="Slide Number Placeholder 3"/>
+          <p:cNvSpPr>
+            <a:spLocks noGrp="1"/>
+          </p:cNvSpPr>
+          <p:nvPr>
+            <p:ph type="sldNum" sz="quarter" idx="5"/>
+          </p:nvPr>
+        </p:nvSpPr>
+        <p:spPr/>
+        <p:txBody>
+          <a:bodyPr/>
+          <a:lstStyle/>
+          <a:p>
+            <a:fld id="{3EBA5BD7-F043-4D1B-AA17-CD412FC534DE}" type="slidenum">
+              <a:rPr lang="en-GB" smtClean="0"/>
+              <a:t>15</a:t>
+            </a:fld>
+            <a:endParaRPr lang="en-GB"/>
+          </a:p>
+        </p:txBody>
+      </p:sp>
+    </p:spTree>
+    <p:extLst>
+      <p:ext uri="{BB962C8B-B14F-4D97-AF65-F5344CB8AC3E}">
+        <p14:creationId xmlns:p14="http://schemas.microsoft.com/office/powerpoint/2010/main" val="202611353"/>
+      </p:ext>
+    </p:extLst>
+  </p:cSld>
+  <p:clrMapOvr>
+    <a:masterClrMapping/>
+  </p:clrMapOvr>
+</p:notes>
+</file>
+
+<file path=ppt/notesSlides/notesSlide13.xml><?xml version="1.0" encoding="utf-8"?>
+<p:notes xmlns:a="http://schemas.openxmlformats.org/drawingml/2006/main" xmlns:r="http://schemas.openxmlformats.org/officeDocument/2006/relationships" xmlns:p="http://schemas.openxmlformats.org/presentationml/2006/main">
+  <p:cSld>
+    <p:spTree>
+      <p:nvGrpSpPr>
+        <p:cNvPr id="1" name=""/>
+        <p:cNvGrpSpPr/>
+        <p:nvPr/>
+      </p:nvGrpSpPr>
+      <p:grpSpPr>
+        <a:xfrm>
+          <a:off x="0" y="0"/>
+          <a:ext cx="0" cy="0"/>
+          <a:chOff x="0" y="0"/>
+          <a:chExt cx="0" cy="0"/>
+        </a:xfrm>
+      </p:grpSpPr>
+      <p:sp>
+        <p:nvSpPr>
+          <p:cNvPr id="2" name="Slide Image Placeholder 1"/>
+          <p:cNvSpPr>
+            <a:spLocks noGrp="1" noRot="1" noChangeAspect="1"/>
+          </p:cNvSpPr>
+          <p:nvPr>
+            <p:ph type="sldImg"/>
+          </p:nvPr>
+        </p:nvSpPr>
+        <p:spPr/>
+      </p:sp>
+      <p:sp>
+        <p:nvSpPr>
+          <p:cNvPr id="3" name="Notes Placeholder 2"/>
+          <p:cNvSpPr>
+            <a:spLocks noGrp="1"/>
+          </p:cNvSpPr>
+          <p:nvPr>
+            <p:ph type="body" idx="1"/>
+          </p:nvPr>
+        </p:nvSpPr>
+        <p:spPr/>
+        <p:txBody>
+          <a:bodyPr/>
+          <a:lstStyle/>
+          <a:p>
+            <a:pPr marL="285750" marR="0" lvl="0" indent="-285750" algn="l" defTabSz="1218987" rtl="0" eaLnBrk="1" fontAlgn="auto" latinLnBrk="0" hangingPunct="1">
+              <a:lnSpc>
+                <a:spcPct val="100000"/>
+              </a:lnSpc>
+              <a:spcBef>
+                <a:spcPts val="0"/>
+              </a:spcBef>
+              <a:spcAft>
+                <a:spcPts val="0"/>
+              </a:spcAft>
+              <a:buClrTx/>
+              <a:buSzTx/>
+              <a:buFont typeface="Arial" panose="020B0604020202020204" pitchFamily="34" charset="0"/>
+              <a:buChar char="•"/>
+              <a:tabLst/>
+              <a:defRPr/>
+            </a:pPr>
+            <a:r>
+              <a:rPr lang="en-GB" dirty="0"/>
+              <a:t>Based on the TCP stack as the communication base.</a:t>
+            </a:r>
+          </a:p>
+          <a:p>
+            <a:pPr marL="285750" indent="-285750">
+              <a:buFont typeface="Arial" panose="020B0604020202020204" pitchFamily="34" charset="0"/>
+              <a:buChar char="•"/>
+            </a:pPr>
+            <a:r>
+              <a:rPr lang="en-GB" dirty="0"/>
+              <a:t>Is a push messaging service with the pub-sub pattern.</a:t>
+            </a:r>
+          </a:p>
+          <a:p>
+            <a:pPr marL="895243" lvl="1" indent="-285750">
+              <a:buFont typeface="Arial" panose="020B0604020202020204" pitchFamily="34" charset="0"/>
+              <a:buChar char="•"/>
+            </a:pPr>
+            <a:r>
+              <a:rPr lang="en-GB" dirty="0"/>
+              <a:t>In this type of infrastructures the clients they connect with a central broker.</a:t>
+            </a:r>
+          </a:p>
+          <a:p>
+            <a:pPr marL="285750" marR="0" lvl="0" indent="-285750" algn="l" defTabSz="1218987" rtl="0" eaLnBrk="1" fontAlgn="auto" latinLnBrk="0" hangingPunct="1">
+              <a:lnSpc>
+                <a:spcPct val="100000"/>
+              </a:lnSpc>
+              <a:spcBef>
+                <a:spcPts val="0"/>
+              </a:spcBef>
+              <a:spcAft>
+                <a:spcPts val="0"/>
+              </a:spcAft>
+              <a:buClrTx/>
+              <a:buSzTx/>
+              <a:buFont typeface="Arial" panose="020B0604020202020204" pitchFamily="34" charset="0"/>
+              <a:buChar char="•"/>
+              <a:tabLst/>
+              <a:defRPr/>
+            </a:pPr>
+            <a:r>
+              <a:rPr lang="en-GB" b="0" i="0" u="none" strike="noStrike" baseline="0" dirty="0"/>
+              <a:t>To filter the messages that are sent to each client, the messages are arranged in topics hierarchically organized. A client can publish a message in a specific topic. Other clients can subscribe to this topic and the broker will send the subscribed messages.</a:t>
+            </a:r>
+            <a:endParaRPr lang="en-GB" dirty="0"/>
+          </a:p>
+          <a:p>
+            <a:pPr marL="0" lvl="0" indent="0">
+              <a:buFont typeface="Arial" panose="020B0604020202020204" pitchFamily="34" charset="0"/>
+              <a:buNone/>
+            </a:pPr>
+            <a:endParaRPr lang="en-GB" dirty="0"/>
+          </a:p>
+          <a:p>
+            <a:pPr marL="609493" lvl="1" indent="0">
+              <a:buFont typeface="Arial" panose="020B0604020202020204" pitchFamily="34" charset="0"/>
+              <a:buNone/>
+            </a:pPr>
+            <a:endParaRPr lang="en-GB" dirty="0"/>
+          </a:p>
+          <a:p>
+            <a:endParaRPr lang="en-GB" dirty="0"/>
+          </a:p>
+        </p:txBody>
+      </p:sp>
+      <p:sp>
+        <p:nvSpPr>
+          <p:cNvPr id="4" name="Slide Number Placeholder 3"/>
+          <p:cNvSpPr>
+            <a:spLocks noGrp="1"/>
+          </p:cNvSpPr>
+          <p:nvPr>
+            <p:ph type="sldNum" sz="quarter" idx="5"/>
+          </p:nvPr>
+        </p:nvSpPr>
+        <p:spPr/>
+        <p:txBody>
+          <a:bodyPr/>
+          <a:lstStyle/>
+          <a:p>
+            <a:fld id="{3EBA5BD7-F043-4D1B-AA17-CD412FC534DE}" type="slidenum">
+              <a:rPr lang="en-GB" smtClean="0"/>
+              <a:t>16</a:t>
+            </a:fld>
+            <a:endParaRPr lang="en-GB"/>
+          </a:p>
+        </p:txBody>
+      </p:sp>
+    </p:spTree>
+    <p:extLst>
+      <p:ext uri="{BB962C8B-B14F-4D97-AF65-F5344CB8AC3E}">
+        <p14:creationId xmlns:p14="http://schemas.microsoft.com/office/powerpoint/2010/main" val="141773847"/>
+      </p:ext>
+    </p:extLst>
+  </p:cSld>
+  <p:clrMapOvr>
+    <a:masterClrMapping/>
+  </p:clrMapOvr>
+</p:notes>
+</file>
+
+<file path=ppt/notesSlides/notesSlide14.xml><?xml version="1.0" encoding="utf-8"?>
+<p:notes xmlns:a="http://schemas.openxmlformats.org/drawingml/2006/main" xmlns:r="http://schemas.openxmlformats.org/officeDocument/2006/relationships" xmlns:p="http://schemas.openxmlformats.org/presentationml/2006/main">
+  <p:cSld>
+    <p:spTree>
+      <p:nvGrpSpPr>
+        <p:cNvPr id="1" name=""/>
+        <p:cNvGrpSpPr/>
+        <p:nvPr/>
+      </p:nvGrpSpPr>
+      <p:grpSpPr>
+        <a:xfrm>
+          <a:off x="0" y="0"/>
+          <a:ext cx="0" cy="0"/>
+          <a:chOff x="0" y="0"/>
+          <a:chExt cx="0" cy="0"/>
+        </a:xfrm>
+      </p:grpSpPr>
+      <p:sp>
+        <p:nvSpPr>
+          <p:cNvPr id="2" name="Slide Image Placeholder 1"/>
+          <p:cNvSpPr>
+            <a:spLocks noGrp="1" noRot="1" noChangeAspect="1"/>
+          </p:cNvSpPr>
+          <p:nvPr>
+            <p:ph type="sldImg"/>
+          </p:nvPr>
+        </p:nvSpPr>
+        <p:spPr/>
+      </p:sp>
+      <p:sp>
+        <p:nvSpPr>
+          <p:cNvPr id="3" name="Notes Placeholder 2"/>
+          <p:cNvSpPr>
+            <a:spLocks noGrp="1"/>
+          </p:cNvSpPr>
+          <p:nvPr>
+            <p:ph type="body" idx="1"/>
+          </p:nvPr>
+        </p:nvSpPr>
+        <p:spPr/>
+        <p:txBody>
+          <a:bodyPr/>
+          <a:lstStyle/>
+          <a:p>
+            <a:pPr marL="285750" indent="-285750">
+              <a:buFont typeface="Arial" panose="020B0604020202020204" pitchFamily="34" charset="0"/>
+              <a:buChar char="•"/>
+            </a:pPr>
+            <a:r>
+              <a:rPr lang="en-GB" dirty="0"/>
+              <a:t>“Simple Text Oriented Message Protocol”</a:t>
+            </a:r>
+          </a:p>
+          <a:p>
+            <a:pPr marL="285750" indent="-285750">
+              <a:buFont typeface="Arial" panose="020B0604020202020204" pitchFamily="34" charset="0"/>
+              <a:buChar char="•"/>
+            </a:pPr>
+            <a:r>
+              <a:rPr lang="en-GB" dirty="0"/>
+              <a:t>Provides an interoperable wire format so that STOMP clients can communicate with any STOMP broker to provide easy messaging interoperability among many languages, platforms and brokers.</a:t>
+            </a:r>
+          </a:p>
+          <a:p>
+            <a:pPr marL="285750" indent="-285750">
+              <a:buFont typeface="Arial" panose="020B0604020202020204" pitchFamily="34" charset="0"/>
+              <a:buChar char="•"/>
+            </a:pPr>
+            <a:r>
+              <a:rPr lang="en-GB" dirty="0"/>
+              <a:t>A STOMP client can be implemented in a couple of hours.</a:t>
+            </a:r>
+          </a:p>
+          <a:p>
+            <a:endParaRPr lang="en-GB" dirty="0"/>
+          </a:p>
+        </p:txBody>
+      </p:sp>
+      <p:sp>
+        <p:nvSpPr>
+          <p:cNvPr id="4" name="Slide Number Placeholder 3"/>
+          <p:cNvSpPr>
+            <a:spLocks noGrp="1"/>
+          </p:cNvSpPr>
+          <p:nvPr>
+            <p:ph type="sldNum" sz="quarter" idx="5"/>
+          </p:nvPr>
+        </p:nvSpPr>
+        <p:spPr/>
+        <p:txBody>
+          <a:bodyPr/>
+          <a:lstStyle/>
+          <a:p>
+            <a:fld id="{3EBA5BD7-F043-4D1B-AA17-CD412FC534DE}" type="slidenum">
+              <a:rPr lang="en-GB" smtClean="0"/>
+              <a:t>17</a:t>
+            </a:fld>
+            <a:endParaRPr lang="en-GB"/>
+          </a:p>
+        </p:txBody>
+      </p:sp>
+    </p:spTree>
+    <p:extLst>
+      <p:ext uri="{BB962C8B-B14F-4D97-AF65-F5344CB8AC3E}">
+        <p14:creationId xmlns:p14="http://schemas.microsoft.com/office/powerpoint/2010/main" val="3872066033"/>
+      </p:ext>
+    </p:extLst>
+  </p:cSld>
+  <p:clrMapOvr>
+    <a:masterClrMapping/>
+  </p:clrMapOvr>
+</p:notes>
+</file>
+
+<file path=ppt/notesSlides/notesSlide15.xml><?xml version="1.0" encoding="utf-8"?>
+<p:notes xmlns:a="http://schemas.openxmlformats.org/drawingml/2006/main" xmlns:r="http://schemas.openxmlformats.org/officeDocument/2006/relationships" xmlns:p="http://schemas.openxmlformats.org/presentationml/2006/main">
+  <p:cSld>
+    <p:spTree>
+      <p:nvGrpSpPr>
+        <p:cNvPr id="1" name=""/>
+        <p:cNvGrpSpPr/>
+        <p:nvPr/>
+      </p:nvGrpSpPr>
+      <p:grpSpPr>
+        <a:xfrm>
+          <a:off x="0" y="0"/>
+          <a:ext cx="0" cy="0"/>
+          <a:chOff x="0" y="0"/>
+          <a:chExt cx="0" cy="0"/>
+        </a:xfrm>
+      </p:grpSpPr>
+      <p:sp>
+        <p:nvSpPr>
+          <p:cNvPr id="2" name="Slide Image Placeholder 1"/>
+          <p:cNvSpPr>
+            <a:spLocks noGrp="1" noRot="1" noChangeAspect="1"/>
+          </p:cNvSpPr>
+          <p:nvPr>
+            <p:ph type="sldImg"/>
+          </p:nvPr>
+        </p:nvSpPr>
+        <p:spPr/>
+      </p:sp>
+      <p:sp>
+        <p:nvSpPr>
+          <p:cNvPr id="3" name="Notes Placeholder 2"/>
+          <p:cNvSpPr>
+            <a:spLocks noGrp="1"/>
+          </p:cNvSpPr>
+          <p:nvPr>
+            <p:ph type="body" idx="1"/>
+          </p:nvPr>
+        </p:nvSpPr>
+        <p:spPr/>
+        <p:txBody>
+          <a:bodyPr/>
+          <a:lstStyle/>
+          <a:p>
+            <a:pPr marL="285750" indent="-285750">
+              <a:buFont typeface="Arial" panose="020B0604020202020204" pitchFamily="34" charset="0"/>
+              <a:buChar char="•"/>
+            </a:pPr>
+            <a:r>
+              <a:rPr lang="en-GB" dirty="0"/>
+              <a:t>Is a communication protocol over a TCP connection.</a:t>
+            </a:r>
+          </a:p>
+          <a:p>
+            <a:pPr marL="285750" indent="-285750">
+              <a:buFont typeface="Arial" panose="020B0604020202020204" pitchFamily="34" charset="0"/>
+              <a:buChar char="•"/>
+            </a:pPr>
+            <a:r>
+              <a:rPr lang="en-GB" dirty="0" err="1"/>
+              <a:t>WebSockets</a:t>
+            </a:r>
+            <a:r>
+              <a:rPr lang="en-GB" dirty="0"/>
+              <a:t> are designed to work over HTTP ports 443 and 80 as well as to support HTTP proxies and intermediaries thus making it compatible  with HTTP.</a:t>
+            </a:r>
+          </a:p>
+          <a:p>
+            <a:endParaRPr lang="en-GB" dirty="0"/>
+          </a:p>
+        </p:txBody>
+      </p:sp>
+      <p:sp>
+        <p:nvSpPr>
+          <p:cNvPr id="4" name="Slide Number Placeholder 3"/>
+          <p:cNvSpPr>
+            <a:spLocks noGrp="1"/>
+          </p:cNvSpPr>
+          <p:nvPr>
+            <p:ph type="sldNum" sz="quarter" idx="5"/>
+          </p:nvPr>
+        </p:nvSpPr>
+        <p:spPr/>
+        <p:txBody>
+          <a:bodyPr/>
+          <a:lstStyle/>
+          <a:p>
+            <a:fld id="{3EBA5BD7-F043-4D1B-AA17-CD412FC534DE}" type="slidenum">
+              <a:rPr lang="en-GB" smtClean="0"/>
+              <a:t>18</a:t>
+            </a:fld>
+            <a:endParaRPr lang="en-GB"/>
+          </a:p>
+        </p:txBody>
+      </p:sp>
+    </p:spTree>
+    <p:extLst>
+      <p:ext uri="{BB962C8B-B14F-4D97-AF65-F5344CB8AC3E}">
+        <p14:creationId xmlns:p14="http://schemas.microsoft.com/office/powerpoint/2010/main" val="1533958975"/>
+      </p:ext>
+    </p:extLst>
+  </p:cSld>
+  <p:clrMapOvr>
+    <a:masterClrMapping/>
+  </p:clrMapOvr>
+</p:notes>
+</file>
+
+<file path=ppt/notesSlides/notesSlide2.xml><?xml version="1.0" encoding="utf-8"?>
+<p:notes xmlns:a="http://schemas.openxmlformats.org/drawingml/2006/main" xmlns:r="http://schemas.openxmlformats.org/officeDocument/2006/relationships" xmlns:p="http://schemas.openxmlformats.org/presentationml/2006/main">
+  <p:cSld>
+    <p:spTree>
+      <p:nvGrpSpPr>
+        <p:cNvPr id="1" name=""/>
+        <p:cNvGrpSpPr/>
+        <p:nvPr/>
+      </p:nvGrpSpPr>
+      <p:grpSpPr>
+        <a:xfrm>
+          <a:off x="0" y="0"/>
+          <a:ext cx="0" cy="0"/>
+          <a:chOff x="0" y="0"/>
+          <a:chExt cx="0" cy="0"/>
+        </a:xfrm>
+      </p:grpSpPr>
+      <p:sp>
+        <p:nvSpPr>
+          <p:cNvPr id="2" name="Slide Image Placeholder 1"/>
+          <p:cNvSpPr>
+            <a:spLocks noGrp="1" noRot="1" noChangeAspect="1"/>
+          </p:cNvSpPr>
+          <p:nvPr>
+            <p:ph type="sldImg"/>
+          </p:nvPr>
+        </p:nvSpPr>
+        <p:spPr/>
+      </p:sp>
+      <p:sp>
+        <p:nvSpPr>
+          <p:cNvPr id="3" name="Notes Placeholder 2"/>
+          <p:cNvSpPr>
+            <a:spLocks noGrp="1"/>
+          </p:cNvSpPr>
+          <p:nvPr>
+            <p:ph type="body" idx="1"/>
+          </p:nvPr>
+        </p:nvSpPr>
+        <p:spPr/>
+        <p:txBody>
+          <a:bodyPr/>
+          <a:lstStyle/>
+          <a:p>
+            <a:pPr marL="285750" indent="-285750">
+              <a:buFont typeface="Arial" panose="020B0604020202020204" pitchFamily="34" charset="0"/>
+              <a:buChar char="•"/>
+            </a:pPr>
+            <a:r>
+              <a:rPr lang="en-GB" dirty="0"/>
+              <a:t>attributes when designing and developing for providing trustworthy products =&gt; scalability, resiliency and interoperability.</a:t>
+            </a:r>
+          </a:p>
+          <a:p>
+            <a:pPr marL="285750" indent="-285750">
+              <a:buFont typeface="Arial" panose="020B0604020202020204" pitchFamily="34" charset="0"/>
+              <a:buChar char="•"/>
+            </a:pPr>
+            <a:r>
+              <a:rPr lang="en-GB" dirty="0"/>
+              <a:t>RabbitMQ =&gt; open-source message broker that implements AMQP as the core architecture. </a:t>
+            </a:r>
+          </a:p>
+          <a:p>
+            <a:pPr marL="285750" indent="-285750">
+              <a:buFont typeface="Arial" panose="020B0604020202020204" pitchFamily="34" charset="0"/>
+              <a:buChar char="•"/>
+            </a:pPr>
+            <a:r>
+              <a:rPr lang="en-GB" dirty="0"/>
+              <a:t>Is a cross-platform software and the code is released under the Mozilla license.</a:t>
+            </a:r>
+          </a:p>
+          <a:p>
+            <a:pPr marL="285750" indent="-285750">
+              <a:buFont typeface="Arial" panose="020B0604020202020204" pitchFamily="34" charset="0"/>
+              <a:buChar char="•"/>
+            </a:pPr>
+            <a:endParaRPr lang="en-GB" dirty="0"/>
+          </a:p>
+        </p:txBody>
+      </p:sp>
+      <p:sp>
+        <p:nvSpPr>
+          <p:cNvPr id="4" name="Slide Number Placeholder 3"/>
+          <p:cNvSpPr>
+            <a:spLocks noGrp="1"/>
+          </p:cNvSpPr>
+          <p:nvPr>
+            <p:ph type="sldNum" sz="quarter" idx="5"/>
+          </p:nvPr>
+        </p:nvSpPr>
+        <p:spPr/>
+        <p:txBody>
+          <a:bodyPr/>
+          <a:lstStyle/>
+          <a:p>
+            <a:fld id="{3EBA5BD7-F043-4D1B-AA17-CD412FC534DE}" type="slidenum">
+              <a:rPr lang="en-GB" smtClean="0"/>
+              <a:t>3</a:t>
+            </a:fld>
+            <a:endParaRPr lang="en-GB"/>
+          </a:p>
+        </p:txBody>
+      </p:sp>
+    </p:spTree>
+    <p:extLst>
+      <p:ext uri="{BB962C8B-B14F-4D97-AF65-F5344CB8AC3E}">
+        <p14:creationId xmlns:p14="http://schemas.microsoft.com/office/powerpoint/2010/main" val="4124506834"/>
+      </p:ext>
+    </p:extLst>
+  </p:cSld>
+  <p:clrMapOvr>
+    <a:masterClrMapping/>
+  </p:clrMapOvr>
+</p:notes>
+</file>
+
+<file path=ppt/notesSlides/notesSlide3.xml><?xml version="1.0" encoding="utf-8"?>
+<p:notes xmlns:a="http://schemas.openxmlformats.org/drawingml/2006/main" xmlns:r="http://schemas.openxmlformats.org/officeDocument/2006/relationships" xmlns:p="http://schemas.openxmlformats.org/presentationml/2006/main">
+  <p:cSld>
+    <p:spTree>
+      <p:nvGrpSpPr>
+        <p:cNvPr id="1" name=""/>
+        <p:cNvGrpSpPr/>
+        <p:nvPr/>
+      </p:nvGrpSpPr>
+      <p:grpSpPr>
+        <a:xfrm>
+          <a:off x="0" y="0"/>
+          <a:ext cx="0" cy="0"/>
+          <a:chOff x="0" y="0"/>
+          <a:chExt cx="0" cy="0"/>
+        </a:xfrm>
+      </p:grpSpPr>
+      <p:sp>
+        <p:nvSpPr>
+          <p:cNvPr id="2" name="Slide Image Placeholder 1"/>
+          <p:cNvSpPr>
+            <a:spLocks noGrp="1" noRot="1" noChangeAspect="1"/>
+          </p:cNvSpPr>
+          <p:nvPr>
+            <p:ph type="sldImg"/>
+          </p:nvPr>
+        </p:nvSpPr>
+        <p:spPr/>
+      </p:sp>
+      <p:sp>
+        <p:nvSpPr>
+          <p:cNvPr id="3" name="Notes Placeholder 2"/>
+          <p:cNvSpPr>
+            <a:spLocks noGrp="1"/>
+          </p:cNvSpPr>
+          <p:nvPr>
+            <p:ph type="body" idx="1"/>
+          </p:nvPr>
+        </p:nvSpPr>
+        <p:spPr/>
+        <p:txBody>
+          <a:bodyPr/>
+          <a:lstStyle/>
+          <a:p>
+            <a:pPr marL="285750" indent="-285750">
+              <a:buFont typeface="Arial" panose="020B0604020202020204" pitchFamily="34" charset="0"/>
+              <a:buChar char="•"/>
+            </a:pPr>
+            <a:r>
+              <a:rPr lang="en-GB" dirty="0"/>
+              <a:t>Originally RabbitMQ was designed for supporting AMQP but it has been extended with a plug-in architecture support. =&gt; Apart from AMQP can support STOMP, MQTT, HTTP, </a:t>
+            </a:r>
+            <a:r>
+              <a:rPr lang="en-GB" dirty="0" err="1"/>
+              <a:t>WebSockets</a:t>
+            </a:r>
+            <a:r>
+              <a:rPr lang="en-GB" dirty="0"/>
+              <a:t> and Streams.</a:t>
+            </a:r>
+          </a:p>
+          <a:p>
+            <a:pPr marL="285750" indent="-285750">
+              <a:buFont typeface="Arial" panose="020B0604020202020204" pitchFamily="34" charset="0"/>
+              <a:buChar char="•"/>
+            </a:pPr>
+            <a:r>
+              <a:rPr lang="en-GB" dirty="0"/>
+              <a:t>HTTP is not a messaging protocol but RabbitMQ can transmit messages over HTTP.</a:t>
+            </a:r>
+          </a:p>
+          <a:p>
+            <a:pPr marL="895243" lvl="1" indent="-285750">
+              <a:buFont typeface="Arial" panose="020B0604020202020204" pitchFamily="34" charset="0"/>
+              <a:buChar char="•"/>
+            </a:pPr>
+            <a:r>
+              <a:rPr lang="en-GB" dirty="0"/>
+              <a:t>STOMP plug-in =&gt; Supports STOMP messaging to the browser using </a:t>
+            </a:r>
+            <a:r>
+              <a:rPr lang="en-GB" dirty="0" err="1"/>
+              <a:t>WebSockets</a:t>
+            </a:r>
+            <a:r>
+              <a:rPr lang="en-GB" dirty="0"/>
+              <a:t>.</a:t>
+            </a:r>
+          </a:p>
+          <a:p>
+            <a:pPr marL="895243" lvl="1" indent="-285750">
+              <a:buFont typeface="Arial" panose="020B0604020202020204" pitchFamily="34" charset="0"/>
+              <a:buChar char="•"/>
+            </a:pPr>
+            <a:r>
+              <a:rPr lang="en-GB" dirty="0"/>
+              <a:t>MQTT plug-in =&gt; Same as the above one.</a:t>
+            </a:r>
+          </a:p>
+          <a:p>
+            <a:pPr marL="895243" lvl="1" indent="-285750">
+              <a:buFont typeface="Arial" panose="020B0604020202020204" pitchFamily="34" charset="0"/>
+              <a:buChar char="•"/>
+            </a:pPr>
+            <a:r>
+              <a:rPr lang="en-GB" dirty="0"/>
+              <a:t>Management plug-in =&gt; Simple HTTP API for messaging</a:t>
+            </a:r>
+          </a:p>
+          <a:p>
+            <a:pPr marL="285750" indent="-285750">
+              <a:buFont typeface="Arial" panose="020B0604020202020204" pitchFamily="34" charset="0"/>
+              <a:buChar char="•"/>
+            </a:pPr>
+            <a:endParaRPr lang="en-GB" dirty="0"/>
+          </a:p>
+        </p:txBody>
+      </p:sp>
+      <p:sp>
+        <p:nvSpPr>
+          <p:cNvPr id="4" name="Slide Number Placeholder 3"/>
+          <p:cNvSpPr>
+            <a:spLocks noGrp="1"/>
+          </p:cNvSpPr>
+          <p:nvPr>
+            <p:ph type="sldNum" sz="quarter" idx="5"/>
+          </p:nvPr>
+        </p:nvSpPr>
+        <p:spPr/>
+        <p:txBody>
+          <a:bodyPr/>
+          <a:lstStyle/>
+          <a:p>
+            <a:fld id="{3EBA5BD7-F043-4D1B-AA17-CD412FC534DE}" type="slidenum">
+              <a:rPr lang="en-GB" smtClean="0"/>
+              <a:t>4</a:t>
+            </a:fld>
+            <a:endParaRPr lang="en-GB"/>
+          </a:p>
+        </p:txBody>
+      </p:sp>
+    </p:spTree>
+    <p:extLst>
+      <p:ext uri="{BB962C8B-B14F-4D97-AF65-F5344CB8AC3E}">
+        <p14:creationId xmlns:p14="http://schemas.microsoft.com/office/powerpoint/2010/main" val="2166323928"/>
+      </p:ext>
+    </p:extLst>
+  </p:cSld>
+  <p:clrMapOvr>
+    <a:masterClrMapping/>
+  </p:clrMapOvr>
+</p:notes>
+</file>
+
+<file path=ppt/notesSlides/notesSlide4.xml><?xml version="1.0" encoding="utf-8"?>
+<p:notes xmlns:a="http://schemas.openxmlformats.org/drawingml/2006/main" xmlns:r="http://schemas.openxmlformats.org/officeDocument/2006/relationships" xmlns:p="http://schemas.openxmlformats.org/presentationml/2006/main">
+  <p:cSld>
+    <p:spTree>
+      <p:nvGrpSpPr>
+        <p:cNvPr id="1" name=""/>
+        <p:cNvGrpSpPr/>
+        <p:nvPr/>
+      </p:nvGrpSpPr>
+      <p:grpSpPr>
+        <a:xfrm>
+          <a:off x="0" y="0"/>
+          <a:ext cx="0" cy="0"/>
+          <a:chOff x="0" y="0"/>
+          <a:chExt cx="0" cy="0"/>
+        </a:xfrm>
+      </p:grpSpPr>
+      <p:sp>
+        <p:nvSpPr>
+          <p:cNvPr id="2" name="Slide Image Placeholder 1"/>
+          <p:cNvSpPr>
+            <a:spLocks noGrp="1" noRot="1" noChangeAspect="1"/>
+          </p:cNvSpPr>
+          <p:nvPr>
+            <p:ph type="sldImg"/>
+          </p:nvPr>
+        </p:nvSpPr>
+        <p:spPr/>
+      </p:sp>
+      <p:sp>
+        <p:nvSpPr>
+          <p:cNvPr id="3" name="Notes Placeholder 2"/>
+          <p:cNvSpPr>
+            <a:spLocks noGrp="1"/>
+          </p:cNvSpPr>
+          <p:nvPr>
+            <p:ph type="body" idx="1"/>
+          </p:nvPr>
+        </p:nvSpPr>
+        <p:spPr/>
+        <p:txBody>
+          <a:bodyPr/>
+          <a:lstStyle/>
+          <a:p>
+            <a:pPr marL="285750" indent="-285750">
+              <a:buFont typeface="Arial" panose="020B0604020202020204" pitchFamily="34" charset="0"/>
+              <a:buChar char="•"/>
+            </a:pPr>
+            <a:r>
+              <a:rPr lang="en-GB" dirty="0"/>
+              <a:t>Reasonably simply to implement for clients =&gt; There are a lot of libraries available for many different programming languages.</a:t>
+            </a:r>
+          </a:p>
+        </p:txBody>
+      </p:sp>
+      <p:sp>
+        <p:nvSpPr>
+          <p:cNvPr id="4" name="Slide Number Placeholder 3"/>
+          <p:cNvSpPr>
+            <a:spLocks noGrp="1"/>
+          </p:cNvSpPr>
+          <p:nvPr>
+            <p:ph type="sldNum" sz="quarter" idx="5"/>
+          </p:nvPr>
+        </p:nvSpPr>
+        <p:spPr/>
+        <p:txBody>
+          <a:bodyPr/>
+          <a:lstStyle/>
+          <a:p>
+            <a:fld id="{3EBA5BD7-F043-4D1B-AA17-CD412FC534DE}" type="slidenum">
+              <a:rPr lang="en-GB" smtClean="0"/>
+              <a:t>5</a:t>
+            </a:fld>
+            <a:endParaRPr lang="en-GB"/>
+          </a:p>
+        </p:txBody>
+      </p:sp>
+    </p:spTree>
+    <p:extLst>
+      <p:ext uri="{BB962C8B-B14F-4D97-AF65-F5344CB8AC3E}">
+        <p14:creationId xmlns:p14="http://schemas.microsoft.com/office/powerpoint/2010/main" val="3713430380"/>
+      </p:ext>
+    </p:extLst>
+  </p:cSld>
+  <p:clrMapOvr>
+    <a:masterClrMapping/>
+  </p:clrMapOvr>
+</p:notes>
+</file>
+
+<file path=ppt/notesSlides/notesSlide5.xml><?xml version="1.0" encoding="utf-8"?>
+<p:notes xmlns:a="http://schemas.openxmlformats.org/drawingml/2006/main" xmlns:r="http://schemas.openxmlformats.org/officeDocument/2006/relationships" xmlns:p="http://schemas.openxmlformats.org/presentationml/2006/main">
+  <p:cSld>
+    <p:spTree>
+      <p:nvGrpSpPr>
+        <p:cNvPr id="1" name=""/>
+        <p:cNvGrpSpPr/>
+        <p:nvPr/>
+      </p:nvGrpSpPr>
+      <p:grpSpPr>
+        <a:xfrm>
+          <a:off x="0" y="0"/>
+          <a:ext cx="0" cy="0"/>
+          <a:chOff x="0" y="0"/>
+          <a:chExt cx="0" cy="0"/>
+        </a:xfrm>
+      </p:grpSpPr>
+      <p:sp>
+        <p:nvSpPr>
+          <p:cNvPr id="2" name="Slide Image Placeholder 1"/>
+          <p:cNvSpPr>
+            <a:spLocks noGrp="1" noRot="1" noChangeAspect="1"/>
+          </p:cNvSpPr>
+          <p:nvPr>
+            <p:ph type="sldImg"/>
+          </p:nvPr>
+        </p:nvSpPr>
+        <p:spPr/>
+      </p:sp>
+      <p:sp>
+        <p:nvSpPr>
+          <p:cNvPr id="3" name="Notes Placeholder 2"/>
+          <p:cNvSpPr>
+            <a:spLocks noGrp="1"/>
+          </p:cNvSpPr>
+          <p:nvPr>
+            <p:ph type="body" idx="1"/>
+          </p:nvPr>
+        </p:nvSpPr>
+        <p:spPr/>
+        <p:txBody>
+          <a:bodyPr/>
+          <a:lstStyle/>
+          <a:p>
+            <a:pPr marL="285750" indent="-285750">
+              <a:buFont typeface="Arial" panose="020B0604020202020204" pitchFamily="34" charset="0"/>
+              <a:buChar char="•"/>
+            </a:pPr>
+            <a:r>
+              <a:rPr lang="en-GB" dirty="0"/>
+              <a:t>AMQP is </a:t>
+            </a:r>
+            <a:r>
+              <a:rPr lang="en-GB" dirty="0" err="1"/>
+              <a:t>prettu</a:t>
+            </a:r>
+            <a:r>
+              <a:rPr lang="en-GB" dirty="0"/>
+              <a:t> simple to </a:t>
+            </a:r>
+            <a:r>
+              <a:rPr lang="en-GB" dirty="0" err="1"/>
+              <a:t>undersdtand</a:t>
+            </a:r>
+            <a:r>
+              <a:rPr lang="en-GB" dirty="0"/>
+              <a:t>.</a:t>
+            </a:r>
+          </a:p>
+          <a:p>
+            <a:pPr marL="895243" lvl="1" indent="-285750">
+              <a:buFont typeface="Arial" panose="020B0604020202020204" pitchFamily="34" charset="0"/>
+              <a:buChar char="•"/>
+            </a:pPr>
+            <a:r>
+              <a:rPr lang="en-GB" dirty="0"/>
+              <a:t>There are clients apps that create/publish messages and deliver them to an AMQP broker.</a:t>
+            </a:r>
+          </a:p>
+          <a:p>
+            <a:pPr marL="895243" lvl="1" indent="-285750">
+              <a:buFont typeface="Arial" panose="020B0604020202020204" pitchFamily="34" charset="0"/>
+              <a:buChar char="•"/>
+            </a:pPr>
+            <a:r>
+              <a:rPr lang="en-GB" dirty="0"/>
+              <a:t>The </a:t>
+            </a:r>
+            <a:r>
+              <a:rPr lang="en-GB" dirty="0" err="1"/>
+              <a:t>echange</a:t>
+            </a:r>
+            <a:r>
+              <a:rPr lang="en-GB" dirty="0"/>
+              <a:t> looks at the routing key and send every message to the </a:t>
+            </a:r>
+            <a:r>
+              <a:rPr lang="en-GB" dirty="0" err="1"/>
+              <a:t>correspondant</a:t>
+            </a:r>
+            <a:r>
+              <a:rPr lang="en-GB" dirty="0"/>
+              <a:t> queue.</a:t>
+            </a:r>
+          </a:p>
+          <a:p>
+            <a:pPr marL="895243" lvl="1" indent="-285750">
+              <a:buFont typeface="Arial" panose="020B0604020202020204" pitchFamily="34" charset="0"/>
+              <a:buChar char="•"/>
+            </a:pPr>
+            <a:r>
+              <a:rPr lang="en-GB" dirty="0"/>
+              <a:t>When its time the messages arrive to the clients</a:t>
+            </a:r>
+          </a:p>
+        </p:txBody>
+      </p:sp>
+      <p:sp>
+        <p:nvSpPr>
+          <p:cNvPr id="4" name="Slide Number Placeholder 3"/>
+          <p:cNvSpPr>
+            <a:spLocks noGrp="1"/>
+          </p:cNvSpPr>
+          <p:nvPr>
+            <p:ph type="sldNum" sz="quarter" idx="5"/>
+          </p:nvPr>
+        </p:nvSpPr>
+        <p:spPr/>
+        <p:txBody>
+          <a:bodyPr/>
+          <a:lstStyle/>
+          <a:p>
+            <a:fld id="{3EBA5BD7-F043-4D1B-AA17-CD412FC534DE}" type="slidenum">
+              <a:rPr lang="en-GB" smtClean="0"/>
+              <a:t>6</a:t>
+            </a:fld>
+            <a:endParaRPr lang="en-GB"/>
+          </a:p>
+        </p:txBody>
+      </p:sp>
+    </p:spTree>
+    <p:extLst>
+      <p:ext uri="{BB962C8B-B14F-4D97-AF65-F5344CB8AC3E}">
+        <p14:creationId xmlns:p14="http://schemas.microsoft.com/office/powerpoint/2010/main" val="3507725633"/>
+      </p:ext>
+    </p:extLst>
+  </p:cSld>
+  <p:clrMapOvr>
+    <a:masterClrMapping/>
+  </p:clrMapOvr>
+</p:notes>
+</file>
+
+<file path=ppt/notesSlides/notesSlide6.xml><?xml version="1.0" encoding="utf-8"?>
+<p:notes xmlns:a="http://schemas.openxmlformats.org/drawingml/2006/main" xmlns:r="http://schemas.openxmlformats.org/officeDocument/2006/relationships" xmlns:p="http://schemas.openxmlformats.org/presentationml/2006/main">
+  <p:cSld>
+    <p:spTree>
+      <p:nvGrpSpPr>
+        <p:cNvPr id="1" name=""/>
+        <p:cNvGrpSpPr/>
+        <p:nvPr/>
+      </p:nvGrpSpPr>
+      <p:grpSpPr>
+        <a:xfrm>
+          <a:off x="0" y="0"/>
+          <a:ext cx="0" cy="0"/>
+          <a:chOff x="0" y="0"/>
+          <a:chExt cx="0" cy="0"/>
+        </a:xfrm>
+      </p:grpSpPr>
+      <p:sp>
+        <p:nvSpPr>
+          <p:cNvPr id="2" name="Slide Image Placeholder 1"/>
+          <p:cNvSpPr>
+            <a:spLocks noGrp="1" noRot="1" noChangeAspect="1"/>
+          </p:cNvSpPr>
+          <p:nvPr>
+            <p:ph type="sldImg"/>
+          </p:nvPr>
+        </p:nvSpPr>
+        <p:spPr/>
+      </p:sp>
+      <p:sp>
+        <p:nvSpPr>
+          <p:cNvPr id="3" name="Notes Placeholder 2"/>
+          <p:cNvSpPr>
+            <a:spLocks noGrp="1"/>
+          </p:cNvSpPr>
+          <p:nvPr>
+            <p:ph type="body" idx="1"/>
+          </p:nvPr>
+        </p:nvSpPr>
+        <p:spPr/>
+        <p:txBody>
+          <a:bodyPr/>
+          <a:lstStyle/>
+          <a:p>
+            <a:pPr marL="285750" indent="-285750" algn="l">
+              <a:buFont typeface="Arial" panose="020B0604020202020204" pitchFamily="34" charset="0"/>
+              <a:buChar char="•"/>
+            </a:pPr>
+            <a:r>
+              <a:rPr lang="en-GB" sz="1800" b="0" i="0" u="none" strike="noStrike" baseline="0" dirty="0">
+                <a:latin typeface="CMR12"/>
+              </a:rPr>
+              <a:t>Direct exchange</a:t>
+            </a:r>
+          </a:p>
+          <a:p>
+            <a:pPr marL="285750" indent="-285750" algn="l">
+              <a:buFont typeface="Arial" panose="020B0604020202020204" pitchFamily="34" charset="0"/>
+              <a:buChar char="•"/>
+            </a:pPr>
+            <a:r>
+              <a:rPr lang="en-GB" sz="1800" b="0" i="0" u="none" strike="noStrike" baseline="0" dirty="0">
+                <a:latin typeface="CMR12"/>
+              </a:rPr>
+              <a:t>Takes the routing key that comes inside the message and sends it to the queue that’s associated with this exchange and with this routing key.</a:t>
+            </a:r>
+          </a:p>
+          <a:p>
+            <a:pPr marL="285750" indent="-285750" algn="l">
+              <a:buFont typeface="Arial" panose="020B0604020202020204" pitchFamily="34" charset="0"/>
+              <a:buChar char="•"/>
+            </a:pPr>
+            <a:r>
+              <a:rPr lang="en-GB" sz="1800" b="0" i="0" u="none" strike="noStrike" baseline="0" dirty="0">
+                <a:latin typeface="CMR12"/>
+              </a:rPr>
+              <a:t>The postman (producer) delivers the mail to the concierge (exchange) and that checks in which mailbox has to be placed the letter and places it.</a:t>
+            </a:r>
+            <a:endParaRPr lang="en-GB" dirty="0"/>
+          </a:p>
+        </p:txBody>
+      </p:sp>
+      <p:sp>
+        <p:nvSpPr>
+          <p:cNvPr id="4" name="Slide Number Placeholder 3"/>
+          <p:cNvSpPr>
+            <a:spLocks noGrp="1"/>
+          </p:cNvSpPr>
+          <p:nvPr>
+            <p:ph type="sldNum" sz="quarter" idx="5"/>
+          </p:nvPr>
+        </p:nvSpPr>
+        <p:spPr/>
+        <p:txBody>
+          <a:bodyPr/>
+          <a:lstStyle/>
+          <a:p>
+            <a:fld id="{3EBA5BD7-F043-4D1B-AA17-CD412FC534DE}" type="slidenum">
+              <a:rPr lang="en-GB" smtClean="0"/>
+              <a:t>8</a:t>
+            </a:fld>
+            <a:endParaRPr lang="en-GB"/>
+          </a:p>
+        </p:txBody>
+      </p:sp>
+    </p:spTree>
+    <p:extLst>
+      <p:ext uri="{BB962C8B-B14F-4D97-AF65-F5344CB8AC3E}">
+        <p14:creationId xmlns:p14="http://schemas.microsoft.com/office/powerpoint/2010/main" val="3514248980"/>
+      </p:ext>
+    </p:extLst>
+  </p:cSld>
+  <p:clrMapOvr>
+    <a:masterClrMapping/>
+  </p:clrMapOvr>
+</p:notes>
+</file>
+
+<file path=ppt/notesSlides/notesSlide7.xml><?xml version="1.0" encoding="utf-8"?>
+<p:notes xmlns:a="http://schemas.openxmlformats.org/drawingml/2006/main" xmlns:r="http://schemas.openxmlformats.org/officeDocument/2006/relationships" xmlns:p="http://schemas.openxmlformats.org/presentationml/2006/main">
+  <p:cSld>
+    <p:spTree>
+      <p:nvGrpSpPr>
+        <p:cNvPr id="1" name=""/>
+        <p:cNvGrpSpPr/>
+        <p:nvPr/>
+      </p:nvGrpSpPr>
+      <p:grpSpPr>
+        <a:xfrm>
+          <a:off x="0" y="0"/>
+          <a:ext cx="0" cy="0"/>
+          <a:chOff x="0" y="0"/>
+          <a:chExt cx="0" cy="0"/>
+        </a:xfrm>
+      </p:grpSpPr>
+      <p:sp>
+        <p:nvSpPr>
+          <p:cNvPr id="2" name="Slide Image Placeholder 1"/>
+          <p:cNvSpPr>
+            <a:spLocks noGrp="1" noRot="1" noChangeAspect="1"/>
+          </p:cNvSpPr>
+          <p:nvPr>
+            <p:ph type="sldImg"/>
+          </p:nvPr>
+        </p:nvSpPr>
+        <p:spPr/>
+      </p:sp>
+      <p:sp>
+        <p:nvSpPr>
+          <p:cNvPr id="3" name="Notes Placeholder 2"/>
+          <p:cNvSpPr>
+            <a:spLocks noGrp="1"/>
+          </p:cNvSpPr>
+          <p:nvPr>
+            <p:ph type="body" idx="1"/>
+          </p:nvPr>
+        </p:nvSpPr>
+        <p:spPr/>
+        <p:txBody>
+          <a:bodyPr/>
+          <a:lstStyle/>
+          <a:p>
+            <a:pPr marL="285750" indent="-285750" algn="l">
+              <a:buFont typeface="Arial" panose="020B0604020202020204" pitchFamily="34" charset="0"/>
+              <a:buChar char="•"/>
+            </a:pPr>
+            <a:r>
+              <a:rPr lang="en-GB" sz="1800" b="0" i="0" u="none" strike="noStrike" baseline="0" dirty="0">
+                <a:latin typeface="CMR12"/>
+              </a:rPr>
+              <a:t>Topic exchange</a:t>
+            </a:r>
+          </a:p>
+          <a:p>
+            <a:pPr marL="285750" indent="-285750" algn="l">
+              <a:buFont typeface="Arial" panose="020B0604020202020204" pitchFamily="34" charset="0"/>
+              <a:buChar char="•"/>
+            </a:pPr>
+            <a:r>
+              <a:rPr lang="en-GB" sz="1800" b="0" i="0" u="none" strike="noStrike" baseline="0" dirty="0">
+                <a:latin typeface="CMR12"/>
+              </a:rPr>
+              <a:t>Carries the message to the queues that complain with a pattern in the routing key.</a:t>
+            </a:r>
+          </a:p>
+          <a:p>
+            <a:pPr marL="285750" indent="-285750" algn="l">
+              <a:buFont typeface="Arial" panose="020B0604020202020204" pitchFamily="34" charset="0"/>
+              <a:buChar char="•"/>
+            </a:pPr>
+            <a:r>
+              <a:rPr lang="en-GB" sz="1800" b="0" i="0" u="none" strike="noStrike" baseline="0" dirty="0">
+                <a:latin typeface="CMR12"/>
+              </a:rPr>
+              <a:t>The postman delivers to the concierge and that checks the pattern.</a:t>
+            </a:r>
+            <a:endParaRPr lang="en-GB" dirty="0"/>
+          </a:p>
+        </p:txBody>
+      </p:sp>
+      <p:sp>
+        <p:nvSpPr>
+          <p:cNvPr id="4" name="Slide Number Placeholder 3"/>
+          <p:cNvSpPr>
+            <a:spLocks noGrp="1"/>
+          </p:cNvSpPr>
+          <p:nvPr>
+            <p:ph type="sldNum" sz="quarter" idx="5"/>
+          </p:nvPr>
+        </p:nvSpPr>
+        <p:spPr/>
+        <p:txBody>
+          <a:bodyPr/>
+          <a:lstStyle/>
+          <a:p>
+            <a:fld id="{3EBA5BD7-F043-4D1B-AA17-CD412FC534DE}" type="slidenum">
+              <a:rPr lang="en-GB" smtClean="0"/>
+              <a:t>9</a:t>
+            </a:fld>
+            <a:endParaRPr lang="en-GB"/>
+          </a:p>
+        </p:txBody>
+      </p:sp>
+    </p:spTree>
+    <p:extLst>
+      <p:ext uri="{BB962C8B-B14F-4D97-AF65-F5344CB8AC3E}">
+        <p14:creationId xmlns:p14="http://schemas.microsoft.com/office/powerpoint/2010/main" val="379294192"/>
+      </p:ext>
+    </p:extLst>
+  </p:cSld>
+  <p:clrMapOvr>
+    <a:masterClrMapping/>
+  </p:clrMapOvr>
+</p:notes>
+</file>
+
+<file path=ppt/notesSlides/notesSlide8.xml><?xml version="1.0" encoding="utf-8"?>
+<p:notes xmlns:a="http://schemas.openxmlformats.org/drawingml/2006/main" xmlns:r="http://schemas.openxmlformats.org/officeDocument/2006/relationships" xmlns:p="http://schemas.openxmlformats.org/presentationml/2006/main">
+  <p:cSld>
+    <p:spTree>
+      <p:nvGrpSpPr>
+        <p:cNvPr id="1" name=""/>
+        <p:cNvGrpSpPr/>
+        <p:nvPr/>
+      </p:nvGrpSpPr>
+      <p:grpSpPr>
+        <a:xfrm>
+          <a:off x="0" y="0"/>
+          <a:ext cx="0" cy="0"/>
+          <a:chOff x="0" y="0"/>
+          <a:chExt cx="0" cy="0"/>
+        </a:xfrm>
+      </p:grpSpPr>
+      <p:sp>
+        <p:nvSpPr>
+          <p:cNvPr id="2" name="Slide Image Placeholder 1"/>
+          <p:cNvSpPr>
+            <a:spLocks noGrp="1" noRot="1" noChangeAspect="1"/>
+          </p:cNvSpPr>
+          <p:nvPr>
+            <p:ph type="sldImg"/>
+          </p:nvPr>
+        </p:nvSpPr>
+        <p:spPr/>
+      </p:sp>
+      <p:sp>
+        <p:nvSpPr>
+          <p:cNvPr id="3" name="Notes Placeholder 2"/>
+          <p:cNvSpPr>
+            <a:spLocks noGrp="1"/>
+          </p:cNvSpPr>
+          <p:nvPr>
+            <p:ph type="body" idx="1"/>
+          </p:nvPr>
+        </p:nvSpPr>
+        <p:spPr/>
+        <p:txBody>
+          <a:bodyPr/>
+          <a:lstStyle/>
+          <a:p>
+            <a:pPr marL="285750" indent="-285750" algn="l">
+              <a:buFont typeface="Arial" panose="020B0604020202020204" pitchFamily="34" charset="0"/>
+              <a:buChar char="•"/>
+            </a:pPr>
+            <a:r>
+              <a:rPr lang="en-GB" sz="1800" b="0" i="0" u="none" strike="noStrike" baseline="0" dirty="0">
+                <a:latin typeface="CMR12"/>
+              </a:rPr>
+              <a:t>Fanout exchange</a:t>
+            </a:r>
+          </a:p>
+          <a:p>
+            <a:pPr marL="285750" indent="-285750" algn="l">
+              <a:buFont typeface="Arial" panose="020B0604020202020204" pitchFamily="34" charset="0"/>
+              <a:buChar char="•"/>
+            </a:pPr>
+            <a:r>
+              <a:rPr lang="en-GB" sz="1800" b="0" i="0" u="none" strike="noStrike" baseline="0" dirty="0">
+                <a:latin typeface="CMR12"/>
+              </a:rPr>
+              <a:t>Sends the message to all the queues associated with the exchange, regardless of routing key</a:t>
+            </a:r>
+            <a:endParaRPr lang="en-GB" dirty="0"/>
+          </a:p>
+        </p:txBody>
+      </p:sp>
+      <p:sp>
+        <p:nvSpPr>
+          <p:cNvPr id="4" name="Slide Number Placeholder 3"/>
+          <p:cNvSpPr>
+            <a:spLocks noGrp="1"/>
+          </p:cNvSpPr>
+          <p:nvPr>
+            <p:ph type="sldNum" sz="quarter" idx="5"/>
+          </p:nvPr>
+        </p:nvSpPr>
+        <p:spPr/>
+        <p:txBody>
+          <a:bodyPr/>
+          <a:lstStyle/>
+          <a:p>
+            <a:fld id="{3EBA5BD7-F043-4D1B-AA17-CD412FC534DE}" type="slidenum">
+              <a:rPr lang="en-GB" smtClean="0"/>
+              <a:t>10</a:t>
+            </a:fld>
+            <a:endParaRPr lang="en-GB"/>
+          </a:p>
+        </p:txBody>
+      </p:sp>
+    </p:spTree>
+    <p:extLst>
+      <p:ext uri="{BB962C8B-B14F-4D97-AF65-F5344CB8AC3E}">
+        <p14:creationId xmlns:p14="http://schemas.microsoft.com/office/powerpoint/2010/main" val="16360257"/>
+      </p:ext>
+    </p:extLst>
+  </p:cSld>
+  <p:clrMapOvr>
+    <a:masterClrMapping/>
+  </p:clrMapOvr>
+</p:notes>
+</file>
+
+<file path=ppt/notesSlides/notesSlide9.xml><?xml version="1.0" encoding="utf-8"?>
+<p:notes xmlns:a="http://schemas.openxmlformats.org/drawingml/2006/main" xmlns:r="http://schemas.openxmlformats.org/officeDocument/2006/relationships" xmlns:p="http://schemas.openxmlformats.org/presentationml/2006/main">
+  <p:cSld>
+    <p:spTree>
+      <p:nvGrpSpPr>
+        <p:cNvPr id="1" name=""/>
+        <p:cNvGrpSpPr/>
+        <p:nvPr/>
+      </p:nvGrpSpPr>
+      <p:grpSpPr>
+        <a:xfrm>
+          <a:off x="0" y="0"/>
+          <a:ext cx="0" cy="0"/>
+          <a:chOff x="0" y="0"/>
+          <a:chExt cx="0" cy="0"/>
+        </a:xfrm>
+      </p:grpSpPr>
+      <p:sp>
+        <p:nvSpPr>
+          <p:cNvPr id="2" name="Slide Image Placeholder 1"/>
+          <p:cNvSpPr>
+            <a:spLocks noGrp="1" noRot="1" noChangeAspect="1"/>
+          </p:cNvSpPr>
+          <p:nvPr>
+            <p:ph type="sldImg"/>
+          </p:nvPr>
+        </p:nvSpPr>
+        <p:spPr/>
+      </p:sp>
+      <p:sp>
+        <p:nvSpPr>
+          <p:cNvPr id="3" name="Notes Placeholder 2"/>
+          <p:cNvSpPr>
+            <a:spLocks noGrp="1"/>
+          </p:cNvSpPr>
+          <p:nvPr>
+            <p:ph type="body" idx="1"/>
+          </p:nvPr>
+        </p:nvSpPr>
+        <p:spPr/>
+        <p:txBody>
+          <a:bodyPr/>
+          <a:lstStyle/>
+          <a:p>
+            <a:pPr marL="285750" indent="-285750">
+              <a:buFont typeface="Arial" panose="020B0604020202020204" pitchFamily="34" charset="0"/>
+              <a:buChar char="•"/>
+            </a:pPr>
+            <a:r>
+              <a:rPr lang="en-GB" dirty="0"/>
+              <a:t>ID to know the route</a:t>
+            </a:r>
+          </a:p>
+          <a:p>
+            <a:pPr marL="285750" indent="-285750">
+              <a:buFont typeface="Arial" panose="020B0604020202020204" pitchFamily="34" charset="0"/>
+              <a:buChar char="•"/>
+            </a:pPr>
+            <a:r>
+              <a:rPr lang="en-GB" dirty="0"/>
+              <a:t>ID to know to which exchange I’m associated with</a:t>
+            </a:r>
+          </a:p>
+        </p:txBody>
+      </p:sp>
+      <p:sp>
+        <p:nvSpPr>
+          <p:cNvPr id="4" name="Slide Number Placeholder 3"/>
+          <p:cNvSpPr>
+            <a:spLocks noGrp="1"/>
+          </p:cNvSpPr>
+          <p:nvPr>
+            <p:ph type="sldNum" sz="quarter" idx="5"/>
+          </p:nvPr>
+        </p:nvSpPr>
+        <p:spPr/>
+        <p:txBody>
+          <a:bodyPr/>
+          <a:lstStyle/>
+          <a:p>
+            <a:fld id="{3EBA5BD7-F043-4D1B-AA17-CD412FC534DE}" type="slidenum">
+              <a:rPr lang="en-GB" smtClean="0"/>
+              <a:t>11</a:t>
+            </a:fld>
+            <a:endParaRPr lang="en-GB"/>
+          </a:p>
+        </p:txBody>
+      </p:sp>
+    </p:spTree>
+    <p:extLst>
+      <p:ext uri="{BB962C8B-B14F-4D97-AF65-F5344CB8AC3E}">
+        <p14:creationId xmlns:p14="http://schemas.microsoft.com/office/powerpoint/2010/main" val="1297436377"/>
+      </p:ext>
+    </p:extLst>
+  </p:cSld>
+  <p:clrMapOvr>
+    <a:masterClrMapping/>
+  </p:clrMapOvr>
+</p:notes>
 </file>
 
 <file path=ppt/slideLayouts/slideLayout1.xml><?xml version="1.0" encoding="utf-8"?>
@@ -1422,7 +3184,7 @@
           <a:p>
             <a:fld id="{F0DFD029-FB74-4578-B929-F66AA97659CA}" type="datetimeFigureOut">
               <a:rPr lang="en-US"/>
-              <a:t>10/12/2022</a:t>
+              <a:t>10/25/2022</a:t>
             </a:fld>
             <a:endParaRPr/>
           </a:p>
@@ -1620,7 +3382,7 @@
           <a:p>
             <a:fld id="{F0DFD029-FB74-4578-B929-F66AA97659CA}" type="datetimeFigureOut">
               <a:rPr lang="en-US"/>
-              <a:t>10/12/2022</a:t>
+              <a:t>10/25/2022</a:t>
             </a:fld>
             <a:endParaRPr/>
           </a:p>
@@ -1828,7 +3590,7 @@
           <a:p>
             <a:fld id="{F0DFD029-FB74-4578-B929-F66AA97659CA}" type="datetimeFigureOut">
               <a:rPr lang="en-US"/>
-              <a:t>10/12/2022</a:t>
+              <a:t>10/25/2022</a:t>
             </a:fld>
             <a:endParaRPr/>
           </a:p>
@@ -2026,7 +3788,7 @@
           <a:p>
             <a:fld id="{F0DFD029-FB74-4578-B929-F66AA97659CA}" type="datetimeFigureOut">
               <a:rPr lang="en-US"/>
-              <a:t>10/12/2022</a:t>
+              <a:t>10/25/2022</a:t>
             </a:fld>
             <a:endParaRPr/>
           </a:p>
@@ -2458,7 +4220,7 @@
           <a:p>
             <a:fld id="{F0DFD029-FB74-4578-B929-F66AA97659CA}" type="datetimeFigureOut">
               <a:rPr lang="en-US"/>
-              <a:t>10/12/2022</a:t>
+              <a:t>10/25/2022</a:t>
             </a:fld>
             <a:endParaRPr/>
           </a:p>
@@ -2762,7 +4524,7 @@
           <a:p>
             <a:fld id="{F0DFD029-FB74-4578-B929-F66AA97659CA}" type="datetimeFigureOut">
               <a:rPr lang="en-US"/>
-              <a:t>10/12/2022</a:t>
+              <a:t>10/25/2022</a:t>
             </a:fld>
             <a:endParaRPr/>
           </a:p>
@@ -3218,7 +4980,7 @@
           <a:p>
             <a:fld id="{F0DFD029-FB74-4578-B929-F66AA97659CA}" type="datetimeFigureOut">
               <a:rPr lang="en-US"/>
-              <a:t>10/12/2022</a:t>
+              <a:t>10/25/2022</a:t>
             </a:fld>
             <a:endParaRPr/>
           </a:p>
@@ -3348,7 +5110,7 @@
           <a:p>
             <a:fld id="{F0DFD029-FB74-4578-B929-F66AA97659CA}" type="datetimeFigureOut">
               <a:rPr lang="en-US"/>
-              <a:t>10/12/2022</a:t>
+              <a:t>10/25/2022</a:t>
             </a:fld>
             <a:endParaRPr/>
           </a:p>
@@ -3455,7 +5217,7 @@
           <a:p>
             <a:fld id="{F0DFD029-FB74-4578-B929-F66AA97659CA}" type="datetimeFigureOut">
               <a:rPr lang="en-US"/>
-              <a:t>10/12/2022</a:t>
+              <a:t>10/25/2022</a:t>
             </a:fld>
             <a:endParaRPr/>
           </a:p>
@@ -3754,7 +5516,7 @@
           <a:p>
             <a:fld id="{F0DFD029-FB74-4578-B929-F66AA97659CA}" type="datetimeFigureOut">
               <a:rPr lang="en-US"/>
-              <a:t>10/12/2022</a:t>
+              <a:t>10/25/2022</a:t>
             </a:fld>
             <a:endParaRPr/>
           </a:p>
@@ -4042,7 +5804,7 @@
           <a:p>
             <a:fld id="{F0DFD029-FB74-4578-B929-F66AA97659CA}" type="datetimeFigureOut">
               <a:rPr lang="en-US"/>
-              <a:t>10/12/2022</a:t>
+              <a:t>10/25/2022</a:t>
             </a:fld>
             <a:endParaRPr/>
           </a:p>
@@ -4665,7 +6427,7 @@
             <a:fld id="{F0DFD029-FB74-4578-B929-F66AA97659CA}" type="datetimeFigureOut">
               <a:rPr lang="en-US"/>
               <a:pPr/>
-              <a:t>10/12/2022</a:t>
+              <a:t>10/25/2022</a:t>
             </a:fld>
             <a:endParaRPr/>
           </a:p>
@@ -5454,7 +7216,7 @@
           <p:nvPr/>
         </p:nvPicPr>
         <p:blipFill>
-          <a:blip r:embed="rId2" cstate="print">
+          <a:blip r:embed="rId3" cstate="print">
             <a:extLst>
               <a:ext uri="{28A0092B-C50C-407E-A947-70E740481C1C}">
                 <a14:useLocalDpi xmlns:a14="http://schemas.microsoft.com/office/drawing/2010/main" val="0"/>
@@ -5522,7 +7284,7 @@
           <p:cNvPr id="2" name="Title 1">
             <a:extLst>
               <a:ext uri="{FF2B5EF4-FFF2-40B4-BE49-F238E27FC236}">
-                <a16:creationId xmlns:a16="http://schemas.microsoft.com/office/drawing/2014/main" id="{B941BF1A-9C7C-B5E7-5D4A-5D18741DE45E}"/>
+                <a16:creationId xmlns:a16="http://schemas.microsoft.com/office/drawing/2014/main" id="{19EB6400-19B9-CB04-CD21-64172F9DC973}"/>
               </a:ext>
             </a:extLst>
           </p:cNvPr>
@@ -5540,53 +7302,63 @@
           <a:p>
             <a:r>
               <a:rPr lang="en-GB" dirty="0"/>
-              <a:t>Architecture – AMQP – Virtual host</a:t>
-            </a:r>
-          </a:p>
-        </p:txBody>
-      </p:sp>
-      <p:sp>
-        <p:nvSpPr>
-          <p:cNvPr id="3" name="Content Placeholder 2">
+              <a:t>Architecture – AMQP – Exchange</a:t>
+            </a:r>
+          </a:p>
+        </p:txBody>
+      </p:sp>
+      <p:pic>
+        <p:nvPicPr>
+          <p:cNvPr id="5" name="Content Placeholder 4">
             <a:extLst>
               <a:ext uri="{FF2B5EF4-FFF2-40B4-BE49-F238E27FC236}">
-                <a16:creationId xmlns:a16="http://schemas.microsoft.com/office/drawing/2014/main" id="{B620EB3B-B8E8-B29F-49DA-AA07D5139896}"/>
+                <a16:creationId xmlns:a16="http://schemas.microsoft.com/office/drawing/2014/main" id="{042803D7-3621-469C-3428-29B34676BC02}"/>
               </a:ext>
             </a:extLst>
           </p:cNvPr>
-          <p:cNvSpPr>
-            <a:spLocks noGrp="1"/>
-          </p:cNvSpPr>
+          <p:cNvPicPr>
+            <a:picLocks noGrp="1" noChangeAspect="1"/>
+          </p:cNvPicPr>
           <p:nvPr>
             <p:ph idx="1"/>
           </p:nvPr>
-        </p:nvSpPr>
-        <p:spPr/>
-        <p:txBody>
-          <a:bodyPr/>
-          <a:lstStyle/>
-          <a:p>
-            <a:endParaRPr lang="en-GB" dirty="0"/>
-          </a:p>
-        </p:txBody>
-      </p:sp>
+        </p:nvPicPr>
+        <p:blipFill>
+          <a:blip r:embed="rId3">
+            <a:extLst>
+              <a:ext uri="{28A0092B-C50C-407E-A947-70E740481C1C}">
+                <a14:useLocalDpi xmlns:a14="http://schemas.microsoft.com/office/drawing/2010/main" val="0"/>
+              </a:ext>
+            </a:extLst>
+          </a:blip>
+          <a:stretch>
+            <a:fillRect/>
+          </a:stretch>
+        </p:blipFill>
+        <p:spPr>
+          <a:xfrm>
+            <a:off x="1219200" y="2154111"/>
+            <a:ext cx="10360025" cy="3557841"/>
+          </a:xfrm>
+        </p:spPr>
+      </p:pic>
     </p:spTree>
     <p:extLst>
       <p:ext uri="{BB962C8B-B14F-4D97-AF65-F5344CB8AC3E}">
-        <p14:creationId xmlns:p14="http://schemas.microsoft.com/office/powerpoint/2010/main" val="2388947289"/>
+        <p14:creationId xmlns:p14="http://schemas.microsoft.com/office/powerpoint/2010/main" val="4194460731"/>
       </p:ext>
     </p:extLst>
   </p:cSld>
   <p:clrMapOvr>
     <a:masterClrMapping/>
   </p:clrMapOvr>
-  <mc:AlternateContent xmlns:mc="http://schemas.openxmlformats.org/markup-compatibility/2006">
-    <mc:Choice xmlns:p14="http://schemas.microsoft.com/office/powerpoint/2010/main" Requires="p14">
+  <mc:AlternateContent xmlns:mc="http://schemas.openxmlformats.org/markup-compatibility/2006" xmlns:p14="http://schemas.microsoft.com/office/powerpoint/2010/main">
+    <mc:Choice Requires="p14">
       <p:transition spd="med" p14:dur="700">
         <p:fade/>
       </p:transition>
     </mc:Choice>
-    <mc:Fallback>
+    <mc:Fallback xmlns="">
       <p:transition spd="med">
         <p:fade/>
       </p:transition>
@@ -5617,7 +7389,7 @@
           <p:cNvPr id="2" name="Title 1">
             <a:extLst>
               <a:ext uri="{FF2B5EF4-FFF2-40B4-BE49-F238E27FC236}">
-                <a16:creationId xmlns:a16="http://schemas.microsoft.com/office/drawing/2014/main" id="{9D86AE6E-91EC-D4FD-CA19-C258F4666ECF}"/>
+                <a16:creationId xmlns:a16="http://schemas.microsoft.com/office/drawing/2014/main" id="{B941BF1A-9C7C-B5E7-5D4A-5D18741DE45E}"/>
               </a:ext>
             </a:extLst>
           </p:cNvPr>
@@ -5635,7 +7407,7 @@
           <a:p>
             <a:r>
               <a:rPr lang="en-GB" dirty="0"/>
-              <a:t>Architecture - MQTT</a:t>
+              <a:t>Architecture – AMQP – Routing key</a:t>
             </a:r>
           </a:p>
         </p:txBody>
@@ -5645,7 +7417,7 @@
           <p:cNvPr id="3" name="Content Placeholder 2">
             <a:extLst>
               <a:ext uri="{FF2B5EF4-FFF2-40B4-BE49-F238E27FC236}">
-                <a16:creationId xmlns:a16="http://schemas.microsoft.com/office/drawing/2014/main" id="{F479DA9B-BFB8-8684-92D3-30A1D8D29A01}"/>
+                <a16:creationId xmlns:a16="http://schemas.microsoft.com/office/drawing/2014/main" id="{B620EB3B-B8E8-B29F-49DA-AA07D5139896}"/>
               </a:ext>
             </a:extLst>
           </p:cNvPr>
@@ -5658,17 +7430,26 @@
         </p:nvSpPr>
         <p:spPr/>
         <p:txBody>
-          <a:bodyPr/>
+          <a:bodyPr anchor="ctr"/>
           <a:lstStyle/>
           <a:p>
-            <a:endParaRPr lang="en-GB"/>
+            <a:r>
+              <a:rPr lang="en-GB" dirty="0"/>
+              <a:t>Identifier that uses the exchange to know the route.</a:t>
+            </a:r>
+          </a:p>
+          <a:p>
+            <a:r>
+              <a:rPr lang="en-GB" dirty="0"/>
+              <a:t>Identifier that uses a queue to know with which exchange is associated with.</a:t>
+            </a:r>
           </a:p>
         </p:txBody>
       </p:sp>
     </p:spTree>
     <p:extLst>
       <p:ext uri="{BB962C8B-B14F-4D97-AF65-F5344CB8AC3E}">
-        <p14:creationId xmlns:p14="http://schemas.microsoft.com/office/powerpoint/2010/main" val="2231865067"/>
+        <p14:creationId xmlns:p14="http://schemas.microsoft.com/office/powerpoint/2010/main" val="1709830881"/>
       </p:ext>
     </p:extLst>
   </p:cSld>
@@ -5712,7 +7493,7 @@
           <p:cNvPr id="2" name="Title 1">
             <a:extLst>
               <a:ext uri="{FF2B5EF4-FFF2-40B4-BE49-F238E27FC236}">
-                <a16:creationId xmlns:a16="http://schemas.microsoft.com/office/drawing/2014/main" id="{1DEBDA26-BB28-2C81-9E69-98BEA72C7378}"/>
+                <a16:creationId xmlns:a16="http://schemas.microsoft.com/office/drawing/2014/main" id="{B941BF1A-9C7C-B5E7-5D4A-5D18741DE45E}"/>
               </a:ext>
             </a:extLst>
           </p:cNvPr>
@@ -5730,7 +7511,7 @@
           <a:p>
             <a:r>
               <a:rPr lang="en-GB" dirty="0"/>
-              <a:t>Architecture - WebSockets</a:t>
+              <a:t>Architecture – AMQP – Queue</a:t>
             </a:r>
           </a:p>
         </p:txBody>
@@ -5740,7 +7521,7 @@
           <p:cNvPr id="3" name="Content Placeholder 2">
             <a:extLst>
               <a:ext uri="{FF2B5EF4-FFF2-40B4-BE49-F238E27FC236}">
-                <a16:creationId xmlns:a16="http://schemas.microsoft.com/office/drawing/2014/main" id="{F8208288-45B9-5E76-C97D-8E274DC713B7}"/>
+                <a16:creationId xmlns:a16="http://schemas.microsoft.com/office/drawing/2014/main" id="{B620EB3B-B8E8-B29F-49DA-AA07D5139896}"/>
               </a:ext>
             </a:extLst>
           </p:cNvPr>
@@ -5753,17 +7534,33 @@
         </p:nvSpPr>
         <p:spPr/>
         <p:txBody>
-          <a:bodyPr/>
+          <a:bodyPr anchor="ctr"/>
           <a:lstStyle/>
           <a:p>
-            <a:endParaRPr lang="en-GB"/>
+            <a:r>
+              <a:rPr lang="en-GB" dirty="0"/>
+              <a:t>Data structure that imitates real queues as the ones we can see in the mailbox.</a:t>
+            </a:r>
+          </a:p>
+          <a:p>
+            <a:r>
+              <a:rPr lang="en-GB" dirty="0"/>
+              <a:t>A message queue is an asynchronous communication way that is used on microservices architectures.</a:t>
+            </a:r>
+          </a:p>
+          <a:p>
+            <a:pPr lvl="1"/>
+            <a:r>
+              <a:rPr lang="en-GB" dirty="0"/>
+              <a:t>The messages are stored in the queue until are received and deleted being every message processed only once.</a:t>
+            </a:r>
           </a:p>
         </p:txBody>
       </p:sp>
     </p:spTree>
     <p:extLst>
       <p:ext uri="{BB962C8B-B14F-4D97-AF65-F5344CB8AC3E}">
-        <p14:creationId xmlns:p14="http://schemas.microsoft.com/office/powerpoint/2010/main" val="979719025"/>
+        <p14:creationId xmlns:p14="http://schemas.microsoft.com/office/powerpoint/2010/main" val="3529036614"/>
       </p:ext>
     </p:extLst>
   </p:cSld>
@@ -5807,7 +7604,7 @@
           <p:cNvPr id="2" name="Title 1">
             <a:extLst>
               <a:ext uri="{FF2B5EF4-FFF2-40B4-BE49-F238E27FC236}">
-                <a16:creationId xmlns:a16="http://schemas.microsoft.com/office/drawing/2014/main" id="{1726EA38-7D9C-AF0D-6EB3-21CDAE756CC7}"/>
+                <a16:creationId xmlns:a16="http://schemas.microsoft.com/office/drawing/2014/main" id="{B941BF1A-9C7C-B5E7-5D4A-5D18741DE45E}"/>
               </a:ext>
             </a:extLst>
           </p:cNvPr>
@@ -5825,7 +7622,7 @@
           <a:p>
             <a:r>
               <a:rPr lang="en-GB" dirty="0"/>
-              <a:t>Architecture – RabbitMQ streams</a:t>
+              <a:t>Architecture – AMQP – Binding</a:t>
             </a:r>
           </a:p>
         </p:txBody>
@@ -5835,7 +7632,7 @@
           <p:cNvPr id="3" name="Content Placeholder 2">
             <a:extLst>
               <a:ext uri="{FF2B5EF4-FFF2-40B4-BE49-F238E27FC236}">
-                <a16:creationId xmlns:a16="http://schemas.microsoft.com/office/drawing/2014/main" id="{B480717C-3FD1-4FFE-0C71-BF7378423A11}"/>
+                <a16:creationId xmlns:a16="http://schemas.microsoft.com/office/drawing/2014/main" id="{B620EB3B-B8E8-B29F-49DA-AA07D5139896}"/>
               </a:ext>
             </a:extLst>
           </p:cNvPr>
@@ -5848,17 +7645,102 @@
         </p:nvSpPr>
         <p:spPr/>
         <p:txBody>
-          <a:bodyPr/>
+          <a:bodyPr anchor="ctr"/>
           <a:lstStyle/>
           <a:p>
-            <a:endParaRPr lang="en-GB" dirty="0"/>
+            <a:r>
+              <a:rPr lang="en-GB" dirty="0"/>
+              <a:t>Is a relationship between an exchange and a queue.</a:t>
+            </a:r>
+          </a:p>
+          <a:p>
+            <a:pPr lvl="1"/>
+            <a:r>
+              <a:rPr lang="en-GB" dirty="0"/>
+              <a:t>In an easy way: The queue is interested in messages from this exchange.</a:t>
+            </a:r>
+          </a:p>
+          <a:p>
+            <a:r>
+              <a:rPr lang="en-GB" dirty="0"/>
+              <a:t>Bindings can take an extra routing key.</a:t>
+            </a:r>
+          </a:p>
+          <a:p>
+            <a:pPr marL="0" indent="0">
+              <a:buNone/>
+            </a:pPr>
+            <a:r>
+              <a:rPr lang="en-GB" sz="2000" dirty="0" err="1">
+                <a:latin typeface="Consolas" panose="020B0609020204030204" pitchFamily="49" charset="0"/>
+              </a:rPr>
+              <a:t>Channel.queue_bind</a:t>
+            </a:r>
+            <a:r>
+              <a:rPr lang="en-GB" sz="2000" dirty="0">
+                <a:latin typeface="Consolas" panose="020B0609020204030204" pitchFamily="49" charset="0"/>
+              </a:rPr>
+              <a:t>(exchange = </a:t>
+            </a:r>
+            <a:r>
+              <a:rPr lang="en-GB" sz="2000" dirty="0" err="1">
+                <a:latin typeface="Consolas" panose="020B0609020204030204" pitchFamily="49" charset="0"/>
+              </a:rPr>
+              <a:t>exchange_name</a:t>
+            </a:r>
+            <a:r>
+              <a:rPr lang="en-GB" sz="2000" dirty="0">
+                <a:latin typeface="Consolas" panose="020B0609020204030204" pitchFamily="49" charset="0"/>
+              </a:rPr>
+              <a:t>, queue = </a:t>
+            </a:r>
+            <a:r>
+              <a:rPr lang="en-GB" sz="2000" dirty="0" err="1">
+                <a:latin typeface="Consolas" panose="020B0609020204030204" pitchFamily="49" charset="0"/>
+              </a:rPr>
+              <a:t>queue_name</a:t>
+            </a:r>
+            <a:r>
+              <a:rPr lang="en-GB" sz="2000" dirty="0">
+                <a:latin typeface="Consolas" panose="020B0609020204030204" pitchFamily="49" charset="0"/>
+              </a:rPr>
+              <a:t>, </a:t>
+            </a:r>
+            <a:r>
+              <a:rPr lang="en-GB" sz="2000" dirty="0" err="1">
+                <a:latin typeface="Consolas" panose="020B0609020204030204" pitchFamily="49" charset="0"/>
+              </a:rPr>
+              <a:t>routing_key</a:t>
+            </a:r>
+            <a:r>
+              <a:rPr lang="en-GB" sz="2000" dirty="0">
+                <a:latin typeface="Consolas" panose="020B0609020204030204" pitchFamily="49" charset="0"/>
+              </a:rPr>
+              <a:t> = ‘black’)</a:t>
+            </a:r>
+          </a:p>
+          <a:p>
+            <a:r>
+              <a:rPr lang="en-GB" dirty="0"/>
+              <a:t>The fanout exchanges ignore the </a:t>
+            </a:r>
+            <a:r>
+              <a:rPr lang="en-GB" sz="2400" dirty="0" err="1">
+                <a:latin typeface="Consolas" panose="020B0609020204030204" pitchFamily="49" charset="0"/>
+              </a:rPr>
+              <a:t>routing_key</a:t>
+            </a:r>
+            <a:r>
+              <a:rPr lang="en-GB" dirty="0"/>
+              <a:t> value.</a:t>
+            </a:r>
           </a:p>
         </p:txBody>
       </p:sp>
     </p:spTree>
     <p:extLst>
       <p:ext uri="{BB962C8B-B14F-4D97-AF65-F5344CB8AC3E}">
-        <p14:creationId xmlns:p14="http://schemas.microsoft.com/office/powerpoint/2010/main" val="3635077201"/>
+        <p14:creationId xmlns:p14="http://schemas.microsoft.com/office/powerpoint/2010/main" val="696055666"/>
       </p:ext>
     </p:extLst>
   </p:cSld>
@@ -5902,7 +7784,7 @@
           <p:cNvPr id="2" name="Title 1">
             <a:extLst>
               <a:ext uri="{FF2B5EF4-FFF2-40B4-BE49-F238E27FC236}">
-                <a16:creationId xmlns:a16="http://schemas.microsoft.com/office/drawing/2014/main" id="{145E301B-6D96-9144-D2BF-7522B727220D}"/>
+                <a16:creationId xmlns:a16="http://schemas.microsoft.com/office/drawing/2014/main" id="{B941BF1A-9C7C-B5E7-5D4A-5D18741DE45E}"/>
               </a:ext>
             </a:extLst>
           </p:cNvPr>
@@ -5920,7 +7802,7 @@
           <a:p>
             <a:r>
               <a:rPr lang="en-GB" dirty="0"/>
-              <a:t>RabbitMQ vs. Market</a:t>
+              <a:t>Architecture – AMQP – Virtual host</a:t>
             </a:r>
           </a:p>
         </p:txBody>
@@ -5930,7 +7812,7 @@
           <p:cNvPr id="3" name="Content Placeholder 2">
             <a:extLst>
               <a:ext uri="{FF2B5EF4-FFF2-40B4-BE49-F238E27FC236}">
-                <a16:creationId xmlns:a16="http://schemas.microsoft.com/office/drawing/2014/main" id="{6FD866B5-A502-116F-A0FE-87652ED1A362}"/>
+                <a16:creationId xmlns:a16="http://schemas.microsoft.com/office/drawing/2014/main" id="{B620EB3B-B8E8-B29F-49DA-AA07D5139896}"/>
               </a:ext>
             </a:extLst>
           </p:cNvPr>
@@ -5943,17 +7825,63 @@
         </p:nvSpPr>
         <p:spPr/>
         <p:txBody>
-          <a:bodyPr/>
+          <a:bodyPr anchor="ctr"/>
           <a:lstStyle/>
           <a:p>
-            <a:endParaRPr lang="en-GB"/>
+            <a:r>
+              <a:rPr lang="en-GB" dirty="0"/>
+              <a:t>VH refers to the practice of running more than one web site on a single machine.</a:t>
+            </a:r>
+          </a:p>
+          <a:p>
+            <a:r>
+              <a:rPr lang="en-GB" dirty="0"/>
+              <a:t>RabbitMQ’s VH are very similar to the Apache’s.</a:t>
+            </a:r>
+          </a:p>
+          <a:p>
+            <a:pPr lvl="1"/>
+            <a:r>
+              <a:rPr lang="en-GB" dirty="0"/>
+              <a:t>The difference </a:t>
+            </a:r>
+            <a:r>
+              <a:rPr lang="en-GB" dirty="0">
+                <a:sym typeface="Wingdings" panose="05000000000000000000" pitchFamily="2" charset="2"/>
+              </a:rPr>
+              <a:t> In Apache, VH are defined in the configuration file. In RabbitMQ are created and deleted using </a:t>
+            </a:r>
+            <a:r>
+              <a:rPr lang="en-GB" i="1" dirty="0" err="1">
+                <a:sym typeface="Wingdings" panose="05000000000000000000" pitchFamily="2" charset="2"/>
+              </a:rPr>
+              <a:t>rabbitmqctl</a:t>
+            </a:r>
+            <a:r>
+              <a:rPr lang="en-GB" i="1" dirty="0">
+                <a:sym typeface="Wingdings" panose="05000000000000000000" pitchFamily="2" charset="2"/>
+              </a:rPr>
+              <a:t> </a:t>
+            </a:r>
+            <a:r>
+              <a:rPr lang="en-GB" dirty="0">
+                <a:sym typeface="Wingdings" panose="05000000000000000000" pitchFamily="2" charset="2"/>
+              </a:rPr>
+              <a:t>or HTTP API.</a:t>
+            </a:r>
+          </a:p>
+          <a:p>
+            <a:r>
+              <a:rPr lang="en-GB" dirty="0"/>
+              <a:t>When an AMQP client connects to RabbitMQ, it specifies a VH name to connect to. If the username is not granted permissions, the connection is refused.</a:t>
+            </a:r>
           </a:p>
         </p:txBody>
       </p:sp>
     </p:spTree>
     <p:extLst>
       <p:ext uri="{BB962C8B-B14F-4D97-AF65-F5344CB8AC3E}">
-        <p14:creationId xmlns:p14="http://schemas.microsoft.com/office/powerpoint/2010/main" val="2489310908"/>
+        <p14:creationId xmlns:p14="http://schemas.microsoft.com/office/powerpoint/2010/main" val="2388947289"/>
       </p:ext>
     </p:extLst>
   </p:cSld>
@@ -5997,7 +7925,7 @@
           <p:cNvPr id="2" name="Title 1">
             <a:extLst>
               <a:ext uri="{FF2B5EF4-FFF2-40B4-BE49-F238E27FC236}">
-                <a16:creationId xmlns:a16="http://schemas.microsoft.com/office/drawing/2014/main" id="{E993B2CD-C015-92D7-5BC5-2CC994173D3A}"/>
+                <a16:creationId xmlns:a16="http://schemas.microsoft.com/office/drawing/2014/main" id="{5247EC81-E9C4-F210-A43E-0941B75E2739}"/>
               </a:ext>
             </a:extLst>
           </p:cNvPr>
@@ -6015,7 +7943,7 @@
           <a:p>
             <a:r>
               <a:rPr lang="en-GB" dirty="0"/>
-              <a:t>References</a:t>
+              <a:t>Applications</a:t>
             </a:r>
           </a:p>
         </p:txBody>
@@ -6025,7 +7953,7 @@
           <p:cNvPr id="3" name="Content Placeholder 2">
             <a:extLst>
               <a:ext uri="{FF2B5EF4-FFF2-40B4-BE49-F238E27FC236}">
-                <a16:creationId xmlns:a16="http://schemas.microsoft.com/office/drawing/2014/main" id="{15D7284C-5981-F735-E136-E9DABF44C4ED}"/>
+                <a16:creationId xmlns:a16="http://schemas.microsoft.com/office/drawing/2014/main" id="{AA03C059-0867-1CE0-AE66-1811FD42EA5F}"/>
               </a:ext>
             </a:extLst>
           </p:cNvPr>
@@ -6038,17 +7966,465 @@
         </p:nvSpPr>
         <p:spPr/>
         <p:txBody>
-          <a:bodyPr/>
+          <a:bodyPr anchor="ctr"/>
           <a:lstStyle/>
           <a:p>
-            <a:endParaRPr lang="en-GB"/>
+            <a:r>
+              <a:rPr lang="en-GB" dirty="0"/>
+              <a:t>Some protocols are going to be seen.</a:t>
+            </a:r>
+          </a:p>
+          <a:p>
+            <a:pPr lvl="1"/>
+            <a:r>
+              <a:rPr lang="en-GB" dirty="0"/>
+              <a:t>These protocols are plug-ins.</a:t>
+            </a:r>
+          </a:p>
+          <a:p>
+            <a:r>
+              <a:rPr lang="en-GB" dirty="0"/>
+              <a:t>RabbitMQ can work properly without this set of protocol, but cannot work without AMQP</a:t>
+            </a:r>
           </a:p>
         </p:txBody>
       </p:sp>
     </p:spTree>
     <p:extLst>
       <p:ext uri="{BB962C8B-B14F-4D97-AF65-F5344CB8AC3E}">
-        <p14:creationId xmlns:p14="http://schemas.microsoft.com/office/powerpoint/2010/main" val="584466048"/>
+        <p14:creationId xmlns:p14="http://schemas.microsoft.com/office/powerpoint/2010/main" val="4219605020"/>
+      </p:ext>
+    </p:extLst>
+  </p:cSld>
+  <p:clrMapOvr>
+    <a:masterClrMapping/>
+  </p:clrMapOvr>
+  <mc:AlternateContent xmlns:mc="http://schemas.openxmlformats.org/markup-compatibility/2006" xmlns:p14="http://schemas.microsoft.com/office/powerpoint/2010/main">
+    <mc:Choice Requires="p14">
+      <p:transition spd="med" p14:dur="700">
+        <p:fade/>
+      </p:transition>
+    </mc:Choice>
+    <mc:Fallback xmlns="">
+      <p:transition spd="med">
+        <p:fade/>
+      </p:transition>
+    </mc:Fallback>
+  </mc:AlternateContent>
+</p:sld>
+</file>
+
+<file path=ppt/slides/slide16.xml><?xml version="1.0" encoding="utf-8"?>
+<p:sld xmlns:a="http://schemas.openxmlformats.org/drawingml/2006/main" xmlns:r="http://schemas.openxmlformats.org/officeDocument/2006/relationships" xmlns:p="http://schemas.openxmlformats.org/presentationml/2006/main">
+  <p:cSld>
+    <p:spTree>
+      <p:nvGrpSpPr>
+        <p:cNvPr id="1" name=""/>
+        <p:cNvGrpSpPr/>
+        <p:nvPr/>
+      </p:nvGrpSpPr>
+      <p:grpSpPr>
+        <a:xfrm>
+          <a:off x="0" y="0"/>
+          <a:ext cx="0" cy="0"/>
+          <a:chOff x="0" y="0"/>
+          <a:chExt cx="0" cy="0"/>
+        </a:xfrm>
+      </p:grpSpPr>
+      <p:sp>
+        <p:nvSpPr>
+          <p:cNvPr id="2" name="Title 1">
+            <a:extLst>
+              <a:ext uri="{FF2B5EF4-FFF2-40B4-BE49-F238E27FC236}">
+                <a16:creationId xmlns:a16="http://schemas.microsoft.com/office/drawing/2014/main" id="{9D86AE6E-91EC-D4FD-CA19-C258F4666ECF}"/>
+              </a:ext>
+            </a:extLst>
+          </p:cNvPr>
+          <p:cNvSpPr>
+            <a:spLocks noGrp="1"/>
+          </p:cNvSpPr>
+          <p:nvPr>
+            <p:ph type="title"/>
+          </p:nvPr>
+        </p:nvSpPr>
+        <p:spPr/>
+        <p:txBody>
+          <a:bodyPr/>
+          <a:lstStyle/>
+          <a:p>
+            <a:r>
+              <a:rPr lang="en-GB" dirty="0"/>
+              <a:t>Applications - MQTT</a:t>
+            </a:r>
+          </a:p>
+        </p:txBody>
+      </p:sp>
+      <p:sp>
+        <p:nvSpPr>
+          <p:cNvPr id="3" name="Content Placeholder 2">
+            <a:extLst>
+              <a:ext uri="{FF2B5EF4-FFF2-40B4-BE49-F238E27FC236}">
+                <a16:creationId xmlns:a16="http://schemas.microsoft.com/office/drawing/2014/main" id="{F479DA9B-BFB8-8684-92D3-30A1D8D29A01}"/>
+              </a:ext>
+            </a:extLst>
+          </p:cNvPr>
+          <p:cNvSpPr>
+            <a:spLocks noGrp="1"/>
+          </p:cNvSpPr>
+          <p:nvPr>
+            <p:ph idx="1"/>
+          </p:nvPr>
+        </p:nvSpPr>
+        <p:spPr/>
+        <p:txBody>
+          <a:bodyPr anchor="ctr"/>
+          <a:lstStyle/>
+          <a:p>
+            <a:r>
+              <a:rPr lang="en-GB" dirty="0"/>
+              <a:t>Based on the TCP stack as the communication base.</a:t>
+            </a:r>
+          </a:p>
+          <a:p>
+            <a:r>
+              <a:rPr lang="en-GB" dirty="0"/>
+              <a:t>Is a push messaging service with the pub-sub pattern.</a:t>
+            </a:r>
+          </a:p>
+          <a:p>
+            <a:pPr lvl="1"/>
+            <a:r>
+              <a:rPr lang="en-GB" dirty="0"/>
+              <a:t>In this type of infrastructures the clients they connect with a central broker.</a:t>
+            </a:r>
+          </a:p>
+          <a:p>
+            <a:pPr algn="l"/>
+            <a:r>
+              <a:rPr lang="en-GB" b="0" i="0" u="none" strike="noStrike" baseline="0" dirty="0"/>
+              <a:t>To filter the messages that are sent to each client, the messages are arranged in topics hierarchically organized. A client can publish a message in a specific topic. Other clients can subscribe to this topic and the broker will send the subscribed messages.</a:t>
+            </a:r>
+            <a:endParaRPr lang="en-GB" dirty="0"/>
+          </a:p>
+        </p:txBody>
+      </p:sp>
+    </p:spTree>
+    <p:extLst>
+      <p:ext uri="{BB962C8B-B14F-4D97-AF65-F5344CB8AC3E}">
+        <p14:creationId xmlns:p14="http://schemas.microsoft.com/office/powerpoint/2010/main" val="2231865067"/>
+      </p:ext>
+    </p:extLst>
+  </p:cSld>
+  <p:clrMapOvr>
+    <a:masterClrMapping/>
+  </p:clrMapOvr>
+  <mc:AlternateContent xmlns:mc="http://schemas.openxmlformats.org/markup-compatibility/2006" xmlns:p14="http://schemas.microsoft.com/office/powerpoint/2010/main">
+    <mc:Choice Requires="p14">
+      <p:transition spd="med" p14:dur="700">
+        <p:fade/>
+      </p:transition>
+    </mc:Choice>
+    <mc:Fallback xmlns="">
+      <p:transition spd="med">
+        <p:fade/>
+      </p:transition>
+    </mc:Fallback>
+  </mc:AlternateContent>
+</p:sld>
+</file>
+
+<file path=ppt/slides/slide17.xml><?xml version="1.0" encoding="utf-8"?>
+<p:sld xmlns:a="http://schemas.openxmlformats.org/drawingml/2006/main" xmlns:r="http://schemas.openxmlformats.org/officeDocument/2006/relationships" xmlns:p="http://schemas.openxmlformats.org/presentationml/2006/main">
+  <p:cSld>
+    <p:spTree>
+      <p:nvGrpSpPr>
+        <p:cNvPr id="1" name=""/>
+        <p:cNvGrpSpPr/>
+        <p:nvPr/>
+      </p:nvGrpSpPr>
+      <p:grpSpPr>
+        <a:xfrm>
+          <a:off x="0" y="0"/>
+          <a:ext cx="0" cy="0"/>
+          <a:chOff x="0" y="0"/>
+          <a:chExt cx="0" cy="0"/>
+        </a:xfrm>
+      </p:grpSpPr>
+      <p:sp>
+        <p:nvSpPr>
+          <p:cNvPr id="2" name="Title 1">
+            <a:extLst>
+              <a:ext uri="{FF2B5EF4-FFF2-40B4-BE49-F238E27FC236}">
+                <a16:creationId xmlns:a16="http://schemas.microsoft.com/office/drawing/2014/main" id="{4850E5F9-CB14-F5DF-1D88-D507A5445327}"/>
+              </a:ext>
+            </a:extLst>
+          </p:cNvPr>
+          <p:cNvSpPr>
+            <a:spLocks noGrp="1"/>
+          </p:cNvSpPr>
+          <p:nvPr>
+            <p:ph type="title"/>
+          </p:nvPr>
+        </p:nvSpPr>
+        <p:spPr/>
+        <p:txBody>
+          <a:bodyPr/>
+          <a:lstStyle/>
+          <a:p>
+            <a:r>
+              <a:rPr lang="en-GB" dirty="0"/>
+              <a:t>Applications - STOMP</a:t>
+            </a:r>
+          </a:p>
+        </p:txBody>
+      </p:sp>
+      <p:sp>
+        <p:nvSpPr>
+          <p:cNvPr id="3" name="Content Placeholder 2">
+            <a:extLst>
+              <a:ext uri="{FF2B5EF4-FFF2-40B4-BE49-F238E27FC236}">
+                <a16:creationId xmlns:a16="http://schemas.microsoft.com/office/drawing/2014/main" id="{B69C3756-ABF5-5617-EEFD-B6C012026078}"/>
+              </a:ext>
+            </a:extLst>
+          </p:cNvPr>
+          <p:cNvSpPr>
+            <a:spLocks noGrp="1"/>
+          </p:cNvSpPr>
+          <p:nvPr>
+            <p:ph idx="1"/>
+          </p:nvPr>
+        </p:nvSpPr>
+        <p:spPr/>
+        <p:txBody>
+          <a:bodyPr anchor="ctr"/>
+          <a:lstStyle/>
+          <a:p>
+            <a:r>
+              <a:rPr lang="en-GB" dirty="0"/>
+              <a:t>“Simple Text Oriented Message Protocol”</a:t>
+            </a:r>
+          </a:p>
+          <a:p>
+            <a:r>
+              <a:rPr lang="en-GB" dirty="0"/>
+              <a:t>Provides an interoperable wire format so that STOMP clients can communicate with any STOMP broker to provide easy messaging interoperability among many languages, platforms and brokers.</a:t>
+            </a:r>
+          </a:p>
+          <a:p>
+            <a:r>
+              <a:rPr lang="en-GB" dirty="0"/>
+              <a:t>A STOMP client can be implemented in a couple of hours.</a:t>
+            </a:r>
+          </a:p>
+        </p:txBody>
+      </p:sp>
+    </p:spTree>
+    <p:extLst>
+      <p:ext uri="{BB962C8B-B14F-4D97-AF65-F5344CB8AC3E}">
+        <p14:creationId xmlns:p14="http://schemas.microsoft.com/office/powerpoint/2010/main" val="2270254014"/>
+      </p:ext>
+    </p:extLst>
+  </p:cSld>
+  <p:clrMapOvr>
+    <a:masterClrMapping/>
+  </p:clrMapOvr>
+  <mc:AlternateContent xmlns:mc="http://schemas.openxmlformats.org/markup-compatibility/2006" xmlns:p14="http://schemas.microsoft.com/office/powerpoint/2010/main">
+    <mc:Choice Requires="p14">
+      <p:transition spd="med" p14:dur="700">
+        <p:fade/>
+      </p:transition>
+    </mc:Choice>
+    <mc:Fallback xmlns="">
+      <p:transition spd="med">
+        <p:fade/>
+      </p:transition>
+    </mc:Fallback>
+  </mc:AlternateContent>
+</p:sld>
+</file>
+
+<file path=ppt/slides/slide18.xml><?xml version="1.0" encoding="utf-8"?>
+<p:sld xmlns:a="http://schemas.openxmlformats.org/drawingml/2006/main" xmlns:r="http://schemas.openxmlformats.org/officeDocument/2006/relationships" xmlns:p="http://schemas.openxmlformats.org/presentationml/2006/main">
+  <p:cSld>
+    <p:spTree>
+      <p:nvGrpSpPr>
+        <p:cNvPr id="1" name=""/>
+        <p:cNvGrpSpPr/>
+        <p:nvPr/>
+      </p:nvGrpSpPr>
+      <p:grpSpPr>
+        <a:xfrm>
+          <a:off x="0" y="0"/>
+          <a:ext cx="0" cy="0"/>
+          <a:chOff x="0" y="0"/>
+          <a:chExt cx="0" cy="0"/>
+        </a:xfrm>
+      </p:grpSpPr>
+      <p:sp>
+        <p:nvSpPr>
+          <p:cNvPr id="2" name="Title 1">
+            <a:extLst>
+              <a:ext uri="{FF2B5EF4-FFF2-40B4-BE49-F238E27FC236}">
+                <a16:creationId xmlns:a16="http://schemas.microsoft.com/office/drawing/2014/main" id="{1DEBDA26-BB28-2C81-9E69-98BEA72C7378}"/>
+              </a:ext>
+            </a:extLst>
+          </p:cNvPr>
+          <p:cNvSpPr>
+            <a:spLocks noGrp="1"/>
+          </p:cNvSpPr>
+          <p:nvPr>
+            <p:ph type="title"/>
+          </p:nvPr>
+        </p:nvSpPr>
+        <p:spPr/>
+        <p:txBody>
+          <a:bodyPr/>
+          <a:lstStyle/>
+          <a:p>
+            <a:r>
+              <a:rPr lang="en-GB" dirty="0"/>
+              <a:t>Applications - WebSockets</a:t>
+            </a:r>
+          </a:p>
+        </p:txBody>
+      </p:sp>
+      <p:sp>
+        <p:nvSpPr>
+          <p:cNvPr id="3" name="Content Placeholder 2">
+            <a:extLst>
+              <a:ext uri="{FF2B5EF4-FFF2-40B4-BE49-F238E27FC236}">
+                <a16:creationId xmlns:a16="http://schemas.microsoft.com/office/drawing/2014/main" id="{F8208288-45B9-5E76-C97D-8E274DC713B7}"/>
+              </a:ext>
+            </a:extLst>
+          </p:cNvPr>
+          <p:cNvSpPr>
+            <a:spLocks noGrp="1"/>
+          </p:cNvSpPr>
+          <p:nvPr>
+            <p:ph idx="1"/>
+          </p:nvPr>
+        </p:nvSpPr>
+        <p:spPr/>
+        <p:txBody>
+          <a:bodyPr anchor="ctr"/>
+          <a:lstStyle/>
+          <a:p>
+            <a:r>
+              <a:rPr lang="en-GB" dirty="0"/>
+              <a:t>Is a communication protocol over a TCP connection.</a:t>
+            </a:r>
+          </a:p>
+          <a:p>
+            <a:r>
+              <a:rPr lang="en-GB" dirty="0" err="1"/>
+              <a:t>WebSockets</a:t>
+            </a:r>
+            <a:r>
+              <a:rPr lang="en-GB" dirty="0"/>
+              <a:t> are designed to work over HTTP ports 443 and 80 as well as to support HTTP proxies and intermediaries thus making it compatible  with HTTP.</a:t>
+            </a:r>
+          </a:p>
+        </p:txBody>
+      </p:sp>
+    </p:spTree>
+    <p:extLst>
+      <p:ext uri="{BB962C8B-B14F-4D97-AF65-F5344CB8AC3E}">
+        <p14:creationId xmlns:p14="http://schemas.microsoft.com/office/powerpoint/2010/main" val="979719025"/>
+      </p:ext>
+    </p:extLst>
+  </p:cSld>
+  <p:clrMapOvr>
+    <a:masterClrMapping/>
+  </p:clrMapOvr>
+  <mc:AlternateContent xmlns:mc="http://schemas.openxmlformats.org/markup-compatibility/2006" xmlns:p14="http://schemas.microsoft.com/office/powerpoint/2010/main">
+    <mc:Choice Requires="p14">
+      <p:transition spd="med" p14:dur="700">
+        <p:fade/>
+      </p:transition>
+    </mc:Choice>
+    <mc:Fallback xmlns="">
+      <p:transition spd="med">
+        <p:fade/>
+      </p:transition>
+    </mc:Fallback>
+  </mc:AlternateContent>
+</p:sld>
+</file>
+
+<file path=ppt/slides/slide19.xml><?xml version="1.0" encoding="utf-8"?>
+<p:sld xmlns:a="http://schemas.openxmlformats.org/drawingml/2006/main" xmlns:r="http://schemas.openxmlformats.org/officeDocument/2006/relationships" xmlns:p="http://schemas.openxmlformats.org/presentationml/2006/main">
+  <p:cSld>
+    <p:spTree>
+      <p:nvGrpSpPr>
+        <p:cNvPr id="1" name=""/>
+        <p:cNvGrpSpPr/>
+        <p:nvPr/>
+      </p:nvGrpSpPr>
+      <p:grpSpPr>
+        <a:xfrm>
+          <a:off x="0" y="0"/>
+          <a:ext cx="0" cy="0"/>
+          <a:chOff x="0" y="0"/>
+          <a:chExt cx="0" cy="0"/>
+        </a:xfrm>
+      </p:grpSpPr>
+      <p:sp>
+        <p:nvSpPr>
+          <p:cNvPr id="2" name="Title 1">
+            <a:extLst>
+              <a:ext uri="{FF2B5EF4-FFF2-40B4-BE49-F238E27FC236}">
+                <a16:creationId xmlns:a16="http://schemas.microsoft.com/office/drawing/2014/main" id="{1726EA38-7D9C-AF0D-6EB3-21CDAE756CC7}"/>
+              </a:ext>
+            </a:extLst>
+          </p:cNvPr>
+          <p:cNvSpPr>
+            <a:spLocks noGrp="1"/>
+          </p:cNvSpPr>
+          <p:nvPr>
+            <p:ph type="title"/>
+          </p:nvPr>
+        </p:nvSpPr>
+        <p:spPr/>
+        <p:txBody>
+          <a:bodyPr/>
+          <a:lstStyle/>
+          <a:p>
+            <a:r>
+              <a:rPr lang="en-GB" dirty="0"/>
+              <a:t>Applications – RabbitMQ streams</a:t>
+            </a:r>
+          </a:p>
+        </p:txBody>
+      </p:sp>
+      <p:sp>
+        <p:nvSpPr>
+          <p:cNvPr id="3" name="Content Placeholder 2">
+            <a:extLst>
+              <a:ext uri="{FF2B5EF4-FFF2-40B4-BE49-F238E27FC236}">
+                <a16:creationId xmlns:a16="http://schemas.microsoft.com/office/drawing/2014/main" id="{B480717C-3FD1-4FFE-0C71-BF7378423A11}"/>
+              </a:ext>
+            </a:extLst>
+          </p:cNvPr>
+          <p:cNvSpPr>
+            <a:spLocks noGrp="1"/>
+          </p:cNvSpPr>
+          <p:nvPr>
+            <p:ph idx="1"/>
+          </p:nvPr>
+        </p:nvSpPr>
+        <p:spPr/>
+        <p:txBody>
+          <a:bodyPr/>
+          <a:lstStyle/>
+          <a:p>
+            <a:endParaRPr lang="en-GB" dirty="0"/>
+          </a:p>
+        </p:txBody>
+      </p:sp>
+    </p:spTree>
+    <p:extLst>
+      <p:ext uri="{BB962C8B-B14F-4D97-AF65-F5344CB8AC3E}">
+        <p14:creationId xmlns:p14="http://schemas.microsoft.com/office/powerpoint/2010/main" val="3635077201"/>
       </p:ext>
     </p:extLst>
   </p:cSld>
@@ -6128,13 +8504,13 @@
             <a:spLocks noGrp="1"/>
           </p:cNvSpPr>
           <p:nvPr>
-            <p:ph idx="1"/>
-          </p:nvPr>
-        </p:nvSpPr>
-        <p:spPr/>
-        <p:txBody>
-          <a:bodyPr>
-            <a:normAutofit/>
+            <p:ph sz="half" idx="1"/>
+          </p:nvPr>
+        </p:nvSpPr>
+        <p:spPr/>
+        <p:txBody>
+          <a:bodyPr anchor="ctr">
+            <a:normAutofit fontScale="85000" lnSpcReduction="20000"/>
           </a:bodyPr>
           <a:lstStyle/>
           <a:p>
@@ -6166,48 +8542,183 @@
             <a:endParaRPr lang="en-GB" dirty="0"/>
           </a:p>
           <a:p>
-            <a:pPr lvl="1"/>
+            <a:pPr lvl="2"/>
             <a:r>
               <a:rPr lang="en-GB" dirty="0">
                 <a:hlinkClick r:id="rId5" action="ppaction://hlinksldjump"/>
               </a:rPr>
-              <a:t>MQTT</a:t>
+              <a:t>Exchange</a:t>
             </a:r>
             <a:endParaRPr lang="en-GB" dirty="0"/>
           </a:p>
           <a:p>
-            <a:pPr lvl="1"/>
+            <a:pPr lvl="2"/>
             <a:r>
               <a:rPr lang="en-GB" dirty="0">
                 <a:hlinkClick r:id="rId6" action="ppaction://hlinksldjump"/>
               </a:rPr>
-              <a:t>WebSockets</a:t>
+              <a:t>Routing key</a:t>
             </a:r>
             <a:endParaRPr lang="en-GB" dirty="0"/>
           </a:p>
           <a:p>
-            <a:pPr lvl="1"/>
+            <a:pPr lvl="2"/>
             <a:r>
               <a:rPr lang="en-GB" dirty="0">
                 <a:hlinkClick r:id="rId7" action="ppaction://hlinksldjump"/>
               </a:rPr>
-              <a:t>RabbitMQ streams</a:t>
+              <a:t>Queue</a:t>
             </a:r>
             <a:endParaRPr lang="en-GB" dirty="0"/>
           </a:p>
           <a:p>
+            <a:pPr lvl="2"/>
             <a:r>
               <a:rPr lang="en-GB" dirty="0">
                 <a:hlinkClick r:id="rId8" action="ppaction://hlinksldjump"/>
               </a:rPr>
-              <a:t>RabbitMQ vs. Market</a:t>
+              <a:t>Binding</a:t>
             </a:r>
             <a:endParaRPr lang="en-GB" dirty="0"/>
           </a:p>
           <a:p>
+            <a:pPr lvl="2"/>
             <a:r>
               <a:rPr lang="en-GB" dirty="0">
                 <a:hlinkClick r:id="rId9" action="ppaction://hlinksldjump"/>
+              </a:rPr>
+              <a:t>Virtual host</a:t>
+            </a:r>
+            <a:endParaRPr lang="en-GB" dirty="0"/>
+          </a:p>
+          <a:p>
+            <a:r>
+              <a:rPr lang="en-GB" dirty="0">
+                <a:hlinkClick r:id="rId10" action="ppaction://hlinksldjump"/>
+              </a:rPr>
+              <a:t>Applications</a:t>
+            </a:r>
+            <a:endParaRPr lang="en-GB" dirty="0"/>
+          </a:p>
+          <a:p>
+            <a:pPr lvl="1"/>
+            <a:r>
+              <a:rPr lang="en-GB" dirty="0">
+                <a:hlinkClick r:id="rId11" action="ppaction://hlinksldjump"/>
+              </a:rPr>
+              <a:t>MQTT</a:t>
+            </a:r>
+            <a:endParaRPr lang="en-GB" dirty="0"/>
+          </a:p>
+          <a:p>
+            <a:pPr lvl="1"/>
+            <a:r>
+              <a:rPr lang="en-GB" dirty="0">
+                <a:hlinkClick r:id="rId12" action="ppaction://hlinksldjump"/>
+              </a:rPr>
+              <a:t>STOMP</a:t>
+            </a:r>
+            <a:endParaRPr lang="en-GB" dirty="0"/>
+          </a:p>
+          <a:p>
+            <a:pPr lvl="1"/>
+            <a:r>
+              <a:rPr lang="en-GB" dirty="0">
+                <a:hlinkClick r:id="rId13" action="ppaction://hlinksldjump"/>
+              </a:rPr>
+              <a:t>WebSockets</a:t>
+            </a:r>
+            <a:endParaRPr lang="en-GB" dirty="0"/>
+          </a:p>
+          <a:p>
+            <a:pPr lvl="1"/>
+            <a:r>
+              <a:rPr lang="en-GB" dirty="0">
+                <a:hlinkClick r:id="rId14" action="ppaction://hlinksldjump"/>
+              </a:rPr>
+              <a:t>RabbitMQ streams</a:t>
+            </a:r>
+            <a:endParaRPr lang="en-GB" dirty="0"/>
+          </a:p>
+          <a:p>
+            <a:endParaRPr lang="en-GB" dirty="0"/>
+          </a:p>
+        </p:txBody>
+      </p:sp>
+      <p:sp>
+        <p:nvSpPr>
+          <p:cNvPr id="4" name="Content Placeholder 3">
+            <a:extLst>
+              <a:ext uri="{FF2B5EF4-FFF2-40B4-BE49-F238E27FC236}">
+                <a16:creationId xmlns:a16="http://schemas.microsoft.com/office/drawing/2014/main" id="{B35BF94C-BB2D-4C74-5265-9933CF516206}"/>
+              </a:ext>
+            </a:extLst>
+          </p:cNvPr>
+          <p:cNvSpPr>
+            <a:spLocks noGrp="1"/>
+          </p:cNvSpPr>
+          <p:nvPr>
+            <p:ph sz="half" idx="2"/>
+          </p:nvPr>
+        </p:nvSpPr>
+        <p:spPr/>
+        <p:txBody>
+          <a:bodyPr anchor="ctr">
+            <a:normAutofit fontScale="85000" lnSpcReduction="20000"/>
+          </a:bodyPr>
+          <a:lstStyle/>
+          <a:p>
+            <a:r>
+              <a:rPr lang="en-GB" dirty="0">
+                <a:hlinkClick r:id="rId15" action="ppaction://hlinksldjump"/>
+              </a:rPr>
+              <a:t>RabbitMQ in the market</a:t>
+            </a:r>
+            <a:endParaRPr lang="en-GB" dirty="0"/>
+          </a:p>
+          <a:p>
+            <a:pPr lvl="1"/>
+            <a:r>
+              <a:rPr lang="en-GB" dirty="0">
+                <a:hlinkClick r:id="rId16" action="ppaction://hlinksldjump"/>
+              </a:rPr>
+              <a:t>Advantages</a:t>
+            </a:r>
+            <a:endParaRPr lang="en-GB" dirty="0"/>
+          </a:p>
+          <a:p>
+            <a:pPr lvl="1"/>
+            <a:r>
+              <a:rPr lang="en-GB" dirty="0">
+                <a:hlinkClick r:id="rId17" action="ppaction://hlinksldjump"/>
+              </a:rPr>
+              <a:t>Disadvantages</a:t>
+            </a:r>
+            <a:endParaRPr lang="en-GB" dirty="0"/>
+          </a:p>
+          <a:p>
+            <a:pPr lvl="1"/>
+            <a:r>
+              <a:rPr lang="en-GB" dirty="0">
+                <a:hlinkClick r:id="rId18" action="ppaction://hlinksldjump"/>
+              </a:rPr>
+              <a:t>Competition in the market</a:t>
+            </a:r>
+            <a:endParaRPr lang="en-GB" dirty="0"/>
+          </a:p>
+          <a:p>
+            <a:r>
+              <a:rPr lang="en-GB" dirty="0">
+                <a:hlinkClick r:id="rId19" action="ppaction://hlinksldjump"/>
+              </a:rPr>
+              <a:t>Conclusions</a:t>
+            </a:r>
+            <a:endParaRPr lang="en-GB" dirty="0"/>
+          </a:p>
+          <a:p>
+            <a:r>
+              <a:rPr lang="en-GB" dirty="0">
+                <a:hlinkClick r:id="rId20" action="ppaction://hlinksldjump"/>
               </a:rPr>
               <a:t>References</a:t>
             </a:r>
@@ -6219,6 +8730,576 @@
     <p:extLst>
       <p:ext uri="{BB962C8B-B14F-4D97-AF65-F5344CB8AC3E}">
         <p14:creationId xmlns:p14="http://schemas.microsoft.com/office/powerpoint/2010/main" val="3261162258"/>
+      </p:ext>
+    </p:extLst>
+  </p:cSld>
+  <p:clrMapOvr>
+    <a:masterClrMapping/>
+  </p:clrMapOvr>
+  <mc:AlternateContent xmlns:mc="http://schemas.openxmlformats.org/markup-compatibility/2006" xmlns:p14="http://schemas.microsoft.com/office/powerpoint/2010/main">
+    <mc:Choice Requires="p14">
+      <p:transition spd="med" p14:dur="700">
+        <p:fade/>
+      </p:transition>
+    </mc:Choice>
+    <mc:Fallback xmlns="">
+      <p:transition spd="med">
+        <p:fade/>
+      </p:transition>
+    </mc:Fallback>
+  </mc:AlternateContent>
+</p:sld>
+</file>
+
+<file path=ppt/slides/slide20.xml><?xml version="1.0" encoding="utf-8"?>
+<p:sld xmlns:a="http://schemas.openxmlformats.org/drawingml/2006/main" xmlns:r="http://schemas.openxmlformats.org/officeDocument/2006/relationships" xmlns:p="http://schemas.openxmlformats.org/presentationml/2006/main">
+  <p:cSld>
+    <p:spTree>
+      <p:nvGrpSpPr>
+        <p:cNvPr id="1" name=""/>
+        <p:cNvGrpSpPr/>
+        <p:nvPr/>
+      </p:nvGrpSpPr>
+      <p:grpSpPr>
+        <a:xfrm>
+          <a:off x="0" y="0"/>
+          <a:ext cx="0" cy="0"/>
+          <a:chOff x="0" y="0"/>
+          <a:chExt cx="0" cy="0"/>
+        </a:xfrm>
+      </p:grpSpPr>
+      <p:sp>
+        <p:nvSpPr>
+          <p:cNvPr id="2" name="Title 1">
+            <a:extLst>
+              <a:ext uri="{FF2B5EF4-FFF2-40B4-BE49-F238E27FC236}">
+                <a16:creationId xmlns:a16="http://schemas.microsoft.com/office/drawing/2014/main" id="{145E301B-6D96-9144-D2BF-7522B727220D}"/>
+              </a:ext>
+            </a:extLst>
+          </p:cNvPr>
+          <p:cNvSpPr>
+            <a:spLocks noGrp="1"/>
+          </p:cNvSpPr>
+          <p:nvPr>
+            <p:ph type="title"/>
+          </p:nvPr>
+        </p:nvSpPr>
+        <p:spPr/>
+        <p:txBody>
+          <a:bodyPr/>
+          <a:lstStyle/>
+          <a:p>
+            <a:r>
+              <a:rPr lang="en-GB" dirty="0"/>
+              <a:t>RabbitMQ in the market</a:t>
+            </a:r>
+          </a:p>
+        </p:txBody>
+      </p:sp>
+      <p:sp>
+        <p:nvSpPr>
+          <p:cNvPr id="3" name="Content Placeholder 2">
+            <a:extLst>
+              <a:ext uri="{FF2B5EF4-FFF2-40B4-BE49-F238E27FC236}">
+                <a16:creationId xmlns:a16="http://schemas.microsoft.com/office/drawing/2014/main" id="{6FD866B5-A502-116F-A0FE-87652ED1A362}"/>
+              </a:ext>
+            </a:extLst>
+          </p:cNvPr>
+          <p:cNvSpPr>
+            <a:spLocks noGrp="1"/>
+          </p:cNvSpPr>
+          <p:nvPr>
+            <p:ph idx="1"/>
+          </p:nvPr>
+        </p:nvSpPr>
+        <p:spPr/>
+        <p:txBody>
+          <a:bodyPr/>
+          <a:lstStyle/>
+          <a:p>
+            <a:endParaRPr lang="en-GB"/>
+          </a:p>
+        </p:txBody>
+      </p:sp>
+    </p:spTree>
+    <p:extLst>
+      <p:ext uri="{BB962C8B-B14F-4D97-AF65-F5344CB8AC3E}">
+        <p14:creationId xmlns:p14="http://schemas.microsoft.com/office/powerpoint/2010/main" val="2489310908"/>
+      </p:ext>
+    </p:extLst>
+  </p:cSld>
+  <p:clrMapOvr>
+    <a:masterClrMapping/>
+  </p:clrMapOvr>
+  <mc:AlternateContent xmlns:mc="http://schemas.openxmlformats.org/markup-compatibility/2006" xmlns:p14="http://schemas.microsoft.com/office/powerpoint/2010/main">
+    <mc:Choice Requires="p14">
+      <p:transition spd="med" p14:dur="700">
+        <p:fade/>
+      </p:transition>
+    </mc:Choice>
+    <mc:Fallback xmlns="">
+      <p:transition spd="med">
+        <p:fade/>
+      </p:transition>
+    </mc:Fallback>
+  </mc:AlternateContent>
+</p:sld>
+</file>
+
+<file path=ppt/slides/slide21.xml><?xml version="1.0" encoding="utf-8"?>
+<p:sld xmlns:a="http://schemas.openxmlformats.org/drawingml/2006/main" xmlns:r="http://schemas.openxmlformats.org/officeDocument/2006/relationships" xmlns:p="http://schemas.openxmlformats.org/presentationml/2006/main">
+  <p:cSld>
+    <p:spTree>
+      <p:nvGrpSpPr>
+        <p:cNvPr id="1" name=""/>
+        <p:cNvGrpSpPr/>
+        <p:nvPr/>
+      </p:nvGrpSpPr>
+      <p:grpSpPr>
+        <a:xfrm>
+          <a:off x="0" y="0"/>
+          <a:ext cx="0" cy="0"/>
+          <a:chOff x="0" y="0"/>
+          <a:chExt cx="0" cy="0"/>
+        </a:xfrm>
+      </p:grpSpPr>
+      <p:sp>
+        <p:nvSpPr>
+          <p:cNvPr id="2" name="Title 1">
+            <a:extLst>
+              <a:ext uri="{FF2B5EF4-FFF2-40B4-BE49-F238E27FC236}">
+                <a16:creationId xmlns:a16="http://schemas.microsoft.com/office/drawing/2014/main" id="{041863F6-C146-853F-11D0-5933AFA460E8}"/>
+              </a:ext>
+            </a:extLst>
+          </p:cNvPr>
+          <p:cNvSpPr>
+            <a:spLocks noGrp="1"/>
+          </p:cNvSpPr>
+          <p:nvPr>
+            <p:ph type="title"/>
+          </p:nvPr>
+        </p:nvSpPr>
+        <p:spPr/>
+        <p:txBody>
+          <a:bodyPr/>
+          <a:lstStyle/>
+          <a:p>
+            <a:r>
+              <a:rPr lang="en-GB" dirty="0"/>
+              <a:t>RabbitMQ in the market - Advantages</a:t>
+            </a:r>
+          </a:p>
+        </p:txBody>
+      </p:sp>
+      <p:sp>
+        <p:nvSpPr>
+          <p:cNvPr id="3" name="Content Placeholder 2">
+            <a:extLst>
+              <a:ext uri="{FF2B5EF4-FFF2-40B4-BE49-F238E27FC236}">
+                <a16:creationId xmlns:a16="http://schemas.microsoft.com/office/drawing/2014/main" id="{7DD16378-F0BA-4554-15D4-CB0D7270297A}"/>
+              </a:ext>
+            </a:extLst>
+          </p:cNvPr>
+          <p:cNvSpPr>
+            <a:spLocks noGrp="1"/>
+          </p:cNvSpPr>
+          <p:nvPr>
+            <p:ph idx="1"/>
+          </p:nvPr>
+        </p:nvSpPr>
+        <p:spPr/>
+        <p:txBody>
+          <a:bodyPr/>
+          <a:lstStyle/>
+          <a:p>
+            <a:endParaRPr lang="en-GB"/>
+          </a:p>
+        </p:txBody>
+      </p:sp>
+    </p:spTree>
+    <p:extLst>
+      <p:ext uri="{BB962C8B-B14F-4D97-AF65-F5344CB8AC3E}">
+        <p14:creationId xmlns:p14="http://schemas.microsoft.com/office/powerpoint/2010/main" val="1238451862"/>
+      </p:ext>
+    </p:extLst>
+  </p:cSld>
+  <p:clrMapOvr>
+    <a:masterClrMapping/>
+  </p:clrMapOvr>
+  <mc:AlternateContent xmlns:mc="http://schemas.openxmlformats.org/markup-compatibility/2006" xmlns:p14="http://schemas.microsoft.com/office/powerpoint/2010/main">
+    <mc:Choice Requires="p14">
+      <p:transition spd="med" p14:dur="700">
+        <p:fade/>
+      </p:transition>
+    </mc:Choice>
+    <mc:Fallback xmlns="">
+      <p:transition spd="med">
+        <p:fade/>
+      </p:transition>
+    </mc:Fallback>
+  </mc:AlternateContent>
+</p:sld>
+</file>
+
+<file path=ppt/slides/slide22.xml><?xml version="1.0" encoding="utf-8"?>
+<p:sld xmlns:a="http://schemas.openxmlformats.org/drawingml/2006/main" xmlns:r="http://schemas.openxmlformats.org/officeDocument/2006/relationships" xmlns:p="http://schemas.openxmlformats.org/presentationml/2006/main">
+  <p:cSld>
+    <p:spTree>
+      <p:nvGrpSpPr>
+        <p:cNvPr id="1" name=""/>
+        <p:cNvGrpSpPr/>
+        <p:nvPr/>
+      </p:nvGrpSpPr>
+      <p:grpSpPr>
+        <a:xfrm>
+          <a:off x="0" y="0"/>
+          <a:ext cx="0" cy="0"/>
+          <a:chOff x="0" y="0"/>
+          <a:chExt cx="0" cy="0"/>
+        </a:xfrm>
+      </p:grpSpPr>
+      <p:sp>
+        <p:nvSpPr>
+          <p:cNvPr id="2" name="Title 1">
+            <a:extLst>
+              <a:ext uri="{FF2B5EF4-FFF2-40B4-BE49-F238E27FC236}">
+                <a16:creationId xmlns:a16="http://schemas.microsoft.com/office/drawing/2014/main" id="{EA851C17-C279-92A7-14ED-C46946E3B7A9}"/>
+              </a:ext>
+            </a:extLst>
+          </p:cNvPr>
+          <p:cNvSpPr>
+            <a:spLocks noGrp="1"/>
+          </p:cNvSpPr>
+          <p:nvPr>
+            <p:ph type="title"/>
+          </p:nvPr>
+        </p:nvSpPr>
+        <p:spPr/>
+        <p:txBody>
+          <a:bodyPr/>
+          <a:lstStyle/>
+          <a:p>
+            <a:r>
+              <a:rPr lang="en-GB" dirty="0"/>
+              <a:t>RabbitMQ in the market - Disadvantages</a:t>
+            </a:r>
+          </a:p>
+        </p:txBody>
+      </p:sp>
+      <p:sp>
+        <p:nvSpPr>
+          <p:cNvPr id="3" name="Content Placeholder 2">
+            <a:extLst>
+              <a:ext uri="{FF2B5EF4-FFF2-40B4-BE49-F238E27FC236}">
+                <a16:creationId xmlns:a16="http://schemas.microsoft.com/office/drawing/2014/main" id="{2E9DC9FD-98D3-EFBF-F11E-FACBBCF27E95}"/>
+              </a:ext>
+            </a:extLst>
+          </p:cNvPr>
+          <p:cNvSpPr>
+            <a:spLocks noGrp="1"/>
+          </p:cNvSpPr>
+          <p:nvPr>
+            <p:ph idx="1"/>
+          </p:nvPr>
+        </p:nvSpPr>
+        <p:spPr/>
+        <p:txBody>
+          <a:bodyPr/>
+          <a:lstStyle/>
+          <a:p>
+            <a:endParaRPr lang="en-GB"/>
+          </a:p>
+        </p:txBody>
+      </p:sp>
+    </p:spTree>
+    <p:extLst>
+      <p:ext uri="{BB962C8B-B14F-4D97-AF65-F5344CB8AC3E}">
+        <p14:creationId xmlns:p14="http://schemas.microsoft.com/office/powerpoint/2010/main" val="4113373776"/>
+      </p:ext>
+    </p:extLst>
+  </p:cSld>
+  <p:clrMapOvr>
+    <a:masterClrMapping/>
+  </p:clrMapOvr>
+  <mc:AlternateContent xmlns:mc="http://schemas.openxmlformats.org/markup-compatibility/2006" xmlns:p14="http://schemas.microsoft.com/office/powerpoint/2010/main">
+    <mc:Choice Requires="p14">
+      <p:transition spd="med" p14:dur="700">
+        <p:fade/>
+      </p:transition>
+    </mc:Choice>
+    <mc:Fallback xmlns="">
+      <p:transition spd="med">
+        <p:fade/>
+      </p:transition>
+    </mc:Fallback>
+  </mc:AlternateContent>
+</p:sld>
+</file>
+
+<file path=ppt/slides/slide23.xml><?xml version="1.0" encoding="utf-8"?>
+<p:sld xmlns:a="http://schemas.openxmlformats.org/drawingml/2006/main" xmlns:r="http://schemas.openxmlformats.org/officeDocument/2006/relationships" xmlns:p="http://schemas.openxmlformats.org/presentationml/2006/main">
+  <p:cSld>
+    <p:spTree>
+      <p:nvGrpSpPr>
+        <p:cNvPr id="1" name=""/>
+        <p:cNvGrpSpPr/>
+        <p:nvPr/>
+      </p:nvGrpSpPr>
+      <p:grpSpPr>
+        <a:xfrm>
+          <a:off x="0" y="0"/>
+          <a:ext cx="0" cy="0"/>
+          <a:chOff x="0" y="0"/>
+          <a:chExt cx="0" cy="0"/>
+        </a:xfrm>
+      </p:grpSpPr>
+      <p:sp>
+        <p:nvSpPr>
+          <p:cNvPr id="2" name="Title 1">
+            <a:extLst>
+              <a:ext uri="{FF2B5EF4-FFF2-40B4-BE49-F238E27FC236}">
+                <a16:creationId xmlns:a16="http://schemas.microsoft.com/office/drawing/2014/main" id="{3FFABD69-E41B-5797-346A-D1E8BA25F0A4}"/>
+              </a:ext>
+            </a:extLst>
+          </p:cNvPr>
+          <p:cNvSpPr>
+            <a:spLocks noGrp="1"/>
+          </p:cNvSpPr>
+          <p:nvPr>
+            <p:ph type="title"/>
+          </p:nvPr>
+        </p:nvSpPr>
+        <p:spPr/>
+        <p:txBody>
+          <a:bodyPr/>
+          <a:lstStyle/>
+          <a:p>
+            <a:r>
+              <a:rPr lang="en-GB" dirty="0"/>
+              <a:t>RabbitMQ in the market – Competition in the market</a:t>
+            </a:r>
+          </a:p>
+        </p:txBody>
+      </p:sp>
+      <p:sp>
+        <p:nvSpPr>
+          <p:cNvPr id="3" name="Content Placeholder 2">
+            <a:extLst>
+              <a:ext uri="{FF2B5EF4-FFF2-40B4-BE49-F238E27FC236}">
+                <a16:creationId xmlns:a16="http://schemas.microsoft.com/office/drawing/2014/main" id="{EBB3C9EE-5936-C545-07D6-7BC4C8F5695E}"/>
+              </a:ext>
+            </a:extLst>
+          </p:cNvPr>
+          <p:cNvSpPr>
+            <a:spLocks noGrp="1"/>
+          </p:cNvSpPr>
+          <p:nvPr>
+            <p:ph idx="1"/>
+          </p:nvPr>
+        </p:nvSpPr>
+        <p:spPr/>
+        <p:txBody>
+          <a:bodyPr/>
+          <a:lstStyle/>
+          <a:p>
+            <a:endParaRPr lang="en-GB"/>
+          </a:p>
+        </p:txBody>
+      </p:sp>
+    </p:spTree>
+    <p:extLst>
+      <p:ext uri="{BB962C8B-B14F-4D97-AF65-F5344CB8AC3E}">
+        <p14:creationId xmlns:p14="http://schemas.microsoft.com/office/powerpoint/2010/main" val="3045748797"/>
+      </p:ext>
+    </p:extLst>
+  </p:cSld>
+  <p:clrMapOvr>
+    <a:masterClrMapping/>
+  </p:clrMapOvr>
+  <mc:AlternateContent xmlns:mc="http://schemas.openxmlformats.org/markup-compatibility/2006" xmlns:p14="http://schemas.microsoft.com/office/powerpoint/2010/main">
+    <mc:Choice Requires="p14">
+      <p:transition spd="med" p14:dur="700">
+        <p:fade/>
+      </p:transition>
+    </mc:Choice>
+    <mc:Fallback xmlns="">
+      <p:transition spd="med">
+        <p:fade/>
+      </p:transition>
+    </mc:Fallback>
+  </mc:AlternateContent>
+</p:sld>
+</file>
+
+<file path=ppt/slides/slide24.xml><?xml version="1.0" encoding="utf-8"?>
+<p:sld xmlns:a="http://schemas.openxmlformats.org/drawingml/2006/main" xmlns:r="http://schemas.openxmlformats.org/officeDocument/2006/relationships" xmlns:p="http://schemas.openxmlformats.org/presentationml/2006/main">
+  <p:cSld>
+    <p:spTree>
+      <p:nvGrpSpPr>
+        <p:cNvPr id="1" name=""/>
+        <p:cNvGrpSpPr/>
+        <p:nvPr/>
+      </p:nvGrpSpPr>
+      <p:grpSpPr>
+        <a:xfrm>
+          <a:off x="0" y="0"/>
+          <a:ext cx="0" cy="0"/>
+          <a:chOff x="0" y="0"/>
+          <a:chExt cx="0" cy="0"/>
+        </a:xfrm>
+      </p:grpSpPr>
+      <p:sp>
+        <p:nvSpPr>
+          <p:cNvPr id="2" name="Title 1">
+            <a:extLst>
+              <a:ext uri="{FF2B5EF4-FFF2-40B4-BE49-F238E27FC236}">
+                <a16:creationId xmlns:a16="http://schemas.microsoft.com/office/drawing/2014/main" id="{04D47729-8FD8-0D9D-A19A-E17FF1E96435}"/>
+              </a:ext>
+            </a:extLst>
+          </p:cNvPr>
+          <p:cNvSpPr>
+            <a:spLocks noGrp="1"/>
+          </p:cNvSpPr>
+          <p:nvPr>
+            <p:ph type="title"/>
+          </p:nvPr>
+        </p:nvSpPr>
+        <p:spPr/>
+        <p:txBody>
+          <a:bodyPr/>
+          <a:lstStyle/>
+          <a:p>
+            <a:r>
+              <a:rPr lang="en-GB" dirty="0"/>
+              <a:t>Conclusions</a:t>
+            </a:r>
+          </a:p>
+        </p:txBody>
+      </p:sp>
+      <p:sp>
+        <p:nvSpPr>
+          <p:cNvPr id="3" name="Content Placeholder 2">
+            <a:extLst>
+              <a:ext uri="{FF2B5EF4-FFF2-40B4-BE49-F238E27FC236}">
+                <a16:creationId xmlns:a16="http://schemas.microsoft.com/office/drawing/2014/main" id="{603A7507-7BE8-AB3E-966B-3D48966F1B4A}"/>
+              </a:ext>
+            </a:extLst>
+          </p:cNvPr>
+          <p:cNvSpPr>
+            <a:spLocks noGrp="1"/>
+          </p:cNvSpPr>
+          <p:nvPr>
+            <p:ph idx="1"/>
+          </p:nvPr>
+        </p:nvSpPr>
+        <p:spPr/>
+        <p:txBody>
+          <a:bodyPr/>
+          <a:lstStyle/>
+          <a:p>
+            <a:endParaRPr lang="en-GB" dirty="0"/>
+          </a:p>
+        </p:txBody>
+      </p:sp>
+    </p:spTree>
+    <p:extLst>
+      <p:ext uri="{BB962C8B-B14F-4D97-AF65-F5344CB8AC3E}">
+        <p14:creationId xmlns:p14="http://schemas.microsoft.com/office/powerpoint/2010/main" val="4076057846"/>
+      </p:ext>
+    </p:extLst>
+  </p:cSld>
+  <p:clrMapOvr>
+    <a:masterClrMapping/>
+  </p:clrMapOvr>
+  <mc:AlternateContent xmlns:mc="http://schemas.openxmlformats.org/markup-compatibility/2006" xmlns:p14="http://schemas.microsoft.com/office/powerpoint/2010/main">
+    <mc:Choice Requires="p14">
+      <p:transition spd="med" p14:dur="700">
+        <p:fade/>
+      </p:transition>
+    </mc:Choice>
+    <mc:Fallback xmlns="">
+      <p:transition spd="med">
+        <p:fade/>
+      </p:transition>
+    </mc:Fallback>
+  </mc:AlternateContent>
+</p:sld>
+</file>
+
+<file path=ppt/slides/slide25.xml><?xml version="1.0" encoding="utf-8"?>
+<p:sld xmlns:a="http://schemas.openxmlformats.org/drawingml/2006/main" xmlns:r="http://schemas.openxmlformats.org/officeDocument/2006/relationships" xmlns:p="http://schemas.openxmlformats.org/presentationml/2006/main">
+  <p:cSld>
+    <p:spTree>
+      <p:nvGrpSpPr>
+        <p:cNvPr id="1" name=""/>
+        <p:cNvGrpSpPr/>
+        <p:nvPr/>
+      </p:nvGrpSpPr>
+      <p:grpSpPr>
+        <a:xfrm>
+          <a:off x="0" y="0"/>
+          <a:ext cx="0" cy="0"/>
+          <a:chOff x="0" y="0"/>
+          <a:chExt cx="0" cy="0"/>
+        </a:xfrm>
+      </p:grpSpPr>
+      <p:sp>
+        <p:nvSpPr>
+          <p:cNvPr id="2" name="Title 1">
+            <a:extLst>
+              <a:ext uri="{FF2B5EF4-FFF2-40B4-BE49-F238E27FC236}">
+                <a16:creationId xmlns:a16="http://schemas.microsoft.com/office/drawing/2014/main" id="{E993B2CD-C015-92D7-5BC5-2CC994173D3A}"/>
+              </a:ext>
+            </a:extLst>
+          </p:cNvPr>
+          <p:cNvSpPr>
+            <a:spLocks noGrp="1"/>
+          </p:cNvSpPr>
+          <p:nvPr>
+            <p:ph type="title"/>
+          </p:nvPr>
+        </p:nvSpPr>
+        <p:spPr/>
+        <p:txBody>
+          <a:bodyPr/>
+          <a:lstStyle/>
+          <a:p>
+            <a:r>
+              <a:rPr lang="en-GB" dirty="0"/>
+              <a:t>References</a:t>
+            </a:r>
+          </a:p>
+        </p:txBody>
+      </p:sp>
+      <p:sp>
+        <p:nvSpPr>
+          <p:cNvPr id="3" name="Content Placeholder 2">
+            <a:extLst>
+              <a:ext uri="{FF2B5EF4-FFF2-40B4-BE49-F238E27FC236}">
+                <a16:creationId xmlns:a16="http://schemas.microsoft.com/office/drawing/2014/main" id="{15D7284C-5981-F735-E136-E9DABF44C4ED}"/>
+              </a:ext>
+            </a:extLst>
+          </p:cNvPr>
+          <p:cNvSpPr>
+            <a:spLocks noGrp="1"/>
+          </p:cNvSpPr>
+          <p:nvPr>
+            <p:ph idx="1"/>
+          </p:nvPr>
+        </p:nvSpPr>
+        <p:spPr/>
+        <p:txBody>
+          <a:bodyPr/>
+          <a:lstStyle/>
+          <a:p>
+            <a:endParaRPr lang="en-GB"/>
+          </a:p>
+        </p:txBody>
+      </p:sp>
+    </p:spTree>
+    <p:extLst>
+      <p:ext uri="{BB962C8B-B14F-4D97-AF65-F5344CB8AC3E}">
+        <p14:creationId xmlns:p14="http://schemas.microsoft.com/office/powerpoint/2010/main" val="584466048"/>
       </p:ext>
     </p:extLst>
   </p:cSld>
@@ -6303,9 +9384,58 @@
         </p:nvSpPr>
         <p:spPr/>
         <p:txBody>
-          <a:bodyPr/>
+          <a:bodyPr anchor="ctr">
+            <a:normAutofit fontScale="85000" lnSpcReduction="20000"/>
+          </a:bodyPr>
           <a:lstStyle/>
           <a:p>
+            <a:r>
+              <a:rPr lang="en-GB" dirty="0"/>
+              <a:t>The main aim of this investigation is to discover RabbitMQ.</a:t>
+            </a:r>
+          </a:p>
+          <a:p>
+            <a:r>
+              <a:rPr lang="en-GB" dirty="0"/>
+              <a:t>There’re three main essential attributes when designing and developing software to offer a trustworthy product: scalability, resiliency and interoperability.</a:t>
+            </a:r>
+          </a:p>
+          <a:p>
+            <a:pPr lvl="1"/>
+            <a:r>
+              <a:rPr lang="en-GB" dirty="0"/>
+              <a:t>RabbitMQ complains each one of these attributes.</a:t>
+            </a:r>
+          </a:p>
+          <a:p>
+            <a:r>
+              <a:rPr lang="en-GB" dirty="0"/>
+              <a:t>RabbitMQ is an open-source message broker, sometimes called message-oriented middleware.</a:t>
+            </a:r>
+          </a:p>
+          <a:p>
+            <a:r>
+              <a:rPr lang="en-GB" dirty="0"/>
+              <a:t>“Advanced message queuing protocol” (AMQP) as the core architecture.</a:t>
+            </a:r>
+          </a:p>
+          <a:p>
+            <a:r>
+              <a:rPr lang="en-GB" dirty="0"/>
+              <a:t>RabbitMQ is a cross-platform software and the code is released under the Mozilla public license.</a:t>
+            </a:r>
+          </a:p>
+          <a:p>
+            <a:r>
+              <a:rPr lang="en-GB" dirty="0"/>
+              <a:t>Simple definition for RabbitMQ </a:t>
+            </a:r>
+            <a:r>
+              <a:rPr lang="en-GB" dirty="0">
+                <a:sym typeface="Wingdings" panose="05000000000000000000" pitchFamily="2" charset="2"/>
+              </a:rPr>
+              <a:t> Defines queues that will store messages until a consumer app gets these messages and process it.</a:t>
+            </a:r>
             <a:endParaRPr lang="en-GB" dirty="0"/>
           </a:p>
         </p:txBody>
@@ -6398,9 +9528,76 @@
         </p:nvSpPr>
         <p:spPr/>
         <p:txBody>
-          <a:bodyPr/>
+          <a:bodyPr anchor="ctr"/>
           <a:lstStyle/>
           <a:p>
+            <a:r>
+              <a:rPr lang="en-GB" dirty="0"/>
+              <a:t>RabbitMQ was implemented for supporting AMQP.</a:t>
+            </a:r>
+          </a:p>
+          <a:p>
+            <a:pPr lvl="1"/>
+            <a:r>
+              <a:rPr lang="en-GB" dirty="0"/>
+              <a:t>Extended by a plug-in architecture support </a:t>
+            </a:r>
+            <a:r>
+              <a:rPr lang="en-GB" dirty="0">
+                <a:sym typeface="Wingdings" panose="05000000000000000000" pitchFamily="2" charset="2"/>
+              </a:rPr>
+              <a:t> STOMP, MQTT, HTTP, </a:t>
+            </a:r>
+            <a:r>
+              <a:rPr lang="en-GB" dirty="0" err="1">
+                <a:sym typeface="Wingdings" panose="05000000000000000000" pitchFamily="2" charset="2"/>
+              </a:rPr>
+              <a:t>WebSockets</a:t>
+            </a:r>
+            <a:r>
+              <a:rPr lang="en-GB" dirty="0">
+                <a:sym typeface="Wingdings" panose="05000000000000000000" pitchFamily="2" charset="2"/>
+              </a:rPr>
+              <a:t> and RabbitMQ streams.</a:t>
+            </a:r>
+          </a:p>
+          <a:p>
+            <a:r>
+              <a:rPr lang="en-GB" dirty="0">
+                <a:sym typeface="Wingdings" panose="05000000000000000000" pitchFamily="2" charset="2"/>
+              </a:rPr>
+              <a:t>HTTP is not actually a messaging protocol  RabbitMQ can transmit messages over HTTP in three ways:</a:t>
+            </a:r>
+          </a:p>
+          <a:p>
+            <a:pPr lvl="1"/>
+            <a:r>
+              <a:rPr lang="en-GB" dirty="0">
+                <a:sym typeface="Wingdings" panose="05000000000000000000" pitchFamily="2" charset="2"/>
+              </a:rPr>
+              <a:t>Using the web STOMP plug-in.</a:t>
+            </a:r>
+          </a:p>
+          <a:p>
+            <a:pPr lvl="1"/>
+            <a:r>
+              <a:rPr lang="en-GB" dirty="0">
+                <a:sym typeface="Wingdings" panose="05000000000000000000" pitchFamily="2" charset="2"/>
+              </a:rPr>
+              <a:t>Using the MQTT plug-in.</a:t>
+            </a:r>
+          </a:p>
+          <a:p>
+            <a:pPr lvl="1"/>
+            <a:r>
+              <a:rPr lang="en-GB" dirty="0">
+                <a:sym typeface="Wingdings" panose="05000000000000000000" pitchFamily="2" charset="2"/>
+              </a:rPr>
+              <a:t>Using the Management plug-in  Supports a simple HTTP API to send and receive messages.</a:t>
+            </a:r>
+          </a:p>
+          <a:p>
+            <a:pPr lvl="1"/>
             <a:endParaRPr lang="en-GB" dirty="0"/>
           </a:p>
         </p:txBody>
@@ -6493,9 +9690,51 @@
         </p:nvSpPr>
         <p:spPr/>
         <p:txBody>
-          <a:bodyPr/>
+          <a:bodyPr anchor="ctr"/>
           <a:lstStyle/>
           <a:p>
+            <a:r>
+              <a:rPr lang="en-GB" dirty="0"/>
+              <a:t>Is the core protocol supported by the broker.</a:t>
+            </a:r>
+          </a:p>
+          <a:p>
+            <a:r>
+              <a:rPr lang="en-GB" dirty="0"/>
+              <a:t>AMQP is a binary protocol and defines quite string messaging semantics.</a:t>
+            </a:r>
+          </a:p>
+          <a:p>
+            <a:pPr lvl="1"/>
+            <a:r>
+              <a:rPr lang="en-GB" dirty="0"/>
+              <a:t>Reasonably simply to implement for clients.</a:t>
+            </a:r>
+          </a:p>
+          <a:p>
+            <a:r>
+              <a:rPr lang="en-GB" dirty="0"/>
+              <a:t>AMQP stands out for his fidelity.</a:t>
+            </a:r>
+          </a:p>
+          <a:p>
+            <a:pPr lvl="1"/>
+            <a:r>
+              <a:rPr lang="en-GB" dirty="0"/>
+              <a:t>Used by big corporations that have to process million of messages.</a:t>
+            </a:r>
+          </a:p>
+          <a:p>
+            <a:r>
+              <a:rPr lang="en-GB" dirty="0"/>
+              <a:t>Before AMQP </a:t>
+            </a:r>
+            <a:r>
+              <a:rPr lang="en-GB" dirty="0">
+                <a:sym typeface="Wingdings" panose="05000000000000000000" pitchFamily="2" charset="2"/>
+              </a:rPr>
+              <a:t>were other message-oriented middleware, such is, JMS, but AMQP has become the standard one.</a:t>
+            </a:r>
             <a:endParaRPr lang="en-GB" dirty="0"/>
           </a:p>
         </p:txBody>
@@ -6547,7 +9786,7 @@
           <p:cNvPr id="2" name="Title 1">
             <a:extLst>
               <a:ext uri="{FF2B5EF4-FFF2-40B4-BE49-F238E27FC236}">
-                <a16:creationId xmlns:a16="http://schemas.microsoft.com/office/drawing/2014/main" id="{B941BF1A-9C7C-B5E7-5D4A-5D18741DE45E}"/>
+                <a16:creationId xmlns:a16="http://schemas.microsoft.com/office/drawing/2014/main" id="{0196FBF5-3C19-9CB5-6404-7D2B942A3A5C}"/>
               </a:ext>
             </a:extLst>
           </p:cNvPr>
@@ -6565,53 +9804,63 @@
           <a:p>
             <a:r>
               <a:rPr lang="en-GB" dirty="0"/>
-              <a:t>Architecture – AMQP – Exchange</a:t>
-            </a:r>
-          </a:p>
-        </p:txBody>
-      </p:sp>
-      <p:sp>
-        <p:nvSpPr>
-          <p:cNvPr id="3" name="Content Placeholder 2">
+              <a:t>Architecture - AMQP</a:t>
+            </a:r>
+          </a:p>
+        </p:txBody>
+      </p:sp>
+      <p:pic>
+        <p:nvPicPr>
+          <p:cNvPr id="5" name="Content Placeholder 4">
             <a:extLst>
               <a:ext uri="{FF2B5EF4-FFF2-40B4-BE49-F238E27FC236}">
-                <a16:creationId xmlns:a16="http://schemas.microsoft.com/office/drawing/2014/main" id="{B620EB3B-B8E8-B29F-49DA-AA07D5139896}"/>
+                <a16:creationId xmlns:a16="http://schemas.microsoft.com/office/drawing/2014/main" id="{9626284D-AD4D-6B4B-0138-9FAD89D5C691}"/>
               </a:ext>
             </a:extLst>
           </p:cNvPr>
-          <p:cNvSpPr>
-            <a:spLocks noGrp="1"/>
-          </p:cNvSpPr>
+          <p:cNvPicPr>
+            <a:picLocks noGrp="1" noChangeAspect="1"/>
+          </p:cNvPicPr>
           <p:nvPr>
             <p:ph idx="1"/>
           </p:nvPr>
-        </p:nvSpPr>
-        <p:spPr/>
-        <p:txBody>
-          <a:bodyPr/>
-          <a:lstStyle/>
-          <a:p>
-            <a:endParaRPr lang="en-GB" dirty="0"/>
-          </a:p>
-        </p:txBody>
-      </p:sp>
+        </p:nvPicPr>
+        <p:blipFill>
+          <a:blip r:embed="rId3">
+            <a:extLst>
+              <a:ext uri="{28A0092B-C50C-407E-A947-70E740481C1C}">
+                <a14:useLocalDpi xmlns:a14="http://schemas.microsoft.com/office/drawing/2010/main" val="0"/>
+              </a:ext>
+            </a:extLst>
+          </a:blip>
+          <a:stretch>
+            <a:fillRect/>
+          </a:stretch>
+        </p:blipFill>
+        <p:spPr>
+          <a:xfrm>
+            <a:off x="3313112" y="2142331"/>
+            <a:ext cx="6172200" cy="3581400"/>
+          </a:xfrm>
+        </p:spPr>
+      </p:pic>
     </p:spTree>
     <p:extLst>
       <p:ext uri="{BB962C8B-B14F-4D97-AF65-F5344CB8AC3E}">
-        <p14:creationId xmlns:p14="http://schemas.microsoft.com/office/powerpoint/2010/main" val="2359273382"/>
+        <p14:creationId xmlns:p14="http://schemas.microsoft.com/office/powerpoint/2010/main" val="509462335"/>
       </p:ext>
     </p:extLst>
   </p:cSld>
   <p:clrMapOvr>
     <a:masterClrMapping/>
   </p:clrMapOvr>
-  <mc:AlternateContent xmlns:mc="http://schemas.openxmlformats.org/markup-compatibility/2006">
-    <mc:Choice xmlns:p14="http://schemas.microsoft.com/office/powerpoint/2010/main" Requires="p14">
+  <mc:AlternateContent xmlns:mc="http://schemas.openxmlformats.org/markup-compatibility/2006" xmlns:p14="http://schemas.microsoft.com/office/powerpoint/2010/main">
+    <mc:Choice Requires="p14">
       <p:transition spd="med" p14:dur="700">
         <p:fade/>
       </p:transition>
     </mc:Choice>
-    <mc:Fallback>
+    <mc:Fallback xmlns="">
       <p:transition spd="med">
         <p:fade/>
       </p:transition>
@@ -6660,7 +9909,7 @@
           <a:p>
             <a:r>
               <a:rPr lang="en-GB" dirty="0"/>
-              <a:t>Architecture – AMQP – Routing key</a:t>
+              <a:t>Architecture – AMQP – Exchange</a:t>
             </a:r>
           </a:p>
         </p:txBody>
@@ -6683,30 +9932,46 @@
         </p:nvSpPr>
         <p:spPr/>
         <p:txBody>
-          <a:bodyPr/>
+          <a:bodyPr anchor="ctr"/>
           <a:lstStyle/>
           <a:p>
-            <a:endParaRPr lang="en-GB" dirty="0"/>
+            <a:r>
+              <a:rPr lang="en-GB" dirty="0"/>
+              <a:t>Is in charge of receiving the messages that have been sent by the producers and its responsible of place them in the proper queue according to a routing key.</a:t>
+            </a:r>
+          </a:p>
+          <a:p>
+            <a:pPr lvl="1"/>
+            <a:r>
+              <a:rPr lang="en-GB" dirty="0"/>
+              <a:t>This means that a producer sends the messages to an exchange not to a queue. Is the exchange who sends the messages to the queues depending on a routing key.</a:t>
+            </a:r>
+          </a:p>
+          <a:p>
+            <a:r>
+              <a:rPr lang="en-GB" dirty="0"/>
+              <a:t>If a producer wants to send a message to more than one queue, the exchange is responsible for distributing this message to each one of the queues.</a:t>
+            </a:r>
           </a:p>
         </p:txBody>
       </p:sp>
     </p:spTree>
     <p:extLst>
       <p:ext uri="{BB962C8B-B14F-4D97-AF65-F5344CB8AC3E}">
-        <p14:creationId xmlns:p14="http://schemas.microsoft.com/office/powerpoint/2010/main" val="1709830881"/>
+        <p14:creationId xmlns:p14="http://schemas.microsoft.com/office/powerpoint/2010/main" val="2359273382"/>
       </p:ext>
     </p:extLst>
   </p:cSld>
   <p:clrMapOvr>
     <a:masterClrMapping/>
   </p:clrMapOvr>
-  <mc:AlternateContent xmlns:mc="http://schemas.openxmlformats.org/markup-compatibility/2006">
-    <mc:Choice xmlns:p14="http://schemas.microsoft.com/office/powerpoint/2010/main" Requires="p14">
+  <mc:AlternateContent xmlns:mc="http://schemas.openxmlformats.org/markup-compatibility/2006" xmlns:p14="http://schemas.microsoft.com/office/powerpoint/2010/main">
+    <mc:Choice Requires="p14">
       <p:transition spd="med" p14:dur="700">
         <p:fade/>
       </p:transition>
     </mc:Choice>
-    <mc:Fallback>
+    <mc:Fallback xmlns="">
       <p:transition spd="med">
         <p:fade/>
       </p:transition>
@@ -6737,7 +10002,7 @@
           <p:cNvPr id="2" name="Title 1">
             <a:extLst>
               <a:ext uri="{FF2B5EF4-FFF2-40B4-BE49-F238E27FC236}">
-                <a16:creationId xmlns:a16="http://schemas.microsoft.com/office/drawing/2014/main" id="{B941BF1A-9C7C-B5E7-5D4A-5D18741DE45E}"/>
+                <a16:creationId xmlns:a16="http://schemas.microsoft.com/office/drawing/2014/main" id="{B3EC740D-988C-8297-D340-BC1B89BD53DB}"/>
               </a:ext>
             </a:extLst>
           </p:cNvPr>
@@ -6755,53 +10020,63 @@
           <a:p>
             <a:r>
               <a:rPr lang="en-GB" dirty="0"/>
-              <a:t>Architecture – AMQP – Queue</a:t>
-            </a:r>
-          </a:p>
-        </p:txBody>
-      </p:sp>
-      <p:sp>
-        <p:nvSpPr>
-          <p:cNvPr id="3" name="Content Placeholder 2">
+              <a:t>Architecture – AMQP – Exchange</a:t>
+            </a:r>
+          </a:p>
+        </p:txBody>
+      </p:sp>
+      <p:pic>
+        <p:nvPicPr>
+          <p:cNvPr id="5" name="Content Placeholder 4">
             <a:extLst>
               <a:ext uri="{FF2B5EF4-FFF2-40B4-BE49-F238E27FC236}">
-                <a16:creationId xmlns:a16="http://schemas.microsoft.com/office/drawing/2014/main" id="{B620EB3B-B8E8-B29F-49DA-AA07D5139896}"/>
+                <a16:creationId xmlns:a16="http://schemas.microsoft.com/office/drawing/2014/main" id="{397714D0-5E52-93FE-4DEA-0ECC11708CB1}"/>
               </a:ext>
             </a:extLst>
           </p:cNvPr>
-          <p:cNvSpPr>
-            <a:spLocks noGrp="1"/>
-          </p:cNvSpPr>
+          <p:cNvPicPr>
+            <a:picLocks noGrp="1" noChangeAspect="1"/>
+          </p:cNvPicPr>
           <p:nvPr>
             <p:ph idx="1"/>
           </p:nvPr>
-        </p:nvSpPr>
-        <p:spPr/>
-        <p:txBody>
-          <a:bodyPr/>
-          <a:lstStyle/>
-          <a:p>
-            <a:endParaRPr lang="en-GB" dirty="0"/>
-          </a:p>
-        </p:txBody>
-      </p:sp>
+        </p:nvPicPr>
+        <p:blipFill>
+          <a:blip r:embed="rId3">
+            <a:extLst>
+              <a:ext uri="{28A0092B-C50C-407E-A947-70E740481C1C}">
+                <a14:useLocalDpi xmlns:a14="http://schemas.microsoft.com/office/drawing/2010/main" val="0"/>
+              </a:ext>
+            </a:extLst>
+          </a:blip>
+          <a:stretch>
+            <a:fillRect/>
+          </a:stretch>
+        </p:blipFill>
+        <p:spPr>
+          <a:xfrm>
+            <a:off x="1198562" y="2132856"/>
+            <a:ext cx="10401156" cy="3600400"/>
+          </a:xfrm>
+        </p:spPr>
+      </p:pic>
     </p:spTree>
     <p:extLst>
       <p:ext uri="{BB962C8B-B14F-4D97-AF65-F5344CB8AC3E}">
-        <p14:creationId xmlns:p14="http://schemas.microsoft.com/office/powerpoint/2010/main" val="3529036614"/>
+        <p14:creationId xmlns:p14="http://schemas.microsoft.com/office/powerpoint/2010/main" val="1197381744"/>
       </p:ext>
     </p:extLst>
   </p:cSld>
   <p:clrMapOvr>
     <a:masterClrMapping/>
   </p:clrMapOvr>
-  <mc:AlternateContent xmlns:mc="http://schemas.openxmlformats.org/markup-compatibility/2006">
-    <mc:Choice xmlns:p14="http://schemas.microsoft.com/office/powerpoint/2010/main" Requires="p14">
+  <mc:AlternateContent xmlns:mc="http://schemas.openxmlformats.org/markup-compatibility/2006" xmlns:p14="http://schemas.microsoft.com/office/powerpoint/2010/main">
+    <mc:Choice Requires="p14">
       <p:transition spd="med" p14:dur="700">
         <p:fade/>
       </p:transition>
     </mc:Choice>
-    <mc:Fallback>
+    <mc:Fallback xmlns="">
       <p:transition spd="med">
         <p:fade/>
       </p:transition>
@@ -6832,7 +10107,7 @@
           <p:cNvPr id="2" name="Title 1">
             <a:extLst>
               <a:ext uri="{FF2B5EF4-FFF2-40B4-BE49-F238E27FC236}">
-                <a16:creationId xmlns:a16="http://schemas.microsoft.com/office/drawing/2014/main" id="{B941BF1A-9C7C-B5E7-5D4A-5D18741DE45E}"/>
+                <a16:creationId xmlns:a16="http://schemas.microsoft.com/office/drawing/2014/main" id="{32025393-6510-C931-219C-560779D54CCB}"/>
               </a:ext>
             </a:extLst>
           </p:cNvPr>
@@ -6850,53 +10125,63 @@
           <a:p>
             <a:r>
               <a:rPr lang="en-GB" dirty="0"/>
-              <a:t>Architecture – AMQP – Binding</a:t>
-            </a:r>
-          </a:p>
-        </p:txBody>
-      </p:sp>
-      <p:sp>
-        <p:nvSpPr>
-          <p:cNvPr id="3" name="Content Placeholder 2">
+              <a:t>Architecture – AMQP – Exchange</a:t>
+            </a:r>
+          </a:p>
+        </p:txBody>
+      </p:sp>
+      <p:pic>
+        <p:nvPicPr>
+          <p:cNvPr id="9" name="Content Placeholder 8">
             <a:extLst>
               <a:ext uri="{FF2B5EF4-FFF2-40B4-BE49-F238E27FC236}">
-                <a16:creationId xmlns:a16="http://schemas.microsoft.com/office/drawing/2014/main" id="{B620EB3B-B8E8-B29F-49DA-AA07D5139896}"/>
+                <a16:creationId xmlns:a16="http://schemas.microsoft.com/office/drawing/2014/main" id="{075427BD-8DD0-53E3-15F7-9EE8A1EC595C}"/>
               </a:ext>
             </a:extLst>
           </p:cNvPr>
-          <p:cNvSpPr>
-            <a:spLocks noGrp="1"/>
-          </p:cNvSpPr>
+          <p:cNvPicPr>
+            <a:picLocks noGrp="1" noChangeAspect="1"/>
+          </p:cNvPicPr>
           <p:nvPr>
             <p:ph idx="1"/>
           </p:nvPr>
-        </p:nvSpPr>
-        <p:spPr/>
-        <p:txBody>
-          <a:bodyPr/>
-          <a:lstStyle/>
-          <a:p>
-            <a:endParaRPr lang="en-GB" dirty="0"/>
-          </a:p>
-        </p:txBody>
-      </p:sp>
+        </p:nvPicPr>
+        <p:blipFill>
+          <a:blip r:embed="rId3">
+            <a:extLst>
+              <a:ext uri="{28A0092B-C50C-407E-A947-70E740481C1C}">
+                <a14:useLocalDpi xmlns:a14="http://schemas.microsoft.com/office/drawing/2010/main" val="0"/>
+              </a:ext>
+            </a:extLst>
+          </a:blip>
+          <a:stretch>
+            <a:fillRect/>
+          </a:stretch>
+        </p:blipFill>
+        <p:spPr>
+          <a:xfrm>
+            <a:off x="1219200" y="2432351"/>
+            <a:ext cx="10360025" cy="3001360"/>
+          </a:xfrm>
+        </p:spPr>
+      </p:pic>
     </p:spTree>
     <p:extLst>
       <p:ext uri="{BB962C8B-B14F-4D97-AF65-F5344CB8AC3E}">
-        <p14:creationId xmlns:p14="http://schemas.microsoft.com/office/powerpoint/2010/main" val="696055666"/>
+        <p14:creationId xmlns:p14="http://schemas.microsoft.com/office/powerpoint/2010/main" val="2997466515"/>
       </p:ext>
     </p:extLst>
   </p:cSld>
   <p:clrMapOvr>
     <a:masterClrMapping/>
   </p:clrMapOvr>
-  <mc:AlternateContent xmlns:mc="http://schemas.openxmlformats.org/markup-compatibility/2006">
-    <mc:Choice xmlns:p14="http://schemas.microsoft.com/office/powerpoint/2010/main" Requires="p14">
+  <mc:AlternateContent xmlns:mc="http://schemas.openxmlformats.org/markup-compatibility/2006" xmlns:p14="http://schemas.microsoft.com/office/powerpoint/2010/main">
+    <mc:Choice Requires="p14">
       <p:transition spd="med" p14:dur="700">
         <p:fade/>
       </p:transition>
     </mc:Choice>
-    <mc:Fallback>
+    <mc:Fallback xmlns="">
       <p:transition spd="med">
         <p:fade/>
       </p:transition>

--- a/Activities/Activity 2/RabbitMQ – components, benefits and application.pptx
+++ b/Activities/Activity 2/RabbitMQ – components, benefits and application.pptx
@@ -5,10 +5,10 @@
     <p:sldMasterId id="2147483660" r:id="rId4"/>
   </p:sldMasterIdLst>
   <p:notesMasterIdLst>
-    <p:notesMasterId r:id="rId30"/>
+    <p:notesMasterId r:id="rId31"/>
   </p:notesMasterIdLst>
   <p:handoutMasterIdLst>
-    <p:handoutMasterId r:id="rId31"/>
+    <p:handoutMasterId r:id="rId32"/>
   </p:handoutMasterIdLst>
   <p:sldIdLst>
     <p:sldId id="257" r:id="rId5"/>
@@ -27,15 +27,16 @@
     <p:sldId id="268" r:id="rId18"/>
     <p:sldId id="273" r:id="rId19"/>
     <p:sldId id="262" r:id="rId20"/>
-    <p:sldId id="274" r:id="rId21"/>
-    <p:sldId id="263" r:id="rId22"/>
-    <p:sldId id="264" r:id="rId23"/>
-    <p:sldId id="265" r:id="rId24"/>
-    <p:sldId id="275" r:id="rId25"/>
-    <p:sldId id="276" r:id="rId26"/>
-    <p:sldId id="277" r:id="rId27"/>
-    <p:sldId id="272" r:id="rId28"/>
-    <p:sldId id="266" r:id="rId29"/>
+    <p:sldId id="282" r:id="rId21"/>
+    <p:sldId id="274" r:id="rId22"/>
+    <p:sldId id="263" r:id="rId23"/>
+    <p:sldId id="264" r:id="rId24"/>
+    <p:sldId id="265" r:id="rId25"/>
+    <p:sldId id="275" r:id="rId26"/>
+    <p:sldId id="276" r:id="rId27"/>
+    <p:sldId id="277" r:id="rId28"/>
+    <p:sldId id="272" r:id="rId29"/>
+    <p:sldId id="266" r:id="rId30"/>
   </p:sldIdLst>
   <p:sldSz cx="12188825" cy="6858000"/>
   <p:notesSz cx="6858000" cy="9144000"/>
@@ -1190,6 +1191,48 @@
               <a:rPr lang="en-GB" b="0" i="0" u="none" strike="noStrike" baseline="0" dirty="0"/>
               <a:t>To filter the messages that are sent to each client, the messages are arranged in topics hierarchically organized. A client can publish a message in a specific topic. Other clients can subscribe to this topic and the broker will send the subscribed messages.</a:t>
             </a:r>
+          </a:p>
+          <a:p>
+            <a:pPr marL="285750" marR="0" lvl="0" indent="-285750" algn="l" defTabSz="1218987" rtl="0" eaLnBrk="1" fontAlgn="auto" latinLnBrk="0" hangingPunct="1">
+              <a:lnSpc>
+                <a:spcPct val="100000"/>
+              </a:lnSpc>
+              <a:spcBef>
+                <a:spcPts val="0"/>
+              </a:spcBef>
+              <a:spcAft>
+                <a:spcPts val="0"/>
+              </a:spcAft>
+              <a:buClrTx/>
+              <a:buSzTx/>
+              <a:buFont typeface="Arial" panose="020B0604020202020204" pitchFamily="34" charset="0"/>
+              <a:buChar char="•"/>
+              <a:tabLst/>
+              <a:defRPr/>
+            </a:pPr>
+            <a:r>
+              <a:rPr lang="en-GB" dirty="0"/>
+              <a:t>The clients open a TCP/IP connection with the broker until the client ends it.</a:t>
+            </a:r>
+          </a:p>
+          <a:p>
+            <a:pPr marL="285750" marR="0" lvl="0" indent="-285750" algn="l" defTabSz="1218987" rtl="0" eaLnBrk="1" fontAlgn="auto" latinLnBrk="0" hangingPunct="1">
+              <a:lnSpc>
+                <a:spcPct val="100000"/>
+              </a:lnSpc>
+              <a:spcBef>
+                <a:spcPts val="0"/>
+              </a:spcBef>
+              <a:spcAft>
+                <a:spcPts val="0"/>
+              </a:spcAft>
+              <a:buClrTx/>
+              <a:buSzTx/>
+              <a:buFont typeface="Arial" panose="020B0604020202020204" pitchFamily="34" charset="0"/>
+              <a:buChar char="•"/>
+              <a:tabLst/>
+              <a:defRPr/>
+            </a:pPr>
             <a:endParaRPr lang="en-GB" dirty="0"/>
           </a:p>
           <a:p>
@@ -1342,7 +1385,7 @@
           <a:p>
             <a:fld id="{3EBA5BD7-F043-4D1B-AA17-CD412FC534DE}" type="slidenum">
               <a:rPr lang="en-GB" smtClean="0"/>
-              <a:t>17</a:t>
+              <a:t>18</a:t>
             </a:fld>
             <a:endParaRPr lang="en-GB"/>
           </a:p>
@@ -1450,7 +1493,7 @@
           <a:p>
             <a:fld id="{3EBA5BD7-F043-4D1B-AA17-CD412FC534DE}" type="slidenum">
               <a:rPr lang="en-GB" smtClean="0"/>
-              <a:t>18</a:t>
+              <a:t>19</a:t>
             </a:fld>
             <a:endParaRPr lang="en-GB"/>
           </a:p>
@@ -1460,6 +1503,380 @@
     <p:extLst>
       <p:ext uri="{BB962C8B-B14F-4D97-AF65-F5344CB8AC3E}">
         <p14:creationId xmlns:p14="http://schemas.microsoft.com/office/powerpoint/2010/main" val="1533958975"/>
+      </p:ext>
+    </p:extLst>
+  </p:cSld>
+  <p:clrMapOvr>
+    <a:masterClrMapping/>
+  </p:clrMapOvr>
+</p:notes>
+</file>
+
+<file path=ppt/notesSlides/notesSlide16.xml><?xml version="1.0" encoding="utf-8"?>
+<p:notes xmlns:a="http://schemas.openxmlformats.org/drawingml/2006/main" xmlns:r="http://schemas.openxmlformats.org/officeDocument/2006/relationships" xmlns:p="http://schemas.openxmlformats.org/presentationml/2006/main">
+  <p:cSld>
+    <p:spTree>
+      <p:nvGrpSpPr>
+        <p:cNvPr id="1" name=""/>
+        <p:cNvGrpSpPr/>
+        <p:nvPr/>
+      </p:nvGrpSpPr>
+      <p:grpSpPr>
+        <a:xfrm>
+          <a:off x="0" y="0"/>
+          <a:ext cx="0" cy="0"/>
+          <a:chOff x="0" y="0"/>
+          <a:chExt cx="0" cy="0"/>
+        </a:xfrm>
+      </p:grpSpPr>
+      <p:sp>
+        <p:nvSpPr>
+          <p:cNvPr id="2" name="Slide Image Placeholder 1"/>
+          <p:cNvSpPr>
+            <a:spLocks noGrp="1" noRot="1" noChangeAspect="1"/>
+          </p:cNvSpPr>
+          <p:nvPr>
+            <p:ph type="sldImg"/>
+          </p:nvPr>
+        </p:nvSpPr>
+        <p:spPr/>
+      </p:sp>
+      <p:sp>
+        <p:nvSpPr>
+          <p:cNvPr id="3" name="Notes Placeholder 2"/>
+          <p:cNvSpPr>
+            <a:spLocks noGrp="1"/>
+          </p:cNvSpPr>
+          <p:nvPr>
+            <p:ph type="body" idx="1"/>
+          </p:nvPr>
+        </p:nvSpPr>
+        <p:spPr/>
+        <p:txBody>
+          <a:bodyPr/>
+          <a:lstStyle/>
+          <a:p>
+            <a:pPr marL="285750" indent="-285750">
+              <a:buFont typeface="Arial" panose="020B0604020202020204" pitchFamily="34" charset="0"/>
+              <a:buChar char="•"/>
+            </a:pPr>
+            <a:r>
+              <a:rPr lang="en-GB" dirty="0"/>
+              <a:t>The RabbitMQ streams protocol allows communicating with streams.</a:t>
+            </a:r>
+          </a:p>
+          <a:p>
+            <a:pPr marL="895243" lvl="1" indent="-285750">
+              <a:buFont typeface="Arial" panose="020B0604020202020204" pitchFamily="34" charset="0"/>
+              <a:buChar char="•"/>
+            </a:pPr>
+            <a:r>
+              <a:rPr lang="en-GB" dirty="0"/>
+              <a:t>The RabbitMQ stream is a Java library to communicate with the RabbitMQ stream plug-in.</a:t>
+            </a:r>
+          </a:p>
+          <a:p>
+            <a:pPr marL="895243" lvl="1" indent="-285750">
+              <a:buFont typeface="Arial" panose="020B0604020202020204" pitchFamily="34" charset="0"/>
+              <a:buChar char="•"/>
+            </a:pPr>
+            <a:r>
+              <a:rPr lang="en-GB" dirty="0"/>
+              <a:t>It allows creating and delete streams, as well as to publish and consume from these streams.</a:t>
+            </a:r>
+          </a:p>
+          <a:p>
+            <a:pPr marL="285750" indent="-285750">
+              <a:buFont typeface="Arial" panose="020B0604020202020204" pitchFamily="34" charset="0"/>
+              <a:buChar char="•"/>
+            </a:pPr>
+            <a:r>
+              <a:rPr lang="en-GB" dirty="0"/>
+              <a:t>A stream is a sequence of elements from a source that supports data processing operations.</a:t>
+            </a:r>
+          </a:p>
+          <a:p>
+            <a:pPr marL="895243" lvl="1" indent="-285750">
+              <a:buFont typeface="Arial" panose="020B0604020202020204" pitchFamily="34" charset="0"/>
+              <a:buChar char="•"/>
+            </a:pPr>
+            <a:r>
+              <a:rPr lang="en-GB" dirty="0"/>
+              <a:t>Sequence of elements: while collections are about data, streams are about computations.</a:t>
+            </a:r>
+          </a:p>
+          <a:p>
+            <a:pPr marL="895243" lvl="1" indent="-285750">
+              <a:buFont typeface="Arial" panose="020B0604020202020204" pitchFamily="34" charset="0"/>
+              <a:buChar char="•"/>
+            </a:pPr>
+            <a:r>
+              <a:rPr lang="en-GB" dirty="0"/>
+              <a:t>Source: streams consume data from a providing source.</a:t>
+            </a:r>
+          </a:p>
+          <a:p>
+            <a:pPr marL="285750" indent="-285750">
+              <a:buFont typeface="Arial" panose="020B0604020202020204" pitchFamily="34" charset="0"/>
+              <a:buChar char="•"/>
+            </a:pPr>
+            <a:endParaRPr lang="en-GB" dirty="0"/>
+          </a:p>
+        </p:txBody>
+      </p:sp>
+      <p:sp>
+        <p:nvSpPr>
+          <p:cNvPr id="4" name="Slide Number Placeholder 3"/>
+          <p:cNvSpPr>
+            <a:spLocks noGrp="1"/>
+          </p:cNvSpPr>
+          <p:nvPr>
+            <p:ph type="sldNum" sz="quarter" idx="5"/>
+          </p:nvPr>
+        </p:nvSpPr>
+        <p:spPr/>
+        <p:txBody>
+          <a:bodyPr/>
+          <a:lstStyle/>
+          <a:p>
+            <a:fld id="{3EBA5BD7-F043-4D1B-AA17-CD412FC534DE}" type="slidenum">
+              <a:rPr lang="en-GB" smtClean="0"/>
+              <a:t>20</a:t>
+            </a:fld>
+            <a:endParaRPr lang="en-GB"/>
+          </a:p>
+        </p:txBody>
+      </p:sp>
+    </p:spTree>
+    <p:extLst>
+      <p:ext uri="{BB962C8B-B14F-4D97-AF65-F5344CB8AC3E}">
+        <p14:creationId xmlns:p14="http://schemas.microsoft.com/office/powerpoint/2010/main" val="207821132"/>
+      </p:ext>
+    </p:extLst>
+  </p:cSld>
+  <p:clrMapOvr>
+    <a:masterClrMapping/>
+  </p:clrMapOvr>
+</p:notes>
+</file>
+
+<file path=ppt/notesSlides/notesSlide17.xml><?xml version="1.0" encoding="utf-8"?>
+<p:notes xmlns:a="http://schemas.openxmlformats.org/drawingml/2006/main" xmlns:r="http://schemas.openxmlformats.org/officeDocument/2006/relationships" xmlns:p="http://schemas.openxmlformats.org/presentationml/2006/main">
+  <p:cSld>
+    <p:spTree>
+      <p:nvGrpSpPr>
+        <p:cNvPr id="1" name=""/>
+        <p:cNvGrpSpPr/>
+        <p:nvPr/>
+      </p:nvGrpSpPr>
+      <p:grpSpPr>
+        <a:xfrm>
+          <a:off x="0" y="0"/>
+          <a:ext cx="0" cy="0"/>
+          <a:chOff x="0" y="0"/>
+          <a:chExt cx="0" cy="0"/>
+        </a:xfrm>
+      </p:grpSpPr>
+      <p:sp>
+        <p:nvSpPr>
+          <p:cNvPr id="2" name="Slide Image Placeholder 1"/>
+          <p:cNvSpPr>
+            <a:spLocks noGrp="1" noRot="1" noChangeAspect="1"/>
+          </p:cNvSpPr>
+          <p:nvPr>
+            <p:ph type="sldImg"/>
+          </p:nvPr>
+        </p:nvSpPr>
+        <p:spPr/>
+      </p:sp>
+      <p:sp>
+        <p:nvSpPr>
+          <p:cNvPr id="3" name="Notes Placeholder 2"/>
+          <p:cNvSpPr>
+            <a:spLocks noGrp="1"/>
+          </p:cNvSpPr>
+          <p:nvPr>
+            <p:ph type="body" idx="1"/>
+          </p:nvPr>
+        </p:nvSpPr>
+        <p:spPr/>
+        <p:txBody>
+          <a:bodyPr/>
+          <a:lstStyle/>
+          <a:p>
+            <a:endParaRPr lang="en-GB" dirty="0"/>
+          </a:p>
+        </p:txBody>
+      </p:sp>
+      <p:sp>
+        <p:nvSpPr>
+          <p:cNvPr id="4" name="Slide Number Placeholder 3"/>
+          <p:cNvSpPr>
+            <a:spLocks noGrp="1"/>
+          </p:cNvSpPr>
+          <p:nvPr>
+            <p:ph type="sldNum" sz="quarter" idx="5"/>
+          </p:nvPr>
+        </p:nvSpPr>
+        <p:spPr/>
+        <p:txBody>
+          <a:bodyPr/>
+          <a:lstStyle/>
+          <a:p>
+            <a:fld id="{3EBA5BD7-F043-4D1B-AA17-CD412FC534DE}" type="slidenum">
+              <a:rPr lang="en-GB" smtClean="0"/>
+              <a:t>21</a:t>
+            </a:fld>
+            <a:endParaRPr lang="en-GB"/>
+          </a:p>
+        </p:txBody>
+      </p:sp>
+    </p:spTree>
+    <p:extLst>
+      <p:ext uri="{BB962C8B-B14F-4D97-AF65-F5344CB8AC3E}">
+        <p14:creationId xmlns:p14="http://schemas.microsoft.com/office/powerpoint/2010/main" val="3379427513"/>
+      </p:ext>
+    </p:extLst>
+  </p:cSld>
+  <p:clrMapOvr>
+    <a:masterClrMapping/>
+  </p:clrMapOvr>
+</p:notes>
+</file>
+
+<file path=ppt/notesSlides/notesSlide18.xml><?xml version="1.0" encoding="utf-8"?>
+<p:notes xmlns:a="http://schemas.openxmlformats.org/drawingml/2006/main" xmlns:r="http://schemas.openxmlformats.org/officeDocument/2006/relationships" xmlns:p="http://schemas.openxmlformats.org/presentationml/2006/main">
+  <p:cSld>
+    <p:spTree>
+      <p:nvGrpSpPr>
+        <p:cNvPr id="1" name=""/>
+        <p:cNvGrpSpPr/>
+        <p:nvPr/>
+      </p:nvGrpSpPr>
+      <p:grpSpPr>
+        <a:xfrm>
+          <a:off x="0" y="0"/>
+          <a:ext cx="0" cy="0"/>
+          <a:chOff x="0" y="0"/>
+          <a:chExt cx="0" cy="0"/>
+        </a:xfrm>
+      </p:grpSpPr>
+      <p:sp>
+        <p:nvSpPr>
+          <p:cNvPr id="2" name="Slide Image Placeholder 1"/>
+          <p:cNvSpPr>
+            <a:spLocks noGrp="1" noRot="1" noChangeAspect="1"/>
+          </p:cNvSpPr>
+          <p:nvPr>
+            <p:ph type="sldImg"/>
+          </p:nvPr>
+        </p:nvSpPr>
+        <p:spPr/>
+      </p:sp>
+      <p:sp>
+        <p:nvSpPr>
+          <p:cNvPr id="3" name="Notes Placeholder 2"/>
+          <p:cNvSpPr>
+            <a:spLocks noGrp="1"/>
+          </p:cNvSpPr>
+          <p:nvPr>
+            <p:ph type="body" idx="1"/>
+          </p:nvPr>
+        </p:nvSpPr>
+        <p:spPr/>
+        <p:txBody>
+          <a:bodyPr/>
+          <a:lstStyle/>
+          <a:p>
+            <a:pPr marL="342900" indent="-342900" algn="l">
+              <a:buFont typeface="+mj-lt"/>
+              <a:buAutoNum type="arabicPeriod"/>
+            </a:pPr>
+            <a:r>
+              <a:rPr lang="en-GB" sz="1800" b="0" i="0" u="none" strike="noStrike" baseline="0" dirty="0">
+                <a:latin typeface="CMR12"/>
+              </a:rPr>
+              <a:t>Allows the integration of different applications through messages in an asynchronous way (decoupling in time) and from various locations (decoupling in space).</a:t>
+            </a:r>
+          </a:p>
+          <a:p>
+            <a:pPr marL="342900" indent="-342900" algn="l">
+              <a:buFont typeface="+mj-lt"/>
+              <a:buAutoNum type="arabicPeriod"/>
+            </a:pPr>
+            <a:r>
+              <a:rPr lang="en-GB" sz="1800" b="0" i="0" u="none" strike="noStrike" baseline="0" dirty="0">
+                <a:latin typeface="CMR12"/>
+              </a:rPr>
+              <a:t>Reliability: Incorporates some characteristics that allow it to guarantee the delivery of the messages.</a:t>
+            </a:r>
+          </a:p>
+          <a:p>
+            <a:pPr marL="952393" lvl="1" indent="-342900" algn="l">
+              <a:buFont typeface="+mj-lt"/>
+              <a:buAutoNum type="arabicPeriod"/>
+            </a:pPr>
+            <a:r>
+              <a:rPr lang="en-GB" b="0" i="0" u="none" strike="noStrike" baseline="0" dirty="0">
+                <a:latin typeface="CMR12"/>
+              </a:rPr>
+              <a:t>Provides storing when there’re no consumers.</a:t>
+            </a:r>
+          </a:p>
+          <a:p>
+            <a:pPr marL="952393" lvl="1" indent="-342900" algn="l">
+              <a:buFont typeface="+mj-lt"/>
+              <a:buAutoNum type="arabicPeriod"/>
+            </a:pPr>
+            <a:r>
+              <a:rPr lang="en-GB" b="0" i="0" u="none" strike="noStrike" baseline="0" dirty="0">
+                <a:latin typeface="CMR12"/>
+              </a:rPr>
+              <a:t>Possibility that the consumer accepts the delivery of the message to make sure that it has been processed only once.</a:t>
+            </a:r>
+          </a:p>
+          <a:p>
+            <a:pPr marL="952393" lvl="1" indent="-342900" algn="l">
+              <a:buFont typeface="+mj-lt"/>
+              <a:buAutoNum type="arabicPeriod"/>
+            </a:pPr>
+            <a:r>
+              <a:rPr lang="en-GB" b="0" i="0" u="none" strike="noStrike" baseline="0" dirty="0">
+                <a:latin typeface="CMR12"/>
+              </a:rPr>
+              <a:t>Allows the message to be requeued in case of failure.</a:t>
+            </a:r>
+            <a:endParaRPr lang="en-GB" dirty="0"/>
+          </a:p>
+        </p:txBody>
+      </p:sp>
+      <p:sp>
+        <p:nvSpPr>
+          <p:cNvPr id="4" name="Slide Number Placeholder 3"/>
+          <p:cNvSpPr>
+            <a:spLocks noGrp="1"/>
+          </p:cNvSpPr>
+          <p:nvPr>
+            <p:ph type="sldNum" sz="quarter" idx="5"/>
+          </p:nvPr>
+        </p:nvSpPr>
+        <p:spPr/>
+        <p:txBody>
+          <a:bodyPr/>
+          <a:lstStyle/>
+          <a:p>
+            <a:fld id="{3EBA5BD7-F043-4D1B-AA17-CD412FC534DE}" type="slidenum">
+              <a:rPr lang="en-GB" smtClean="0"/>
+              <a:t>22</a:t>
+            </a:fld>
+            <a:endParaRPr lang="en-GB"/>
+          </a:p>
+        </p:txBody>
+      </p:sp>
+    </p:spTree>
+    <p:extLst>
+      <p:ext uri="{BB962C8B-B14F-4D97-AF65-F5344CB8AC3E}">
+        <p14:creationId xmlns:p14="http://schemas.microsoft.com/office/powerpoint/2010/main" val="556528160"/>
       </p:ext>
     </p:extLst>
   </p:cSld>
@@ -8077,7 +8494,9 @@
         </p:nvSpPr>
         <p:spPr/>
         <p:txBody>
-          <a:bodyPr anchor="ctr"/>
+          <a:bodyPr anchor="ctr">
+            <a:normAutofit/>
+          </a:bodyPr>
           <a:lstStyle/>
           <a:p>
             <a:r>
@@ -8104,7 +8523,13 @@
               <a:rPr lang="en-GB" b="0" i="0" u="none" strike="noStrike" baseline="0" dirty="0"/>
               <a:t>To filter the messages that are sent to each client, the messages are arranged in topics hierarchically organized. A client can publish a message in a specific topic. Other clients can subscribe to this topic and the broker will send the subscribed messages.</a:t>
             </a:r>
-            <a:endParaRPr lang="en-GB" dirty="0"/>
+          </a:p>
+          <a:p>
+            <a:pPr algn="l"/>
+            <a:r>
+              <a:rPr lang="en-GB" dirty="0"/>
+              <a:t>The clients open a TCP/IP connection with the broker until the client ends it.</a:t>
+            </a:r>
           </a:p>
         </p:txBody>
       </p:sp>
@@ -8155,7 +8580,7 @@
           <p:cNvPr id="2" name="Title 1">
             <a:extLst>
               <a:ext uri="{FF2B5EF4-FFF2-40B4-BE49-F238E27FC236}">
-                <a16:creationId xmlns:a16="http://schemas.microsoft.com/office/drawing/2014/main" id="{4850E5F9-CB14-F5DF-1D88-D507A5445327}"/>
+                <a16:creationId xmlns:a16="http://schemas.microsoft.com/office/drawing/2014/main" id="{828BE282-7CFB-5EB3-0DF3-7A79B0963795}"/>
               </a:ext>
             </a:extLst>
           </p:cNvPr>
@@ -8168,22 +8593,28 @@
         </p:nvSpPr>
         <p:spPr/>
         <p:txBody>
-          <a:bodyPr/>
+          <a:bodyPr>
+            <a:normAutofit/>
+          </a:bodyPr>
           <a:lstStyle/>
           <a:p>
             <a:r>
-              <a:rPr lang="en-GB" dirty="0"/>
-              <a:t>Applications - STOMP</a:t>
-            </a:r>
-          </a:p>
-        </p:txBody>
-      </p:sp>
-      <p:sp>
-        <p:nvSpPr>
-          <p:cNvPr id="3" name="Content Placeholder 2">
+              <a:rPr lang="en-GB" sz="3600" dirty="0">
+                <a:solidFill>
+                  <a:schemeClr val="tx1"/>
+                </a:solidFill>
+              </a:rPr>
+              <a:t>Applications - MQTT</a:t>
+            </a:r>
+          </a:p>
+        </p:txBody>
+      </p:sp>
+      <p:sp>
+        <p:nvSpPr>
+          <p:cNvPr id="6" name="Text Placeholder 5">
             <a:extLst>
               <a:ext uri="{FF2B5EF4-FFF2-40B4-BE49-F238E27FC236}">
-                <a16:creationId xmlns:a16="http://schemas.microsoft.com/office/drawing/2014/main" id="{B69C3756-ABF5-5617-EEFD-B6C012026078}"/>
+                <a16:creationId xmlns:a16="http://schemas.microsoft.com/office/drawing/2014/main" id="{75AE422D-24DF-3F3F-42C6-B87AC632A7C9}"/>
               </a:ext>
             </a:extLst>
           </p:cNvPr>
@@ -8191,37 +8622,60 @@
             <a:spLocks noGrp="1"/>
           </p:cNvSpPr>
           <p:nvPr>
+            <p:ph type="body" sz="half" idx="2"/>
+          </p:nvPr>
+        </p:nvSpPr>
+        <p:spPr/>
+        <p:txBody>
+          <a:bodyPr/>
+          <a:lstStyle/>
+          <a:p>
+            <a:r>
+              <a:rPr lang="en-GB" dirty="0"/>
+              <a:t>Simple example of MQTT protocol through a SSD.</a:t>
+            </a:r>
+          </a:p>
+        </p:txBody>
+      </p:sp>
+      <p:pic>
+        <p:nvPicPr>
+          <p:cNvPr id="5" name="Content Placeholder 4">
+            <a:extLst>
+              <a:ext uri="{FF2B5EF4-FFF2-40B4-BE49-F238E27FC236}">
+                <a16:creationId xmlns:a16="http://schemas.microsoft.com/office/drawing/2014/main" id="{C7945DD3-CF3A-C579-7E35-0CE7419BE909}"/>
+              </a:ext>
+            </a:extLst>
+          </p:cNvPr>
+          <p:cNvPicPr>
+            <a:picLocks noGrp="1" noChangeAspect="1"/>
+          </p:cNvPicPr>
+          <p:nvPr>
             <p:ph idx="1"/>
           </p:nvPr>
-        </p:nvSpPr>
-        <p:spPr/>
-        <p:txBody>
-          <a:bodyPr anchor="ctr"/>
-          <a:lstStyle/>
-          <a:p>
-            <a:r>
-              <a:rPr lang="en-GB" dirty="0"/>
-              <a:t>“Simple Text Oriented Message Protocol”</a:t>
-            </a:r>
-          </a:p>
-          <a:p>
-            <a:r>
-              <a:rPr lang="en-GB" dirty="0"/>
-              <a:t>Provides an interoperable wire format so that STOMP clients can communicate with any STOMP broker to provide easy messaging interoperability among many languages, platforms and brokers.</a:t>
-            </a:r>
-          </a:p>
-          <a:p>
-            <a:r>
-              <a:rPr lang="en-GB" dirty="0"/>
-              <a:t>A STOMP client can be implemented in a couple of hours.</a:t>
-            </a:r>
-          </a:p>
-        </p:txBody>
-      </p:sp>
+        </p:nvPicPr>
+        <p:blipFill>
+          <a:blip r:embed="rId2">
+            <a:extLst>
+              <a:ext uri="{28A0092B-C50C-407E-A947-70E740481C1C}">
+                <a14:useLocalDpi xmlns:a14="http://schemas.microsoft.com/office/drawing/2010/main" val="0"/>
+              </a:ext>
+            </a:extLst>
+          </a:blip>
+          <a:stretch>
+            <a:fillRect/>
+          </a:stretch>
+        </p:blipFill>
+        <p:spPr>
+          <a:xfrm>
+            <a:off x="6094413" y="382145"/>
+            <a:ext cx="4880968" cy="5999183"/>
+          </a:xfrm>
+        </p:spPr>
+      </p:pic>
     </p:spTree>
     <p:extLst>
       <p:ext uri="{BB962C8B-B14F-4D97-AF65-F5344CB8AC3E}">
-        <p14:creationId xmlns:p14="http://schemas.microsoft.com/office/powerpoint/2010/main" val="2270254014"/>
+        <p14:creationId xmlns:p14="http://schemas.microsoft.com/office/powerpoint/2010/main" val="4030538506"/>
       </p:ext>
     </p:extLst>
   </p:cSld>
@@ -8265,7 +8719,7 @@
           <p:cNvPr id="2" name="Title 1">
             <a:extLst>
               <a:ext uri="{FF2B5EF4-FFF2-40B4-BE49-F238E27FC236}">
-                <a16:creationId xmlns:a16="http://schemas.microsoft.com/office/drawing/2014/main" id="{1DEBDA26-BB28-2C81-9E69-98BEA72C7378}"/>
+                <a16:creationId xmlns:a16="http://schemas.microsoft.com/office/drawing/2014/main" id="{4850E5F9-CB14-F5DF-1D88-D507A5445327}"/>
               </a:ext>
             </a:extLst>
           </p:cNvPr>
@@ -8283,7 +8737,7 @@
           <a:p>
             <a:r>
               <a:rPr lang="en-GB" dirty="0"/>
-              <a:t>Applications - WebSockets</a:t>
+              <a:t>Applications - STOMP</a:t>
             </a:r>
           </a:p>
         </p:txBody>
@@ -8293,7 +8747,7 @@
           <p:cNvPr id="3" name="Content Placeholder 2">
             <a:extLst>
               <a:ext uri="{FF2B5EF4-FFF2-40B4-BE49-F238E27FC236}">
-                <a16:creationId xmlns:a16="http://schemas.microsoft.com/office/drawing/2014/main" id="{F8208288-45B9-5E76-C97D-8E274DC713B7}"/>
+                <a16:creationId xmlns:a16="http://schemas.microsoft.com/office/drawing/2014/main" id="{B69C3756-ABF5-5617-EEFD-B6C012026078}"/>
               </a:ext>
             </a:extLst>
           </p:cNvPr>
@@ -8311,17 +8765,33 @@
           <a:p>
             <a:r>
               <a:rPr lang="en-GB" dirty="0"/>
-              <a:t>Is a communication protocol over a TCP connection.</a:t>
-            </a:r>
-          </a:p>
-          <a:p>
-            <a:r>
-              <a:rPr lang="en-GB" dirty="0" err="1"/>
-              <a:t>WebSockets</a:t>
-            </a:r>
-            <a:r>
-              <a:rPr lang="en-GB" dirty="0"/>
-              <a:t> are designed to work over HTTP ports 443 and 80 as well as to support HTTP proxies and intermediaries thus making it compatible  with HTTP.</a:t>
+              <a:t>“Simple Text Oriented Message Protocol”</a:t>
+            </a:r>
+          </a:p>
+          <a:p>
+            <a:r>
+              <a:rPr lang="en-GB" dirty="0"/>
+              <a:t>Provides an interoperable wire format so that STOMP clients can communicate with any STOMP broker to provide easy messaging interoperability among many languages, platforms and brokers.</a:t>
+            </a:r>
+          </a:p>
+          <a:p>
+            <a:r>
+              <a:rPr lang="en-GB" dirty="0"/>
+              <a:t>STOMP is a very simple and easy to implement protocol, coming from the HTTP school of design.</a:t>
+            </a:r>
+          </a:p>
+          <a:p>
+            <a:pPr lvl="1"/>
+            <a:r>
+              <a:rPr lang="en-GB" dirty="0"/>
+              <a:t>The server is hard to implement well.</a:t>
+            </a:r>
+          </a:p>
+          <a:p>
+            <a:pPr lvl="1"/>
+            <a:r>
+              <a:rPr lang="en-GB" dirty="0"/>
+              <a:t>Very easy to implement a client (in a couple of hours)</a:t>
             </a:r>
           </a:p>
         </p:txBody>
@@ -8329,7 +8799,7 @@
     </p:spTree>
     <p:extLst>
       <p:ext uri="{BB962C8B-B14F-4D97-AF65-F5344CB8AC3E}">
-        <p14:creationId xmlns:p14="http://schemas.microsoft.com/office/powerpoint/2010/main" val="979719025"/>
+        <p14:creationId xmlns:p14="http://schemas.microsoft.com/office/powerpoint/2010/main" val="2270254014"/>
       </p:ext>
     </p:extLst>
   </p:cSld>
@@ -8373,7 +8843,7 @@
           <p:cNvPr id="2" name="Title 1">
             <a:extLst>
               <a:ext uri="{FF2B5EF4-FFF2-40B4-BE49-F238E27FC236}">
-                <a16:creationId xmlns:a16="http://schemas.microsoft.com/office/drawing/2014/main" id="{1726EA38-7D9C-AF0D-6EB3-21CDAE756CC7}"/>
+                <a16:creationId xmlns:a16="http://schemas.microsoft.com/office/drawing/2014/main" id="{1DEBDA26-BB28-2C81-9E69-98BEA72C7378}"/>
               </a:ext>
             </a:extLst>
           </p:cNvPr>
@@ -8391,7 +8861,7 @@
           <a:p>
             <a:r>
               <a:rPr lang="en-GB" dirty="0"/>
-              <a:t>Applications – RabbitMQ streams</a:t>
+              <a:t>Applications - WebSockets</a:t>
             </a:r>
           </a:p>
         </p:txBody>
@@ -8401,7 +8871,7 @@
           <p:cNvPr id="3" name="Content Placeholder 2">
             <a:extLst>
               <a:ext uri="{FF2B5EF4-FFF2-40B4-BE49-F238E27FC236}">
-                <a16:creationId xmlns:a16="http://schemas.microsoft.com/office/drawing/2014/main" id="{B480717C-3FD1-4FFE-0C71-BF7378423A11}"/>
+                <a16:creationId xmlns:a16="http://schemas.microsoft.com/office/drawing/2014/main" id="{F8208288-45B9-5E76-C97D-8E274DC713B7}"/>
               </a:ext>
             </a:extLst>
           </p:cNvPr>
@@ -8414,17 +8884,30 @@
         </p:nvSpPr>
         <p:spPr/>
         <p:txBody>
-          <a:bodyPr/>
+          <a:bodyPr anchor="ctr"/>
           <a:lstStyle/>
           <a:p>
-            <a:endParaRPr lang="en-GB" dirty="0"/>
+            <a:r>
+              <a:rPr lang="en-GB" dirty="0"/>
+              <a:t>Is a communication protocol over a TCP connection.</a:t>
+            </a:r>
+          </a:p>
+          <a:p>
+            <a:r>
+              <a:rPr lang="en-GB" dirty="0" err="1"/>
+              <a:t>WebSockets</a:t>
+            </a:r>
+            <a:r>
+              <a:rPr lang="en-GB" dirty="0"/>
+              <a:t> are designed to work over HTTP ports 443 and 80 as well as to support HTTP proxies and intermediaries thus making it compatible  with HTTP.</a:t>
+            </a:r>
           </a:p>
         </p:txBody>
       </p:sp>
     </p:spTree>
     <p:extLst>
       <p:ext uri="{BB962C8B-B14F-4D97-AF65-F5344CB8AC3E}">
-        <p14:creationId xmlns:p14="http://schemas.microsoft.com/office/powerpoint/2010/main" val="3635077201"/>
+        <p14:creationId xmlns:p14="http://schemas.microsoft.com/office/powerpoint/2010/main" val="979719025"/>
       </p:ext>
     </p:extLst>
   </p:cSld>
@@ -8773,7 +9256,7 @@
           <p:cNvPr id="2" name="Title 1">
             <a:extLst>
               <a:ext uri="{FF2B5EF4-FFF2-40B4-BE49-F238E27FC236}">
-                <a16:creationId xmlns:a16="http://schemas.microsoft.com/office/drawing/2014/main" id="{145E301B-6D96-9144-D2BF-7522B727220D}"/>
+                <a16:creationId xmlns:a16="http://schemas.microsoft.com/office/drawing/2014/main" id="{1726EA38-7D9C-AF0D-6EB3-21CDAE756CC7}"/>
               </a:ext>
             </a:extLst>
           </p:cNvPr>
@@ -8791,7 +9274,7 @@
           <a:p>
             <a:r>
               <a:rPr lang="en-GB" dirty="0"/>
-              <a:t>RabbitMQ in the market</a:t>
+              <a:t>Applications – RabbitMQ streams</a:t>
             </a:r>
           </a:p>
         </p:txBody>
@@ -8801,7 +9284,7 @@
           <p:cNvPr id="3" name="Content Placeholder 2">
             <a:extLst>
               <a:ext uri="{FF2B5EF4-FFF2-40B4-BE49-F238E27FC236}">
-                <a16:creationId xmlns:a16="http://schemas.microsoft.com/office/drawing/2014/main" id="{6FD866B5-A502-116F-A0FE-87652ED1A362}"/>
+                <a16:creationId xmlns:a16="http://schemas.microsoft.com/office/drawing/2014/main" id="{B480717C-3FD1-4FFE-0C71-BF7378423A11}"/>
               </a:ext>
             </a:extLst>
           </p:cNvPr>
@@ -8814,17 +9297,56 @@
         </p:nvSpPr>
         <p:spPr/>
         <p:txBody>
-          <a:bodyPr/>
+          <a:bodyPr anchor="ctr">
+            <a:normAutofit lnSpcReduction="10000"/>
+          </a:bodyPr>
           <a:lstStyle/>
           <a:p>
-            <a:endParaRPr lang="en-GB"/>
+            <a:r>
+              <a:rPr lang="en-GB" dirty="0"/>
+              <a:t>The RabbitMQ streams protocol allows communicating with streams.</a:t>
+            </a:r>
+          </a:p>
+          <a:p>
+            <a:pPr lvl="1"/>
+            <a:r>
+              <a:rPr lang="en-GB" dirty="0"/>
+              <a:t>The RabbitMQ stream is a Java library to communicate with the RabbitMQ stream plug-in.</a:t>
+            </a:r>
+          </a:p>
+          <a:p>
+            <a:pPr lvl="1"/>
+            <a:r>
+              <a:rPr lang="en-GB" dirty="0"/>
+              <a:t>It allows creating and delete streams, as well as to publish and consume from these streams.</a:t>
+            </a:r>
+          </a:p>
+          <a:p>
+            <a:r>
+              <a:rPr lang="en-GB" dirty="0"/>
+              <a:t>A stream is a sequence of elements from a source that supports data processing operations.</a:t>
+            </a:r>
+          </a:p>
+          <a:p>
+            <a:pPr lvl="1"/>
+            <a:r>
+              <a:rPr lang="en-GB" dirty="0"/>
+              <a:t>Sequence of elements: while collections are about data, streams are about computations.</a:t>
+            </a:r>
+          </a:p>
+          <a:p>
+            <a:pPr lvl="1"/>
+            <a:r>
+              <a:rPr lang="en-GB" dirty="0"/>
+              <a:t>Source: streams consume data from a providing source.</a:t>
+            </a:r>
           </a:p>
         </p:txBody>
       </p:sp>
     </p:spTree>
     <p:extLst>
       <p:ext uri="{BB962C8B-B14F-4D97-AF65-F5344CB8AC3E}">
-        <p14:creationId xmlns:p14="http://schemas.microsoft.com/office/powerpoint/2010/main" val="2489310908"/>
+        <p14:creationId xmlns:p14="http://schemas.microsoft.com/office/powerpoint/2010/main" val="3635077201"/>
       </p:ext>
     </p:extLst>
   </p:cSld>
@@ -8868,7 +9390,7 @@
           <p:cNvPr id="2" name="Title 1">
             <a:extLst>
               <a:ext uri="{FF2B5EF4-FFF2-40B4-BE49-F238E27FC236}">
-                <a16:creationId xmlns:a16="http://schemas.microsoft.com/office/drawing/2014/main" id="{041863F6-C146-853F-11D0-5933AFA460E8}"/>
+                <a16:creationId xmlns:a16="http://schemas.microsoft.com/office/drawing/2014/main" id="{145E301B-6D96-9144-D2BF-7522B727220D}"/>
               </a:ext>
             </a:extLst>
           </p:cNvPr>
@@ -8886,7 +9408,7 @@
           <a:p>
             <a:r>
               <a:rPr lang="en-GB" dirty="0"/>
-              <a:t>RabbitMQ in the market - Advantages</a:t>
+              <a:t>RabbitMQ in the market</a:t>
             </a:r>
           </a:p>
         </p:txBody>
@@ -8896,7 +9418,7 @@
           <p:cNvPr id="3" name="Content Placeholder 2">
             <a:extLst>
               <a:ext uri="{FF2B5EF4-FFF2-40B4-BE49-F238E27FC236}">
-                <a16:creationId xmlns:a16="http://schemas.microsoft.com/office/drawing/2014/main" id="{7DD16378-F0BA-4554-15D4-CB0D7270297A}"/>
+                <a16:creationId xmlns:a16="http://schemas.microsoft.com/office/drawing/2014/main" id="{6FD866B5-A502-116F-A0FE-87652ED1A362}"/>
               </a:ext>
             </a:extLst>
           </p:cNvPr>
@@ -8909,17 +9431,41 @@
         </p:nvSpPr>
         <p:spPr/>
         <p:txBody>
-          <a:bodyPr/>
+          <a:bodyPr anchor="ctr"/>
           <a:lstStyle/>
           <a:p>
-            <a:endParaRPr lang="en-GB"/>
+            <a:r>
+              <a:rPr lang="en-GB" dirty="0"/>
+              <a:t>This section has three parts:</a:t>
+            </a:r>
+          </a:p>
+          <a:p>
+            <a:pPr lvl="1"/>
+            <a:r>
+              <a:rPr lang="en-GB" dirty="0"/>
+              <a:t>Advantages of RabbitMQ</a:t>
+            </a:r>
+          </a:p>
+          <a:p>
+            <a:pPr lvl="1"/>
+            <a:r>
+              <a:rPr lang="en-GB" dirty="0"/>
+              <a:t>Disadvantages of RabbitMQ</a:t>
+            </a:r>
+          </a:p>
+          <a:p>
+            <a:pPr lvl="1"/>
+            <a:r>
+              <a:rPr lang="en-GB" dirty="0"/>
+              <a:t>Competition in the market</a:t>
+            </a:r>
           </a:p>
         </p:txBody>
       </p:sp>
     </p:spTree>
     <p:extLst>
       <p:ext uri="{BB962C8B-B14F-4D97-AF65-F5344CB8AC3E}">
-        <p14:creationId xmlns:p14="http://schemas.microsoft.com/office/powerpoint/2010/main" val="1238451862"/>
+        <p14:creationId xmlns:p14="http://schemas.microsoft.com/office/powerpoint/2010/main" val="2489310908"/>
       </p:ext>
     </p:extLst>
   </p:cSld>
@@ -8963,7 +9509,7 @@
           <p:cNvPr id="2" name="Title 1">
             <a:extLst>
               <a:ext uri="{FF2B5EF4-FFF2-40B4-BE49-F238E27FC236}">
-                <a16:creationId xmlns:a16="http://schemas.microsoft.com/office/drawing/2014/main" id="{EA851C17-C279-92A7-14ED-C46946E3B7A9}"/>
+                <a16:creationId xmlns:a16="http://schemas.microsoft.com/office/drawing/2014/main" id="{041863F6-C146-853F-11D0-5933AFA460E8}"/>
               </a:ext>
             </a:extLst>
           </p:cNvPr>
@@ -8981,7 +9527,7 @@
           <a:p>
             <a:r>
               <a:rPr lang="en-GB" dirty="0"/>
-              <a:t>RabbitMQ in the market - Disadvantages</a:t>
+              <a:t>RabbitMQ in the market - Advantages</a:t>
             </a:r>
           </a:p>
         </p:txBody>
@@ -8991,7 +9537,7 @@
           <p:cNvPr id="3" name="Content Placeholder 2">
             <a:extLst>
               <a:ext uri="{FF2B5EF4-FFF2-40B4-BE49-F238E27FC236}">
-                <a16:creationId xmlns:a16="http://schemas.microsoft.com/office/drawing/2014/main" id="{2E9DC9FD-98D3-EFBF-F11E-FACBBCF27E95}"/>
+                <a16:creationId xmlns:a16="http://schemas.microsoft.com/office/drawing/2014/main" id="{7DD16378-F0BA-4554-15D4-CB0D7270297A}"/>
               </a:ext>
             </a:extLst>
           </p:cNvPr>
@@ -8999,12 +9545,95 @@
             <a:spLocks noGrp="1"/>
           </p:cNvSpPr>
           <p:nvPr>
-            <p:ph idx="1"/>
-          </p:nvPr>
-        </p:nvSpPr>
-        <p:spPr/>
-        <p:txBody>
-          <a:bodyPr/>
+            <p:ph sz="half" idx="1"/>
+          </p:nvPr>
+        </p:nvSpPr>
+        <p:spPr/>
+        <p:txBody>
+          <a:bodyPr>
+            <a:normAutofit/>
+          </a:bodyPr>
+          <a:lstStyle/>
+          <a:p>
+            <a:pPr marL="514350" indent="-514350">
+              <a:buFont typeface="+mj-lt"/>
+              <a:buAutoNum type="arabicPeriod"/>
+            </a:pPr>
+            <a:r>
+              <a:rPr lang="en-GB" dirty="0"/>
+              <a:t>Decoupling in time and in space.</a:t>
+            </a:r>
+          </a:p>
+          <a:p>
+            <a:pPr marL="819096" lvl="1" indent="-514350">
+              <a:buFont typeface="+mj-lt"/>
+              <a:buAutoNum type="arabicPeriod"/>
+            </a:pPr>
+            <a:r>
+              <a:rPr lang="en-GB" dirty="0"/>
+              <a:t>Integration of apps through messages and from various locations.</a:t>
+            </a:r>
+          </a:p>
+          <a:p>
+            <a:pPr marL="514350" indent="-514350">
+              <a:buFont typeface="+mj-lt"/>
+              <a:buAutoNum type="arabicPeriod"/>
+            </a:pPr>
+            <a:r>
+              <a:rPr lang="en-GB" dirty="0"/>
+              <a:t>Reliability.</a:t>
+            </a:r>
+          </a:p>
+          <a:p>
+            <a:pPr marL="819096" lvl="1" indent="-514350">
+              <a:buFont typeface="+mj-lt"/>
+              <a:buAutoNum type="arabicPeriod"/>
+            </a:pPr>
+            <a:r>
+              <a:rPr lang="en-GB" dirty="0"/>
+              <a:t>Several characteristics that guarantee the delivery of the messages.</a:t>
+            </a:r>
+          </a:p>
+          <a:p>
+            <a:pPr marL="514350" indent="-514350">
+              <a:buFont typeface="+mj-lt"/>
+              <a:buAutoNum type="arabicPeriod"/>
+            </a:pPr>
+            <a:r>
+              <a:rPr lang="en-GB"/>
+              <a:t>Cluster creation.</a:t>
+            </a:r>
+          </a:p>
+          <a:p>
+            <a:pPr marL="819096" lvl="1" indent="-514350">
+              <a:buFont typeface="+mj-lt"/>
+              <a:buAutoNum type="arabicPeriod"/>
+            </a:pPr>
+            <a:endParaRPr lang="en-GB" dirty="0"/>
+          </a:p>
+        </p:txBody>
+      </p:sp>
+      <p:sp>
+        <p:nvSpPr>
+          <p:cNvPr id="4" name="Content Placeholder 3">
+            <a:extLst>
+              <a:ext uri="{FF2B5EF4-FFF2-40B4-BE49-F238E27FC236}">
+                <a16:creationId xmlns:a16="http://schemas.microsoft.com/office/drawing/2014/main" id="{FD4EA9ED-5358-3B35-9F0D-626A3F19775F}"/>
+              </a:ext>
+            </a:extLst>
+          </p:cNvPr>
+          <p:cNvSpPr>
+            <a:spLocks noGrp="1"/>
+          </p:cNvSpPr>
+          <p:nvPr>
+            <p:ph sz="half" idx="2"/>
+          </p:nvPr>
+        </p:nvSpPr>
+        <p:spPr/>
+        <p:txBody>
+          <a:bodyPr>
+            <a:normAutofit/>
+          </a:bodyPr>
           <a:lstStyle/>
           <a:p>
             <a:endParaRPr lang="en-GB"/>
@@ -9014,7 +9643,7 @@
     </p:spTree>
     <p:extLst>
       <p:ext uri="{BB962C8B-B14F-4D97-AF65-F5344CB8AC3E}">
-        <p14:creationId xmlns:p14="http://schemas.microsoft.com/office/powerpoint/2010/main" val="4113373776"/>
+        <p14:creationId xmlns:p14="http://schemas.microsoft.com/office/powerpoint/2010/main" val="1238451862"/>
       </p:ext>
     </p:extLst>
   </p:cSld>
@@ -9058,7 +9687,7 @@
           <p:cNvPr id="2" name="Title 1">
             <a:extLst>
               <a:ext uri="{FF2B5EF4-FFF2-40B4-BE49-F238E27FC236}">
-                <a16:creationId xmlns:a16="http://schemas.microsoft.com/office/drawing/2014/main" id="{3FFABD69-E41B-5797-346A-D1E8BA25F0A4}"/>
+                <a16:creationId xmlns:a16="http://schemas.microsoft.com/office/drawing/2014/main" id="{EA851C17-C279-92A7-14ED-C46946E3B7A9}"/>
               </a:ext>
             </a:extLst>
           </p:cNvPr>
@@ -9076,7 +9705,7 @@
           <a:p>
             <a:r>
               <a:rPr lang="en-GB" dirty="0"/>
-              <a:t>RabbitMQ in the market – Competition in the market</a:t>
+              <a:t>RabbitMQ in the market - Disadvantages</a:t>
             </a:r>
           </a:p>
         </p:txBody>
@@ -9086,7 +9715,7 @@
           <p:cNvPr id="3" name="Content Placeholder 2">
             <a:extLst>
               <a:ext uri="{FF2B5EF4-FFF2-40B4-BE49-F238E27FC236}">
-                <a16:creationId xmlns:a16="http://schemas.microsoft.com/office/drawing/2014/main" id="{EBB3C9EE-5936-C545-07D6-7BC4C8F5695E}"/>
+                <a16:creationId xmlns:a16="http://schemas.microsoft.com/office/drawing/2014/main" id="{2E9DC9FD-98D3-EFBF-F11E-FACBBCF27E95}"/>
               </a:ext>
             </a:extLst>
           </p:cNvPr>
@@ -9109,7 +9738,7 @@
     </p:spTree>
     <p:extLst>
       <p:ext uri="{BB962C8B-B14F-4D97-AF65-F5344CB8AC3E}">
-        <p14:creationId xmlns:p14="http://schemas.microsoft.com/office/powerpoint/2010/main" val="3045748797"/>
+        <p14:creationId xmlns:p14="http://schemas.microsoft.com/office/powerpoint/2010/main" val="4113373776"/>
       </p:ext>
     </p:extLst>
   </p:cSld>
@@ -9153,6 +9782,101 @@
           <p:cNvPr id="2" name="Title 1">
             <a:extLst>
               <a:ext uri="{FF2B5EF4-FFF2-40B4-BE49-F238E27FC236}">
+                <a16:creationId xmlns:a16="http://schemas.microsoft.com/office/drawing/2014/main" id="{3FFABD69-E41B-5797-346A-D1E8BA25F0A4}"/>
+              </a:ext>
+            </a:extLst>
+          </p:cNvPr>
+          <p:cNvSpPr>
+            <a:spLocks noGrp="1"/>
+          </p:cNvSpPr>
+          <p:nvPr>
+            <p:ph type="title"/>
+          </p:nvPr>
+        </p:nvSpPr>
+        <p:spPr/>
+        <p:txBody>
+          <a:bodyPr/>
+          <a:lstStyle/>
+          <a:p>
+            <a:r>
+              <a:rPr lang="en-GB" dirty="0"/>
+              <a:t>RabbitMQ in the market – Competition in the market</a:t>
+            </a:r>
+          </a:p>
+        </p:txBody>
+      </p:sp>
+      <p:sp>
+        <p:nvSpPr>
+          <p:cNvPr id="3" name="Content Placeholder 2">
+            <a:extLst>
+              <a:ext uri="{FF2B5EF4-FFF2-40B4-BE49-F238E27FC236}">
+                <a16:creationId xmlns:a16="http://schemas.microsoft.com/office/drawing/2014/main" id="{EBB3C9EE-5936-C545-07D6-7BC4C8F5695E}"/>
+              </a:ext>
+            </a:extLst>
+          </p:cNvPr>
+          <p:cNvSpPr>
+            <a:spLocks noGrp="1"/>
+          </p:cNvSpPr>
+          <p:nvPr>
+            <p:ph idx="1"/>
+          </p:nvPr>
+        </p:nvSpPr>
+        <p:spPr/>
+        <p:txBody>
+          <a:bodyPr/>
+          <a:lstStyle/>
+          <a:p>
+            <a:endParaRPr lang="en-GB"/>
+          </a:p>
+        </p:txBody>
+      </p:sp>
+    </p:spTree>
+    <p:extLst>
+      <p:ext uri="{BB962C8B-B14F-4D97-AF65-F5344CB8AC3E}">
+        <p14:creationId xmlns:p14="http://schemas.microsoft.com/office/powerpoint/2010/main" val="3045748797"/>
+      </p:ext>
+    </p:extLst>
+  </p:cSld>
+  <p:clrMapOvr>
+    <a:masterClrMapping/>
+  </p:clrMapOvr>
+  <mc:AlternateContent xmlns:mc="http://schemas.openxmlformats.org/markup-compatibility/2006" xmlns:p14="http://schemas.microsoft.com/office/powerpoint/2010/main">
+    <mc:Choice Requires="p14">
+      <p:transition spd="med" p14:dur="700">
+        <p:fade/>
+      </p:transition>
+    </mc:Choice>
+    <mc:Fallback xmlns="">
+      <p:transition spd="med">
+        <p:fade/>
+      </p:transition>
+    </mc:Fallback>
+  </mc:AlternateContent>
+</p:sld>
+</file>
+
+<file path=ppt/slides/slide25.xml><?xml version="1.0" encoding="utf-8"?>
+<p:sld xmlns:a="http://schemas.openxmlformats.org/drawingml/2006/main" xmlns:r="http://schemas.openxmlformats.org/officeDocument/2006/relationships" xmlns:p="http://schemas.openxmlformats.org/presentationml/2006/main">
+  <p:cSld>
+    <p:spTree>
+      <p:nvGrpSpPr>
+        <p:cNvPr id="1" name=""/>
+        <p:cNvGrpSpPr/>
+        <p:nvPr/>
+      </p:nvGrpSpPr>
+      <p:grpSpPr>
+        <a:xfrm>
+          <a:off x="0" y="0"/>
+          <a:ext cx="0" cy="0"/>
+          <a:chOff x="0" y="0"/>
+          <a:chExt cx="0" cy="0"/>
+        </a:xfrm>
+      </p:grpSpPr>
+      <p:sp>
+        <p:nvSpPr>
+          <p:cNvPr id="2" name="Title 1">
+            <a:extLst>
+              <a:ext uri="{FF2B5EF4-FFF2-40B4-BE49-F238E27FC236}">
                 <a16:creationId xmlns:a16="http://schemas.microsoft.com/office/drawing/2014/main" id="{04D47729-8FD8-0D9D-A19A-E17FF1E96435}"/>
               </a:ext>
             </a:extLst>
@@ -9226,7 +9950,7 @@
 </p:sld>
 </file>
 
-<file path=ppt/slides/slide25.xml><?xml version="1.0" encoding="utf-8"?>
+<file path=ppt/slides/slide26.xml><?xml version="1.0" encoding="utf-8"?>
 <p:sld xmlns:a="http://schemas.openxmlformats.org/drawingml/2006/main" xmlns:r="http://schemas.openxmlformats.org/officeDocument/2006/relationships" xmlns:p="http://schemas.openxmlformats.org/presentationml/2006/main">
   <p:cSld>
     <p:spTree>
@@ -11141,6 +11865,142 @@
 </file>
 
 <file path=customXml/item1.xml><?xml version="1.0" encoding="utf-8"?>
+<p:properties xmlns:p="http://schemas.microsoft.com/office/2006/metadata/properties" xmlns:xsi="http://www.w3.org/2001/XMLSchema-instance" xmlns:pc="http://schemas.microsoft.com/office/infopath/2007/PartnerControls">
+  <documentManagement>
+    <LocPublishedLinkedAssetsLookup xmlns="4873beb7-5857-4685-be1f-d57550cc96cc" xsi:nil="true"/>
+    <ApprovalStatus xmlns="4873beb7-5857-4685-be1f-d57550cc96cc">InProgress</ApprovalStatus>
+    <MarketSpecific xmlns="4873beb7-5857-4685-be1f-d57550cc96cc">false</MarketSpecific>
+    <LocComments xmlns="4873beb7-5857-4685-be1f-d57550cc96cc" xsi:nil="true"/>
+    <LocLastLocAttemptVersionTypeLookup xmlns="4873beb7-5857-4685-be1f-d57550cc96cc" xsi:nil="true"/>
+    <DirectSourceMarket xmlns="4873beb7-5857-4685-be1f-d57550cc96cc" xsi:nil="true"/>
+    <ThumbnailAssetId xmlns="4873beb7-5857-4685-be1f-d57550cc96cc" xsi:nil="true"/>
+    <PrimaryImageGen xmlns="4873beb7-5857-4685-be1f-d57550cc96cc">false</PrimaryImageGen>
+    <LocNewPublishedVersionLookup xmlns="4873beb7-5857-4685-be1f-d57550cc96cc" xsi:nil="true"/>
+    <LegacyData xmlns="4873beb7-5857-4685-be1f-d57550cc96cc" xsi:nil="true"/>
+    <LocRecommendedHandoff xmlns="4873beb7-5857-4685-be1f-d57550cc96cc" xsi:nil="true"/>
+    <BusinessGroup xmlns="4873beb7-5857-4685-be1f-d57550cc96cc" xsi:nil="true"/>
+    <BlockPublish xmlns="4873beb7-5857-4685-be1f-d57550cc96cc">false</BlockPublish>
+    <TPFriendlyName xmlns="4873beb7-5857-4685-be1f-d57550cc96cc" xsi:nil="true"/>
+    <LocOverallPublishStatusLookup xmlns="4873beb7-5857-4685-be1f-d57550cc96cc" xsi:nil="true"/>
+    <NumericId xmlns="4873beb7-5857-4685-be1f-d57550cc96cc" xsi:nil="true"/>
+    <APEditor xmlns="4873beb7-5857-4685-be1f-d57550cc96cc">
+      <UserInfo>
+        <DisplayName/>
+        <AccountId xsi:nil="true"/>
+        <AccountType/>
+      </UserInfo>
+    </APEditor>
+    <SourceTitle xmlns="4873beb7-5857-4685-be1f-d57550cc96cc" xsi:nil="true"/>
+    <OpenTemplate xmlns="4873beb7-5857-4685-be1f-d57550cc96cc">true</OpenTemplate>
+    <LocOverallLocStatusLookup xmlns="4873beb7-5857-4685-be1f-d57550cc96cc" xsi:nil="true"/>
+    <UALocComments xmlns="4873beb7-5857-4685-be1f-d57550cc96cc" xsi:nil="true"/>
+    <ParentAssetId xmlns="4873beb7-5857-4685-be1f-d57550cc96cc" xsi:nil="true"/>
+    <IntlLangReviewDate xmlns="4873beb7-5857-4685-be1f-d57550cc96cc" xsi:nil="true"/>
+    <FeatureTagsTaxHTField0 xmlns="4873beb7-5857-4685-be1f-d57550cc96cc">
+      <Terms xmlns="http://schemas.microsoft.com/office/infopath/2007/PartnerControls"/>
+    </FeatureTagsTaxHTField0>
+    <PublishStatusLookup xmlns="4873beb7-5857-4685-be1f-d57550cc96cc">
+      <Value>1345093</Value>
+    </PublishStatusLookup>
+    <Providers xmlns="4873beb7-5857-4685-be1f-d57550cc96cc" xsi:nil="true"/>
+    <MachineTranslated xmlns="4873beb7-5857-4685-be1f-d57550cc96cc">false</MachineTranslated>
+    <OriginalSourceMarket xmlns="4873beb7-5857-4685-be1f-d57550cc96cc" xsi:nil="true"/>
+    <APDescription xmlns="4873beb7-5857-4685-be1f-d57550cc96cc">This simple template design works for technology and  businesses, but it's versatile enough to use in other contexts.  It features multiple slide layouts designed for widescreen (16x9 resolution) and includes a sample SmartArt list and chart that are easily editable.</APDescription>
+    <ClipArtFilename xmlns="4873beb7-5857-4685-be1f-d57550cc96cc" xsi:nil="true"/>
+    <ContentItem xmlns="4873beb7-5857-4685-be1f-d57550cc96cc" xsi:nil="true"/>
+    <TPInstallLocation xmlns="4873beb7-5857-4685-be1f-d57550cc96cc" xsi:nil="true"/>
+    <PublishTargets xmlns="4873beb7-5857-4685-be1f-d57550cc96cc">OfficeOnlineVNext</PublishTargets>
+    <TimesCloned xmlns="4873beb7-5857-4685-be1f-d57550cc96cc" xsi:nil="true"/>
+    <AssetStart xmlns="4873beb7-5857-4685-be1f-d57550cc96cc">2011-11-26T00:30:00+00:00</AssetStart>
+    <Provider xmlns="4873beb7-5857-4685-be1f-d57550cc96cc" xsi:nil="true"/>
+    <AcquiredFrom xmlns="4873beb7-5857-4685-be1f-d57550cc96cc">Internal MS</AcquiredFrom>
+    <FriendlyTitle xmlns="4873beb7-5857-4685-be1f-d57550cc96cc" xsi:nil="true"/>
+    <LastHandOff xmlns="4873beb7-5857-4685-be1f-d57550cc96cc" xsi:nil="true"/>
+    <TPClientViewer xmlns="4873beb7-5857-4685-be1f-d57550cc96cc" xsi:nil="true"/>
+    <TemplateStatus xmlns="4873beb7-5857-4685-be1f-d57550cc96cc">Complete</TemplateStatus>
+    <Downloads xmlns="4873beb7-5857-4685-be1f-d57550cc96cc">0</Downloads>
+    <OOCacheId xmlns="4873beb7-5857-4685-be1f-d57550cc96cc" xsi:nil="true"/>
+    <IsDeleted xmlns="4873beb7-5857-4685-be1f-d57550cc96cc">false</IsDeleted>
+    <LocPublishedDependentAssetsLookup xmlns="4873beb7-5857-4685-be1f-d57550cc96cc" xsi:nil="true"/>
+    <TPExecutable xmlns="4873beb7-5857-4685-be1f-d57550cc96cc" xsi:nil="true"/>
+    <EditorialTags xmlns="4873beb7-5857-4685-be1f-d57550cc96cc" xsi:nil="true"/>
+    <SubmitterId xmlns="4873beb7-5857-4685-be1f-d57550cc96cc" xsi:nil="true"/>
+    <ApprovalLog xmlns="4873beb7-5857-4685-be1f-d57550cc96cc" xsi:nil="true"/>
+    <AssetType xmlns="4873beb7-5857-4685-be1f-d57550cc96cc">TP</AssetType>
+    <BugNumber xmlns="4873beb7-5857-4685-be1f-d57550cc96cc" xsi:nil="true"/>
+    <CSXSubmissionDate xmlns="4873beb7-5857-4685-be1f-d57550cc96cc" xsi:nil="true"/>
+    <CSXUpdate xmlns="4873beb7-5857-4685-be1f-d57550cc96cc">false</CSXUpdate>
+    <Milestone xmlns="4873beb7-5857-4685-be1f-d57550cc96cc" xsi:nil="true"/>
+    <RecommendationsModifier xmlns="4873beb7-5857-4685-be1f-d57550cc96cc" xsi:nil="true"/>
+    <OriginAsset xmlns="4873beb7-5857-4685-be1f-d57550cc96cc" xsi:nil="true"/>
+    <TPComponent xmlns="4873beb7-5857-4685-be1f-d57550cc96cc" xsi:nil="true"/>
+    <AssetId xmlns="4873beb7-5857-4685-be1f-d57550cc96cc">TP102787989</AssetId>
+    <IntlLocPriority xmlns="4873beb7-5857-4685-be1f-d57550cc96cc" xsi:nil="true"/>
+    <PolicheckWords xmlns="4873beb7-5857-4685-be1f-d57550cc96cc" xsi:nil="true"/>
+    <TPLaunchHelpLink xmlns="4873beb7-5857-4685-be1f-d57550cc96cc" xsi:nil="true"/>
+    <TPApplication xmlns="4873beb7-5857-4685-be1f-d57550cc96cc" xsi:nil="true"/>
+    <CrawlForDependencies xmlns="4873beb7-5857-4685-be1f-d57550cc96cc">false</CrawlForDependencies>
+    <HandoffToMSDN xmlns="4873beb7-5857-4685-be1f-d57550cc96cc" xsi:nil="true"/>
+    <PlannedPubDate xmlns="4873beb7-5857-4685-be1f-d57550cc96cc" xsi:nil="true"/>
+    <IntlLangReviewer xmlns="4873beb7-5857-4685-be1f-d57550cc96cc" xsi:nil="true"/>
+    <TrustLevel xmlns="4873beb7-5857-4685-be1f-d57550cc96cc">1 Microsoft Managed Content</TrustLevel>
+    <LocLastLocAttemptVersionLookup xmlns="4873beb7-5857-4685-be1f-d57550cc96cc">694266</LocLastLocAttemptVersionLookup>
+    <LocProcessedForHandoffsLookup xmlns="4873beb7-5857-4685-be1f-d57550cc96cc" xsi:nil="true"/>
+    <IsSearchable xmlns="4873beb7-5857-4685-be1f-d57550cc96cc">true</IsSearchable>
+    <TemplateTemplateType xmlns="4873beb7-5857-4685-be1f-d57550cc96cc">PowerPoint Presentation Template</TemplateTemplateType>
+    <CampaignTagsTaxHTField0 xmlns="4873beb7-5857-4685-be1f-d57550cc96cc">
+      <Terms xmlns="http://schemas.microsoft.com/office/infopath/2007/PartnerControls"/>
+    </CampaignTagsTaxHTField0>
+    <TPNamespace xmlns="4873beb7-5857-4685-be1f-d57550cc96cc" xsi:nil="true"/>
+    <LocOverallPreviewStatusLookup xmlns="4873beb7-5857-4685-be1f-d57550cc96cc" xsi:nil="true"/>
+    <TaxCatchAll xmlns="4873beb7-5857-4685-be1f-d57550cc96cc"/>
+    <Markets xmlns="4873beb7-5857-4685-be1f-d57550cc96cc"/>
+    <UAProjectedTotalWords xmlns="4873beb7-5857-4685-be1f-d57550cc96cc" xsi:nil="true"/>
+    <IntlLangReview xmlns="4873beb7-5857-4685-be1f-d57550cc96cc" xsi:nil="true"/>
+    <OutputCachingOn xmlns="4873beb7-5857-4685-be1f-d57550cc96cc">false</OutputCachingOn>
+    <AverageRating xmlns="4873beb7-5857-4685-be1f-d57550cc96cc" xsi:nil="true"/>
+    <APAuthor xmlns="4873beb7-5857-4685-be1f-d57550cc96cc">
+      <UserInfo>
+        <DisplayName>REDMOND\kristaa</DisplayName>
+        <AccountId>136</AccountId>
+        <AccountType/>
+      </UserInfo>
+    </APAuthor>
+    <LocManualTestRequired xmlns="4873beb7-5857-4685-be1f-d57550cc96cc">false</LocManualTestRequired>
+    <TPCommandLine xmlns="4873beb7-5857-4685-be1f-d57550cc96cc" xsi:nil="true"/>
+    <TPAppVersion xmlns="4873beb7-5857-4685-be1f-d57550cc96cc" xsi:nil="true"/>
+    <EditorialStatus xmlns="4873beb7-5857-4685-be1f-d57550cc96cc">Complete</EditorialStatus>
+    <LastModifiedDateTime xmlns="4873beb7-5857-4685-be1f-d57550cc96cc" xsi:nil="true"/>
+    <ScenarioTagsTaxHTField0 xmlns="4873beb7-5857-4685-be1f-d57550cc96cc">
+      <Terms xmlns="http://schemas.microsoft.com/office/infopath/2007/PartnerControls"/>
+    </ScenarioTagsTaxHTField0>
+    <LocProcessedForMarketsLookup xmlns="4873beb7-5857-4685-be1f-d57550cc96cc" xsi:nil="true"/>
+    <TPLaunchHelpLinkType xmlns="4873beb7-5857-4685-be1f-d57550cc96cc">Template</TPLaunchHelpLinkType>
+    <OriginalRelease xmlns="4873beb7-5857-4685-be1f-d57550cc96cc">15</OriginalRelease>
+    <LocalizationTagsTaxHTField0 xmlns="4873beb7-5857-4685-be1f-d57550cc96cc">
+      <Terms xmlns="http://schemas.microsoft.com/office/infopath/2007/PartnerControls"/>
+    </LocalizationTagsTaxHTField0>
+    <UACurrentWords xmlns="4873beb7-5857-4685-be1f-d57550cc96cc" xsi:nil="true"/>
+    <ArtSampleDocs xmlns="4873beb7-5857-4685-be1f-d57550cc96cc" xsi:nil="true"/>
+    <UALocRecommendation xmlns="4873beb7-5857-4685-be1f-d57550cc96cc">Localize</UALocRecommendation>
+    <Manager xmlns="4873beb7-5857-4685-be1f-d57550cc96cc" xsi:nil="true"/>
+    <LocOverallHandbackStatusLookup xmlns="4873beb7-5857-4685-be1f-d57550cc96cc" xsi:nil="true"/>
+    <ShowIn xmlns="4873beb7-5857-4685-be1f-d57550cc96cc">Show everywhere</ShowIn>
+    <UANotes xmlns="4873beb7-5857-4685-be1f-d57550cc96cc" xsi:nil="true"/>
+    <InternalTagsTaxHTField0 xmlns="4873beb7-5857-4685-be1f-d57550cc96cc">
+      <Terms xmlns="http://schemas.microsoft.com/office/infopath/2007/PartnerControls"/>
+    </InternalTagsTaxHTField0>
+    <CSXHash xmlns="4873beb7-5857-4685-be1f-d57550cc96cc" xsi:nil="true"/>
+    <VoteCount xmlns="4873beb7-5857-4685-be1f-d57550cc96cc" xsi:nil="true"/>
+    <AssetExpire xmlns="4873beb7-5857-4685-be1f-d57550cc96cc">2029-05-12T07:00:00+00:00</AssetExpire>
+    <DSATActionTaken xmlns="4873beb7-5857-4685-be1f-d57550cc96cc" xsi:nil="true"/>
+    <CSXSubmissionMarket xmlns="4873beb7-5857-4685-be1f-d57550cc96cc" xsi:nil="true"/>
+    <LocMarketGroupTiers2 xmlns="4873beb7-5857-4685-be1f-d57550cc96cc" xsi:nil="true"/>
+  </documentManagement>
+</p:properties>
+</file>
+
+<file path=customXml/item2.xml><?xml version="1.0" encoding="utf-8"?>
 <ct:contentTypeSchema xmlns:ct="http://schemas.microsoft.com/office/2006/metadata/contentType" xmlns:ma="http://schemas.microsoft.com/office/2006/metadata/properties/metaAttributes" ct:_="" ma:_="" ma:contentTypeName="TemplateFile" ma:contentTypeID="0x0101006EDDDB5EE6D98C44930B742096920B300400F5B6D36B3EF94B4E9A635CDF2A18F5B8" ma:contentTypeVersion="72" ma:contentTypeDescription="Create a new document." ma:contentTypeScope="" ma:versionID="a23e56308344d904b51738559c3d67c9">
   <xsd:schema xmlns:xsd="http://www.w3.org/2001/XMLSchema" xmlns:xs="http://www.w3.org/2001/XMLSchema" xmlns:p="http://schemas.microsoft.com/office/2006/metadata/properties" xmlns:ns2="4873beb7-5857-4685-be1f-d57550cc96cc" targetNamespace="http://schemas.microsoft.com/office/2006/metadata/properties" ma:root="true" ma:fieldsID="cd0908cc4600e77bf5da051303e00c8d" ns2:_="">
     <xsd:import namespace="4873beb7-5857-4685-be1f-d57550cc96cc"/>
@@ -12180,142 +13040,6 @@
 </ct:contentTypeSchema>
 </file>
 
-<file path=customXml/item2.xml><?xml version="1.0" encoding="utf-8"?>
-<p:properties xmlns:p="http://schemas.microsoft.com/office/2006/metadata/properties" xmlns:xsi="http://www.w3.org/2001/XMLSchema-instance" xmlns:pc="http://schemas.microsoft.com/office/infopath/2007/PartnerControls">
-  <documentManagement>
-    <LocPublishedLinkedAssetsLookup xmlns="4873beb7-5857-4685-be1f-d57550cc96cc" xsi:nil="true"/>
-    <ApprovalStatus xmlns="4873beb7-5857-4685-be1f-d57550cc96cc">InProgress</ApprovalStatus>
-    <MarketSpecific xmlns="4873beb7-5857-4685-be1f-d57550cc96cc">false</MarketSpecific>
-    <LocComments xmlns="4873beb7-5857-4685-be1f-d57550cc96cc" xsi:nil="true"/>
-    <LocLastLocAttemptVersionTypeLookup xmlns="4873beb7-5857-4685-be1f-d57550cc96cc" xsi:nil="true"/>
-    <DirectSourceMarket xmlns="4873beb7-5857-4685-be1f-d57550cc96cc" xsi:nil="true"/>
-    <ThumbnailAssetId xmlns="4873beb7-5857-4685-be1f-d57550cc96cc" xsi:nil="true"/>
-    <PrimaryImageGen xmlns="4873beb7-5857-4685-be1f-d57550cc96cc">false</PrimaryImageGen>
-    <LocNewPublishedVersionLookup xmlns="4873beb7-5857-4685-be1f-d57550cc96cc" xsi:nil="true"/>
-    <LegacyData xmlns="4873beb7-5857-4685-be1f-d57550cc96cc" xsi:nil="true"/>
-    <LocRecommendedHandoff xmlns="4873beb7-5857-4685-be1f-d57550cc96cc" xsi:nil="true"/>
-    <BusinessGroup xmlns="4873beb7-5857-4685-be1f-d57550cc96cc" xsi:nil="true"/>
-    <BlockPublish xmlns="4873beb7-5857-4685-be1f-d57550cc96cc">false</BlockPublish>
-    <TPFriendlyName xmlns="4873beb7-5857-4685-be1f-d57550cc96cc" xsi:nil="true"/>
-    <LocOverallPublishStatusLookup xmlns="4873beb7-5857-4685-be1f-d57550cc96cc" xsi:nil="true"/>
-    <NumericId xmlns="4873beb7-5857-4685-be1f-d57550cc96cc" xsi:nil="true"/>
-    <APEditor xmlns="4873beb7-5857-4685-be1f-d57550cc96cc">
-      <UserInfo>
-        <DisplayName/>
-        <AccountId xsi:nil="true"/>
-        <AccountType/>
-      </UserInfo>
-    </APEditor>
-    <SourceTitle xmlns="4873beb7-5857-4685-be1f-d57550cc96cc" xsi:nil="true"/>
-    <OpenTemplate xmlns="4873beb7-5857-4685-be1f-d57550cc96cc">true</OpenTemplate>
-    <LocOverallLocStatusLookup xmlns="4873beb7-5857-4685-be1f-d57550cc96cc" xsi:nil="true"/>
-    <UALocComments xmlns="4873beb7-5857-4685-be1f-d57550cc96cc" xsi:nil="true"/>
-    <ParentAssetId xmlns="4873beb7-5857-4685-be1f-d57550cc96cc" xsi:nil="true"/>
-    <IntlLangReviewDate xmlns="4873beb7-5857-4685-be1f-d57550cc96cc" xsi:nil="true"/>
-    <FeatureTagsTaxHTField0 xmlns="4873beb7-5857-4685-be1f-d57550cc96cc">
-      <Terms xmlns="http://schemas.microsoft.com/office/infopath/2007/PartnerControls"/>
-    </FeatureTagsTaxHTField0>
-    <PublishStatusLookup xmlns="4873beb7-5857-4685-be1f-d57550cc96cc">
-      <Value>1345093</Value>
-    </PublishStatusLookup>
-    <Providers xmlns="4873beb7-5857-4685-be1f-d57550cc96cc" xsi:nil="true"/>
-    <MachineTranslated xmlns="4873beb7-5857-4685-be1f-d57550cc96cc">false</MachineTranslated>
-    <OriginalSourceMarket xmlns="4873beb7-5857-4685-be1f-d57550cc96cc" xsi:nil="true"/>
-    <APDescription xmlns="4873beb7-5857-4685-be1f-d57550cc96cc">This simple template design works for technology and  businesses, but it's versatile enough to use in other contexts.  It features multiple slide layouts designed for widescreen (16x9 resolution) and includes a sample SmartArt list and chart that are easily editable.</APDescription>
-    <ClipArtFilename xmlns="4873beb7-5857-4685-be1f-d57550cc96cc" xsi:nil="true"/>
-    <ContentItem xmlns="4873beb7-5857-4685-be1f-d57550cc96cc" xsi:nil="true"/>
-    <TPInstallLocation xmlns="4873beb7-5857-4685-be1f-d57550cc96cc" xsi:nil="true"/>
-    <PublishTargets xmlns="4873beb7-5857-4685-be1f-d57550cc96cc">OfficeOnlineVNext</PublishTargets>
-    <TimesCloned xmlns="4873beb7-5857-4685-be1f-d57550cc96cc" xsi:nil="true"/>
-    <AssetStart xmlns="4873beb7-5857-4685-be1f-d57550cc96cc">2011-11-26T00:30:00+00:00</AssetStart>
-    <Provider xmlns="4873beb7-5857-4685-be1f-d57550cc96cc" xsi:nil="true"/>
-    <AcquiredFrom xmlns="4873beb7-5857-4685-be1f-d57550cc96cc">Internal MS</AcquiredFrom>
-    <FriendlyTitle xmlns="4873beb7-5857-4685-be1f-d57550cc96cc" xsi:nil="true"/>
-    <LastHandOff xmlns="4873beb7-5857-4685-be1f-d57550cc96cc" xsi:nil="true"/>
-    <TPClientViewer xmlns="4873beb7-5857-4685-be1f-d57550cc96cc" xsi:nil="true"/>
-    <TemplateStatus xmlns="4873beb7-5857-4685-be1f-d57550cc96cc">Complete</TemplateStatus>
-    <Downloads xmlns="4873beb7-5857-4685-be1f-d57550cc96cc">0</Downloads>
-    <OOCacheId xmlns="4873beb7-5857-4685-be1f-d57550cc96cc" xsi:nil="true"/>
-    <IsDeleted xmlns="4873beb7-5857-4685-be1f-d57550cc96cc">false</IsDeleted>
-    <LocPublishedDependentAssetsLookup xmlns="4873beb7-5857-4685-be1f-d57550cc96cc" xsi:nil="true"/>
-    <TPExecutable xmlns="4873beb7-5857-4685-be1f-d57550cc96cc" xsi:nil="true"/>
-    <EditorialTags xmlns="4873beb7-5857-4685-be1f-d57550cc96cc" xsi:nil="true"/>
-    <SubmitterId xmlns="4873beb7-5857-4685-be1f-d57550cc96cc" xsi:nil="true"/>
-    <ApprovalLog xmlns="4873beb7-5857-4685-be1f-d57550cc96cc" xsi:nil="true"/>
-    <AssetType xmlns="4873beb7-5857-4685-be1f-d57550cc96cc">TP</AssetType>
-    <BugNumber xmlns="4873beb7-5857-4685-be1f-d57550cc96cc" xsi:nil="true"/>
-    <CSXSubmissionDate xmlns="4873beb7-5857-4685-be1f-d57550cc96cc" xsi:nil="true"/>
-    <CSXUpdate xmlns="4873beb7-5857-4685-be1f-d57550cc96cc">false</CSXUpdate>
-    <Milestone xmlns="4873beb7-5857-4685-be1f-d57550cc96cc" xsi:nil="true"/>
-    <RecommendationsModifier xmlns="4873beb7-5857-4685-be1f-d57550cc96cc" xsi:nil="true"/>
-    <OriginAsset xmlns="4873beb7-5857-4685-be1f-d57550cc96cc" xsi:nil="true"/>
-    <TPComponent xmlns="4873beb7-5857-4685-be1f-d57550cc96cc" xsi:nil="true"/>
-    <AssetId xmlns="4873beb7-5857-4685-be1f-d57550cc96cc">TP102787989</AssetId>
-    <IntlLocPriority xmlns="4873beb7-5857-4685-be1f-d57550cc96cc" xsi:nil="true"/>
-    <PolicheckWords xmlns="4873beb7-5857-4685-be1f-d57550cc96cc" xsi:nil="true"/>
-    <TPLaunchHelpLink xmlns="4873beb7-5857-4685-be1f-d57550cc96cc" xsi:nil="true"/>
-    <TPApplication xmlns="4873beb7-5857-4685-be1f-d57550cc96cc" xsi:nil="true"/>
-    <CrawlForDependencies xmlns="4873beb7-5857-4685-be1f-d57550cc96cc">false</CrawlForDependencies>
-    <HandoffToMSDN xmlns="4873beb7-5857-4685-be1f-d57550cc96cc" xsi:nil="true"/>
-    <PlannedPubDate xmlns="4873beb7-5857-4685-be1f-d57550cc96cc" xsi:nil="true"/>
-    <IntlLangReviewer xmlns="4873beb7-5857-4685-be1f-d57550cc96cc" xsi:nil="true"/>
-    <TrustLevel xmlns="4873beb7-5857-4685-be1f-d57550cc96cc">1 Microsoft Managed Content</TrustLevel>
-    <LocLastLocAttemptVersionLookup xmlns="4873beb7-5857-4685-be1f-d57550cc96cc">694266</LocLastLocAttemptVersionLookup>
-    <LocProcessedForHandoffsLookup xmlns="4873beb7-5857-4685-be1f-d57550cc96cc" xsi:nil="true"/>
-    <IsSearchable xmlns="4873beb7-5857-4685-be1f-d57550cc96cc">true</IsSearchable>
-    <TemplateTemplateType xmlns="4873beb7-5857-4685-be1f-d57550cc96cc">PowerPoint Presentation Template</TemplateTemplateType>
-    <CampaignTagsTaxHTField0 xmlns="4873beb7-5857-4685-be1f-d57550cc96cc">
-      <Terms xmlns="http://schemas.microsoft.com/office/infopath/2007/PartnerControls"/>
-    </CampaignTagsTaxHTField0>
-    <TPNamespace xmlns="4873beb7-5857-4685-be1f-d57550cc96cc" xsi:nil="true"/>
-    <LocOverallPreviewStatusLookup xmlns="4873beb7-5857-4685-be1f-d57550cc96cc" xsi:nil="true"/>
-    <TaxCatchAll xmlns="4873beb7-5857-4685-be1f-d57550cc96cc"/>
-    <Markets xmlns="4873beb7-5857-4685-be1f-d57550cc96cc"/>
-    <UAProjectedTotalWords xmlns="4873beb7-5857-4685-be1f-d57550cc96cc" xsi:nil="true"/>
-    <IntlLangReview xmlns="4873beb7-5857-4685-be1f-d57550cc96cc" xsi:nil="true"/>
-    <OutputCachingOn xmlns="4873beb7-5857-4685-be1f-d57550cc96cc">false</OutputCachingOn>
-    <AverageRating xmlns="4873beb7-5857-4685-be1f-d57550cc96cc" xsi:nil="true"/>
-    <APAuthor xmlns="4873beb7-5857-4685-be1f-d57550cc96cc">
-      <UserInfo>
-        <DisplayName>REDMOND\kristaa</DisplayName>
-        <AccountId>136</AccountId>
-        <AccountType/>
-      </UserInfo>
-    </APAuthor>
-    <LocManualTestRequired xmlns="4873beb7-5857-4685-be1f-d57550cc96cc">false</LocManualTestRequired>
-    <TPCommandLine xmlns="4873beb7-5857-4685-be1f-d57550cc96cc" xsi:nil="true"/>
-    <TPAppVersion xmlns="4873beb7-5857-4685-be1f-d57550cc96cc" xsi:nil="true"/>
-    <EditorialStatus xmlns="4873beb7-5857-4685-be1f-d57550cc96cc">Complete</EditorialStatus>
-    <LastModifiedDateTime xmlns="4873beb7-5857-4685-be1f-d57550cc96cc" xsi:nil="true"/>
-    <ScenarioTagsTaxHTField0 xmlns="4873beb7-5857-4685-be1f-d57550cc96cc">
-      <Terms xmlns="http://schemas.microsoft.com/office/infopath/2007/PartnerControls"/>
-    </ScenarioTagsTaxHTField0>
-    <LocProcessedForMarketsLookup xmlns="4873beb7-5857-4685-be1f-d57550cc96cc" xsi:nil="true"/>
-    <TPLaunchHelpLinkType xmlns="4873beb7-5857-4685-be1f-d57550cc96cc">Template</TPLaunchHelpLinkType>
-    <OriginalRelease xmlns="4873beb7-5857-4685-be1f-d57550cc96cc">15</OriginalRelease>
-    <LocalizationTagsTaxHTField0 xmlns="4873beb7-5857-4685-be1f-d57550cc96cc">
-      <Terms xmlns="http://schemas.microsoft.com/office/infopath/2007/PartnerControls"/>
-    </LocalizationTagsTaxHTField0>
-    <UACurrentWords xmlns="4873beb7-5857-4685-be1f-d57550cc96cc" xsi:nil="true"/>
-    <ArtSampleDocs xmlns="4873beb7-5857-4685-be1f-d57550cc96cc" xsi:nil="true"/>
-    <UALocRecommendation xmlns="4873beb7-5857-4685-be1f-d57550cc96cc">Localize</UALocRecommendation>
-    <Manager xmlns="4873beb7-5857-4685-be1f-d57550cc96cc" xsi:nil="true"/>
-    <LocOverallHandbackStatusLookup xmlns="4873beb7-5857-4685-be1f-d57550cc96cc" xsi:nil="true"/>
-    <ShowIn xmlns="4873beb7-5857-4685-be1f-d57550cc96cc">Show everywhere</ShowIn>
-    <UANotes xmlns="4873beb7-5857-4685-be1f-d57550cc96cc" xsi:nil="true"/>
-    <InternalTagsTaxHTField0 xmlns="4873beb7-5857-4685-be1f-d57550cc96cc">
-      <Terms xmlns="http://schemas.microsoft.com/office/infopath/2007/PartnerControls"/>
-    </InternalTagsTaxHTField0>
-    <CSXHash xmlns="4873beb7-5857-4685-be1f-d57550cc96cc" xsi:nil="true"/>
-    <VoteCount xmlns="4873beb7-5857-4685-be1f-d57550cc96cc" xsi:nil="true"/>
-    <AssetExpire xmlns="4873beb7-5857-4685-be1f-d57550cc96cc">2029-05-12T07:00:00+00:00</AssetExpire>
-    <DSATActionTaken xmlns="4873beb7-5857-4685-be1f-d57550cc96cc" xsi:nil="true"/>
-    <CSXSubmissionMarket xmlns="4873beb7-5857-4685-be1f-d57550cc96cc" xsi:nil="true"/>
-    <LocMarketGroupTiers2 xmlns="4873beb7-5857-4685-be1f-d57550cc96cc" xsi:nil="true"/>
-  </documentManagement>
-</p:properties>
-</file>
-
 <file path=customXml/item3.xml><?xml version="1.0" encoding="utf-8"?>
 <?mso-contentType ?>
 <FormTemplates xmlns="http://schemas.microsoft.com/sharepoint/v3/contenttype/forms">
@@ -12326,6 +13050,22 @@
 </file>
 
 <file path=customXml/itemProps1.xml><?xml version="1.0" encoding="utf-8"?>
+<ds:datastoreItem xmlns:ds="http://schemas.openxmlformats.org/officeDocument/2006/customXml" ds:itemID="{60C67BEE-D13F-4BD2-98A5-34D8A0977F68}">
+  <ds:schemaRefs>
+    <ds:schemaRef ds:uri="4873beb7-5857-4685-be1f-d57550cc96cc"/>
+    <ds:schemaRef ds:uri="http://schemas.openxmlformats.org/package/2006/metadata/core-properties"/>
+    <ds:schemaRef ds:uri="http://purl.org/dc/terms/"/>
+    <ds:schemaRef ds:uri="http://schemas.microsoft.com/office/2006/documentManagement/types"/>
+    <ds:schemaRef ds:uri="http://purl.org/dc/elements/1.1/"/>
+    <ds:schemaRef ds:uri="http://schemas.microsoft.com/office/2006/metadata/properties"/>
+    <ds:schemaRef ds:uri="http://schemas.microsoft.com/office/infopath/2007/PartnerControls"/>
+    <ds:schemaRef ds:uri="http://www.w3.org/XML/1998/namespace"/>
+    <ds:schemaRef ds:uri="http://purl.org/dc/dcmitype/"/>
+  </ds:schemaRefs>
+</ds:datastoreItem>
+</file>
+
+<file path=customXml/itemProps2.xml><?xml version="1.0" encoding="utf-8"?>
 <ds:datastoreItem xmlns:ds="http://schemas.openxmlformats.org/officeDocument/2006/customXml" ds:itemID="{A09BF4D4-EF60-4196-BFC3-9462D607978C}">
   <ds:schemaRefs>
     <ds:schemaRef ds:uri="http://schemas.microsoft.com/office/2006/metadata/contentType"/>
@@ -12343,22 +13083,6 @@
 </ds:datastoreItem>
 </file>
 
-<file path=customXml/itemProps2.xml><?xml version="1.0" encoding="utf-8"?>
-<ds:datastoreItem xmlns:ds="http://schemas.openxmlformats.org/officeDocument/2006/customXml" ds:itemID="{60C67BEE-D13F-4BD2-98A5-34D8A0977F68}">
-  <ds:schemaRefs>
-    <ds:schemaRef ds:uri="4873beb7-5857-4685-be1f-d57550cc96cc"/>
-    <ds:schemaRef ds:uri="http://schemas.openxmlformats.org/package/2006/metadata/core-properties"/>
-    <ds:schemaRef ds:uri="http://purl.org/dc/terms/"/>
-    <ds:schemaRef ds:uri="http://schemas.microsoft.com/office/2006/documentManagement/types"/>
-    <ds:schemaRef ds:uri="http://purl.org/dc/elements/1.1/"/>
-    <ds:schemaRef ds:uri="http://schemas.microsoft.com/office/2006/metadata/properties"/>
-    <ds:schemaRef ds:uri="http://schemas.microsoft.com/office/infopath/2007/PartnerControls"/>
-    <ds:schemaRef ds:uri="http://www.w3.org/XML/1998/namespace"/>
-    <ds:schemaRef ds:uri="http://purl.org/dc/dcmitype/"/>
-  </ds:schemaRefs>
-</ds:datastoreItem>
-</file>
-
 <file path=customXml/itemProps3.xml><?xml version="1.0" encoding="utf-8"?>
 <ds:datastoreItem xmlns:ds="http://schemas.openxmlformats.org/officeDocument/2006/customXml" ds:itemID="{3836F65B-1B07-41EE-A0E8-BC6EF3855225}">
   <ds:schemaRefs>

--- a/Activities/Activity 2/RabbitMQ – components, benefits and application.pptx
+++ b/Activities/Activity 2/RabbitMQ – components, benefits and application.pptx
@@ -5,10 +5,10 @@
     <p:sldMasterId id="2147483660" r:id="rId4"/>
   </p:sldMasterIdLst>
   <p:notesMasterIdLst>
-    <p:notesMasterId r:id="rId31"/>
+    <p:notesMasterId r:id="rId33"/>
   </p:notesMasterIdLst>
   <p:handoutMasterIdLst>
-    <p:handoutMasterId r:id="rId32"/>
+    <p:handoutMasterId r:id="rId34"/>
   </p:handoutMasterIdLst>
   <p:sldIdLst>
     <p:sldId id="257" r:id="rId5"/>
@@ -33,10 +33,12 @@
     <p:sldId id="264" r:id="rId24"/>
     <p:sldId id="265" r:id="rId25"/>
     <p:sldId id="275" r:id="rId26"/>
-    <p:sldId id="276" r:id="rId27"/>
-    <p:sldId id="277" r:id="rId28"/>
-    <p:sldId id="272" r:id="rId29"/>
-    <p:sldId id="266" r:id="rId30"/>
+    <p:sldId id="283" r:id="rId27"/>
+    <p:sldId id="284" r:id="rId28"/>
+    <p:sldId id="276" r:id="rId29"/>
+    <p:sldId id="277" r:id="rId30"/>
+    <p:sldId id="272" r:id="rId31"/>
+    <p:sldId id="266" r:id="rId32"/>
   </p:sldIdLst>
   <p:sldSz cx="12188825" cy="6858000"/>
   <p:notesSz cx="6858000" cy="9144000"/>
@@ -1846,6 +1848,95 @@
               </a:rPr>
               <a:t>Allows the message to be requeued in case of failure.</a:t>
             </a:r>
+          </a:p>
+          <a:p>
+            <a:pPr marL="342900" lvl="0" indent="-342900" algn="l">
+              <a:buFont typeface="+mj-lt"/>
+              <a:buAutoNum type="arabicPeriod"/>
+            </a:pPr>
+            <a:r>
+              <a:rPr lang="en-GB" b="0" i="0" u="none" strike="noStrike" baseline="0" dirty="0">
+                <a:latin typeface="CMR12"/>
+              </a:rPr>
+              <a:t>Cluster creation:</a:t>
+            </a:r>
+          </a:p>
+          <a:p>
+            <a:pPr marL="952393" marR="0" lvl="1" indent="-342900" algn="l" defTabSz="1218987" rtl="0" eaLnBrk="1" fontAlgn="auto" latinLnBrk="0" hangingPunct="1">
+              <a:lnSpc>
+                <a:spcPct val="100000"/>
+              </a:lnSpc>
+              <a:spcBef>
+                <a:spcPts val="0"/>
+              </a:spcBef>
+              <a:spcAft>
+                <a:spcPts val="0"/>
+              </a:spcAft>
+              <a:buClrTx/>
+              <a:buSzTx/>
+              <a:buFont typeface="+mj-lt"/>
+              <a:buAutoNum type="arabicPeriod"/>
+              <a:tabLst/>
+              <a:defRPr/>
+            </a:pPr>
+            <a:r>
+              <a:rPr lang="en-GB" dirty="0"/>
+              <a:t>Sometimes, RabbitMQ has to be able to process more than thousands of messages per second without impacting on the app’s performance. For this, RabbitMQ allows the creation of clusters to scale horizontally the solution</a:t>
+            </a:r>
+          </a:p>
+          <a:p>
+            <a:pPr marL="342900" lvl="0" indent="-342900" algn="l">
+              <a:buFont typeface="+mj-lt"/>
+              <a:buAutoNum type="arabicPeriod"/>
+            </a:pPr>
+            <a:r>
+              <a:rPr lang="en-GB" dirty="0"/>
+              <a:t>Security.</a:t>
+            </a:r>
+          </a:p>
+          <a:p>
+            <a:pPr marL="952393" lvl="1" indent="-342900" algn="l">
+              <a:buFont typeface="+mj-lt"/>
+              <a:buAutoNum type="arabicPeriod"/>
+            </a:pPr>
+            <a:r>
+              <a:rPr lang="en-GB" dirty="0"/>
+              <a:t>TLS.</a:t>
+            </a:r>
+          </a:p>
+          <a:p>
+            <a:pPr marL="1561887" lvl="2" indent="-342900" algn="l">
+              <a:buFont typeface="+mj-lt"/>
+              <a:buAutoNum type="arabicPeriod"/>
+            </a:pPr>
+            <a:r>
+              <a:rPr lang="en-GB" sz="1800" b="0" i="0" u="none" strike="noStrike" baseline="0" dirty="0">
+                <a:latin typeface="CMR12"/>
+              </a:rPr>
+              <a:t>TLS is a cryptographic protocol that provides secure connections through a network, commonly the Internet.</a:t>
+            </a:r>
+          </a:p>
+          <a:p>
+            <a:pPr marL="342900" lvl="0" indent="-342900" algn="l">
+              <a:buFont typeface="+mj-lt"/>
+              <a:buAutoNum type="arabicPeriod"/>
+            </a:pPr>
+            <a:r>
+              <a:rPr lang="en-GB" dirty="0"/>
+              <a:t>Available:</a:t>
+            </a:r>
+          </a:p>
+          <a:p>
+            <a:pPr marL="952393" lvl="1" indent="-342900" algn="l">
+              <a:buFont typeface="+mj-lt"/>
+              <a:buAutoNum type="arabicPeriod"/>
+            </a:pPr>
+            <a:r>
+              <a:rPr lang="en-GB" sz="1800" b="0" i="0" u="none" strike="noStrike" baseline="0" dirty="0">
+                <a:latin typeface="CMR12"/>
+              </a:rPr>
+              <a:t>the queues can be replicated in several nodes of the cluster, providing the security that in case of failure of a node the broker can keep receiving messages of the producers and keep delivering them to the proper consumers</a:t>
+            </a:r>
             <a:endParaRPr lang="en-GB" dirty="0"/>
           </a:p>
         </p:txBody>
@@ -1877,6 +1968,120 @@
     <p:extLst>
       <p:ext uri="{BB962C8B-B14F-4D97-AF65-F5344CB8AC3E}">
         <p14:creationId xmlns:p14="http://schemas.microsoft.com/office/powerpoint/2010/main" val="556528160"/>
+      </p:ext>
+    </p:extLst>
+  </p:cSld>
+  <p:clrMapOvr>
+    <a:masterClrMapping/>
+  </p:clrMapOvr>
+</p:notes>
+</file>
+
+<file path=ppt/notesSlides/notesSlide19.xml><?xml version="1.0" encoding="utf-8"?>
+<p:notes xmlns:a="http://schemas.openxmlformats.org/drawingml/2006/main" xmlns:r="http://schemas.openxmlformats.org/officeDocument/2006/relationships" xmlns:p="http://schemas.openxmlformats.org/presentationml/2006/main">
+  <p:cSld>
+    <p:spTree>
+      <p:nvGrpSpPr>
+        <p:cNvPr id="1" name=""/>
+        <p:cNvGrpSpPr/>
+        <p:nvPr/>
+      </p:nvGrpSpPr>
+      <p:grpSpPr>
+        <a:xfrm>
+          <a:off x="0" y="0"/>
+          <a:ext cx="0" cy="0"/>
+          <a:chOff x="0" y="0"/>
+          <a:chExt cx="0" cy="0"/>
+        </a:xfrm>
+      </p:grpSpPr>
+      <p:sp>
+        <p:nvSpPr>
+          <p:cNvPr id="2" name="Slide Image Placeholder 1"/>
+          <p:cNvSpPr>
+            <a:spLocks noGrp="1" noRot="1" noChangeAspect="1"/>
+          </p:cNvSpPr>
+          <p:nvPr>
+            <p:ph type="sldImg"/>
+          </p:nvPr>
+        </p:nvSpPr>
+        <p:spPr/>
+      </p:sp>
+      <p:sp>
+        <p:nvSpPr>
+          <p:cNvPr id="3" name="Notes Placeholder 2"/>
+          <p:cNvSpPr>
+            <a:spLocks noGrp="1"/>
+          </p:cNvSpPr>
+          <p:nvPr>
+            <p:ph type="body" idx="1"/>
+          </p:nvPr>
+        </p:nvSpPr>
+        <p:spPr/>
+        <p:txBody>
+          <a:bodyPr/>
+          <a:lstStyle/>
+          <a:p>
+            <a:pPr marL="285750" indent="-285750">
+              <a:buFont typeface="Arial" panose="020B0604020202020204" pitchFamily="34" charset="0"/>
+              <a:buChar char="•"/>
+            </a:pPr>
+            <a:r>
+              <a:rPr lang="en-GB" dirty="0"/>
+              <a:t>Complexity: RabbitMQ is user-friendly and it’s easy to modify the configurations to suit the expected porpoise.</a:t>
+            </a:r>
+          </a:p>
+          <a:p>
+            <a:pPr marL="285750" indent="-285750">
+              <a:buFont typeface="Arial" panose="020B0604020202020204" pitchFamily="34" charset="0"/>
+              <a:buChar char="•"/>
+            </a:pPr>
+            <a:r>
+              <a:rPr lang="en-GB" dirty="0"/>
+              <a:t>Latency: Has the lowest latency of the market.</a:t>
+            </a:r>
+          </a:p>
+          <a:p>
+            <a:pPr marL="285750" indent="-285750">
+              <a:buFont typeface="Arial" panose="020B0604020202020204" pitchFamily="34" charset="0"/>
+              <a:buChar char="•"/>
+            </a:pPr>
+            <a:r>
+              <a:rPr lang="en-GB" dirty="0"/>
+              <a:t>Performance: Has one of the best yields of the market</a:t>
+            </a:r>
+          </a:p>
+          <a:p>
+            <a:endParaRPr lang="en-GB" dirty="0"/>
+          </a:p>
+        </p:txBody>
+      </p:sp>
+      <p:sp>
+        <p:nvSpPr>
+          <p:cNvPr id="4" name="Slide Number Placeholder 3"/>
+          <p:cNvSpPr>
+            <a:spLocks noGrp="1"/>
+          </p:cNvSpPr>
+          <p:nvPr>
+            <p:ph type="sldNum" sz="quarter" idx="5"/>
+          </p:nvPr>
+        </p:nvSpPr>
+        <p:spPr/>
+        <p:txBody>
+          <a:bodyPr/>
+          <a:lstStyle/>
+          <a:p>
+            <a:fld id="{3EBA5BD7-F043-4D1B-AA17-CD412FC534DE}" type="slidenum">
+              <a:rPr lang="en-GB" smtClean="0"/>
+              <a:t>24</a:t>
+            </a:fld>
+            <a:endParaRPr lang="en-GB"/>
+          </a:p>
+        </p:txBody>
+      </p:sp>
+    </p:spTree>
+    <p:extLst>
+      <p:ext uri="{BB962C8B-B14F-4D97-AF65-F5344CB8AC3E}">
+        <p14:creationId xmlns:p14="http://schemas.microsoft.com/office/powerpoint/2010/main" val="396530096"/>
       </p:ext>
     </p:extLst>
   </p:cSld>
@@ -1995,6 +2200,506 @@
     <p:extLst>
       <p:ext uri="{BB962C8B-B14F-4D97-AF65-F5344CB8AC3E}">
         <p14:creationId xmlns:p14="http://schemas.microsoft.com/office/powerpoint/2010/main" val="4124506834"/>
+      </p:ext>
+    </p:extLst>
+  </p:cSld>
+  <p:clrMapOvr>
+    <a:masterClrMapping/>
+  </p:clrMapOvr>
+</p:notes>
+</file>
+
+<file path=ppt/notesSlides/notesSlide20.xml><?xml version="1.0" encoding="utf-8"?>
+<p:notes xmlns:a="http://schemas.openxmlformats.org/drawingml/2006/main" xmlns:r="http://schemas.openxmlformats.org/officeDocument/2006/relationships" xmlns:p="http://schemas.openxmlformats.org/presentationml/2006/main">
+  <p:cSld>
+    <p:spTree>
+      <p:nvGrpSpPr>
+        <p:cNvPr id="1" name=""/>
+        <p:cNvGrpSpPr/>
+        <p:nvPr/>
+      </p:nvGrpSpPr>
+      <p:grpSpPr>
+        <a:xfrm>
+          <a:off x="0" y="0"/>
+          <a:ext cx="0" cy="0"/>
+          <a:chOff x="0" y="0"/>
+          <a:chExt cx="0" cy="0"/>
+        </a:xfrm>
+      </p:grpSpPr>
+      <p:sp>
+        <p:nvSpPr>
+          <p:cNvPr id="2" name="Slide Image Placeholder 1"/>
+          <p:cNvSpPr>
+            <a:spLocks noGrp="1" noRot="1" noChangeAspect="1"/>
+          </p:cNvSpPr>
+          <p:nvPr>
+            <p:ph type="sldImg"/>
+          </p:nvPr>
+        </p:nvSpPr>
+        <p:spPr/>
+      </p:sp>
+      <p:sp>
+        <p:nvSpPr>
+          <p:cNvPr id="3" name="Notes Placeholder 2"/>
+          <p:cNvSpPr>
+            <a:spLocks noGrp="1"/>
+          </p:cNvSpPr>
+          <p:nvPr>
+            <p:ph type="body" idx="1"/>
+          </p:nvPr>
+        </p:nvSpPr>
+        <p:spPr/>
+        <p:txBody>
+          <a:bodyPr/>
+          <a:lstStyle/>
+          <a:p>
+            <a:pPr marL="285750" indent="-285750">
+              <a:buFont typeface="Arial" panose="020B0604020202020204" pitchFamily="34" charset="0"/>
+              <a:buChar char="•"/>
+            </a:pPr>
+            <a:r>
+              <a:rPr lang="en-GB" dirty="0"/>
+              <a:t>Latency: The consumers will balloon in memory as they buffer all the messages in their own RAM.</a:t>
+            </a:r>
+          </a:p>
+          <a:p>
+            <a:pPr marL="895243" lvl="1" indent="-285750">
+              <a:buFont typeface="Arial" panose="020B0604020202020204" pitchFamily="34" charset="0"/>
+              <a:buChar char="•"/>
+            </a:pPr>
+            <a:r>
+              <a:rPr lang="en-GB" dirty="0"/>
+              <a:t>A big buffer results in a lot of extra latency if the network performs normally</a:t>
+            </a:r>
+          </a:p>
+          <a:p>
+            <a:pPr marL="895243" lvl="1" indent="-285750">
+              <a:buFont typeface="Arial" panose="020B0604020202020204" pitchFamily="34" charset="0"/>
+              <a:buChar char="•"/>
+            </a:pPr>
+            <a:r>
+              <a:rPr lang="en-GB" dirty="0"/>
+              <a:t>And huge amounts of extra latency if the client suddenly starts taking longer to process the messages.</a:t>
+            </a:r>
+          </a:p>
+          <a:p>
+            <a:pPr marL="285750" marR="0" lvl="0" indent="-285750" algn="l" defTabSz="1218987" rtl="0" eaLnBrk="1" fontAlgn="auto" latinLnBrk="0" hangingPunct="1">
+              <a:lnSpc>
+                <a:spcPct val="100000"/>
+              </a:lnSpc>
+              <a:spcBef>
+                <a:spcPts val="0"/>
+              </a:spcBef>
+              <a:spcAft>
+                <a:spcPts val="0"/>
+              </a:spcAft>
+              <a:buClrTx/>
+              <a:buSzTx/>
+              <a:buFont typeface="Arial" panose="020B0604020202020204" pitchFamily="34" charset="0"/>
+              <a:buChar char="•"/>
+              <a:tabLst/>
+              <a:defRPr/>
+            </a:pPr>
+            <a:r>
+              <a:rPr lang="en-GB" dirty="0"/>
+              <a:t>Resource sharing: The management plug-in has to be enabled. </a:t>
+            </a:r>
+            <a:r>
+              <a:rPr lang="en-GB" dirty="0">
+                <a:sym typeface="Wingdings" panose="05000000000000000000" pitchFamily="2" charset="2"/>
+              </a:rPr>
+              <a:t> By default the UI app will refuse to access to websites hosted on origins different from its own.</a:t>
+            </a:r>
+          </a:p>
+          <a:p>
+            <a:pPr marL="285750" marR="0" lvl="0" indent="-285750" algn="l" defTabSz="1218987" rtl="0" eaLnBrk="1" fontAlgn="auto" latinLnBrk="0" hangingPunct="1">
+              <a:lnSpc>
+                <a:spcPct val="100000"/>
+              </a:lnSpc>
+              <a:spcBef>
+                <a:spcPts val="0"/>
+              </a:spcBef>
+              <a:spcAft>
+                <a:spcPts val="0"/>
+              </a:spcAft>
+              <a:buClrTx/>
+              <a:buSzTx/>
+              <a:buFont typeface="Arial" panose="020B0604020202020204" pitchFamily="34" charset="0"/>
+              <a:buChar char="•"/>
+              <a:tabLst/>
+              <a:defRPr/>
+            </a:pPr>
+            <a:r>
+              <a:rPr lang="en-GB" dirty="0">
+                <a:sym typeface="Wingdings" panose="05000000000000000000" pitchFamily="2" charset="2"/>
+              </a:rPr>
+              <a:t>The AMQP need a certain processing capacity.  Is not intended for its implementation in devices with limited computation resources and furthermore because of the quantity of control traffic that is introduced to offer reliability, is </a:t>
+            </a:r>
+            <a:r>
+              <a:rPr lang="en-GB" dirty="0" err="1">
+                <a:sym typeface="Wingdings" panose="05000000000000000000" pitchFamily="2" charset="2"/>
+              </a:rPr>
+              <a:t>noit</a:t>
+            </a:r>
+            <a:r>
+              <a:rPr lang="en-GB" dirty="0">
+                <a:sym typeface="Wingdings" panose="05000000000000000000" pitchFamily="2" charset="2"/>
+              </a:rPr>
+              <a:t> meant for its implementation in network with low </a:t>
+            </a:r>
+            <a:r>
+              <a:rPr lang="en-GB" dirty="0" err="1">
+                <a:sym typeface="Wingdings" panose="05000000000000000000" pitchFamily="2" charset="2"/>
+              </a:rPr>
+              <a:t>bandwith</a:t>
+            </a:r>
+            <a:r>
+              <a:rPr lang="en-GB" dirty="0">
+                <a:sym typeface="Wingdings" panose="05000000000000000000" pitchFamily="2" charset="2"/>
+              </a:rPr>
+              <a:t>.</a:t>
+            </a:r>
+          </a:p>
+          <a:p>
+            <a:pPr marL="285750" marR="0" lvl="0" indent="-285750" algn="l" defTabSz="1218987" rtl="0" eaLnBrk="1" fontAlgn="auto" latinLnBrk="0" hangingPunct="1">
+              <a:lnSpc>
+                <a:spcPct val="100000"/>
+              </a:lnSpc>
+              <a:spcBef>
+                <a:spcPts val="0"/>
+              </a:spcBef>
+              <a:spcAft>
+                <a:spcPts val="0"/>
+              </a:spcAft>
+              <a:buClrTx/>
+              <a:buSzTx/>
+              <a:buFont typeface="Arial" panose="020B0604020202020204" pitchFamily="34" charset="0"/>
+              <a:buChar char="•"/>
+              <a:tabLst/>
+              <a:defRPr/>
+            </a:pPr>
+            <a:endParaRPr lang="en-GB" dirty="0"/>
+          </a:p>
+          <a:p>
+            <a:pPr marL="285750" marR="0" lvl="0" indent="-285750" algn="l" defTabSz="1218987" rtl="0" eaLnBrk="1" fontAlgn="auto" latinLnBrk="0" hangingPunct="1">
+              <a:lnSpc>
+                <a:spcPct val="100000"/>
+              </a:lnSpc>
+              <a:spcBef>
+                <a:spcPts val="0"/>
+              </a:spcBef>
+              <a:spcAft>
+                <a:spcPts val="0"/>
+              </a:spcAft>
+              <a:buClrTx/>
+              <a:buSzTx/>
+              <a:buFont typeface="Arial" panose="020B0604020202020204" pitchFamily="34" charset="0"/>
+              <a:buChar char="•"/>
+              <a:tabLst/>
+              <a:defRPr/>
+            </a:pPr>
+            <a:endParaRPr lang="en-GB" dirty="0"/>
+          </a:p>
+          <a:p>
+            <a:pPr marL="285750" lvl="0" indent="-285750">
+              <a:buFont typeface="Arial" panose="020B0604020202020204" pitchFamily="34" charset="0"/>
+              <a:buChar char="•"/>
+            </a:pPr>
+            <a:endParaRPr lang="en-GB" dirty="0"/>
+          </a:p>
+        </p:txBody>
+      </p:sp>
+      <p:sp>
+        <p:nvSpPr>
+          <p:cNvPr id="4" name="Slide Number Placeholder 3"/>
+          <p:cNvSpPr>
+            <a:spLocks noGrp="1"/>
+          </p:cNvSpPr>
+          <p:nvPr>
+            <p:ph type="sldNum" sz="quarter" idx="5"/>
+          </p:nvPr>
+        </p:nvSpPr>
+        <p:spPr/>
+        <p:txBody>
+          <a:bodyPr/>
+          <a:lstStyle/>
+          <a:p>
+            <a:fld id="{3EBA5BD7-F043-4D1B-AA17-CD412FC534DE}" type="slidenum">
+              <a:rPr lang="en-GB" smtClean="0"/>
+              <a:t>25</a:t>
+            </a:fld>
+            <a:endParaRPr lang="en-GB"/>
+          </a:p>
+        </p:txBody>
+      </p:sp>
+    </p:spTree>
+    <p:extLst>
+      <p:ext uri="{BB962C8B-B14F-4D97-AF65-F5344CB8AC3E}">
+        <p14:creationId xmlns:p14="http://schemas.microsoft.com/office/powerpoint/2010/main" val="2992329869"/>
+      </p:ext>
+    </p:extLst>
+  </p:cSld>
+  <p:clrMapOvr>
+    <a:masterClrMapping/>
+  </p:clrMapOvr>
+</p:notes>
+</file>
+
+<file path=ppt/notesSlides/notesSlide21.xml><?xml version="1.0" encoding="utf-8"?>
+<p:notes xmlns:a="http://schemas.openxmlformats.org/drawingml/2006/main" xmlns:r="http://schemas.openxmlformats.org/officeDocument/2006/relationships" xmlns:p="http://schemas.openxmlformats.org/presentationml/2006/main">
+  <p:cSld>
+    <p:spTree>
+      <p:nvGrpSpPr>
+        <p:cNvPr id="1" name=""/>
+        <p:cNvGrpSpPr/>
+        <p:nvPr/>
+      </p:nvGrpSpPr>
+      <p:grpSpPr>
+        <a:xfrm>
+          <a:off x="0" y="0"/>
+          <a:ext cx="0" cy="0"/>
+          <a:chOff x="0" y="0"/>
+          <a:chExt cx="0" cy="0"/>
+        </a:xfrm>
+      </p:grpSpPr>
+      <p:sp>
+        <p:nvSpPr>
+          <p:cNvPr id="2" name="Slide Image Placeholder 1"/>
+          <p:cNvSpPr>
+            <a:spLocks noGrp="1" noRot="1" noChangeAspect="1"/>
+          </p:cNvSpPr>
+          <p:nvPr>
+            <p:ph type="sldImg"/>
+          </p:nvPr>
+        </p:nvSpPr>
+        <p:spPr/>
+      </p:sp>
+      <p:sp>
+        <p:nvSpPr>
+          <p:cNvPr id="3" name="Notes Placeholder 2"/>
+          <p:cNvSpPr>
+            <a:spLocks noGrp="1"/>
+          </p:cNvSpPr>
+          <p:nvPr>
+            <p:ph type="body" idx="1"/>
+          </p:nvPr>
+        </p:nvSpPr>
+        <p:spPr/>
+        <p:txBody>
+          <a:bodyPr/>
+          <a:lstStyle/>
+          <a:p>
+            <a:r>
+              <a:rPr lang="en-GB" dirty="0"/>
+              <a:t>Kafka, Memphis, ActiveMQ, WSO2, </a:t>
+            </a:r>
+            <a:r>
+              <a:rPr lang="en-GB" dirty="0" err="1"/>
+              <a:t>ZeroMQ</a:t>
+            </a:r>
+            <a:endParaRPr lang="en-GB" dirty="0"/>
+          </a:p>
+        </p:txBody>
+      </p:sp>
+      <p:sp>
+        <p:nvSpPr>
+          <p:cNvPr id="4" name="Slide Number Placeholder 3"/>
+          <p:cNvSpPr>
+            <a:spLocks noGrp="1"/>
+          </p:cNvSpPr>
+          <p:nvPr>
+            <p:ph type="sldNum" sz="quarter" idx="5"/>
+          </p:nvPr>
+        </p:nvSpPr>
+        <p:spPr/>
+        <p:txBody>
+          <a:bodyPr/>
+          <a:lstStyle/>
+          <a:p>
+            <a:fld id="{3EBA5BD7-F043-4D1B-AA17-CD412FC534DE}" type="slidenum">
+              <a:rPr lang="en-GB" smtClean="0"/>
+              <a:t>26</a:t>
+            </a:fld>
+            <a:endParaRPr lang="en-GB"/>
+          </a:p>
+        </p:txBody>
+      </p:sp>
+    </p:spTree>
+    <p:extLst>
+      <p:ext uri="{BB962C8B-B14F-4D97-AF65-F5344CB8AC3E}">
+        <p14:creationId xmlns:p14="http://schemas.microsoft.com/office/powerpoint/2010/main" val="1683196606"/>
+      </p:ext>
+    </p:extLst>
+  </p:cSld>
+  <p:clrMapOvr>
+    <a:masterClrMapping/>
+  </p:clrMapOvr>
+</p:notes>
+</file>
+
+<file path=ppt/notesSlides/notesSlide22.xml><?xml version="1.0" encoding="utf-8"?>
+<p:notes xmlns:a="http://schemas.openxmlformats.org/drawingml/2006/main" xmlns:r="http://schemas.openxmlformats.org/officeDocument/2006/relationships" xmlns:p="http://schemas.openxmlformats.org/presentationml/2006/main">
+  <p:cSld>
+    <p:spTree>
+      <p:nvGrpSpPr>
+        <p:cNvPr id="1" name=""/>
+        <p:cNvGrpSpPr/>
+        <p:nvPr/>
+      </p:nvGrpSpPr>
+      <p:grpSpPr>
+        <a:xfrm>
+          <a:off x="0" y="0"/>
+          <a:ext cx="0" cy="0"/>
+          <a:chOff x="0" y="0"/>
+          <a:chExt cx="0" cy="0"/>
+        </a:xfrm>
+      </p:grpSpPr>
+      <p:sp>
+        <p:nvSpPr>
+          <p:cNvPr id="2" name="Slide Image Placeholder 1"/>
+          <p:cNvSpPr>
+            <a:spLocks noGrp="1" noRot="1" noChangeAspect="1"/>
+          </p:cNvSpPr>
+          <p:nvPr>
+            <p:ph type="sldImg"/>
+          </p:nvPr>
+        </p:nvSpPr>
+        <p:spPr/>
+      </p:sp>
+      <p:sp>
+        <p:nvSpPr>
+          <p:cNvPr id="3" name="Notes Placeholder 2"/>
+          <p:cNvSpPr>
+            <a:spLocks noGrp="1"/>
+          </p:cNvSpPr>
+          <p:nvPr>
+            <p:ph type="body" idx="1"/>
+          </p:nvPr>
+        </p:nvSpPr>
+        <p:spPr/>
+        <p:txBody>
+          <a:bodyPr/>
+          <a:lstStyle/>
+          <a:p>
+            <a:pPr marL="514350" indent="-514350">
+              <a:buFont typeface="+mj-lt"/>
+              <a:buAutoNum type="arabicPeriod"/>
+            </a:pPr>
+            <a:r>
+              <a:rPr lang="en-GB" dirty="0"/>
+              <a:t>RabbitMQ can support a lot of messaging protocols.</a:t>
+            </a:r>
+          </a:p>
+          <a:p>
+            <a:pPr marL="514350" indent="-514350">
+              <a:buFont typeface="+mj-lt"/>
+              <a:buAutoNum type="arabicPeriod"/>
+            </a:pPr>
+            <a:r>
+              <a:rPr lang="en-GB" dirty="0"/>
+              <a:t>RabbitMQ is uncomplicated to use, reliable, scalable, available, secure, affordable, fault-tolerant and efficient.</a:t>
+            </a:r>
+          </a:p>
+          <a:p>
+            <a:pPr marL="514350" indent="-514350">
+              <a:buFont typeface="+mj-lt"/>
+              <a:buAutoNum type="arabicPeriod"/>
+            </a:pPr>
+            <a:r>
+              <a:rPr lang="en-GB" dirty="0"/>
+              <a:t>There are many libraries available to implement it.</a:t>
+            </a:r>
+          </a:p>
+          <a:p>
+            <a:pPr marL="514350" indent="-514350">
+              <a:buFont typeface="+mj-lt"/>
+              <a:buAutoNum type="arabicPeriod"/>
+            </a:pPr>
+            <a:r>
+              <a:rPr lang="en-GB" dirty="0"/>
+              <a:t>The exchange is a key element in a message-broker.</a:t>
+            </a:r>
+          </a:p>
+          <a:p>
+            <a:pPr marL="514350" indent="-514350">
+              <a:buFont typeface="+mj-lt"/>
+              <a:buAutoNum type="arabicPeriod"/>
+            </a:pPr>
+            <a:r>
+              <a:rPr lang="en-GB" dirty="0"/>
+              <a:t>Many similarities between </a:t>
+            </a:r>
+            <a:r>
+              <a:rPr lang="en-GB" dirty="0" err="1"/>
+              <a:t>Apaches’</a:t>
+            </a:r>
+            <a:r>
+              <a:rPr lang="en-GB" dirty="0"/>
+              <a:t> VH and RabbitMQ’s VH.</a:t>
+            </a:r>
+          </a:p>
+          <a:p>
+            <a:pPr marL="514350" indent="-514350">
+              <a:buFont typeface="+mj-lt"/>
+              <a:buAutoNum type="arabicPeriod"/>
+            </a:pPr>
+            <a:r>
+              <a:rPr lang="en-GB" dirty="0"/>
+              <a:t>Every message has an “id” that makes it unique.</a:t>
+            </a:r>
+          </a:p>
+          <a:p>
+            <a:pPr marL="514350" indent="-514350">
+              <a:buFont typeface="+mj-lt"/>
+              <a:buAutoNum type="arabicPeriod"/>
+            </a:pPr>
+            <a:r>
+              <a:rPr lang="en-GB" dirty="0"/>
+              <a:t>Is not perfect, but there are more advantages than disadvantages.</a:t>
+            </a:r>
+          </a:p>
+          <a:p>
+            <a:pPr marL="514350" indent="-514350">
+              <a:buFont typeface="+mj-lt"/>
+              <a:buAutoNum type="arabicPeriod"/>
+            </a:pPr>
+            <a:r>
+              <a:rPr lang="en-GB" dirty="0"/>
+              <a:t>Has a lot of competition in the market, but is the most chosen.</a:t>
+            </a:r>
+          </a:p>
+          <a:p>
+            <a:endParaRPr lang="en-GB" dirty="0"/>
+          </a:p>
+        </p:txBody>
+      </p:sp>
+      <p:sp>
+        <p:nvSpPr>
+          <p:cNvPr id="4" name="Slide Number Placeholder 3"/>
+          <p:cNvSpPr>
+            <a:spLocks noGrp="1"/>
+          </p:cNvSpPr>
+          <p:nvPr>
+            <p:ph type="sldNum" sz="quarter" idx="5"/>
+          </p:nvPr>
+        </p:nvSpPr>
+        <p:spPr/>
+        <p:txBody>
+          <a:bodyPr/>
+          <a:lstStyle/>
+          <a:p>
+            <a:fld id="{3EBA5BD7-F043-4D1B-AA17-CD412FC534DE}" type="slidenum">
+              <a:rPr lang="en-GB" smtClean="0"/>
+              <a:t>27</a:t>
+            </a:fld>
+            <a:endParaRPr lang="en-GB"/>
+          </a:p>
+        </p:txBody>
+      </p:sp>
+    </p:spTree>
+    <p:extLst>
+      <p:ext uri="{BB962C8B-B14F-4D97-AF65-F5344CB8AC3E}">
+        <p14:creationId xmlns:p14="http://schemas.microsoft.com/office/powerpoint/2010/main" val="883143198"/>
       </p:ext>
     </p:extLst>
   </p:cSld>
@@ -9550,65 +10255,51 @@
         </p:nvSpPr>
         <p:spPr/>
         <p:txBody>
-          <a:bodyPr>
-            <a:normAutofit/>
+          <a:bodyPr anchor="ctr">
+            <a:normAutofit fontScale="85000" lnSpcReduction="10000"/>
           </a:bodyPr>
           <a:lstStyle/>
           <a:p>
-            <a:pPr marL="514350" indent="-514350">
-              <a:buFont typeface="+mj-lt"/>
-              <a:buAutoNum type="arabicPeriod"/>
-            </a:pPr>
             <a:r>
               <a:rPr lang="en-GB" dirty="0"/>
               <a:t>Decoupling in time and in space.</a:t>
             </a:r>
           </a:p>
           <a:p>
-            <a:pPr marL="819096" lvl="1" indent="-514350">
-              <a:buFont typeface="+mj-lt"/>
-              <a:buAutoNum type="arabicPeriod"/>
-            </a:pPr>
+            <a:pPr marL="819096" lvl="1" indent="-514350"/>
             <a:r>
               <a:rPr lang="en-GB" dirty="0"/>
               <a:t>Integration of apps through messages and from various locations.</a:t>
             </a:r>
           </a:p>
           <a:p>
-            <a:pPr marL="514350" indent="-514350">
-              <a:buFont typeface="+mj-lt"/>
-              <a:buAutoNum type="arabicPeriod"/>
-            </a:pPr>
             <a:r>
               <a:rPr lang="en-GB" dirty="0"/>
               <a:t>Reliability.</a:t>
             </a:r>
           </a:p>
           <a:p>
-            <a:pPr marL="819096" lvl="1" indent="-514350">
-              <a:buFont typeface="+mj-lt"/>
-              <a:buAutoNum type="arabicPeriod"/>
-            </a:pPr>
+            <a:pPr marL="819096" lvl="1" indent="-514350"/>
             <a:r>
               <a:rPr lang="en-GB" dirty="0"/>
               <a:t>Several characteristics that guarantee the delivery of the messages.</a:t>
             </a:r>
           </a:p>
           <a:p>
-            <a:pPr marL="514350" indent="-514350">
-              <a:buFont typeface="+mj-lt"/>
-              <a:buAutoNum type="arabicPeriod"/>
-            </a:pPr>
-            <a:r>
-              <a:rPr lang="en-GB"/>
+            <a:r>
+              <a:rPr lang="en-GB" dirty="0"/>
               <a:t>Cluster creation.</a:t>
             </a:r>
           </a:p>
           <a:p>
-            <a:pPr marL="819096" lvl="1" indent="-514350">
-              <a:buFont typeface="+mj-lt"/>
-              <a:buAutoNum type="arabicPeriod"/>
-            </a:pPr>
+            <a:pPr marL="819096" lvl="1" indent="-514350"/>
+            <a:r>
+              <a:rPr lang="en-GB" dirty="0"/>
+              <a:t>Sometimes, RabbitMQ has to be able to process more than thousands of messages per second without impacting on the app’s performance. For this, RabbitMQ allows the creation of clusters to scale horizontally the solution</a:t>
+            </a:r>
+          </a:p>
+          <a:p>
+            <a:pPr marL="819096" lvl="1" indent="-514350"/>
             <a:endParaRPr lang="en-GB" dirty="0"/>
           </a:p>
         </p:txBody>
@@ -9631,12 +10322,54 @@
         </p:nvSpPr>
         <p:spPr/>
         <p:txBody>
-          <a:bodyPr>
-            <a:normAutofit/>
+          <a:bodyPr anchor="ctr">
+            <a:normAutofit fontScale="85000" lnSpcReduction="10000"/>
           </a:bodyPr>
           <a:lstStyle/>
           <a:p>
-            <a:endParaRPr lang="en-GB"/>
+            <a:r>
+              <a:rPr lang="en-GB" dirty="0"/>
+              <a:t>Security.</a:t>
+            </a:r>
+          </a:p>
+          <a:p>
+            <a:pPr lvl="1"/>
+            <a:r>
+              <a:rPr lang="en-GB" dirty="0"/>
+              <a:t>RabbitMQ uses the Transport Layer Security (TLS) protocol.</a:t>
+            </a:r>
+          </a:p>
+          <a:p>
+            <a:pPr lvl="2"/>
+            <a:r>
+              <a:rPr lang="en-GB" dirty="0"/>
+              <a:t>Is a cryptographic protocol that provides secure connections through a network</a:t>
+            </a:r>
+          </a:p>
+          <a:p>
+            <a:r>
+              <a:rPr lang="en-GB" dirty="0"/>
+              <a:t>Available.</a:t>
+            </a:r>
+          </a:p>
+          <a:p>
+            <a:pPr lvl="1"/>
+            <a:r>
+              <a:rPr lang="en-GB" dirty="0"/>
+              <a:t>The queues can be replicated in several nodes of the cluster and in case of failure of a node the broker can keep receiving and sending messages.</a:t>
+            </a:r>
+          </a:p>
+          <a:p>
+            <a:r>
+              <a:rPr lang="en-GB" dirty="0"/>
+              <a:t>Affordable: Completely free.</a:t>
+            </a:r>
+          </a:p>
+          <a:p>
+            <a:r>
+              <a:rPr lang="en-GB" dirty="0"/>
+              <a:t>Fault-tolerance (next slide)</a:t>
+            </a:r>
           </a:p>
         </p:txBody>
       </p:sp>
@@ -9687,7 +10420,7 @@
           <p:cNvPr id="2" name="Title 1">
             <a:extLst>
               <a:ext uri="{FF2B5EF4-FFF2-40B4-BE49-F238E27FC236}">
-                <a16:creationId xmlns:a16="http://schemas.microsoft.com/office/drawing/2014/main" id="{EA851C17-C279-92A7-14ED-C46946E3B7A9}"/>
+                <a16:creationId xmlns:a16="http://schemas.microsoft.com/office/drawing/2014/main" id="{93D980F4-1B0C-9CE4-978A-34BCFFCC96D3}"/>
               </a:ext>
             </a:extLst>
           </p:cNvPr>
@@ -9705,40 +10438,50 @@
           <a:p>
             <a:r>
               <a:rPr lang="en-GB" dirty="0"/>
-              <a:t>RabbitMQ in the market - Disadvantages</a:t>
-            </a:r>
-          </a:p>
-        </p:txBody>
-      </p:sp>
-      <p:sp>
-        <p:nvSpPr>
-          <p:cNvPr id="3" name="Content Placeholder 2">
+              <a:t>RabbitMQ in the market - Advantages</a:t>
+            </a:r>
+          </a:p>
+        </p:txBody>
+      </p:sp>
+      <p:pic>
+        <p:nvPicPr>
+          <p:cNvPr id="7" name="Content Placeholder 6">
             <a:extLst>
               <a:ext uri="{FF2B5EF4-FFF2-40B4-BE49-F238E27FC236}">
-                <a16:creationId xmlns:a16="http://schemas.microsoft.com/office/drawing/2014/main" id="{2E9DC9FD-98D3-EFBF-F11E-FACBBCF27E95}"/>
+                <a16:creationId xmlns:a16="http://schemas.microsoft.com/office/drawing/2014/main" id="{38FAFD53-849E-83E2-77D0-B2CE694A8C6C}"/>
               </a:ext>
             </a:extLst>
           </p:cNvPr>
-          <p:cNvSpPr>
-            <a:spLocks noGrp="1"/>
-          </p:cNvSpPr>
+          <p:cNvPicPr>
+            <a:picLocks noGrp="1" noChangeAspect="1"/>
+          </p:cNvPicPr>
           <p:nvPr>
             <p:ph idx="1"/>
           </p:nvPr>
-        </p:nvSpPr>
-        <p:spPr/>
-        <p:txBody>
-          <a:bodyPr/>
-          <a:lstStyle/>
-          <a:p>
-            <a:endParaRPr lang="en-GB"/>
-          </a:p>
-        </p:txBody>
-      </p:sp>
+        </p:nvPicPr>
+        <p:blipFill>
+          <a:blip r:embed="rId2">
+            <a:extLst>
+              <a:ext uri="{28A0092B-C50C-407E-A947-70E740481C1C}">
+                <a14:useLocalDpi xmlns:a14="http://schemas.microsoft.com/office/drawing/2010/main" val="0"/>
+              </a:ext>
+            </a:extLst>
+          </a:blip>
+          <a:stretch>
+            <a:fillRect/>
+          </a:stretch>
+        </p:blipFill>
+        <p:spPr>
+          <a:xfrm>
+            <a:off x="3458899" y="1498600"/>
+            <a:ext cx="5880468" cy="4871899"/>
+          </a:xfrm>
+        </p:spPr>
+      </p:pic>
     </p:spTree>
     <p:extLst>
       <p:ext uri="{BB962C8B-B14F-4D97-AF65-F5344CB8AC3E}">
-        <p14:creationId xmlns:p14="http://schemas.microsoft.com/office/powerpoint/2010/main" val="4113373776"/>
+        <p14:creationId xmlns:p14="http://schemas.microsoft.com/office/powerpoint/2010/main" val="2706481017"/>
       </p:ext>
     </p:extLst>
   </p:cSld>
@@ -9782,7 +10525,7 @@
           <p:cNvPr id="2" name="Title 1">
             <a:extLst>
               <a:ext uri="{FF2B5EF4-FFF2-40B4-BE49-F238E27FC236}">
-                <a16:creationId xmlns:a16="http://schemas.microsoft.com/office/drawing/2014/main" id="{3FFABD69-E41B-5797-346A-D1E8BA25F0A4}"/>
+                <a16:creationId xmlns:a16="http://schemas.microsoft.com/office/drawing/2014/main" id="{81061AEF-9857-DA5C-4D15-01DAA8C6D336}"/>
               </a:ext>
             </a:extLst>
           </p:cNvPr>
@@ -9800,7 +10543,7 @@
           <a:p>
             <a:r>
               <a:rPr lang="en-GB" dirty="0"/>
-              <a:t>RabbitMQ in the market – Competition in the market</a:t>
+              <a:t>RabbitMQ in the market - Advantages</a:t>
             </a:r>
           </a:p>
         </p:txBody>
@@ -9810,7 +10553,7 @@
           <p:cNvPr id="3" name="Content Placeholder 2">
             <a:extLst>
               <a:ext uri="{FF2B5EF4-FFF2-40B4-BE49-F238E27FC236}">
-                <a16:creationId xmlns:a16="http://schemas.microsoft.com/office/drawing/2014/main" id="{EBB3C9EE-5936-C545-07D6-7BC4C8F5695E}"/>
+                <a16:creationId xmlns:a16="http://schemas.microsoft.com/office/drawing/2014/main" id="{076571E5-91D8-D4AA-7EC9-006AA9BE87D2}"/>
               </a:ext>
             </a:extLst>
           </p:cNvPr>
@@ -9823,17 +10566,32 @@
         </p:nvSpPr>
         <p:spPr/>
         <p:txBody>
-          <a:bodyPr/>
+          <a:bodyPr anchor="ctr"/>
           <a:lstStyle/>
           <a:p>
-            <a:endParaRPr lang="en-GB"/>
+            <a:r>
+              <a:rPr lang="en-GB" dirty="0"/>
+              <a:t>Complexity: RabbitMQ is user-friendly and it’s easy to modify the configurations to suit the expected porpoise.</a:t>
+            </a:r>
+          </a:p>
+          <a:p>
+            <a:r>
+              <a:rPr lang="en-GB" dirty="0"/>
+              <a:t>Latency: Has the lowest latency of the market.</a:t>
+            </a:r>
+          </a:p>
+          <a:p>
+            <a:r>
+              <a:rPr lang="en-GB" dirty="0"/>
+              <a:t>Performance: Has one of the best yields of the market</a:t>
+            </a:r>
           </a:p>
         </p:txBody>
       </p:sp>
     </p:spTree>
     <p:extLst>
       <p:ext uri="{BB962C8B-B14F-4D97-AF65-F5344CB8AC3E}">
-        <p14:creationId xmlns:p14="http://schemas.microsoft.com/office/powerpoint/2010/main" val="3045748797"/>
+        <p14:creationId xmlns:p14="http://schemas.microsoft.com/office/powerpoint/2010/main" val="1820998447"/>
       </p:ext>
     </p:extLst>
   </p:cSld>
@@ -9877,7 +10635,7 @@
           <p:cNvPr id="2" name="Title 1">
             <a:extLst>
               <a:ext uri="{FF2B5EF4-FFF2-40B4-BE49-F238E27FC236}">
-                <a16:creationId xmlns:a16="http://schemas.microsoft.com/office/drawing/2014/main" id="{04D47729-8FD8-0D9D-A19A-E17FF1E96435}"/>
+                <a16:creationId xmlns:a16="http://schemas.microsoft.com/office/drawing/2014/main" id="{EA851C17-C279-92A7-14ED-C46946E3B7A9}"/>
               </a:ext>
             </a:extLst>
           </p:cNvPr>
@@ -9895,7 +10653,7 @@
           <a:p>
             <a:r>
               <a:rPr lang="en-GB" dirty="0"/>
-              <a:t>Conclusions</a:t>
+              <a:t>RabbitMQ in the market - Disadvantages</a:t>
             </a:r>
           </a:p>
         </p:txBody>
@@ -9905,7 +10663,7 @@
           <p:cNvPr id="3" name="Content Placeholder 2">
             <a:extLst>
               <a:ext uri="{FF2B5EF4-FFF2-40B4-BE49-F238E27FC236}">
-                <a16:creationId xmlns:a16="http://schemas.microsoft.com/office/drawing/2014/main" id="{603A7507-7BE8-AB3E-966B-3D48966F1B4A}"/>
+                <a16:creationId xmlns:a16="http://schemas.microsoft.com/office/drawing/2014/main" id="{2E9DC9FD-98D3-EFBF-F11E-FACBBCF27E95}"/>
               </a:ext>
             </a:extLst>
           </p:cNvPr>
@@ -9918,9 +10676,57 @@
         </p:nvSpPr>
         <p:spPr/>
         <p:txBody>
-          <a:bodyPr/>
+          <a:bodyPr anchor="ctr">
+            <a:normAutofit lnSpcReduction="10000"/>
+          </a:bodyPr>
           <a:lstStyle/>
           <a:p>
+            <a:r>
+              <a:rPr lang="en-GB" dirty="0"/>
+              <a:t>Latency: The consumers will balloon in memory as they buffer all the messages in their own RAM.</a:t>
+            </a:r>
+          </a:p>
+          <a:p>
+            <a:pPr lvl="1"/>
+            <a:r>
+              <a:rPr lang="en-GB" dirty="0"/>
+              <a:t>A big buffer results in a lot of extra latency if the network performs normally</a:t>
+            </a:r>
+          </a:p>
+          <a:p>
+            <a:pPr lvl="1"/>
+            <a:r>
+              <a:rPr lang="en-GB" dirty="0"/>
+              <a:t>And huge amounts of extra latency if the client suddenly starts taking longer to process the messages.</a:t>
+            </a:r>
+          </a:p>
+          <a:p>
+            <a:r>
+              <a:rPr lang="en-GB" dirty="0"/>
+              <a:t>Resource sharing: The management plug-in has to be enabled. </a:t>
+            </a:r>
+            <a:r>
+              <a:rPr lang="en-GB" dirty="0">
+                <a:sym typeface="Wingdings" panose="05000000000000000000" pitchFamily="2" charset="2"/>
+              </a:rPr>
+              <a:t> By default the UI app will refuse to access to websites hosted on origins different from its own.</a:t>
+            </a:r>
+          </a:p>
+          <a:p>
+            <a:r>
+              <a:rPr lang="en-GB" dirty="0">
+                <a:sym typeface="Wingdings" panose="05000000000000000000" pitchFamily="2" charset="2"/>
+              </a:rPr>
+              <a:t>The AMQP need a certain processing capacity.</a:t>
+            </a:r>
+          </a:p>
+          <a:p>
+            <a:r>
+              <a:rPr lang="en-GB" dirty="0">
+                <a:sym typeface="Wingdings" panose="05000000000000000000" pitchFamily="2" charset="2"/>
+              </a:rPr>
+              <a:t>RabbitMQ is implemented in Erlang.</a:t>
+            </a:r>
             <a:endParaRPr lang="en-GB" dirty="0"/>
           </a:p>
         </p:txBody>
@@ -9928,7 +10734,7 @@
     </p:spTree>
     <p:extLst>
       <p:ext uri="{BB962C8B-B14F-4D97-AF65-F5344CB8AC3E}">
-        <p14:creationId xmlns:p14="http://schemas.microsoft.com/office/powerpoint/2010/main" val="4076057846"/>
+        <p14:creationId xmlns:p14="http://schemas.microsoft.com/office/powerpoint/2010/main" val="4113373776"/>
       </p:ext>
     </p:extLst>
   </p:cSld>
@@ -9972,6 +10778,438 @@
           <p:cNvPr id="2" name="Title 1">
             <a:extLst>
               <a:ext uri="{FF2B5EF4-FFF2-40B4-BE49-F238E27FC236}">
+                <a16:creationId xmlns:a16="http://schemas.microsoft.com/office/drawing/2014/main" id="{3FFABD69-E41B-5797-346A-D1E8BA25F0A4}"/>
+              </a:ext>
+            </a:extLst>
+          </p:cNvPr>
+          <p:cNvSpPr>
+            <a:spLocks noGrp="1"/>
+          </p:cNvSpPr>
+          <p:nvPr>
+            <p:ph type="title"/>
+          </p:nvPr>
+        </p:nvSpPr>
+        <p:spPr/>
+        <p:txBody>
+          <a:bodyPr/>
+          <a:lstStyle/>
+          <a:p>
+            <a:r>
+              <a:rPr lang="en-GB" dirty="0"/>
+              <a:t>RabbitMQ in the market – Competition in the market</a:t>
+            </a:r>
+          </a:p>
+        </p:txBody>
+      </p:sp>
+      <p:pic>
+        <p:nvPicPr>
+          <p:cNvPr id="9" name="Picture 8">
+            <a:extLst>
+              <a:ext uri="{FF2B5EF4-FFF2-40B4-BE49-F238E27FC236}">
+                <a16:creationId xmlns:a16="http://schemas.microsoft.com/office/drawing/2014/main" id="{61D2ED96-3C94-C046-10B7-BE4B371661CC}"/>
+              </a:ext>
+            </a:extLst>
+          </p:cNvPr>
+          <p:cNvPicPr>
+            <a:picLocks noChangeAspect="1"/>
+          </p:cNvPicPr>
+          <p:nvPr/>
+        </p:nvPicPr>
+        <p:blipFill>
+          <a:blip r:embed="rId3">
+            <a:extLst>
+              <a:ext uri="{28A0092B-C50C-407E-A947-70E740481C1C}">
+                <a14:useLocalDpi xmlns:a14="http://schemas.microsoft.com/office/drawing/2010/main" val="0"/>
+              </a:ext>
+            </a:extLst>
+          </a:blip>
+          <a:stretch>
+            <a:fillRect/>
+          </a:stretch>
+        </p:blipFill>
+        <p:spPr>
+          <a:xfrm>
+            <a:off x="4389358" y="3603275"/>
+            <a:ext cx="4019550" cy="1352550"/>
+          </a:xfrm>
+          <a:prstGeom prst="rect">
+            <a:avLst/>
+          </a:prstGeom>
+        </p:spPr>
+      </p:pic>
+      <p:pic>
+        <p:nvPicPr>
+          <p:cNvPr id="11" name="Picture 10">
+            <a:extLst>
+              <a:ext uri="{FF2B5EF4-FFF2-40B4-BE49-F238E27FC236}">
+                <a16:creationId xmlns:a16="http://schemas.microsoft.com/office/drawing/2014/main" id="{C0E8029E-5D6A-83AC-477D-754D8FC50DF3}"/>
+              </a:ext>
+            </a:extLst>
+          </p:cNvPr>
+          <p:cNvPicPr>
+            <a:picLocks noChangeAspect="1"/>
+          </p:cNvPicPr>
+          <p:nvPr/>
+        </p:nvPicPr>
+        <p:blipFill>
+          <a:blip r:embed="rId4">
+            <a:extLst>
+              <a:ext uri="{28A0092B-C50C-407E-A947-70E740481C1C}">
+                <a14:useLocalDpi xmlns:a14="http://schemas.microsoft.com/office/drawing/2010/main" val="0"/>
+              </a:ext>
+            </a:extLst>
+          </a:blip>
+          <a:stretch>
+            <a:fillRect/>
+          </a:stretch>
+        </p:blipFill>
+        <p:spPr>
+          <a:xfrm>
+            <a:off x="981844" y="1532207"/>
+            <a:ext cx="3485002" cy="1824786"/>
+          </a:xfrm>
+          <a:prstGeom prst="rect">
+            <a:avLst/>
+          </a:prstGeom>
+        </p:spPr>
+      </p:pic>
+      <p:pic>
+        <p:nvPicPr>
+          <p:cNvPr id="13" name="Picture 12">
+            <a:extLst>
+              <a:ext uri="{FF2B5EF4-FFF2-40B4-BE49-F238E27FC236}">
+                <a16:creationId xmlns:a16="http://schemas.microsoft.com/office/drawing/2014/main" id="{75100F16-0549-6D52-AF47-B54D5BCA0EE5}"/>
+              </a:ext>
+            </a:extLst>
+          </p:cNvPr>
+          <p:cNvPicPr>
+            <a:picLocks noChangeAspect="1"/>
+          </p:cNvPicPr>
+          <p:nvPr/>
+        </p:nvPicPr>
+        <p:blipFill>
+          <a:blip r:embed="rId5">
+            <a:extLst>
+              <a:ext uri="{28A0092B-C50C-407E-A947-70E740481C1C}">
+                <a14:useLocalDpi xmlns:a14="http://schemas.microsoft.com/office/drawing/2010/main" val="0"/>
+              </a:ext>
+            </a:extLst>
+          </a:blip>
+          <a:stretch>
+            <a:fillRect/>
+          </a:stretch>
+        </p:blipFill>
+        <p:spPr>
+          <a:xfrm>
+            <a:off x="9007091" y="1896834"/>
+            <a:ext cx="2199890" cy="2199890"/>
+          </a:xfrm>
+          <a:prstGeom prst="rect">
+            <a:avLst/>
+          </a:prstGeom>
+        </p:spPr>
+      </p:pic>
+      <p:pic>
+        <p:nvPicPr>
+          <p:cNvPr id="15" name="Picture 14">
+            <a:extLst>
+              <a:ext uri="{FF2B5EF4-FFF2-40B4-BE49-F238E27FC236}">
+                <a16:creationId xmlns:a16="http://schemas.microsoft.com/office/drawing/2014/main" id="{2CCBA91E-8E8C-C606-56BA-661F859BC9D6}"/>
+              </a:ext>
+            </a:extLst>
+          </p:cNvPr>
+          <p:cNvPicPr>
+            <a:picLocks noChangeAspect="1"/>
+          </p:cNvPicPr>
+          <p:nvPr/>
+        </p:nvPicPr>
+        <p:blipFill>
+          <a:blip r:embed="rId6">
+            <a:extLst>
+              <a:ext uri="{28A0092B-C50C-407E-A947-70E740481C1C}">
+                <a14:useLocalDpi xmlns:a14="http://schemas.microsoft.com/office/drawing/2010/main" val="0"/>
+              </a:ext>
+            </a:extLst>
+          </a:blip>
+          <a:stretch>
+            <a:fillRect/>
+          </a:stretch>
+        </p:blipFill>
+        <p:spPr>
+          <a:xfrm>
+            <a:off x="999085" y="5202107"/>
+            <a:ext cx="3495675" cy="1304925"/>
+          </a:xfrm>
+          <a:prstGeom prst="rect">
+            <a:avLst/>
+          </a:prstGeom>
+        </p:spPr>
+      </p:pic>
+      <p:pic>
+        <p:nvPicPr>
+          <p:cNvPr id="17" name="Picture 16">
+            <a:extLst>
+              <a:ext uri="{FF2B5EF4-FFF2-40B4-BE49-F238E27FC236}">
+                <a16:creationId xmlns:a16="http://schemas.microsoft.com/office/drawing/2014/main" id="{2506B7C5-C660-3085-B635-75657E8D566E}"/>
+              </a:ext>
+            </a:extLst>
+          </p:cNvPr>
+          <p:cNvPicPr>
+            <a:picLocks noChangeAspect="1"/>
+          </p:cNvPicPr>
+          <p:nvPr/>
+        </p:nvPicPr>
+        <p:blipFill>
+          <a:blip r:embed="rId7">
+            <a:extLst>
+              <a:ext uri="{28A0092B-C50C-407E-A947-70E740481C1C}">
+                <a14:useLocalDpi xmlns:a14="http://schemas.microsoft.com/office/drawing/2010/main" val="0"/>
+              </a:ext>
+            </a:extLst>
+          </a:blip>
+          <a:stretch>
+            <a:fillRect/>
+          </a:stretch>
+        </p:blipFill>
+        <p:spPr>
+          <a:xfrm>
+            <a:off x="7844439" y="5250512"/>
+            <a:ext cx="3829050" cy="1390650"/>
+          </a:xfrm>
+          <a:prstGeom prst="rect">
+            <a:avLst/>
+          </a:prstGeom>
+        </p:spPr>
+      </p:pic>
+    </p:spTree>
+    <p:extLst>
+      <p:ext uri="{BB962C8B-B14F-4D97-AF65-F5344CB8AC3E}">
+        <p14:creationId xmlns:p14="http://schemas.microsoft.com/office/powerpoint/2010/main" val="3045748797"/>
+      </p:ext>
+    </p:extLst>
+  </p:cSld>
+  <p:clrMapOvr>
+    <a:masterClrMapping/>
+  </p:clrMapOvr>
+  <mc:AlternateContent xmlns:mc="http://schemas.openxmlformats.org/markup-compatibility/2006" xmlns:p14="http://schemas.microsoft.com/office/powerpoint/2010/main">
+    <mc:Choice Requires="p14">
+      <p:transition spd="med" p14:dur="700">
+        <p:fade/>
+      </p:transition>
+    </mc:Choice>
+    <mc:Fallback xmlns="">
+      <p:transition spd="med">
+        <p:fade/>
+      </p:transition>
+    </mc:Fallback>
+  </mc:AlternateContent>
+</p:sld>
+</file>
+
+<file path=ppt/slides/slide27.xml><?xml version="1.0" encoding="utf-8"?>
+<p:sld xmlns:a="http://schemas.openxmlformats.org/drawingml/2006/main" xmlns:r="http://schemas.openxmlformats.org/officeDocument/2006/relationships" xmlns:p="http://schemas.openxmlformats.org/presentationml/2006/main">
+  <p:cSld>
+    <p:spTree>
+      <p:nvGrpSpPr>
+        <p:cNvPr id="1" name=""/>
+        <p:cNvGrpSpPr/>
+        <p:nvPr/>
+      </p:nvGrpSpPr>
+      <p:grpSpPr>
+        <a:xfrm>
+          <a:off x="0" y="0"/>
+          <a:ext cx="0" cy="0"/>
+          <a:chOff x="0" y="0"/>
+          <a:chExt cx="0" cy="0"/>
+        </a:xfrm>
+      </p:grpSpPr>
+      <p:sp>
+        <p:nvSpPr>
+          <p:cNvPr id="2" name="Title 1">
+            <a:extLst>
+              <a:ext uri="{FF2B5EF4-FFF2-40B4-BE49-F238E27FC236}">
+                <a16:creationId xmlns:a16="http://schemas.microsoft.com/office/drawing/2014/main" id="{04D47729-8FD8-0D9D-A19A-E17FF1E96435}"/>
+              </a:ext>
+            </a:extLst>
+          </p:cNvPr>
+          <p:cNvSpPr>
+            <a:spLocks noGrp="1"/>
+          </p:cNvSpPr>
+          <p:nvPr>
+            <p:ph type="title"/>
+          </p:nvPr>
+        </p:nvSpPr>
+        <p:spPr/>
+        <p:txBody>
+          <a:bodyPr/>
+          <a:lstStyle/>
+          <a:p>
+            <a:r>
+              <a:rPr lang="en-GB" dirty="0"/>
+              <a:t>Conclusions</a:t>
+            </a:r>
+          </a:p>
+        </p:txBody>
+      </p:sp>
+      <p:sp>
+        <p:nvSpPr>
+          <p:cNvPr id="3" name="Content Placeholder 2">
+            <a:extLst>
+              <a:ext uri="{FF2B5EF4-FFF2-40B4-BE49-F238E27FC236}">
+                <a16:creationId xmlns:a16="http://schemas.microsoft.com/office/drawing/2014/main" id="{603A7507-7BE8-AB3E-966B-3D48966F1B4A}"/>
+              </a:ext>
+            </a:extLst>
+          </p:cNvPr>
+          <p:cNvSpPr>
+            <a:spLocks noGrp="1"/>
+          </p:cNvSpPr>
+          <p:nvPr>
+            <p:ph idx="1"/>
+          </p:nvPr>
+        </p:nvSpPr>
+        <p:spPr/>
+        <p:txBody>
+          <a:bodyPr>
+            <a:normAutofit fontScale="92500" lnSpcReduction="10000"/>
+          </a:bodyPr>
+          <a:lstStyle/>
+          <a:p>
+            <a:pPr marL="514350" indent="-514350">
+              <a:buFont typeface="+mj-lt"/>
+              <a:buAutoNum type="arabicPeriod"/>
+            </a:pPr>
+            <a:r>
+              <a:rPr lang="en-GB" dirty="0"/>
+              <a:t>RabbitMQ can support a lot of messaging protocols.</a:t>
+            </a:r>
+          </a:p>
+          <a:p>
+            <a:pPr marL="514350" indent="-514350">
+              <a:buFont typeface="+mj-lt"/>
+              <a:buAutoNum type="arabicPeriod"/>
+            </a:pPr>
+            <a:r>
+              <a:rPr lang="en-GB" dirty="0"/>
+              <a:t>RabbitMQ is uncomplicated to use, reliable, scalable, available, secure, affordable, fault-tolerant and efficient.</a:t>
+            </a:r>
+          </a:p>
+          <a:p>
+            <a:pPr marL="514350" indent="-514350">
+              <a:buFont typeface="+mj-lt"/>
+              <a:buAutoNum type="arabicPeriod"/>
+            </a:pPr>
+            <a:r>
+              <a:rPr lang="en-GB" dirty="0"/>
+              <a:t>There are many libraries available to implement it.</a:t>
+            </a:r>
+          </a:p>
+          <a:p>
+            <a:pPr marL="514350" indent="-514350">
+              <a:buFont typeface="+mj-lt"/>
+              <a:buAutoNum type="arabicPeriod"/>
+            </a:pPr>
+            <a:r>
+              <a:rPr lang="en-GB" dirty="0"/>
+              <a:t>The exchange is a key element in a message-broker.</a:t>
+            </a:r>
+          </a:p>
+          <a:p>
+            <a:pPr marL="514350" indent="-514350">
+              <a:buFont typeface="+mj-lt"/>
+              <a:buAutoNum type="arabicPeriod"/>
+            </a:pPr>
+            <a:r>
+              <a:rPr lang="en-GB" dirty="0"/>
+              <a:t>Many similarities between </a:t>
+            </a:r>
+            <a:r>
+              <a:rPr lang="en-GB" dirty="0" err="1"/>
+              <a:t>Apaches’</a:t>
+            </a:r>
+            <a:r>
+              <a:rPr lang="en-GB" dirty="0"/>
+              <a:t> VH and RabbitMQ’s VH.</a:t>
+            </a:r>
+          </a:p>
+          <a:p>
+            <a:pPr marL="514350" indent="-514350">
+              <a:buFont typeface="+mj-lt"/>
+              <a:buAutoNum type="arabicPeriod"/>
+            </a:pPr>
+            <a:r>
+              <a:rPr lang="en-GB" dirty="0"/>
+              <a:t>Every message has an “id” that makes it unique.</a:t>
+            </a:r>
+          </a:p>
+          <a:p>
+            <a:pPr marL="514350" indent="-514350">
+              <a:buFont typeface="+mj-lt"/>
+              <a:buAutoNum type="arabicPeriod"/>
+            </a:pPr>
+            <a:r>
+              <a:rPr lang="en-GB" dirty="0"/>
+              <a:t>Is not perfect, but there are more advantages than disadvantages.</a:t>
+            </a:r>
+          </a:p>
+          <a:p>
+            <a:pPr marL="514350" indent="-514350">
+              <a:buFont typeface="+mj-lt"/>
+              <a:buAutoNum type="arabicPeriod"/>
+            </a:pPr>
+            <a:r>
+              <a:rPr lang="en-GB" dirty="0"/>
+              <a:t>Has a lot of competition in the market, but is the most chosen.</a:t>
+            </a:r>
+          </a:p>
+        </p:txBody>
+      </p:sp>
+    </p:spTree>
+    <p:extLst>
+      <p:ext uri="{BB962C8B-B14F-4D97-AF65-F5344CB8AC3E}">
+        <p14:creationId xmlns:p14="http://schemas.microsoft.com/office/powerpoint/2010/main" val="4076057846"/>
+      </p:ext>
+    </p:extLst>
+  </p:cSld>
+  <p:clrMapOvr>
+    <a:masterClrMapping/>
+  </p:clrMapOvr>
+  <mc:AlternateContent xmlns:mc="http://schemas.openxmlformats.org/markup-compatibility/2006" xmlns:p14="http://schemas.microsoft.com/office/powerpoint/2010/main">
+    <mc:Choice Requires="p14">
+      <p:transition spd="med" p14:dur="700">
+        <p:fade/>
+      </p:transition>
+    </mc:Choice>
+    <mc:Fallback xmlns="">
+      <p:transition spd="med">
+        <p:fade/>
+      </p:transition>
+    </mc:Fallback>
+  </mc:AlternateContent>
+</p:sld>
+</file>
+
+<file path=ppt/slides/slide28.xml><?xml version="1.0" encoding="utf-8"?>
+<p:sld xmlns:a="http://schemas.openxmlformats.org/drawingml/2006/main" xmlns:r="http://schemas.openxmlformats.org/officeDocument/2006/relationships" xmlns:p="http://schemas.openxmlformats.org/presentationml/2006/main">
+  <p:cSld>
+    <p:spTree>
+      <p:nvGrpSpPr>
+        <p:cNvPr id="1" name=""/>
+        <p:cNvGrpSpPr/>
+        <p:nvPr/>
+      </p:nvGrpSpPr>
+      <p:grpSpPr>
+        <a:xfrm>
+          <a:off x="0" y="0"/>
+          <a:ext cx="0" cy="0"/>
+          <a:chOff x="0" y="0"/>
+          <a:chExt cx="0" cy="0"/>
+        </a:xfrm>
+      </p:grpSpPr>
+      <p:sp>
+        <p:nvSpPr>
+          <p:cNvPr id="2" name="Title 1">
+            <a:extLst>
+              <a:ext uri="{FF2B5EF4-FFF2-40B4-BE49-F238E27FC236}">
                 <a16:creationId xmlns:a16="http://schemas.microsoft.com/office/drawing/2014/main" id="{E993B2CD-C015-92D7-5BC5-2CC994173D3A}"/>
               </a:ext>
             </a:extLst>
@@ -10008,15 +11246,185 @@
             <a:spLocks noGrp="1"/>
           </p:cNvSpPr>
           <p:nvPr>
-            <p:ph idx="1"/>
-          </p:nvPr>
-        </p:nvSpPr>
-        <p:spPr/>
-        <p:txBody>
-          <a:bodyPr/>
+            <p:ph sz="half" idx="1"/>
+          </p:nvPr>
+        </p:nvSpPr>
+        <p:spPr/>
+        <p:txBody>
+          <a:bodyPr>
+            <a:normAutofit fontScale="62500" lnSpcReduction="20000"/>
+          </a:bodyPr>
           <a:lstStyle/>
           <a:p>
-            <a:endParaRPr lang="en-GB"/>
+            <a:r>
+              <a:rPr lang="en-GB" dirty="0">
+                <a:hlinkClick r:id="rId2"/>
+              </a:rPr>
+              <a:t>https://en.wikipedia.org/wiki/RabbitMQ</a:t>
+            </a:r>
+            <a:endParaRPr lang="en-GB" dirty="0"/>
+          </a:p>
+          <a:p>
+            <a:r>
+              <a:rPr lang="en-GB" dirty="0">
+                <a:hlinkClick r:id="rId3"/>
+              </a:rPr>
+              <a:t>https://www.rabbitmq.com</a:t>
+            </a:r>
+            <a:endParaRPr lang="en-GB" dirty="0"/>
+          </a:p>
+          <a:p>
+            <a:r>
+              <a:rPr lang="en-GB" dirty="0">
+                <a:hlinkClick r:id="rId4"/>
+              </a:rPr>
+              <a:t>https://www.sdos.es/blog/microservicios-mensajes-spring-rabbitmq</a:t>
+            </a:r>
+            <a:endParaRPr lang="en-GB" dirty="0"/>
+          </a:p>
+          <a:p>
+            <a:r>
+              <a:rPr lang="en-GB" dirty="0">
+                <a:hlinkClick r:id="rId5"/>
+              </a:rPr>
+              <a:t>https://www.pragma.com.co/academia/lecciones/conozcamos-sobre-rabbitmq-sus-componentes-y-beneficios</a:t>
+            </a:r>
+            <a:endParaRPr lang="en-GB" dirty="0"/>
+          </a:p>
+          <a:p>
+            <a:r>
+              <a:rPr lang="en-GB" dirty="0">
+                <a:hlinkClick r:id="rId6"/>
+              </a:rPr>
+              <a:t>https://www.researchgate.net/publication/325119432/figure/fig5/AS:626093459505153@1526283721309/AMQP-architecture-34.png</a:t>
+            </a:r>
+            <a:endParaRPr lang="en-GB" dirty="0"/>
+          </a:p>
+          <a:p>
+            <a:r>
+              <a:rPr lang="en-GB" dirty="0">
+                <a:hlinkClick r:id="rId7"/>
+              </a:rPr>
+              <a:t>https://www.rabbitmq.com/protocols.html</a:t>
+            </a:r>
+            <a:endParaRPr lang="en-GB" dirty="0"/>
+          </a:p>
+          <a:p>
+            <a:r>
+              <a:rPr lang="en-GB" dirty="0">
+                <a:hlinkClick r:id="rId8"/>
+              </a:rPr>
+              <a:t>https://www.rabbitmq.com/vhosts.html</a:t>
+            </a:r>
+            <a:endParaRPr lang="en-GB" dirty="0"/>
+          </a:p>
+          <a:p>
+            <a:r>
+              <a:rPr lang="en-GB" dirty="0">
+                <a:hlinkClick r:id="rId9"/>
+              </a:rPr>
+              <a:t>https://www.luisllamas.es/que-es-mqtt-su-importancia-como-protocolo-iot/</a:t>
+            </a:r>
+            <a:endParaRPr lang="en-GB" dirty="0"/>
+          </a:p>
+        </p:txBody>
+      </p:sp>
+      <p:sp>
+        <p:nvSpPr>
+          <p:cNvPr id="4" name="Content Placeholder 3">
+            <a:extLst>
+              <a:ext uri="{FF2B5EF4-FFF2-40B4-BE49-F238E27FC236}">
+                <a16:creationId xmlns:a16="http://schemas.microsoft.com/office/drawing/2014/main" id="{D70B59FD-814A-8510-7176-F67D11519E6F}"/>
+              </a:ext>
+            </a:extLst>
+          </p:cNvPr>
+          <p:cNvSpPr>
+            <a:spLocks noGrp="1"/>
+          </p:cNvSpPr>
+          <p:nvPr>
+            <p:ph sz="half" idx="2"/>
+          </p:nvPr>
+        </p:nvSpPr>
+        <p:spPr/>
+        <p:txBody>
+          <a:bodyPr>
+            <a:normAutofit fontScale="62500" lnSpcReduction="20000"/>
+          </a:bodyPr>
+          <a:lstStyle/>
+          <a:p>
+            <a:r>
+              <a:rPr lang="en-GB" dirty="0">
+                <a:hlinkClick r:id="rId10"/>
+              </a:rPr>
+              <a:t>https://en.wikipedia.org/wiki/WebSocket</a:t>
+            </a:r>
+            <a:endParaRPr lang="en-GB" dirty="0"/>
+          </a:p>
+          <a:p>
+            <a:r>
+              <a:rPr lang="en-GB" dirty="0">
+                <a:hlinkClick r:id="rId11"/>
+              </a:rPr>
+              <a:t>http://stomp.github.io</a:t>
+            </a:r>
+            <a:endParaRPr lang="en-GB" dirty="0"/>
+          </a:p>
+          <a:p>
+            <a:r>
+              <a:rPr lang="en-GB" dirty="0">
+                <a:hlinkClick r:id="rId12"/>
+              </a:rPr>
+              <a:t>https://programmerclick.com/article/80671335987/</a:t>
+            </a:r>
+            <a:endParaRPr lang="en-GB" dirty="0"/>
+          </a:p>
+          <a:p>
+            <a:r>
+              <a:rPr lang="en-GB" dirty="0">
+                <a:hlinkClick r:id="rId13"/>
+              </a:rPr>
+              <a:t>https://blog.devgenius.io/scalable-system-implementation-using-rabbitmq-java-and-mysql-2d5fe0fa182e</a:t>
+            </a:r>
+            <a:endParaRPr lang="en-GB" dirty="0"/>
+          </a:p>
+          <a:p>
+            <a:r>
+              <a:rPr lang="en-GB" dirty="0">
+                <a:hlinkClick r:id="rId14"/>
+              </a:rPr>
+              <a:t>https://blog.rabbitmq.com/posts/2012/05/some-queuing-theory-throughput-latency-and-bandwidth/</a:t>
+            </a:r>
+            <a:endParaRPr lang="en-GB" dirty="0"/>
+          </a:p>
+          <a:p>
+            <a:r>
+              <a:rPr lang="en-GB" dirty="0">
+                <a:hlinkClick r:id="rId15"/>
+              </a:rPr>
+              <a:t>https://medium.com/codait/handling-failure-successfully-in-rabbitmq-22ffa982b60f</a:t>
+            </a:r>
+            <a:endParaRPr lang="en-GB" dirty="0"/>
+          </a:p>
+          <a:p>
+            <a:r>
+              <a:rPr lang="en-GB" dirty="0">
+                <a:hlinkClick r:id="rId16"/>
+              </a:rPr>
+              <a:t>https://www.rabbitmq.com/management.html</a:t>
+            </a:r>
+            <a:endParaRPr lang="en-GB" dirty="0"/>
+          </a:p>
+          <a:p>
+            <a:r>
+              <a:rPr lang="en-GB" dirty="0">
+                <a:hlinkClick r:id="rId17"/>
+              </a:rPr>
+              <a:t>https://geekflare.com/es/top-message-brokers/</a:t>
+            </a:r>
+            <a:endParaRPr lang="en-GB" dirty="0"/>
+          </a:p>
+          <a:p>
+            <a:endParaRPr lang="en-GB" dirty="0"/>
           </a:p>
         </p:txBody>
       </p:sp>
@@ -11865,142 +13273,6 @@
 </file>
 
 <file path=customXml/item1.xml><?xml version="1.0" encoding="utf-8"?>
-<p:properties xmlns:p="http://schemas.microsoft.com/office/2006/metadata/properties" xmlns:xsi="http://www.w3.org/2001/XMLSchema-instance" xmlns:pc="http://schemas.microsoft.com/office/infopath/2007/PartnerControls">
-  <documentManagement>
-    <LocPublishedLinkedAssetsLookup xmlns="4873beb7-5857-4685-be1f-d57550cc96cc" xsi:nil="true"/>
-    <ApprovalStatus xmlns="4873beb7-5857-4685-be1f-d57550cc96cc">InProgress</ApprovalStatus>
-    <MarketSpecific xmlns="4873beb7-5857-4685-be1f-d57550cc96cc">false</MarketSpecific>
-    <LocComments xmlns="4873beb7-5857-4685-be1f-d57550cc96cc" xsi:nil="true"/>
-    <LocLastLocAttemptVersionTypeLookup xmlns="4873beb7-5857-4685-be1f-d57550cc96cc" xsi:nil="true"/>
-    <DirectSourceMarket xmlns="4873beb7-5857-4685-be1f-d57550cc96cc" xsi:nil="true"/>
-    <ThumbnailAssetId xmlns="4873beb7-5857-4685-be1f-d57550cc96cc" xsi:nil="true"/>
-    <PrimaryImageGen xmlns="4873beb7-5857-4685-be1f-d57550cc96cc">false</PrimaryImageGen>
-    <LocNewPublishedVersionLookup xmlns="4873beb7-5857-4685-be1f-d57550cc96cc" xsi:nil="true"/>
-    <LegacyData xmlns="4873beb7-5857-4685-be1f-d57550cc96cc" xsi:nil="true"/>
-    <LocRecommendedHandoff xmlns="4873beb7-5857-4685-be1f-d57550cc96cc" xsi:nil="true"/>
-    <BusinessGroup xmlns="4873beb7-5857-4685-be1f-d57550cc96cc" xsi:nil="true"/>
-    <BlockPublish xmlns="4873beb7-5857-4685-be1f-d57550cc96cc">false</BlockPublish>
-    <TPFriendlyName xmlns="4873beb7-5857-4685-be1f-d57550cc96cc" xsi:nil="true"/>
-    <LocOverallPublishStatusLookup xmlns="4873beb7-5857-4685-be1f-d57550cc96cc" xsi:nil="true"/>
-    <NumericId xmlns="4873beb7-5857-4685-be1f-d57550cc96cc" xsi:nil="true"/>
-    <APEditor xmlns="4873beb7-5857-4685-be1f-d57550cc96cc">
-      <UserInfo>
-        <DisplayName/>
-        <AccountId xsi:nil="true"/>
-        <AccountType/>
-      </UserInfo>
-    </APEditor>
-    <SourceTitle xmlns="4873beb7-5857-4685-be1f-d57550cc96cc" xsi:nil="true"/>
-    <OpenTemplate xmlns="4873beb7-5857-4685-be1f-d57550cc96cc">true</OpenTemplate>
-    <LocOverallLocStatusLookup xmlns="4873beb7-5857-4685-be1f-d57550cc96cc" xsi:nil="true"/>
-    <UALocComments xmlns="4873beb7-5857-4685-be1f-d57550cc96cc" xsi:nil="true"/>
-    <ParentAssetId xmlns="4873beb7-5857-4685-be1f-d57550cc96cc" xsi:nil="true"/>
-    <IntlLangReviewDate xmlns="4873beb7-5857-4685-be1f-d57550cc96cc" xsi:nil="true"/>
-    <FeatureTagsTaxHTField0 xmlns="4873beb7-5857-4685-be1f-d57550cc96cc">
-      <Terms xmlns="http://schemas.microsoft.com/office/infopath/2007/PartnerControls"/>
-    </FeatureTagsTaxHTField0>
-    <PublishStatusLookup xmlns="4873beb7-5857-4685-be1f-d57550cc96cc">
-      <Value>1345093</Value>
-    </PublishStatusLookup>
-    <Providers xmlns="4873beb7-5857-4685-be1f-d57550cc96cc" xsi:nil="true"/>
-    <MachineTranslated xmlns="4873beb7-5857-4685-be1f-d57550cc96cc">false</MachineTranslated>
-    <OriginalSourceMarket xmlns="4873beb7-5857-4685-be1f-d57550cc96cc" xsi:nil="true"/>
-    <APDescription xmlns="4873beb7-5857-4685-be1f-d57550cc96cc">This simple template design works for technology and  businesses, but it's versatile enough to use in other contexts.  It features multiple slide layouts designed for widescreen (16x9 resolution) and includes a sample SmartArt list and chart that are easily editable.</APDescription>
-    <ClipArtFilename xmlns="4873beb7-5857-4685-be1f-d57550cc96cc" xsi:nil="true"/>
-    <ContentItem xmlns="4873beb7-5857-4685-be1f-d57550cc96cc" xsi:nil="true"/>
-    <TPInstallLocation xmlns="4873beb7-5857-4685-be1f-d57550cc96cc" xsi:nil="true"/>
-    <PublishTargets xmlns="4873beb7-5857-4685-be1f-d57550cc96cc">OfficeOnlineVNext</PublishTargets>
-    <TimesCloned xmlns="4873beb7-5857-4685-be1f-d57550cc96cc" xsi:nil="true"/>
-    <AssetStart xmlns="4873beb7-5857-4685-be1f-d57550cc96cc">2011-11-26T00:30:00+00:00</AssetStart>
-    <Provider xmlns="4873beb7-5857-4685-be1f-d57550cc96cc" xsi:nil="true"/>
-    <AcquiredFrom xmlns="4873beb7-5857-4685-be1f-d57550cc96cc">Internal MS</AcquiredFrom>
-    <FriendlyTitle xmlns="4873beb7-5857-4685-be1f-d57550cc96cc" xsi:nil="true"/>
-    <LastHandOff xmlns="4873beb7-5857-4685-be1f-d57550cc96cc" xsi:nil="true"/>
-    <TPClientViewer xmlns="4873beb7-5857-4685-be1f-d57550cc96cc" xsi:nil="true"/>
-    <TemplateStatus xmlns="4873beb7-5857-4685-be1f-d57550cc96cc">Complete</TemplateStatus>
-    <Downloads xmlns="4873beb7-5857-4685-be1f-d57550cc96cc">0</Downloads>
-    <OOCacheId xmlns="4873beb7-5857-4685-be1f-d57550cc96cc" xsi:nil="true"/>
-    <IsDeleted xmlns="4873beb7-5857-4685-be1f-d57550cc96cc">false</IsDeleted>
-    <LocPublishedDependentAssetsLookup xmlns="4873beb7-5857-4685-be1f-d57550cc96cc" xsi:nil="true"/>
-    <TPExecutable xmlns="4873beb7-5857-4685-be1f-d57550cc96cc" xsi:nil="true"/>
-    <EditorialTags xmlns="4873beb7-5857-4685-be1f-d57550cc96cc" xsi:nil="true"/>
-    <SubmitterId xmlns="4873beb7-5857-4685-be1f-d57550cc96cc" xsi:nil="true"/>
-    <ApprovalLog xmlns="4873beb7-5857-4685-be1f-d57550cc96cc" xsi:nil="true"/>
-    <AssetType xmlns="4873beb7-5857-4685-be1f-d57550cc96cc">TP</AssetType>
-    <BugNumber xmlns="4873beb7-5857-4685-be1f-d57550cc96cc" xsi:nil="true"/>
-    <CSXSubmissionDate xmlns="4873beb7-5857-4685-be1f-d57550cc96cc" xsi:nil="true"/>
-    <CSXUpdate xmlns="4873beb7-5857-4685-be1f-d57550cc96cc">false</CSXUpdate>
-    <Milestone xmlns="4873beb7-5857-4685-be1f-d57550cc96cc" xsi:nil="true"/>
-    <RecommendationsModifier xmlns="4873beb7-5857-4685-be1f-d57550cc96cc" xsi:nil="true"/>
-    <OriginAsset xmlns="4873beb7-5857-4685-be1f-d57550cc96cc" xsi:nil="true"/>
-    <TPComponent xmlns="4873beb7-5857-4685-be1f-d57550cc96cc" xsi:nil="true"/>
-    <AssetId xmlns="4873beb7-5857-4685-be1f-d57550cc96cc">TP102787989</AssetId>
-    <IntlLocPriority xmlns="4873beb7-5857-4685-be1f-d57550cc96cc" xsi:nil="true"/>
-    <PolicheckWords xmlns="4873beb7-5857-4685-be1f-d57550cc96cc" xsi:nil="true"/>
-    <TPLaunchHelpLink xmlns="4873beb7-5857-4685-be1f-d57550cc96cc" xsi:nil="true"/>
-    <TPApplication xmlns="4873beb7-5857-4685-be1f-d57550cc96cc" xsi:nil="true"/>
-    <CrawlForDependencies xmlns="4873beb7-5857-4685-be1f-d57550cc96cc">false</CrawlForDependencies>
-    <HandoffToMSDN xmlns="4873beb7-5857-4685-be1f-d57550cc96cc" xsi:nil="true"/>
-    <PlannedPubDate xmlns="4873beb7-5857-4685-be1f-d57550cc96cc" xsi:nil="true"/>
-    <IntlLangReviewer xmlns="4873beb7-5857-4685-be1f-d57550cc96cc" xsi:nil="true"/>
-    <TrustLevel xmlns="4873beb7-5857-4685-be1f-d57550cc96cc">1 Microsoft Managed Content</TrustLevel>
-    <LocLastLocAttemptVersionLookup xmlns="4873beb7-5857-4685-be1f-d57550cc96cc">694266</LocLastLocAttemptVersionLookup>
-    <LocProcessedForHandoffsLookup xmlns="4873beb7-5857-4685-be1f-d57550cc96cc" xsi:nil="true"/>
-    <IsSearchable xmlns="4873beb7-5857-4685-be1f-d57550cc96cc">true</IsSearchable>
-    <TemplateTemplateType xmlns="4873beb7-5857-4685-be1f-d57550cc96cc">PowerPoint Presentation Template</TemplateTemplateType>
-    <CampaignTagsTaxHTField0 xmlns="4873beb7-5857-4685-be1f-d57550cc96cc">
-      <Terms xmlns="http://schemas.microsoft.com/office/infopath/2007/PartnerControls"/>
-    </CampaignTagsTaxHTField0>
-    <TPNamespace xmlns="4873beb7-5857-4685-be1f-d57550cc96cc" xsi:nil="true"/>
-    <LocOverallPreviewStatusLookup xmlns="4873beb7-5857-4685-be1f-d57550cc96cc" xsi:nil="true"/>
-    <TaxCatchAll xmlns="4873beb7-5857-4685-be1f-d57550cc96cc"/>
-    <Markets xmlns="4873beb7-5857-4685-be1f-d57550cc96cc"/>
-    <UAProjectedTotalWords xmlns="4873beb7-5857-4685-be1f-d57550cc96cc" xsi:nil="true"/>
-    <IntlLangReview xmlns="4873beb7-5857-4685-be1f-d57550cc96cc" xsi:nil="true"/>
-    <OutputCachingOn xmlns="4873beb7-5857-4685-be1f-d57550cc96cc">false</OutputCachingOn>
-    <AverageRating xmlns="4873beb7-5857-4685-be1f-d57550cc96cc" xsi:nil="true"/>
-    <APAuthor xmlns="4873beb7-5857-4685-be1f-d57550cc96cc">
-      <UserInfo>
-        <DisplayName>REDMOND\kristaa</DisplayName>
-        <AccountId>136</AccountId>
-        <AccountType/>
-      </UserInfo>
-    </APAuthor>
-    <LocManualTestRequired xmlns="4873beb7-5857-4685-be1f-d57550cc96cc">false</LocManualTestRequired>
-    <TPCommandLine xmlns="4873beb7-5857-4685-be1f-d57550cc96cc" xsi:nil="true"/>
-    <TPAppVersion xmlns="4873beb7-5857-4685-be1f-d57550cc96cc" xsi:nil="true"/>
-    <EditorialStatus xmlns="4873beb7-5857-4685-be1f-d57550cc96cc">Complete</EditorialStatus>
-    <LastModifiedDateTime xmlns="4873beb7-5857-4685-be1f-d57550cc96cc" xsi:nil="true"/>
-    <ScenarioTagsTaxHTField0 xmlns="4873beb7-5857-4685-be1f-d57550cc96cc">
-      <Terms xmlns="http://schemas.microsoft.com/office/infopath/2007/PartnerControls"/>
-    </ScenarioTagsTaxHTField0>
-    <LocProcessedForMarketsLookup xmlns="4873beb7-5857-4685-be1f-d57550cc96cc" xsi:nil="true"/>
-    <TPLaunchHelpLinkType xmlns="4873beb7-5857-4685-be1f-d57550cc96cc">Template</TPLaunchHelpLinkType>
-    <OriginalRelease xmlns="4873beb7-5857-4685-be1f-d57550cc96cc">15</OriginalRelease>
-    <LocalizationTagsTaxHTField0 xmlns="4873beb7-5857-4685-be1f-d57550cc96cc">
-      <Terms xmlns="http://schemas.microsoft.com/office/infopath/2007/PartnerControls"/>
-    </LocalizationTagsTaxHTField0>
-    <UACurrentWords xmlns="4873beb7-5857-4685-be1f-d57550cc96cc" xsi:nil="true"/>
-    <ArtSampleDocs xmlns="4873beb7-5857-4685-be1f-d57550cc96cc" xsi:nil="true"/>
-    <UALocRecommendation xmlns="4873beb7-5857-4685-be1f-d57550cc96cc">Localize</UALocRecommendation>
-    <Manager xmlns="4873beb7-5857-4685-be1f-d57550cc96cc" xsi:nil="true"/>
-    <LocOverallHandbackStatusLookup xmlns="4873beb7-5857-4685-be1f-d57550cc96cc" xsi:nil="true"/>
-    <ShowIn xmlns="4873beb7-5857-4685-be1f-d57550cc96cc">Show everywhere</ShowIn>
-    <UANotes xmlns="4873beb7-5857-4685-be1f-d57550cc96cc" xsi:nil="true"/>
-    <InternalTagsTaxHTField0 xmlns="4873beb7-5857-4685-be1f-d57550cc96cc">
-      <Terms xmlns="http://schemas.microsoft.com/office/infopath/2007/PartnerControls"/>
-    </InternalTagsTaxHTField0>
-    <CSXHash xmlns="4873beb7-5857-4685-be1f-d57550cc96cc" xsi:nil="true"/>
-    <VoteCount xmlns="4873beb7-5857-4685-be1f-d57550cc96cc" xsi:nil="true"/>
-    <AssetExpire xmlns="4873beb7-5857-4685-be1f-d57550cc96cc">2029-05-12T07:00:00+00:00</AssetExpire>
-    <DSATActionTaken xmlns="4873beb7-5857-4685-be1f-d57550cc96cc" xsi:nil="true"/>
-    <CSXSubmissionMarket xmlns="4873beb7-5857-4685-be1f-d57550cc96cc" xsi:nil="true"/>
-    <LocMarketGroupTiers2 xmlns="4873beb7-5857-4685-be1f-d57550cc96cc" xsi:nil="true"/>
-  </documentManagement>
-</p:properties>
-</file>
-
-<file path=customXml/item2.xml><?xml version="1.0" encoding="utf-8"?>
 <ct:contentTypeSchema xmlns:ct="http://schemas.microsoft.com/office/2006/metadata/contentType" xmlns:ma="http://schemas.microsoft.com/office/2006/metadata/properties/metaAttributes" ct:_="" ma:_="" ma:contentTypeName="TemplateFile" ma:contentTypeID="0x0101006EDDDB5EE6D98C44930B742096920B300400F5B6D36B3EF94B4E9A635CDF2A18F5B8" ma:contentTypeVersion="72" ma:contentTypeDescription="Create a new document." ma:contentTypeScope="" ma:versionID="a23e56308344d904b51738559c3d67c9">
   <xsd:schema xmlns:xsd="http://www.w3.org/2001/XMLSchema" xmlns:xs="http://www.w3.org/2001/XMLSchema" xmlns:p="http://schemas.microsoft.com/office/2006/metadata/properties" xmlns:ns2="4873beb7-5857-4685-be1f-d57550cc96cc" targetNamespace="http://schemas.microsoft.com/office/2006/metadata/properties" ma:root="true" ma:fieldsID="cd0908cc4600e77bf5da051303e00c8d" ns2:_="">
     <xsd:import namespace="4873beb7-5857-4685-be1f-d57550cc96cc"/>
@@ -13040,6 +14312,142 @@
 </ct:contentTypeSchema>
 </file>
 
+<file path=customXml/item2.xml><?xml version="1.0" encoding="utf-8"?>
+<p:properties xmlns:p="http://schemas.microsoft.com/office/2006/metadata/properties" xmlns:xsi="http://www.w3.org/2001/XMLSchema-instance" xmlns:pc="http://schemas.microsoft.com/office/infopath/2007/PartnerControls">
+  <documentManagement>
+    <LocPublishedLinkedAssetsLookup xmlns="4873beb7-5857-4685-be1f-d57550cc96cc" xsi:nil="true"/>
+    <ApprovalStatus xmlns="4873beb7-5857-4685-be1f-d57550cc96cc">InProgress</ApprovalStatus>
+    <MarketSpecific xmlns="4873beb7-5857-4685-be1f-d57550cc96cc">false</MarketSpecific>
+    <LocComments xmlns="4873beb7-5857-4685-be1f-d57550cc96cc" xsi:nil="true"/>
+    <LocLastLocAttemptVersionTypeLookup xmlns="4873beb7-5857-4685-be1f-d57550cc96cc" xsi:nil="true"/>
+    <DirectSourceMarket xmlns="4873beb7-5857-4685-be1f-d57550cc96cc" xsi:nil="true"/>
+    <ThumbnailAssetId xmlns="4873beb7-5857-4685-be1f-d57550cc96cc" xsi:nil="true"/>
+    <PrimaryImageGen xmlns="4873beb7-5857-4685-be1f-d57550cc96cc">false</PrimaryImageGen>
+    <LocNewPublishedVersionLookup xmlns="4873beb7-5857-4685-be1f-d57550cc96cc" xsi:nil="true"/>
+    <LegacyData xmlns="4873beb7-5857-4685-be1f-d57550cc96cc" xsi:nil="true"/>
+    <LocRecommendedHandoff xmlns="4873beb7-5857-4685-be1f-d57550cc96cc" xsi:nil="true"/>
+    <BusinessGroup xmlns="4873beb7-5857-4685-be1f-d57550cc96cc" xsi:nil="true"/>
+    <BlockPublish xmlns="4873beb7-5857-4685-be1f-d57550cc96cc">false</BlockPublish>
+    <TPFriendlyName xmlns="4873beb7-5857-4685-be1f-d57550cc96cc" xsi:nil="true"/>
+    <LocOverallPublishStatusLookup xmlns="4873beb7-5857-4685-be1f-d57550cc96cc" xsi:nil="true"/>
+    <NumericId xmlns="4873beb7-5857-4685-be1f-d57550cc96cc" xsi:nil="true"/>
+    <APEditor xmlns="4873beb7-5857-4685-be1f-d57550cc96cc">
+      <UserInfo>
+        <DisplayName/>
+        <AccountId xsi:nil="true"/>
+        <AccountType/>
+      </UserInfo>
+    </APEditor>
+    <SourceTitle xmlns="4873beb7-5857-4685-be1f-d57550cc96cc" xsi:nil="true"/>
+    <OpenTemplate xmlns="4873beb7-5857-4685-be1f-d57550cc96cc">true</OpenTemplate>
+    <LocOverallLocStatusLookup xmlns="4873beb7-5857-4685-be1f-d57550cc96cc" xsi:nil="true"/>
+    <UALocComments xmlns="4873beb7-5857-4685-be1f-d57550cc96cc" xsi:nil="true"/>
+    <ParentAssetId xmlns="4873beb7-5857-4685-be1f-d57550cc96cc" xsi:nil="true"/>
+    <IntlLangReviewDate xmlns="4873beb7-5857-4685-be1f-d57550cc96cc" xsi:nil="true"/>
+    <FeatureTagsTaxHTField0 xmlns="4873beb7-5857-4685-be1f-d57550cc96cc">
+      <Terms xmlns="http://schemas.microsoft.com/office/infopath/2007/PartnerControls"/>
+    </FeatureTagsTaxHTField0>
+    <PublishStatusLookup xmlns="4873beb7-5857-4685-be1f-d57550cc96cc">
+      <Value>1345093</Value>
+    </PublishStatusLookup>
+    <Providers xmlns="4873beb7-5857-4685-be1f-d57550cc96cc" xsi:nil="true"/>
+    <MachineTranslated xmlns="4873beb7-5857-4685-be1f-d57550cc96cc">false</MachineTranslated>
+    <OriginalSourceMarket xmlns="4873beb7-5857-4685-be1f-d57550cc96cc" xsi:nil="true"/>
+    <APDescription xmlns="4873beb7-5857-4685-be1f-d57550cc96cc">This simple template design works for technology and  businesses, but it's versatile enough to use in other contexts.  It features multiple slide layouts designed for widescreen (16x9 resolution) and includes a sample SmartArt list and chart that are easily editable.</APDescription>
+    <ClipArtFilename xmlns="4873beb7-5857-4685-be1f-d57550cc96cc" xsi:nil="true"/>
+    <ContentItem xmlns="4873beb7-5857-4685-be1f-d57550cc96cc" xsi:nil="true"/>
+    <TPInstallLocation xmlns="4873beb7-5857-4685-be1f-d57550cc96cc" xsi:nil="true"/>
+    <PublishTargets xmlns="4873beb7-5857-4685-be1f-d57550cc96cc">OfficeOnlineVNext</PublishTargets>
+    <TimesCloned xmlns="4873beb7-5857-4685-be1f-d57550cc96cc" xsi:nil="true"/>
+    <AssetStart xmlns="4873beb7-5857-4685-be1f-d57550cc96cc">2011-11-26T00:30:00+00:00</AssetStart>
+    <Provider xmlns="4873beb7-5857-4685-be1f-d57550cc96cc" xsi:nil="true"/>
+    <AcquiredFrom xmlns="4873beb7-5857-4685-be1f-d57550cc96cc">Internal MS</AcquiredFrom>
+    <FriendlyTitle xmlns="4873beb7-5857-4685-be1f-d57550cc96cc" xsi:nil="true"/>
+    <LastHandOff xmlns="4873beb7-5857-4685-be1f-d57550cc96cc" xsi:nil="true"/>
+    <TPClientViewer xmlns="4873beb7-5857-4685-be1f-d57550cc96cc" xsi:nil="true"/>
+    <TemplateStatus xmlns="4873beb7-5857-4685-be1f-d57550cc96cc">Complete</TemplateStatus>
+    <Downloads xmlns="4873beb7-5857-4685-be1f-d57550cc96cc">0</Downloads>
+    <OOCacheId xmlns="4873beb7-5857-4685-be1f-d57550cc96cc" xsi:nil="true"/>
+    <IsDeleted xmlns="4873beb7-5857-4685-be1f-d57550cc96cc">false</IsDeleted>
+    <LocPublishedDependentAssetsLookup xmlns="4873beb7-5857-4685-be1f-d57550cc96cc" xsi:nil="true"/>
+    <TPExecutable xmlns="4873beb7-5857-4685-be1f-d57550cc96cc" xsi:nil="true"/>
+    <EditorialTags xmlns="4873beb7-5857-4685-be1f-d57550cc96cc" xsi:nil="true"/>
+    <SubmitterId xmlns="4873beb7-5857-4685-be1f-d57550cc96cc" xsi:nil="true"/>
+    <ApprovalLog xmlns="4873beb7-5857-4685-be1f-d57550cc96cc" xsi:nil="true"/>
+    <AssetType xmlns="4873beb7-5857-4685-be1f-d57550cc96cc">TP</AssetType>
+    <BugNumber xmlns="4873beb7-5857-4685-be1f-d57550cc96cc" xsi:nil="true"/>
+    <CSXSubmissionDate xmlns="4873beb7-5857-4685-be1f-d57550cc96cc" xsi:nil="true"/>
+    <CSXUpdate xmlns="4873beb7-5857-4685-be1f-d57550cc96cc">false</CSXUpdate>
+    <Milestone xmlns="4873beb7-5857-4685-be1f-d57550cc96cc" xsi:nil="true"/>
+    <RecommendationsModifier xmlns="4873beb7-5857-4685-be1f-d57550cc96cc" xsi:nil="true"/>
+    <OriginAsset xmlns="4873beb7-5857-4685-be1f-d57550cc96cc" xsi:nil="true"/>
+    <TPComponent xmlns="4873beb7-5857-4685-be1f-d57550cc96cc" xsi:nil="true"/>
+    <AssetId xmlns="4873beb7-5857-4685-be1f-d57550cc96cc">TP102787989</AssetId>
+    <IntlLocPriority xmlns="4873beb7-5857-4685-be1f-d57550cc96cc" xsi:nil="true"/>
+    <PolicheckWords xmlns="4873beb7-5857-4685-be1f-d57550cc96cc" xsi:nil="true"/>
+    <TPLaunchHelpLink xmlns="4873beb7-5857-4685-be1f-d57550cc96cc" xsi:nil="true"/>
+    <TPApplication xmlns="4873beb7-5857-4685-be1f-d57550cc96cc" xsi:nil="true"/>
+    <CrawlForDependencies xmlns="4873beb7-5857-4685-be1f-d57550cc96cc">false</CrawlForDependencies>
+    <HandoffToMSDN xmlns="4873beb7-5857-4685-be1f-d57550cc96cc" xsi:nil="true"/>
+    <PlannedPubDate xmlns="4873beb7-5857-4685-be1f-d57550cc96cc" xsi:nil="true"/>
+    <IntlLangReviewer xmlns="4873beb7-5857-4685-be1f-d57550cc96cc" xsi:nil="true"/>
+    <TrustLevel xmlns="4873beb7-5857-4685-be1f-d57550cc96cc">1 Microsoft Managed Content</TrustLevel>
+    <LocLastLocAttemptVersionLookup xmlns="4873beb7-5857-4685-be1f-d57550cc96cc">694266</LocLastLocAttemptVersionLookup>
+    <LocProcessedForHandoffsLookup xmlns="4873beb7-5857-4685-be1f-d57550cc96cc" xsi:nil="true"/>
+    <IsSearchable xmlns="4873beb7-5857-4685-be1f-d57550cc96cc">true</IsSearchable>
+    <TemplateTemplateType xmlns="4873beb7-5857-4685-be1f-d57550cc96cc">PowerPoint Presentation Template</TemplateTemplateType>
+    <CampaignTagsTaxHTField0 xmlns="4873beb7-5857-4685-be1f-d57550cc96cc">
+      <Terms xmlns="http://schemas.microsoft.com/office/infopath/2007/PartnerControls"/>
+    </CampaignTagsTaxHTField0>
+    <TPNamespace xmlns="4873beb7-5857-4685-be1f-d57550cc96cc" xsi:nil="true"/>
+    <LocOverallPreviewStatusLookup xmlns="4873beb7-5857-4685-be1f-d57550cc96cc" xsi:nil="true"/>
+    <TaxCatchAll xmlns="4873beb7-5857-4685-be1f-d57550cc96cc"/>
+    <Markets xmlns="4873beb7-5857-4685-be1f-d57550cc96cc"/>
+    <UAProjectedTotalWords xmlns="4873beb7-5857-4685-be1f-d57550cc96cc" xsi:nil="true"/>
+    <IntlLangReview xmlns="4873beb7-5857-4685-be1f-d57550cc96cc" xsi:nil="true"/>
+    <OutputCachingOn xmlns="4873beb7-5857-4685-be1f-d57550cc96cc">false</OutputCachingOn>
+    <AverageRating xmlns="4873beb7-5857-4685-be1f-d57550cc96cc" xsi:nil="true"/>
+    <APAuthor xmlns="4873beb7-5857-4685-be1f-d57550cc96cc">
+      <UserInfo>
+        <DisplayName>REDMOND\kristaa</DisplayName>
+        <AccountId>136</AccountId>
+        <AccountType/>
+      </UserInfo>
+    </APAuthor>
+    <LocManualTestRequired xmlns="4873beb7-5857-4685-be1f-d57550cc96cc">false</LocManualTestRequired>
+    <TPCommandLine xmlns="4873beb7-5857-4685-be1f-d57550cc96cc" xsi:nil="true"/>
+    <TPAppVersion xmlns="4873beb7-5857-4685-be1f-d57550cc96cc" xsi:nil="true"/>
+    <EditorialStatus xmlns="4873beb7-5857-4685-be1f-d57550cc96cc">Complete</EditorialStatus>
+    <LastModifiedDateTime xmlns="4873beb7-5857-4685-be1f-d57550cc96cc" xsi:nil="true"/>
+    <ScenarioTagsTaxHTField0 xmlns="4873beb7-5857-4685-be1f-d57550cc96cc">
+      <Terms xmlns="http://schemas.microsoft.com/office/infopath/2007/PartnerControls"/>
+    </ScenarioTagsTaxHTField0>
+    <LocProcessedForMarketsLookup xmlns="4873beb7-5857-4685-be1f-d57550cc96cc" xsi:nil="true"/>
+    <TPLaunchHelpLinkType xmlns="4873beb7-5857-4685-be1f-d57550cc96cc">Template</TPLaunchHelpLinkType>
+    <OriginalRelease xmlns="4873beb7-5857-4685-be1f-d57550cc96cc">15</OriginalRelease>
+    <LocalizationTagsTaxHTField0 xmlns="4873beb7-5857-4685-be1f-d57550cc96cc">
+      <Terms xmlns="http://schemas.microsoft.com/office/infopath/2007/PartnerControls"/>
+    </LocalizationTagsTaxHTField0>
+    <UACurrentWords xmlns="4873beb7-5857-4685-be1f-d57550cc96cc" xsi:nil="true"/>
+    <ArtSampleDocs xmlns="4873beb7-5857-4685-be1f-d57550cc96cc" xsi:nil="true"/>
+    <UALocRecommendation xmlns="4873beb7-5857-4685-be1f-d57550cc96cc">Localize</UALocRecommendation>
+    <Manager xmlns="4873beb7-5857-4685-be1f-d57550cc96cc" xsi:nil="true"/>
+    <LocOverallHandbackStatusLookup xmlns="4873beb7-5857-4685-be1f-d57550cc96cc" xsi:nil="true"/>
+    <ShowIn xmlns="4873beb7-5857-4685-be1f-d57550cc96cc">Show everywhere</ShowIn>
+    <UANotes xmlns="4873beb7-5857-4685-be1f-d57550cc96cc" xsi:nil="true"/>
+    <InternalTagsTaxHTField0 xmlns="4873beb7-5857-4685-be1f-d57550cc96cc">
+      <Terms xmlns="http://schemas.microsoft.com/office/infopath/2007/PartnerControls"/>
+    </InternalTagsTaxHTField0>
+    <CSXHash xmlns="4873beb7-5857-4685-be1f-d57550cc96cc" xsi:nil="true"/>
+    <VoteCount xmlns="4873beb7-5857-4685-be1f-d57550cc96cc" xsi:nil="true"/>
+    <AssetExpire xmlns="4873beb7-5857-4685-be1f-d57550cc96cc">2029-05-12T07:00:00+00:00</AssetExpire>
+    <DSATActionTaken xmlns="4873beb7-5857-4685-be1f-d57550cc96cc" xsi:nil="true"/>
+    <CSXSubmissionMarket xmlns="4873beb7-5857-4685-be1f-d57550cc96cc" xsi:nil="true"/>
+    <LocMarketGroupTiers2 xmlns="4873beb7-5857-4685-be1f-d57550cc96cc" xsi:nil="true"/>
+  </documentManagement>
+</p:properties>
+</file>
+
 <file path=customXml/item3.xml><?xml version="1.0" encoding="utf-8"?>
 <?mso-contentType ?>
 <FormTemplates xmlns="http://schemas.microsoft.com/sharepoint/v3/contenttype/forms">
@@ -13050,22 +14458,6 @@
 </file>
 
 <file path=customXml/itemProps1.xml><?xml version="1.0" encoding="utf-8"?>
-<ds:datastoreItem xmlns:ds="http://schemas.openxmlformats.org/officeDocument/2006/customXml" ds:itemID="{60C67BEE-D13F-4BD2-98A5-34D8A0977F68}">
-  <ds:schemaRefs>
-    <ds:schemaRef ds:uri="4873beb7-5857-4685-be1f-d57550cc96cc"/>
-    <ds:schemaRef ds:uri="http://schemas.openxmlformats.org/package/2006/metadata/core-properties"/>
-    <ds:schemaRef ds:uri="http://purl.org/dc/terms/"/>
-    <ds:schemaRef ds:uri="http://schemas.microsoft.com/office/2006/documentManagement/types"/>
-    <ds:schemaRef ds:uri="http://purl.org/dc/elements/1.1/"/>
-    <ds:schemaRef ds:uri="http://schemas.microsoft.com/office/2006/metadata/properties"/>
-    <ds:schemaRef ds:uri="http://schemas.microsoft.com/office/infopath/2007/PartnerControls"/>
-    <ds:schemaRef ds:uri="http://www.w3.org/XML/1998/namespace"/>
-    <ds:schemaRef ds:uri="http://purl.org/dc/dcmitype/"/>
-  </ds:schemaRefs>
-</ds:datastoreItem>
-</file>
-
-<file path=customXml/itemProps2.xml><?xml version="1.0" encoding="utf-8"?>
 <ds:datastoreItem xmlns:ds="http://schemas.openxmlformats.org/officeDocument/2006/customXml" ds:itemID="{A09BF4D4-EF60-4196-BFC3-9462D607978C}">
   <ds:schemaRefs>
     <ds:schemaRef ds:uri="http://schemas.microsoft.com/office/2006/metadata/contentType"/>
@@ -13083,6 +14475,22 @@
 </ds:datastoreItem>
 </file>
 
+<file path=customXml/itemProps2.xml><?xml version="1.0" encoding="utf-8"?>
+<ds:datastoreItem xmlns:ds="http://schemas.openxmlformats.org/officeDocument/2006/customXml" ds:itemID="{60C67BEE-D13F-4BD2-98A5-34D8A0977F68}">
+  <ds:schemaRefs>
+    <ds:schemaRef ds:uri="4873beb7-5857-4685-be1f-d57550cc96cc"/>
+    <ds:schemaRef ds:uri="http://schemas.openxmlformats.org/package/2006/metadata/core-properties"/>
+    <ds:schemaRef ds:uri="http://purl.org/dc/terms/"/>
+    <ds:schemaRef ds:uri="http://schemas.microsoft.com/office/2006/documentManagement/types"/>
+    <ds:schemaRef ds:uri="http://purl.org/dc/elements/1.1/"/>
+    <ds:schemaRef ds:uri="http://schemas.microsoft.com/office/2006/metadata/properties"/>
+    <ds:schemaRef ds:uri="http://schemas.microsoft.com/office/infopath/2007/PartnerControls"/>
+    <ds:schemaRef ds:uri="http://www.w3.org/XML/1998/namespace"/>
+    <ds:schemaRef ds:uri="http://purl.org/dc/dcmitype/"/>
+  </ds:schemaRefs>
+</ds:datastoreItem>
+</file>
+
 <file path=customXml/itemProps3.xml><?xml version="1.0" encoding="utf-8"?>
 <ds:datastoreItem xmlns:ds="http://schemas.openxmlformats.org/officeDocument/2006/customXml" ds:itemID="{3836F65B-1B07-41EE-A0E8-BC6EF3855225}">
   <ds:schemaRefs>
